--- a/Document/body.pptx
+++ b/Document/body.pptx
@@ -17,8 +17,8 @@
     <p:sldId id="257" r:id="rId5"/>
     <p:sldId id="258" r:id="rId6"/>
     <p:sldId id="259" r:id="rId7"/>
-    <p:sldId id="260" r:id="rId8"/>
-    <p:sldId id="269" r:id="rId9"/>
+    <p:sldId id="269" r:id="rId8"/>
+    <p:sldId id="271" r:id="rId9"/>
     <p:sldId id="270" r:id="rId10"/>
   </p:sldIdLst>
   <p:sldSz cx="6858000" cy="9144000" type="screen4x3"/>
@@ -3680,7 +3680,7 @@
         </p:nvSpPr>
         <p:spPr>
           <a:xfrm>
-            <a:off x="342900" y="8475134"/>
+            <a:off x="342900" y="8729134"/>
             <a:ext cx="1600200" cy="486833"/>
           </a:xfrm>
           <a:prstGeom prst="rect">
@@ -3721,7 +3721,7 @@
         </p:nvSpPr>
         <p:spPr>
           <a:xfrm>
-            <a:off x="2343150" y="8475134"/>
+            <a:off x="2343150" y="8729134"/>
             <a:ext cx="2171700" cy="486833"/>
           </a:xfrm>
           <a:prstGeom prst="rect">
@@ -3770,7 +3770,7 @@
         </p:nvSpPr>
         <p:spPr>
           <a:xfrm>
-            <a:off x="4914900" y="8475134"/>
+            <a:off x="4914900" y="8729134"/>
             <a:ext cx="1600200" cy="486833"/>
           </a:xfrm>
           <a:prstGeom prst="rect">
@@ -4660,7 +4660,7 @@
         <p:spPr>
           <a:xfrm>
             <a:off x="57151" y="1143000"/>
-            <a:ext cx="6800850" cy="6740308"/>
+            <a:ext cx="6800850" cy="7879080"/>
           </a:xfrm>
           <a:prstGeom prst="rect">
             <a:avLst/>
@@ -4685,6 +4685,10 @@
               <a:rPr lang="ja-JP" altLang="en-US" sz="2800" dirty="0" smtClean="0"/>
               <a:t>みよう</a:t>
             </a:r>
+            <a:r>
+              <a:rPr lang="ja-JP" altLang="en-US" sz="2800" dirty="0" smtClean="0"/>
+              <a:t>（５分）</a:t>
+            </a:r>
             <a:endParaRPr lang="en-US" altLang="ja-JP" sz="2800" dirty="0"/>
           </a:p>
           <a:p>
@@ -4694,7 +4698,27 @@
             </a:pPr>
             <a:r>
               <a:rPr lang="ja-JP" altLang="en-US" sz="2800" dirty="0"/>
-              <a:t>プログラミングを体験しよう</a:t>
+              <a:t>プログラミングを体験</a:t>
+            </a:r>
+            <a:r>
+              <a:rPr lang="ja-JP" altLang="en-US" sz="2800" dirty="0"/>
+              <a:t>しよう</a:t>
+            </a:r>
+            <a:r>
+              <a:rPr lang="ja-JP" altLang="en-US" sz="2800" dirty="0" smtClean="0"/>
+              <a:t>（</a:t>
+            </a:r>
+            <a:r>
+              <a:rPr lang="ja-JP" altLang="en-US" sz="2800" dirty="0" smtClean="0"/>
+              <a:t>１０</a:t>
+            </a:r>
+            <a:r>
+              <a:rPr lang="ja-JP" altLang="en-US" sz="2800" dirty="0" smtClean="0"/>
+              <a:t>分</a:t>
+            </a:r>
+            <a:r>
+              <a:rPr lang="ja-JP" altLang="en-US" sz="2800" dirty="0"/>
+              <a:t>）</a:t>
             </a:r>
             <a:endParaRPr lang="en-US" altLang="ja-JP" sz="2800" dirty="0"/>
           </a:p>
@@ -4704,18 +4728,18 @@
               <a:buChar char="•"/>
             </a:pPr>
             <a:r>
-              <a:rPr lang="ja-JP" altLang="en-US" dirty="0"/>
-              <a:t>最初にこれから作る</a:t>
+              <a:rPr lang="en-US" altLang="ja-JP" dirty="0" smtClean="0"/>
+              <a:t>Processing</a:t>
             </a:r>
             <a:r>
               <a:rPr lang="ja-JP" altLang="en-US" dirty="0" smtClean="0"/>
-              <a:t>ゲーム</a:t>
+              <a:t>の</a:t>
             </a:r>
             <a:r>
               <a:rPr lang="ja-JP" altLang="en-US" dirty="0" smtClean="0"/>
-              <a:t>紹介</a:t>
-            </a:r>
-            <a:endParaRPr lang="en-US" altLang="ja-JP" dirty="0"/>
+              <a:t>起動</a:t>
+            </a:r>
+            <a:endParaRPr lang="en-US" altLang="ja-JP" dirty="0" smtClean="0"/>
           </a:p>
           <a:p>
             <a:pPr marL="914400" lvl="1" indent="-457200">
@@ -4723,18 +4747,10 @@
               <a:buChar char="•"/>
             </a:pPr>
             <a:r>
-              <a:rPr lang="en-US" altLang="ja-JP" dirty="0" smtClean="0"/>
-              <a:t>Processing</a:t>
-            </a:r>
-            <a:r>
               <a:rPr lang="ja-JP" altLang="en-US" dirty="0" smtClean="0"/>
-              <a:t>の</a:t>
-            </a:r>
-            <a:r>
-              <a:rPr lang="ja-JP" altLang="en-US" dirty="0" smtClean="0"/>
-              <a:t>起動</a:t>
-            </a:r>
-            <a:endParaRPr lang="en-US" altLang="ja-JP" dirty="0"/>
+              <a:t>四角形を表示</a:t>
+            </a:r>
+            <a:endParaRPr lang="en-US" altLang="ja-JP" dirty="0" smtClean="0"/>
           </a:p>
           <a:p>
             <a:pPr marL="914400" lvl="1" indent="-457200">
@@ -4743,19 +4759,22 @@
             </a:pPr>
             <a:r>
               <a:rPr lang="ja-JP" altLang="en-US" dirty="0"/>
-              <a:t>簡単</a:t>
-            </a:r>
+              <a:t>座標系の説明</a:t>
+            </a:r>
+            <a:endParaRPr lang="en-US" altLang="ja-JP" dirty="0" smtClean="0"/>
+          </a:p>
+          <a:p>
+            <a:pPr marL="914400" lvl="1" indent="-457200">
+              <a:buFont typeface="Arial"/>
+              <a:buChar char="•"/>
+            </a:pPr>
             <a:r>
               <a:rPr lang="ja-JP" altLang="en-US" dirty="0" smtClean="0"/>
-              <a:t>な</a:t>
+              <a:t>画像</a:t>
             </a:r>
             <a:r>
               <a:rPr lang="ja-JP" altLang="en-US" dirty="0" smtClean="0"/>
-              <a:t>図形の</a:t>
-            </a:r>
-            <a:r>
-              <a:rPr lang="ja-JP" altLang="en-US" dirty="0" smtClean="0"/>
-              <a:t>表示</a:t>
+              <a:t>の表示</a:t>
             </a:r>
             <a:endParaRPr lang="en-US" altLang="ja-JP" dirty="0"/>
           </a:p>
@@ -4766,7 +4785,27 @@
             </a:pPr>
             <a:r>
               <a:rPr lang="ja-JP" altLang="en-US" sz="2800" dirty="0"/>
-              <a:t>プログラミングに慣れてみよう</a:t>
+              <a:t>プログラミングに</a:t>
+            </a:r>
+            <a:r>
+              <a:rPr lang="ja-JP" altLang="en-US" sz="2800" dirty="0"/>
+              <a:t>慣れよう（</a:t>
+            </a:r>
+            <a:r>
+              <a:rPr lang="ja-JP" altLang="en-US" sz="2800" dirty="0" smtClean="0"/>
+              <a:t>１</a:t>
+            </a:r>
+            <a:r>
+              <a:rPr lang="ja-JP" altLang="en-US" sz="2800" dirty="0" smtClean="0"/>
+              <a:t>５</a:t>
+            </a:r>
+            <a:r>
+              <a:rPr lang="ja-JP" altLang="en-US" sz="2800" dirty="0" smtClean="0"/>
+              <a:t>分</a:t>
+            </a:r>
+            <a:r>
+              <a:rPr lang="ja-JP" altLang="en-US" sz="2800" dirty="0"/>
+              <a:t>）</a:t>
             </a:r>
             <a:endParaRPr lang="en-US" altLang="ja-JP" sz="2800" dirty="0"/>
           </a:p>
@@ -4777,11 +4816,7 @@
             </a:pPr>
             <a:r>
               <a:rPr lang="ja-JP" altLang="en-US" dirty="0" smtClean="0"/>
-              <a:t>変数</a:t>
-            </a:r>
-            <a:r>
-              <a:rPr lang="ja-JP" altLang="en-US" dirty="0" smtClean="0"/>
-              <a:t>の説明</a:t>
+              <a:t>変数の説明</a:t>
             </a:r>
             <a:endParaRPr lang="en-US" altLang="ja-JP" dirty="0"/>
           </a:p>
@@ -4795,14 +4830,14 @@
               <a:t>画像</a:t>
             </a:r>
             <a:r>
+              <a:rPr lang="ja-JP" altLang="en-US" dirty="0"/>
+              <a:t>を</a:t>
+            </a:r>
+            <a:r>
               <a:rPr lang="ja-JP" altLang="en-US" dirty="0" smtClean="0"/>
-              <a:t>の</a:t>
-            </a:r>
-            <a:r>
-              <a:rPr lang="ja-JP" altLang="en-US" dirty="0" smtClean="0"/>
-              <a:t>表示</a:t>
-            </a:r>
-            <a:endParaRPr lang="en-US" altLang="ja-JP" dirty="0"/>
+              <a:t>動かす</a:t>
+            </a:r>
+            <a:endParaRPr lang="en-US" altLang="ja-JP" dirty="0" smtClean="0"/>
           </a:p>
           <a:p>
             <a:pPr marL="914400" lvl="1" indent="-457200">
@@ -4810,18 +4845,45 @@
               <a:buChar char="•"/>
             </a:pPr>
             <a:r>
-              <a:rPr lang="en-US" altLang="ja-JP" dirty="0"/>
+              <a:rPr lang="en-US" altLang="ja-JP" dirty="0" err="1" smtClean="0"/>
               <a:t>if</a:t>
             </a:r>
             <a:r>
-              <a:rPr lang="ja-JP" altLang="en-US" dirty="0" smtClean="0"/>
-              <a:t>文</a:t>
-            </a:r>
-            <a:r>
-              <a:rPr lang="ja-JP" altLang="en-US" dirty="0" smtClean="0"/>
-              <a:t>の説明</a:t>
+              <a:rPr lang="en-US" altLang="en-US" dirty="0" err="1" smtClean="0"/>
+              <a:t>文の説明</a:t>
             </a:r>
             <a:endParaRPr lang="en-US" altLang="ja-JP" dirty="0"/>
+          </a:p>
+          <a:p>
+            <a:pPr marL="514350" indent="-514350">
+              <a:buFont typeface="+mj-lt"/>
+              <a:buAutoNum type="arabicPeriod"/>
+            </a:pPr>
+            <a:r>
+              <a:rPr lang="ja-JP" altLang="en-US" sz="2800" dirty="0"/>
+              <a:t>簡単シューティングゲームを</a:t>
+            </a:r>
+            <a:r>
+              <a:rPr lang="ja-JP" altLang="en-US" sz="2800" dirty="0"/>
+              <a:t>作ってみよう</a:t>
+            </a:r>
+            <a:r>
+              <a:rPr lang="ja-JP" altLang="en-US" sz="2800" dirty="0" smtClean="0"/>
+              <a:t>（</a:t>
+            </a:r>
+            <a:r>
+              <a:rPr lang="ja-JP" altLang="en-US" sz="2800" dirty="0" smtClean="0"/>
+              <a:t>２</a:t>
+            </a:r>
+            <a:r>
+              <a:rPr lang="ja-JP" altLang="en-US" sz="2800" dirty="0" smtClean="0"/>
+              <a:t>０分</a:t>
+            </a:r>
+            <a:r>
+              <a:rPr lang="ja-JP" altLang="en-US" sz="2800" dirty="0"/>
+              <a:t>）</a:t>
+            </a:r>
+            <a:endParaRPr lang="en-US" altLang="ja-JP" sz="2800" dirty="0"/>
           </a:p>
           <a:p>
             <a:pPr marL="914400" lvl="1" indent="-457200">
@@ -4830,15 +4892,37 @@
             </a:pPr>
             <a:r>
               <a:rPr lang="ja-JP" altLang="en-US" dirty="0"/>
-              <a:t>画像を</a:t>
+              <a:t>弾を</a:t>
             </a:r>
             <a:r>
               <a:rPr lang="ja-JP" altLang="en-US" dirty="0" smtClean="0"/>
-              <a:t>動</a:t>
-            </a:r>
+              <a:t>打つ</a:t>
+            </a:r>
+            <a:endParaRPr lang="en-US" altLang="ja-JP" dirty="0"/>
+          </a:p>
+          <a:p>
+            <a:pPr marL="914400" lvl="1" indent="-457200">
+              <a:buFont typeface="Arial"/>
+              <a:buChar char="•"/>
+            </a:pPr>
             <a:r>
               <a:rPr lang="ja-JP" altLang="en-US" dirty="0" smtClean="0"/>
-              <a:t>かす</a:t>
+              <a:t>敵の出現</a:t>
+            </a:r>
+            <a:endParaRPr lang="en-US" altLang="ja-JP" dirty="0"/>
+          </a:p>
+          <a:p>
+            <a:pPr marL="914400" lvl="1" indent="-457200">
+              <a:buFont typeface="Arial"/>
+              <a:buChar char="•"/>
+            </a:pPr>
+            <a:r>
+              <a:rPr lang="ja-JP" altLang="en-US" dirty="0"/>
+              <a:t>敵と弾の当たり</a:t>
+            </a:r>
+            <a:r>
+              <a:rPr lang="ja-JP" altLang="en-US" dirty="0" smtClean="0"/>
+              <a:t>判定</a:t>
             </a:r>
             <a:endParaRPr lang="en-US" altLang="ja-JP" dirty="0"/>
           </a:p>
@@ -4849,79 +4933,31 @@
             </a:pPr>
             <a:r>
               <a:rPr lang="ja-JP" altLang="en-US" sz="2800" dirty="0"/>
-              <a:t>簡単シューティングゲームを作ってみよう</a:t>
-            </a:r>
-            <a:endParaRPr lang="en-US" altLang="ja-JP" sz="2800" dirty="0"/>
-          </a:p>
-          <a:p>
-            <a:pPr marL="914400" lvl="1" indent="-457200">
-              <a:buFont typeface="Arial"/>
-              <a:buChar char="•"/>
-            </a:pPr>
-            <a:r>
-              <a:rPr lang="ja-JP" altLang="en-US" dirty="0"/>
-              <a:t>弾を</a:t>
-            </a:r>
-            <a:r>
-              <a:rPr lang="ja-JP" altLang="en-US" dirty="0" smtClean="0"/>
-              <a:t>打</a:t>
-            </a:r>
-            <a:r>
-              <a:rPr lang="ja-JP" altLang="en-US" dirty="0" smtClean="0"/>
-              <a:t>つ</a:t>
-            </a:r>
-            <a:endParaRPr lang="en-US" altLang="ja-JP" dirty="0"/>
-          </a:p>
-          <a:p>
-            <a:pPr marL="914400" lvl="1" indent="-457200">
-              <a:buFont typeface="Arial"/>
-              <a:buChar char="•"/>
-            </a:pPr>
-            <a:r>
-              <a:rPr lang="ja-JP" altLang="en-US" dirty="0" smtClean="0"/>
-              <a:t>敵</a:t>
-            </a:r>
-            <a:r>
-              <a:rPr lang="ja-JP" altLang="en-US" dirty="0" smtClean="0"/>
-              <a:t>の</a:t>
-            </a:r>
-            <a:r>
-              <a:rPr lang="ja-JP" altLang="en-US" dirty="0" smtClean="0"/>
-              <a:t>出現</a:t>
-            </a:r>
-            <a:endParaRPr lang="en-US" altLang="ja-JP" dirty="0"/>
-          </a:p>
-          <a:p>
-            <a:pPr marL="914400" lvl="1" indent="-457200">
-              <a:buFont typeface="Arial"/>
-              <a:buChar char="•"/>
-            </a:pPr>
-            <a:r>
-              <a:rPr lang="ja-JP" altLang="en-US" dirty="0"/>
-              <a:t>敵と弾の当たり</a:t>
-            </a:r>
-            <a:r>
-              <a:rPr lang="ja-JP" altLang="en-US" dirty="0" smtClean="0"/>
-              <a:t>判定</a:t>
-            </a:r>
-            <a:endParaRPr lang="en-US" altLang="ja-JP" dirty="0"/>
-          </a:p>
-          <a:p>
-            <a:pPr marL="514350" indent="-514350">
-              <a:buFont typeface="+mj-lt"/>
-              <a:buAutoNum type="arabicPeriod"/>
-            </a:pPr>
+              <a:t>本格シューティングゲーム</a:t>
+            </a:r>
+            <a:r>
+              <a:rPr lang="ja-JP" altLang="en-US" sz="2800" dirty="0" smtClean="0"/>
+              <a:t>を改造</a:t>
+            </a:r>
             <a:r>
               <a:rPr lang="ja-JP" altLang="en-US" sz="2800" dirty="0"/>
-              <a:t>本格シューティングゲーム</a:t>
+              <a:t>しよう</a:t>
             </a:r>
             <a:r>
               <a:rPr lang="ja-JP" altLang="en-US" sz="2800" dirty="0" smtClean="0"/>
-              <a:t>を</a:t>
+              <a:t>（</a:t>
             </a:r>
             <a:r>
               <a:rPr lang="ja-JP" altLang="en-US" sz="2800" dirty="0" smtClean="0"/>
-              <a:t>改造しよう</a:t>
+              <a:t>５</a:t>
+            </a:r>
+            <a:r>
+              <a:rPr lang="ja-JP" altLang="en-US" sz="2800" dirty="0" smtClean="0"/>
+              <a:t>分</a:t>
+            </a:r>
+            <a:r>
+              <a:rPr lang="ja-JP" altLang="en-US" sz="2800" dirty="0"/>
+              <a:t>）</a:t>
             </a:r>
             <a:endParaRPr lang="en-US" altLang="ja-JP" sz="2800" dirty="0" smtClean="0"/>
           </a:p>
@@ -4939,7 +4975,27 @@
             </a:r>
             <a:r>
               <a:rPr lang="ja-JP" altLang="en-US" sz="2800" dirty="0"/>
-              <a:t>のインストール</a:t>
+              <a:t>の</a:t>
+            </a:r>
+            <a:r>
+              <a:rPr lang="ja-JP" altLang="en-US" sz="2800" dirty="0"/>
+              <a:t>インストール</a:t>
+            </a:r>
+            <a:r>
+              <a:rPr lang="ja-JP" altLang="en-US" sz="2800" dirty="0" smtClean="0"/>
+              <a:t>（</a:t>
+            </a:r>
+            <a:r>
+              <a:rPr lang="ja-JP" altLang="en-US" sz="2800" dirty="0" smtClean="0"/>
+              <a:t>５</a:t>
+            </a:r>
+            <a:r>
+              <a:rPr lang="ja-JP" altLang="en-US" sz="2800" dirty="0" smtClean="0"/>
+              <a:t>分</a:t>
+            </a:r>
+            <a:r>
+              <a:rPr lang="ja-JP" altLang="en-US" sz="2800" dirty="0"/>
+              <a:t>）</a:t>
             </a:r>
             <a:endParaRPr lang="en-US" altLang="ja-JP" sz="2800" dirty="0"/>
           </a:p>
@@ -5057,10 +5113,12 @@
           <a:prstGeom prst="rect">
             <a:avLst/>
           </a:prstGeom>
-          <a:noFill/>
+          <a:solidFill>
+            <a:schemeClr val="tx1"/>
+          </a:solidFill>
           <a:ln w="57150" cmpd="thickThin">
             <a:solidFill>
-              <a:schemeClr val="tx1"/>
+              <a:schemeClr val="bg1"/>
             </a:solidFill>
           </a:ln>
         </p:spPr>
@@ -5071,18 +5129,26 @@
           <a:lstStyle/>
           <a:p>
             <a:r>
-              <a:rPr kumimoji="1" lang="en-US" altLang="ja-JP" sz="3200" dirty="0" smtClean="0"/>
+              <a:rPr kumimoji="1" lang="en-US" altLang="ja-JP" sz="3200" dirty="0" smtClean="0">
+                <a:solidFill>
+                  <a:srgbClr val="FFFFFF"/>
+                </a:solidFill>
+              </a:rPr>
               <a:t>1. </a:t>
             </a:r>
             <a:r>
-              <a:rPr kumimoji="1" lang="ja-JP" altLang="en-US" sz="3200" dirty="0" smtClean="0"/>
-              <a:t>ゲームで遊んでみよう</a:t>
-            </a:r>
-            <a:r>
-              <a:rPr kumimoji="1" lang="ja-JP" altLang="en-US" sz="3200" dirty="0" smtClean="0"/>
-              <a:t>！</a:t>
-            </a:r>
-            <a:endParaRPr kumimoji="1" lang="ja-JP" altLang="en-US" sz="3200" dirty="0"/>
+              <a:rPr kumimoji="1" lang="ja-JP" altLang="en-US" sz="3200" dirty="0" smtClean="0">
+                <a:solidFill>
+                  <a:srgbClr val="FFFFFF"/>
+                </a:solidFill>
+              </a:rPr>
+              <a:t>ゲームで遊んでみよう！</a:t>
+            </a:r>
+            <a:endParaRPr kumimoji="1" lang="ja-JP" altLang="en-US" sz="3200" dirty="0">
+              <a:solidFill>
+                <a:srgbClr val="FFFFFF"/>
+              </a:solidFill>
+            </a:endParaRPr>
           </a:p>
         </p:txBody>
       </p:sp>
@@ -5118,6 +5184,44 @@
               <a:t>最初にこれから作るゲームで遊んでみよう</a:t>
             </a:r>
             <a:endParaRPr kumimoji="1" lang="ja-JP" altLang="en-US" dirty="0"/>
+          </a:p>
+        </p:txBody>
+      </p:sp>
+      <p:sp>
+        <p:nvSpPr>
+          <p:cNvPr id="2" name="正方形/長方形 1"/>
+          <p:cNvSpPr/>
+          <p:nvPr/>
+        </p:nvSpPr>
+        <p:spPr>
+          <a:xfrm>
+            <a:off x="1054100" y="0"/>
+            <a:ext cx="1041400" cy="232413"/>
+          </a:xfrm>
+          <a:prstGeom prst="rect">
+            <a:avLst/>
+          </a:prstGeom>
+        </p:spPr>
+        <p:style>
+          <a:lnRef idx="1">
+            <a:schemeClr val="accent1"/>
+          </a:lnRef>
+          <a:fillRef idx="3">
+            <a:schemeClr val="accent1"/>
+          </a:fillRef>
+          <a:effectRef idx="2">
+            <a:schemeClr val="accent1"/>
+          </a:effectRef>
+          <a:fontRef idx="minor">
+            <a:schemeClr val="lt1"/>
+          </a:fontRef>
+        </p:style>
+        <p:txBody>
+          <a:bodyPr rtlCol="0" anchor="ctr"/>
+          <a:lstStyle/>
+          <a:p>
+            <a:pPr algn="ctr"/>
+            <a:endParaRPr kumimoji="1" lang="ja-JP" altLang="en-US"/>
           </a:p>
         </p:txBody>
       </p:sp>
@@ -5214,7 +5318,7 @@
         <p:spPr>
           <a:xfrm>
             <a:off x="323706" y="1373446"/>
-            <a:ext cx="3873176" cy="646331"/>
+            <a:ext cx="3225162" cy="1200329"/>
           </a:xfrm>
           <a:prstGeom prst="rect">
             <a:avLst/>
@@ -5228,24 +5332,35 @@
           <a:lstStyle/>
           <a:p>
             <a:r>
-              <a:rPr kumimoji="1" lang="ja-JP" altLang="en-US" sz="1200" dirty="0" smtClean="0"/>
-              <a:t>とにかく，まず動かしてみよう</a:t>
-            </a:r>
-            <a:r>
-              <a:rPr kumimoji="1" lang="ja-JP" altLang="en-US" sz="1200" dirty="0" smtClean="0"/>
-              <a:t>！</a:t>
-            </a:r>
-            <a:endParaRPr kumimoji="1" lang="en-US" altLang="ja-JP" sz="1200" dirty="0" smtClean="0"/>
-          </a:p>
-          <a:p>
-            <a:r>
-              <a:rPr lang="ja-JP" altLang="en-US" sz="1200" dirty="0"/>
-              <a:t>デスクトップ上の次のアイコンをダブルクリックしてみよう．</a:t>
-            </a:r>
-            <a:endParaRPr lang="en-US" altLang="ja-JP" sz="1200" dirty="0"/>
-          </a:p>
-          <a:p>
-            <a:endParaRPr kumimoji="1" lang="ja-JP" altLang="en-US" sz="1200" dirty="0"/>
+              <a:rPr kumimoji="1" lang="ja-JP" altLang="en-US" dirty="0" smtClean="0"/>
+              <a:t>とにかく，まず動かしてみよう！</a:t>
+            </a:r>
+            <a:endParaRPr kumimoji="1" lang="en-US" altLang="ja-JP" dirty="0" smtClean="0"/>
+          </a:p>
+          <a:p>
+            <a:r>
+              <a:rPr lang="ja-JP" altLang="en-US" dirty="0"/>
+              <a:t>デスクトップ上の次のアイコン</a:t>
+            </a:r>
+            <a:r>
+              <a:rPr lang="ja-JP" altLang="en-US" dirty="0" smtClean="0"/>
+              <a:t>を</a:t>
+            </a:r>
+            <a:endParaRPr lang="en-US" altLang="ja-JP" dirty="0" smtClean="0"/>
+          </a:p>
+          <a:p>
+            <a:r>
+              <a:rPr lang="ja-JP" altLang="en-US" dirty="0" smtClean="0"/>
+              <a:t>ダブルクリック</a:t>
+            </a:r>
+            <a:r>
+              <a:rPr lang="ja-JP" altLang="en-US" dirty="0"/>
+              <a:t>してみよう．</a:t>
+            </a:r>
+            <a:endParaRPr lang="en-US" altLang="ja-JP" dirty="0"/>
+          </a:p>
+          <a:p>
+            <a:endParaRPr kumimoji="1" lang="ja-JP" altLang="en-US" dirty="0"/>
           </a:p>
         </p:txBody>
       </p:sp>
@@ -5270,7 +5385,7 @@
         </p:blipFill>
         <p:spPr bwMode="auto">
           <a:xfrm>
-            <a:off x="1605801" y="1905477"/>
+            <a:off x="1012619" y="2296776"/>
             <a:ext cx="996018" cy="969269"/>
           </a:xfrm>
           <a:prstGeom prst="rect">
@@ -5303,7 +5418,7 @@
         </p:blipFill>
         <p:spPr bwMode="auto">
           <a:xfrm>
-            <a:off x="4603133" y="1447048"/>
+            <a:off x="4603133" y="1566825"/>
             <a:ext cx="1889299" cy="2698826"/>
           </a:xfrm>
           <a:prstGeom prst="rect">
@@ -5338,7 +5453,9 @@
           <a:prstGeom prst="rect">
             <a:avLst/>
           </a:prstGeom>
-          <a:noFill/>
+          <a:solidFill>
+            <a:schemeClr val="bg1"/>
+          </a:solidFill>
           <a:ln w="19050" cmpd="sng">
             <a:solidFill>
               <a:schemeClr val="tx1"/>
@@ -5371,8 +5488,8 @@
         </p:nvSpPr>
         <p:spPr>
           <a:xfrm>
-            <a:off x="2343150" y="3868875"/>
-            <a:ext cx="2099929" cy="276999"/>
+            <a:off x="2773786" y="3222544"/>
+            <a:ext cx="1829347" cy="646331"/>
           </a:xfrm>
           <a:prstGeom prst="rect">
             <a:avLst/>
@@ -5386,14 +5503,21 @@
           <a:lstStyle/>
           <a:p>
             <a:r>
-              <a:rPr lang="en-US" altLang="ja-JP" sz="1200" dirty="0" smtClean="0"/>
+              <a:rPr lang="en-US" altLang="ja-JP" dirty="0" smtClean="0"/>
               <a:t>Processing</a:t>
             </a:r>
             <a:r>
-              <a:rPr lang="ja-JP" altLang="en-US" sz="1200" dirty="0" smtClean="0"/>
-              <a:t>が立ち上がります．</a:t>
-            </a:r>
-            <a:endParaRPr kumimoji="1" lang="en-US" altLang="ja-JP" sz="1200" dirty="0" smtClean="0"/>
+              <a:rPr lang="ja-JP" altLang="en-US" dirty="0" smtClean="0"/>
+              <a:t>が</a:t>
+            </a:r>
+            <a:endParaRPr lang="en-US" altLang="ja-JP" dirty="0" smtClean="0"/>
+          </a:p>
+          <a:p>
+            <a:r>
+              <a:rPr lang="ja-JP" altLang="en-US" dirty="0" smtClean="0"/>
+              <a:t>立ち上がります．</a:t>
+            </a:r>
+            <a:endParaRPr kumimoji="1" lang="en-US" altLang="ja-JP" dirty="0" smtClean="0"/>
           </a:p>
         </p:txBody>
       </p:sp>
@@ -5411,7 +5535,9 @@
           <a:prstGeom prst="rect">
             <a:avLst/>
           </a:prstGeom>
-          <a:noFill/>
+          <a:solidFill>
+            <a:schemeClr val="bg1"/>
+          </a:solidFill>
           <a:ln w="19050" cmpd="sng">
             <a:solidFill>
               <a:schemeClr val="tx1"/>
@@ -5430,9 +5556,17 @@
             </a:r>
             <a:r>
               <a:rPr lang="ja-JP" altLang="en-US" dirty="0" smtClean="0"/>
-              <a:t>四角形を描く</a:t>
-            </a:r>
-            <a:endParaRPr kumimoji="1" lang="ja-JP" altLang="en-US" dirty="0"/>
+              <a:t>四角形</a:t>
+            </a:r>
+            <a:r>
+              <a:rPr lang="ja-JP" altLang="en-US" dirty="0" smtClean="0"/>
+              <a:t>を</a:t>
+            </a:r>
+            <a:r>
+              <a:rPr lang="ja-JP" altLang="en-US" dirty="0" smtClean="0"/>
+              <a:t>表示</a:t>
+            </a:r>
+            <a:endParaRPr lang="en-US" altLang="ja-JP" dirty="0" smtClean="0"/>
           </a:p>
         </p:txBody>
       </p:sp>
@@ -5444,8 +5578,8 @@
         </p:nvSpPr>
         <p:spPr>
           <a:xfrm>
-            <a:off x="203200" y="4706258"/>
-            <a:ext cx="6390542" cy="276999"/>
+            <a:off x="203201" y="4693558"/>
+            <a:ext cx="6654800" cy="646331"/>
           </a:xfrm>
           <a:prstGeom prst="rect">
             <a:avLst/>
@@ -5453,40 +5587,48 @@
           <a:noFill/>
         </p:spPr>
         <p:txBody>
-          <a:bodyPr wrap="none" rtlCol="0">
+          <a:bodyPr wrap="square" rtlCol="0">
             <a:spAutoFit/>
           </a:bodyPr>
           <a:lstStyle/>
           <a:p>
             <a:r>
-              <a:rPr kumimoji="1" lang="ja-JP" altLang="en-US" sz="1200" dirty="0" smtClean="0"/>
-              <a:t>先ほど起動したウィンドウの白い部分</a:t>
-            </a:r>
-            <a:r>
-              <a:rPr kumimoji="1" lang="en-US" altLang="ja-JP" sz="1200" dirty="0" smtClean="0"/>
+              <a:rPr kumimoji="1" lang="ja-JP" altLang="en-US" dirty="0" smtClean="0"/>
+              <a:t>先ほど起動したウィンドウの</a:t>
+            </a:r>
+            <a:r>
+              <a:rPr lang="ja-JP" altLang="en-US" dirty="0" smtClean="0"/>
+              <a:t>入力</a:t>
+            </a:r>
+            <a:r>
+              <a:rPr kumimoji="1" lang="ja-JP" altLang="en-US" dirty="0" smtClean="0"/>
+              <a:t>部分</a:t>
+            </a:r>
+            <a:r>
+              <a:rPr kumimoji="1" lang="en-US" altLang="ja-JP" dirty="0" smtClean="0"/>
               <a:t>①</a:t>
             </a:r>
             <a:r>
-              <a:rPr kumimoji="1" lang="ja-JP" altLang="en-US" sz="1200" dirty="0" smtClean="0"/>
+              <a:rPr kumimoji="1" lang="ja-JP" altLang="en-US" dirty="0" smtClean="0"/>
               <a:t>に次の</a:t>
             </a:r>
             <a:r>
-              <a:rPr kumimoji="1" lang="en-US" altLang="ja-JP" sz="1200" dirty="0" smtClean="0"/>
-              <a:t>1</a:t>
-            </a:r>
-            <a:r>
-              <a:rPr kumimoji="1" lang="ja-JP" altLang="en-US" sz="1200" dirty="0" smtClean="0"/>
-              <a:t>行を入力して，実行ボタン</a:t>
-            </a:r>
-            <a:r>
-              <a:rPr lang="en-US" altLang="ja-JP" sz="1200" dirty="0" smtClean="0"/>
+              <a:rPr lang="ja-JP" altLang="en-US" dirty="0" smtClean="0"/>
+              <a:t>プログラム</a:t>
+            </a:r>
+            <a:r>
+              <a:rPr kumimoji="1" lang="ja-JP" altLang="en-US" dirty="0" smtClean="0"/>
+              <a:t>を入力して，実行ボタン</a:t>
+            </a:r>
+            <a:r>
+              <a:rPr lang="en-US" altLang="ja-JP" dirty="0" smtClean="0"/>
               <a:t>②</a:t>
             </a:r>
             <a:r>
-              <a:rPr lang="ja-JP" altLang="en-US" sz="1200" dirty="0" smtClean="0"/>
+              <a:rPr lang="ja-JP" altLang="en-US" dirty="0" smtClean="0"/>
               <a:t>を押してみよう．</a:t>
             </a:r>
-            <a:endParaRPr kumimoji="1" lang="en-US" altLang="ja-JP" sz="1200" dirty="0" smtClean="0"/>
+            <a:endParaRPr kumimoji="1" lang="en-US" altLang="ja-JP" dirty="0" smtClean="0"/>
           </a:p>
         </p:txBody>
       </p:sp>
@@ -5511,7 +5653,7 @@
         </p:blipFill>
         <p:spPr bwMode="auto">
           <a:xfrm>
-            <a:off x="2008637" y="5054395"/>
+            <a:off x="2084837" y="5333795"/>
             <a:ext cx="4385957" cy="1360324"/>
           </a:xfrm>
           <a:prstGeom prst="rect">
@@ -5550,7 +5692,7 @@
         </p:nvSpPr>
         <p:spPr>
           <a:xfrm>
-            <a:off x="564410" y="5227393"/>
+            <a:off x="653310" y="5455993"/>
             <a:ext cx="1128009" cy="307118"/>
           </a:xfrm>
           <a:prstGeom prst="wedgeRoundRectCallout">
@@ -5601,7 +5743,7 @@
         </p:nvSpPr>
         <p:spPr>
           <a:xfrm>
-            <a:off x="564410" y="5999337"/>
+            <a:off x="653310" y="6227937"/>
             <a:ext cx="1128009" cy="415382"/>
           </a:xfrm>
           <a:prstGeom prst="wedgeRoundRectCallout">
@@ -5652,7 +5794,7 @@
         </p:nvSpPr>
         <p:spPr>
           <a:xfrm>
-            <a:off x="426676" y="6550502"/>
+            <a:off x="426676" y="6842602"/>
             <a:ext cx="5727104" cy="369332"/>
           </a:xfrm>
           <a:prstGeom prst="rect">
@@ -5709,8 +5851,8 @@
         </p:nvSpPr>
         <p:spPr>
           <a:xfrm>
-            <a:off x="65467" y="6946529"/>
-            <a:ext cx="4377612" cy="461665"/>
+            <a:off x="65466" y="7884960"/>
+            <a:ext cx="4697033" cy="646331"/>
           </a:xfrm>
           <a:prstGeom prst="rect">
             <a:avLst/>
@@ -5724,25 +5866,17 @@
           <a:lstStyle/>
           <a:p>
             <a:r>
-              <a:rPr lang="ja-JP" altLang="en-US" sz="1200" dirty="0" smtClean="0"/>
-              <a:t>すると，次のようなウィンドウが表示されます</a:t>
-            </a:r>
-            <a:r>
-              <a:rPr lang="ja-JP" altLang="en-US" sz="1200" dirty="0" smtClean="0"/>
-              <a:t>．</a:t>
-            </a:r>
-            <a:endParaRPr lang="en-US" altLang="ja-JP" sz="1200" dirty="0" smtClean="0"/>
-          </a:p>
-          <a:p>
-            <a:r>
-              <a:rPr lang="ja-JP" altLang="en-US" sz="1200" dirty="0" smtClean="0"/>
-              <a:t>これ</a:t>
-            </a:r>
-            <a:r>
-              <a:rPr lang="ja-JP" altLang="en-US" sz="1200" dirty="0" smtClean="0"/>
-              <a:t>で「初めてのプログラム」が完成しました．</a:t>
-            </a:r>
-            <a:endParaRPr kumimoji="1" lang="en-US" altLang="ja-JP" sz="1200" dirty="0" smtClean="0"/>
+              <a:rPr lang="ja-JP" altLang="en-US" dirty="0" smtClean="0"/>
+              <a:t>すると，次のようなウィンドウが表示されます．</a:t>
+            </a:r>
+            <a:endParaRPr lang="en-US" altLang="ja-JP" dirty="0" smtClean="0"/>
+          </a:p>
+          <a:p>
+            <a:r>
+              <a:rPr lang="ja-JP" altLang="en-US" dirty="0" smtClean="0"/>
+              <a:t>これで「初めてのプログラム」が完成しました．</a:t>
+            </a:r>
+            <a:endParaRPr kumimoji="1" lang="en-US" altLang="ja-JP" dirty="0" smtClean="0"/>
           </a:p>
         </p:txBody>
       </p:sp>
@@ -5768,8 +5902,8 @@
         </p:blipFill>
         <p:spPr>
           <a:xfrm>
-            <a:off x="3284717" y="7012467"/>
-            <a:ext cx="1356516" cy="1589667"/>
+            <a:off x="4905636" y="7395494"/>
+            <a:ext cx="1248143" cy="1462667"/>
           </a:xfrm>
           <a:prstGeom prst="rect">
             <a:avLst/>
@@ -5790,10 +5924,12 @@
           <a:prstGeom prst="rect">
             <a:avLst/>
           </a:prstGeom>
-          <a:noFill/>
+          <a:solidFill>
+            <a:schemeClr val="tx1"/>
+          </a:solidFill>
           <a:ln w="57150" cmpd="thickThin">
             <a:solidFill>
-              <a:schemeClr val="tx1"/>
+              <a:srgbClr val="FFFFFF"/>
             </a:solidFill>
           </a:ln>
         </p:spPr>
@@ -5804,10 +5940,56 @@
           <a:lstStyle/>
           <a:p>
             <a:r>
-              <a:rPr lang="ja-JP" altLang="en-US" sz="3200" dirty="0" smtClean="0"/>
+              <a:rPr lang="ja-JP" altLang="en-US" sz="3200" dirty="0" smtClean="0">
+                <a:solidFill>
+                  <a:srgbClr val="FFFFFF"/>
+                </a:solidFill>
+              </a:rPr>
               <a:t>２．プログラミングを体験してみよう</a:t>
             </a:r>
-            <a:endParaRPr kumimoji="1" lang="ja-JP" altLang="en-US" sz="3200" dirty="0"/>
+            <a:endParaRPr kumimoji="1" lang="ja-JP" altLang="en-US" sz="3200" dirty="0">
+              <a:solidFill>
+                <a:srgbClr val="FFFFFF"/>
+              </a:solidFill>
+            </a:endParaRPr>
+          </a:p>
+        </p:txBody>
+      </p:sp>
+      <p:sp>
+        <p:nvSpPr>
+          <p:cNvPr id="20" name="正方形/長方形 19"/>
+          <p:cNvSpPr/>
+          <p:nvPr/>
+        </p:nvSpPr>
+        <p:spPr>
+          <a:xfrm>
+            <a:off x="1054100" y="0"/>
+            <a:ext cx="1041400" cy="232413"/>
+          </a:xfrm>
+          <a:prstGeom prst="rect">
+            <a:avLst/>
+          </a:prstGeom>
+        </p:spPr>
+        <p:style>
+          <a:lnRef idx="1">
+            <a:schemeClr val="accent1"/>
+          </a:lnRef>
+          <a:fillRef idx="3">
+            <a:schemeClr val="accent1"/>
+          </a:fillRef>
+          <a:effectRef idx="2">
+            <a:schemeClr val="accent1"/>
+          </a:effectRef>
+          <a:fontRef idx="minor">
+            <a:schemeClr val="lt1"/>
+          </a:fontRef>
+        </p:style>
+        <p:txBody>
+          <a:bodyPr rtlCol="0" anchor="ctr"/>
+          <a:lstStyle/>
+          <a:p>
+            <a:pPr algn="ctr"/>
+            <a:endParaRPr kumimoji="1" lang="ja-JP" altLang="en-US"/>
           </a:p>
         </p:txBody>
       </p:sp>
@@ -5895,39 +6077,6 @@
           </a:p>
         </p:txBody>
       </p:sp>
-      <p:pic>
-        <p:nvPicPr>
-          <p:cNvPr id="9" name="図 8" descr="Macintosh HD:Users:edatos:Desktop:スクリーンショット 2015-07-22 11.25.02.png"/>
-          <p:cNvPicPr/>
-          <p:nvPr/>
-        </p:nvPicPr>
-        <p:blipFill>
-          <a:blip r:embed="rId2">
-            <a:extLst>
-              <a:ext uri="{28A0092B-C50C-407E-A947-70E740481C1C}">
-                <a14:useLocalDpi xmlns:a14="http://schemas.microsoft.com/office/drawing/2010/main" val="0"/>
-              </a:ext>
-            </a:extLst>
-          </a:blip>
-          <a:srcRect/>
-          <a:stretch>
-            <a:fillRect/>
-          </a:stretch>
-        </p:blipFill>
-        <p:spPr bwMode="auto">
-          <a:xfrm>
-            <a:off x="4491330" y="1343515"/>
-            <a:ext cx="1626870" cy="1903095"/>
-          </a:xfrm>
-          <a:prstGeom prst="rect">
-            <a:avLst/>
-          </a:prstGeom>
-          <a:noFill/>
-          <a:ln>
-            <a:noFill/>
-          </a:ln>
-        </p:spPr>
-      </p:pic>
       <p:sp>
         <p:nvSpPr>
           <p:cNvPr id="10" name="テキスト ボックス 9"/>
@@ -5957,15 +6106,23 @@
           <a:p>
             <a:r>
               <a:rPr kumimoji="1" lang="en-US" altLang="ja-JP" dirty="0" smtClean="0"/>
-              <a:t>Step2-3</a:t>
-            </a:r>
-            <a:r>
-              <a:rPr kumimoji="1" lang="en-US" altLang="ja-JP" dirty="0" smtClean="0"/>
-              <a:t>. </a:t>
+              <a:t>Step2-3. </a:t>
             </a:r>
             <a:r>
               <a:rPr kumimoji="1" lang="ja-JP" altLang="en-US" dirty="0" smtClean="0"/>
-              <a:t>プログラムの意味を理解してみよう</a:t>
+              <a:t>プログラムの意味を</a:t>
+            </a:r>
+            <a:r>
+              <a:rPr kumimoji="1" lang="ja-JP" altLang="en-US" dirty="0" smtClean="0"/>
+              <a:t>理解</a:t>
+            </a:r>
+            <a:r>
+              <a:rPr lang="ja-JP" altLang="en-US" dirty="0" smtClean="0"/>
+              <a:t>し</a:t>
+            </a:r>
+            <a:r>
+              <a:rPr kumimoji="1" lang="ja-JP" altLang="en-US" dirty="0" smtClean="0"/>
+              <a:t>よう</a:t>
             </a:r>
             <a:endParaRPr kumimoji="1" lang="ja-JP" altLang="en-US" dirty="0"/>
           </a:p>
@@ -5980,7 +6137,7 @@
         <p:spPr>
           <a:xfrm>
             <a:off x="207630" y="594678"/>
-            <a:ext cx="3100127" cy="276999"/>
+            <a:ext cx="4557858" cy="369332"/>
           </a:xfrm>
           <a:prstGeom prst="rect">
             <a:avLst/>
@@ -5994,10 +6151,10 @@
           <a:lstStyle/>
           <a:p>
             <a:r>
-              <a:rPr lang="ja-JP" altLang="en-US" sz="1200" dirty="0" smtClean="0"/>
+              <a:rPr lang="ja-JP" altLang="en-US" dirty="0" smtClean="0"/>
               <a:t>このプログラムの意味は次のようになります．</a:t>
             </a:r>
-            <a:endParaRPr kumimoji="1" lang="en-US" altLang="ja-JP" sz="1200" dirty="0" smtClean="0"/>
+            <a:endParaRPr kumimoji="1" lang="en-US" altLang="ja-JP" dirty="0" smtClean="0"/>
           </a:p>
         </p:txBody>
       </p:sp>
@@ -6009,7 +6166,7 @@
         </p:nvSpPr>
         <p:spPr>
           <a:xfrm>
-            <a:off x="568840" y="892127"/>
+            <a:off x="568840" y="993727"/>
             <a:ext cx="5727104" cy="369332"/>
           </a:xfrm>
           <a:prstGeom prst="rect">
@@ -6066,8 +6223,8 @@
         </p:nvSpPr>
         <p:spPr>
           <a:xfrm>
-            <a:off x="568840" y="1261458"/>
-            <a:ext cx="5727104" cy="2527383"/>
+            <a:off x="568840" y="1363058"/>
+            <a:ext cx="5727104" cy="7366075"/>
           </a:xfrm>
           <a:prstGeom prst="rect">
             <a:avLst/>
@@ -6249,14 +6406,14 @@
       </p:sp>
       <p:sp>
         <p:nvSpPr>
-          <p:cNvPr id="16" name="テキスト ボックス 15"/>
+          <p:cNvPr id="26" name="テキスト ボックス 25"/>
           <p:cNvSpPr txBox="1"/>
           <p:nvPr/>
         </p:nvSpPr>
         <p:spPr>
           <a:xfrm>
-            <a:off x="3897206" y="1578537"/>
-            <a:ext cx="814947" cy="276999"/>
+            <a:off x="948532" y="7456162"/>
+            <a:ext cx="3547854" cy="646331"/>
           </a:xfrm>
           <a:prstGeom prst="rect">
             <a:avLst/>
@@ -6270,27 +6427,196 @@
           <a:lstStyle/>
           <a:p>
             <a:r>
-              <a:rPr kumimoji="1" lang="ja-JP" altLang="en-US" sz="1200" dirty="0" smtClean="0"/>
+              <a:rPr lang="en-US" altLang="ja-JP" dirty="0" smtClean="0"/>
+              <a:t>y</a:t>
+            </a:r>
+            <a:r>
+              <a:rPr lang="ja-JP" altLang="en-US" dirty="0" smtClean="0"/>
+              <a:t>軸は正負の向きが違うので注意．</a:t>
+            </a:r>
+            <a:endParaRPr lang="en-US" altLang="ja-JP" dirty="0" smtClean="0"/>
+          </a:p>
+          <a:p>
+            <a:r>
+              <a:rPr lang="ja-JP" altLang="en-US" dirty="0" smtClean="0"/>
+              <a:t>下方向がプラスになります</a:t>
+            </a:r>
+            <a:endParaRPr kumimoji="1" lang="ja-JP" altLang="en-US" dirty="0"/>
+          </a:p>
+        </p:txBody>
+      </p:sp>
+      <p:sp>
+        <p:nvSpPr>
+          <p:cNvPr id="30" name="正方形/長方形 29"/>
+          <p:cNvSpPr/>
+          <p:nvPr/>
+        </p:nvSpPr>
+        <p:spPr>
+          <a:xfrm>
+            <a:off x="1054100" y="0"/>
+            <a:ext cx="1041400" cy="232413"/>
+          </a:xfrm>
+          <a:prstGeom prst="rect">
+            <a:avLst/>
+          </a:prstGeom>
+        </p:spPr>
+        <p:style>
+          <a:lnRef idx="1">
+            <a:schemeClr val="accent1"/>
+          </a:lnRef>
+          <a:fillRef idx="3">
+            <a:schemeClr val="accent1"/>
+          </a:fillRef>
+          <a:effectRef idx="2">
+            <a:schemeClr val="accent1"/>
+          </a:effectRef>
+          <a:fontRef idx="minor">
+            <a:schemeClr val="lt1"/>
+          </a:fontRef>
+        </p:style>
+        <p:txBody>
+          <a:bodyPr rtlCol="0" anchor="ctr"/>
+          <a:lstStyle/>
+          <a:p>
+            <a:pPr algn="ctr"/>
+            <a:endParaRPr kumimoji="1" lang="ja-JP" altLang="en-US"/>
+          </a:p>
+        </p:txBody>
+      </p:sp>
+      <p:pic>
+        <p:nvPicPr>
+          <p:cNvPr id="2" name="図 1" descr="スクリーンショット 2015-07-23 17.31.02.png"/>
+          <p:cNvPicPr>
+            <a:picLocks noChangeAspect="1"/>
+          </p:cNvPicPr>
+          <p:nvPr/>
+        </p:nvPicPr>
+        <p:blipFill>
+          <a:blip r:embed="rId2">
+            <a:extLst>
+              <a:ext uri="{28A0092B-C50C-407E-A947-70E740481C1C}">
+                <a14:useLocalDpi xmlns:a14="http://schemas.microsoft.com/office/drawing/2010/main" val="0"/>
+              </a:ext>
+            </a:extLst>
+          </a:blip>
+          <a:stretch>
+            <a:fillRect/>
+          </a:stretch>
+        </p:blipFill>
+        <p:spPr>
+          <a:xfrm>
+            <a:off x="1691196" y="2830615"/>
+            <a:ext cx="3478784" cy="4076700"/>
+          </a:xfrm>
+          <a:prstGeom prst="rect">
+            <a:avLst/>
+          </a:prstGeom>
+        </p:spPr>
+      </p:pic>
+      <p:sp>
+        <p:nvSpPr>
+          <p:cNvPr id="34" name="テキスト ボックス 33"/>
+          <p:cNvSpPr txBox="1"/>
+          <p:nvPr/>
+        </p:nvSpPr>
+        <p:spPr>
+          <a:xfrm>
+            <a:off x="978166" y="3498651"/>
+            <a:ext cx="1130087" cy="369332"/>
+          </a:xfrm>
+          <a:prstGeom prst="rect">
+            <a:avLst/>
+          </a:prstGeom>
+          <a:noFill/>
+        </p:spPr>
+        <p:txBody>
+          <a:bodyPr wrap="none" rtlCol="0">
+            <a:spAutoFit/>
+          </a:bodyPr>
+          <a:lstStyle/>
+          <a:p>
+            <a:r>
+              <a:rPr lang="ja-JP" altLang="en-US" dirty="0" smtClean="0"/>
+              <a:t>原点</a:t>
+            </a:r>
+            <a:r>
+              <a:rPr kumimoji="1" lang="en-US" altLang="ja-JP" dirty="0" smtClean="0"/>
+              <a:t>(0, 0)</a:t>
+            </a:r>
+            <a:endParaRPr kumimoji="1" lang="ja-JP" altLang="en-US" dirty="0"/>
+          </a:p>
+        </p:txBody>
+      </p:sp>
+      <p:sp>
+        <p:nvSpPr>
+          <p:cNvPr id="38" name="テキスト ボックス 37"/>
+          <p:cNvSpPr txBox="1"/>
+          <p:nvPr/>
+        </p:nvSpPr>
+        <p:spPr>
+          <a:xfrm>
+            <a:off x="2389246" y="3993204"/>
+            <a:ext cx="1364075" cy="369332"/>
+          </a:xfrm>
+          <a:prstGeom prst="rect">
+            <a:avLst/>
+          </a:prstGeom>
+          <a:noFill/>
+        </p:spPr>
+        <p:txBody>
+          <a:bodyPr wrap="none" rtlCol="0">
+            <a:spAutoFit/>
+          </a:bodyPr>
+          <a:lstStyle/>
+          <a:p>
+            <a:r>
+              <a:rPr kumimoji="1" lang="ja-JP" altLang="en-US" dirty="0" smtClean="0"/>
               <a:t>座標</a:t>
             </a:r>
             <a:r>
-              <a:rPr kumimoji="1" lang="en-US" altLang="ja-JP" sz="1200" dirty="0" smtClean="0"/>
-              <a:t>(0, 0)</a:t>
-            </a:r>
-            <a:endParaRPr kumimoji="1" lang="ja-JP" altLang="en-US" sz="1200" dirty="0"/>
+              <a:rPr kumimoji="1" lang="en-US" altLang="ja-JP" dirty="0" smtClean="0"/>
+              <a:t>(</a:t>
+            </a:r>
+            <a:r>
+              <a:rPr lang="en-US" altLang="ja-JP" dirty="0"/>
+              <a:t>1</a:t>
+            </a:r>
+            <a:r>
+              <a:rPr kumimoji="1" lang="en-US" altLang="ja-JP" dirty="0" smtClean="0"/>
+              <a:t>0</a:t>
+            </a:r>
+            <a:r>
+              <a:rPr kumimoji="1" lang="en-US" altLang="ja-JP" dirty="0" smtClean="0"/>
+              <a:t>, </a:t>
+            </a:r>
+            <a:r>
+              <a:rPr lang="en-US" altLang="ja-JP" dirty="0" smtClean="0"/>
+              <a:t>2</a:t>
+            </a:r>
+            <a:r>
+              <a:rPr kumimoji="1" lang="en-US" altLang="ja-JP" dirty="0" smtClean="0"/>
+              <a:t>0</a:t>
+            </a:r>
+            <a:r>
+              <a:rPr kumimoji="1" lang="en-US" altLang="ja-JP" dirty="0" smtClean="0"/>
+              <a:t>)</a:t>
+            </a:r>
+            <a:endParaRPr kumimoji="1" lang="ja-JP" altLang="en-US" dirty="0"/>
           </a:p>
         </p:txBody>
       </p:sp>
       <p:cxnSp>
         <p:nvCxnSpPr>
-          <p:cNvPr id="18" name="直線矢印コネクタ 17"/>
-          <p:cNvCxnSpPr/>
+          <p:cNvPr id="72" name="直線矢印コネクタ 71"/>
+          <p:cNvCxnSpPr>
+            <a:endCxn id="74" idx="1"/>
+          </p:cNvCxnSpPr>
           <p:nvPr/>
         </p:nvCxnSpPr>
         <p:spPr>
           <a:xfrm flipV="1">
-            <a:off x="4666065" y="1791742"/>
-            <a:ext cx="1286524" cy="1"/>
+            <a:off x="2070153" y="3821072"/>
+            <a:ext cx="3307239" cy="6"/>
           </a:xfrm>
           <a:prstGeom prst="straightConnector1">
             <a:avLst/>
@@ -6301,6 +6627,7 @@
             </a:solidFill>
             <a:tailEnd type="arrow"/>
           </a:ln>
+          <a:effectLst/>
         </p:spPr>
         <p:style>
           <a:lnRef idx="2">
@@ -6319,14 +6646,14 @@
       </p:cxnSp>
       <p:cxnSp>
         <p:nvCxnSpPr>
-          <p:cNvPr id="21" name="直線矢印コネクタ 20"/>
+          <p:cNvPr id="73" name="直線矢印コネクタ 72"/>
           <p:cNvCxnSpPr/>
           <p:nvPr/>
         </p:nvCxnSpPr>
         <p:spPr>
           <a:xfrm>
-            <a:off x="4677362" y="1791743"/>
-            <a:ext cx="0" cy="1278269"/>
+            <a:off x="2070153" y="3821072"/>
+            <a:ext cx="0" cy="3229489"/>
           </a:xfrm>
           <a:prstGeom prst="straightConnector1">
             <a:avLst/>
@@ -6337,6 +6664,7 @@
             </a:solidFill>
             <a:tailEnd type="arrow"/>
           </a:ln>
+          <a:effectLst/>
         </p:spPr>
         <p:style>
           <a:lnRef idx="2">
@@ -6355,14 +6683,14 @@
       </p:cxnSp>
       <p:sp>
         <p:nvSpPr>
-          <p:cNvPr id="24" name="テキスト ボックス 23"/>
+          <p:cNvPr id="74" name="テキスト ボックス 73"/>
           <p:cNvSpPr txBox="1"/>
           <p:nvPr/>
         </p:nvSpPr>
         <p:spPr>
           <a:xfrm>
-            <a:off x="5922896" y="1628337"/>
-            <a:ext cx="418028" cy="276999"/>
+            <a:off x="5377392" y="3621017"/>
+            <a:ext cx="552229" cy="400110"/>
           </a:xfrm>
           <a:prstGeom prst="rect">
             <a:avLst/>
@@ -6376,27 +6704,27 @@
           <a:lstStyle/>
           <a:p>
             <a:r>
-              <a:rPr lang="en-US" altLang="ja-JP" sz="1200" dirty="0" smtClean="0"/>
+              <a:rPr kumimoji="1" lang="en-US" altLang="ja-JP" sz="2000" dirty="0" smtClean="0"/>
               <a:t>x</a:t>
             </a:r>
             <a:r>
-              <a:rPr lang="ja-JP" altLang="en-US" sz="1200" dirty="0" smtClean="0"/>
+              <a:rPr kumimoji="1" lang="ja-JP" altLang="en-US" sz="2000" dirty="0" smtClean="0"/>
               <a:t>軸</a:t>
             </a:r>
-            <a:endParaRPr kumimoji="1" lang="ja-JP" altLang="en-US" sz="1200" dirty="0"/>
-          </a:p>
-        </p:txBody>
-      </p:sp>
-      <p:sp>
-        <p:nvSpPr>
-          <p:cNvPr id="25" name="テキスト ボックス 24"/>
+            <a:endParaRPr kumimoji="1" lang="ja-JP" altLang="en-US" sz="2000" dirty="0"/>
+          </a:p>
+        </p:txBody>
+      </p:sp>
+      <p:sp>
+        <p:nvSpPr>
+          <p:cNvPr id="75" name="テキスト ボックス 74"/>
           <p:cNvSpPr txBox="1"/>
           <p:nvPr/>
         </p:nvSpPr>
         <p:spPr>
           <a:xfrm>
-            <a:off x="4174560" y="2931512"/>
-            <a:ext cx="408210" cy="276999"/>
+            <a:off x="1791533" y="6978189"/>
+            <a:ext cx="557239" cy="400110"/>
           </a:xfrm>
           <a:prstGeom prst="rect">
             <a:avLst/>
@@ -6410,27 +6738,27 @@
           <a:lstStyle/>
           <a:p>
             <a:r>
-              <a:rPr lang="en-US" altLang="ja-JP" sz="1200" dirty="0"/>
+              <a:rPr kumimoji="1" lang="en-US" altLang="ja-JP" sz="2000" dirty="0" smtClean="0"/>
               <a:t>y</a:t>
             </a:r>
             <a:r>
-              <a:rPr lang="ja-JP" altLang="en-US" sz="1200" dirty="0" smtClean="0"/>
+              <a:rPr kumimoji="1" lang="ja-JP" altLang="en-US" sz="2000" dirty="0" smtClean="0"/>
               <a:t>軸</a:t>
             </a:r>
-            <a:endParaRPr kumimoji="1" lang="ja-JP" altLang="en-US" sz="1200" dirty="0"/>
-          </a:p>
-        </p:txBody>
-      </p:sp>
-      <p:sp>
-        <p:nvSpPr>
-          <p:cNvPr id="26" name="テキスト ボックス 25"/>
+            <a:endParaRPr kumimoji="1" lang="ja-JP" altLang="en-US" sz="2000" dirty="0"/>
+          </a:p>
+        </p:txBody>
+      </p:sp>
+      <p:sp>
+        <p:nvSpPr>
+          <p:cNvPr id="76" name="テキスト ボックス 75"/>
           <p:cNvSpPr txBox="1"/>
           <p:nvPr/>
         </p:nvSpPr>
         <p:spPr>
           <a:xfrm>
-            <a:off x="3832888" y="3262415"/>
-            <a:ext cx="2473453" cy="461665"/>
+            <a:off x="2146822" y="3367591"/>
+            <a:ext cx="418654" cy="369332"/>
           </a:xfrm>
           <a:prstGeom prst="rect">
             <a:avLst/>
@@ -6444,80 +6772,36 @@
           <a:lstStyle/>
           <a:p>
             <a:r>
-              <a:rPr lang="en-US" altLang="ja-JP" sz="1200" dirty="0" smtClean="0"/>
-              <a:t>y</a:t>
-            </a:r>
-            <a:r>
-              <a:rPr lang="ja-JP" altLang="en-US" sz="1200" dirty="0" smtClean="0"/>
-              <a:t>軸は正負の向きが違うので注意．</a:t>
-            </a:r>
-            <a:endParaRPr lang="en-US" altLang="ja-JP" sz="1200" dirty="0" smtClean="0"/>
-          </a:p>
-          <a:p>
-            <a:r>
-              <a:rPr lang="ja-JP" altLang="en-US" sz="1200" dirty="0" smtClean="0"/>
-              <a:t>下方向がプラスになります</a:t>
-            </a:r>
-            <a:endParaRPr kumimoji="1" lang="ja-JP" altLang="en-US" sz="1200" dirty="0"/>
-          </a:p>
-        </p:txBody>
-      </p:sp>
-      <p:sp>
-        <p:nvSpPr>
-          <p:cNvPr id="27" name="テキスト ボックス 26"/>
-          <p:cNvSpPr txBox="1"/>
-          <p:nvPr/>
-        </p:nvSpPr>
-        <p:spPr>
-          <a:xfrm>
-            <a:off x="3692635" y="2654513"/>
-            <a:ext cx="970939" cy="276999"/>
-          </a:xfrm>
-          <a:prstGeom prst="rect">
-            <a:avLst/>
-          </a:prstGeom>
-          <a:noFill/>
-        </p:spPr>
-        <p:txBody>
-          <a:bodyPr wrap="none" rtlCol="0">
-            <a:spAutoFit/>
-          </a:bodyPr>
-          <a:lstStyle/>
-          <a:p>
-            <a:r>
-              <a:rPr kumimoji="1" lang="ja-JP" altLang="en-US" sz="1200" dirty="0" smtClean="0"/>
-              <a:t>座標</a:t>
-            </a:r>
-            <a:r>
-              <a:rPr kumimoji="1" lang="en-US" altLang="ja-JP" sz="1200" dirty="0" smtClean="0"/>
-              <a:t>(10, 20)</a:t>
-            </a:r>
-            <a:endParaRPr kumimoji="1" lang="ja-JP" altLang="en-US" sz="1200" dirty="0"/>
+              <a:rPr lang="en-US" altLang="ja-JP" dirty="0" smtClean="0"/>
+              <a:t>10</a:t>
+            </a:r>
+            <a:endParaRPr kumimoji="1" lang="ja-JP" altLang="en-US" dirty="0"/>
           </a:p>
         </p:txBody>
       </p:sp>
       <p:cxnSp>
         <p:nvCxnSpPr>
-          <p:cNvPr id="28" name="直線矢印コネクタ 27"/>
-          <p:cNvCxnSpPr>
-            <a:stCxn id="27" idx="0"/>
-          </p:cNvCxnSpPr>
+          <p:cNvPr id="77" name="直線矢印コネクタ 76"/>
+          <p:cNvCxnSpPr/>
           <p:nvPr/>
         </p:nvCxnSpPr>
         <p:spPr>
           <a:xfrm flipV="1">
-            <a:off x="4178105" y="2098455"/>
-            <a:ext cx="603771" cy="556058"/>
+            <a:off x="2358101" y="3846478"/>
+            <a:ext cx="0" cy="516058"/>
           </a:xfrm>
           <a:prstGeom prst="straightConnector1">
             <a:avLst/>
           </a:prstGeom>
-          <a:ln>
+          <a:ln w="9525" cmpd="sng">
             <a:solidFill>
               <a:srgbClr val="000000"/>
             </a:solidFill>
-            <a:tailEnd type="arrow"/>
+            <a:prstDash val="sysDash"/>
+            <a:headEnd type="none"/>
+            <a:tailEnd type="none"/>
           </a:ln>
+          <a:effectLst/>
         </p:spPr>
         <p:style>
           <a:lnRef idx="2">
@@ -6534,16 +6818,94 @@
           </a:fontRef>
         </p:style>
       </p:cxnSp>
-      <p:sp>
-        <p:nvSpPr>
-          <p:cNvPr id="31" name="テキスト ボックス 30"/>
+      <p:cxnSp>
+        <p:nvCxnSpPr>
+          <p:cNvPr id="78" name="直線矢印コネクタ 77"/>
+          <p:cNvCxnSpPr/>
+          <p:nvPr/>
+        </p:nvCxnSpPr>
+        <p:spPr>
+          <a:xfrm>
+            <a:off x="2070153" y="4362536"/>
+            <a:ext cx="300043" cy="0"/>
+          </a:xfrm>
+          <a:prstGeom prst="straightConnector1">
+            <a:avLst/>
+          </a:prstGeom>
+          <a:ln w="9525" cmpd="sng">
+            <a:solidFill>
+              <a:srgbClr val="000000"/>
+            </a:solidFill>
+            <a:prstDash val="sysDash"/>
+            <a:headEnd type="none"/>
+            <a:tailEnd type="none"/>
+          </a:ln>
+          <a:effectLst/>
+        </p:spPr>
+        <p:style>
+          <a:lnRef idx="2">
+            <a:schemeClr val="accent1"/>
+          </a:lnRef>
+          <a:fillRef idx="0">
+            <a:schemeClr val="accent1"/>
+          </a:fillRef>
+          <a:effectRef idx="1">
+            <a:schemeClr val="accent1"/>
+          </a:effectRef>
+          <a:fontRef idx="minor">
+            <a:schemeClr val="tx1"/>
+          </a:fontRef>
+        </p:style>
+      </p:cxnSp>
+      <p:cxnSp>
+        <p:nvCxnSpPr>
+          <p:cNvPr id="79" name="直線矢印コネクタ 78"/>
+          <p:cNvCxnSpPr/>
+          <p:nvPr/>
+        </p:nvCxnSpPr>
+        <p:spPr>
+          <a:xfrm flipV="1">
+            <a:off x="2359253" y="3687949"/>
+            <a:ext cx="0" cy="138500"/>
+          </a:xfrm>
+          <a:prstGeom prst="straightConnector1">
+            <a:avLst/>
+          </a:prstGeom>
+          <a:ln w="28575" cmpd="sng">
+            <a:solidFill>
+              <a:srgbClr val="000000"/>
+            </a:solidFill>
+            <a:prstDash val="solid"/>
+            <a:headEnd type="none"/>
+            <a:tailEnd type="none"/>
+          </a:ln>
+          <a:effectLst/>
+        </p:spPr>
+        <p:style>
+          <a:lnRef idx="2">
+            <a:schemeClr val="accent1"/>
+          </a:lnRef>
+          <a:fillRef idx="0">
+            <a:schemeClr val="accent1"/>
+          </a:fillRef>
+          <a:effectRef idx="1">
+            <a:schemeClr val="accent1"/>
+          </a:effectRef>
+          <a:fontRef idx="minor">
+            <a:schemeClr val="tx1"/>
+          </a:fontRef>
+        </p:style>
+      </p:cxnSp>
+      <p:sp>
+        <p:nvSpPr>
+          <p:cNvPr id="80" name="テキスト ボックス 79"/>
           <p:cNvSpPr txBox="1"/>
           <p:nvPr/>
         </p:nvSpPr>
         <p:spPr>
           <a:xfrm>
-            <a:off x="5251409" y="2196145"/>
-            <a:ext cx="961321" cy="276999"/>
+            <a:off x="1621486" y="4154791"/>
+            <a:ext cx="418654" cy="369332"/>
           </a:xfrm>
           <a:prstGeom prst="rect">
             <a:avLst/>
@@ -6557,27 +6919,62 @@
           <a:lstStyle/>
           <a:p>
             <a:r>
-              <a:rPr lang="ja-JP" altLang="en-US" sz="1200" dirty="0" smtClean="0"/>
-              <a:t>縦の長さ</a:t>
-            </a:r>
-            <a:r>
-              <a:rPr lang="en-US" altLang="ja-JP" sz="1200" dirty="0" smtClean="0"/>
-              <a:t>:40</a:t>
-            </a:r>
-            <a:endParaRPr kumimoji="1" lang="ja-JP" altLang="en-US" sz="1200" dirty="0"/>
-          </a:p>
-        </p:txBody>
-      </p:sp>
-      <p:sp>
-        <p:nvSpPr>
-          <p:cNvPr id="32" name="テキスト ボックス 31"/>
+              <a:rPr lang="en-US" altLang="ja-JP" dirty="0" smtClean="0"/>
+              <a:t>20</a:t>
+            </a:r>
+            <a:endParaRPr kumimoji="1" lang="ja-JP" altLang="en-US" dirty="0"/>
+          </a:p>
+        </p:txBody>
+      </p:sp>
+      <p:cxnSp>
+        <p:nvCxnSpPr>
+          <p:cNvPr id="81" name="直線矢印コネクタ 80"/>
+          <p:cNvCxnSpPr/>
+          <p:nvPr/>
+        </p:nvCxnSpPr>
+        <p:spPr>
+          <a:xfrm>
+            <a:off x="1988143" y="4362536"/>
+            <a:ext cx="82010" cy="0"/>
+          </a:xfrm>
+          <a:prstGeom prst="straightConnector1">
+            <a:avLst/>
+          </a:prstGeom>
+          <a:ln w="28575" cmpd="sng">
+            <a:solidFill>
+              <a:srgbClr val="000000"/>
+            </a:solidFill>
+            <a:prstDash val="solid"/>
+            <a:headEnd type="none"/>
+            <a:tailEnd type="none"/>
+          </a:ln>
+          <a:effectLst/>
+        </p:spPr>
+        <p:style>
+          <a:lnRef idx="2">
+            <a:schemeClr val="accent1"/>
+          </a:lnRef>
+          <a:fillRef idx="0">
+            <a:schemeClr val="accent1"/>
+          </a:fillRef>
+          <a:effectRef idx="1">
+            <a:schemeClr val="accent1"/>
+          </a:effectRef>
+          <a:fontRef idx="minor">
+            <a:schemeClr val="tx1"/>
+          </a:fontRef>
+        </p:style>
+      </p:cxnSp>
+      <p:sp>
+        <p:nvSpPr>
+          <p:cNvPr id="85" name="テキスト ボックス 84"/>
           <p:cNvSpPr txBox="1"/>
           <p:nvPr/>
         </p:nvSpPr>
         <p:spPr>
           <a:xfrm>
-            <a:off x="4781876" y="1821455"/>
-            <a:ext cx="961321" cy="276999"/>
+            <a:off x="2824112" y="4675942"/>
+            <a:ext cx="418654" cy="369332"/>
           </a:xfrm>
           <a:prstGeom prst="rect">
             <a:avLst/>
@@ -6591,75 +6988,32 @@
           <a:lstStyle/>
           <a:p>
             <a:r>
-              <a:rPr lang="ja-JP" altLang="en-US" sz="1200" dirty="0" smtClean="0"/>
-              <a:t>横の長さ</a:t>
-            </a:r>
-            <a:r>
-              <a:rPr lang="en-US" altLang="ja-JP" sz="1200" dirty="0" smtClean="0"/>
-              <a:t>:30</a:t>
-            </a:r>
-            <a:endParaRPr kumimoji="1" lang="ja-JP" altLang="en-US" sz="1200" dirty="0"/>
-          </a:p>
-        </p:txBody>
-      </p:sp>
-      <p:sp>
-        <p:nvSpPr>
-          <p:cNvPr id="35" name="テキスト ボックス 34"/>
+              <a:rPr lang="en-US" altLang="ja-JP" dirty="0"/>
+              <a:t>4</a:t>
+            </a:r>
+            <a:r>
+              <a:rPr lang="en-US" altLang="ja-JP" dirty="0" smtClean="0"/>
+              <a:t>0</a:t>
+            </a:r>
+            <a:endParaRPr kumimoji="1" lang="ja-JP" altLang="en-US" dirty="0"/>
+          </a:p>
+        </p:txBody>
+      </p:sp>
+      <p:sp>
+        <p:nvSpPr>
+          <p:cNvPr id="86" name="テキスト ボックス 85"/>
           <p:cNvSpPr txBox="1"/>
           <p:nvPr/>
         </p:nvSpPr>
         <p:spPr>
           <a:xfrm>
-            <a:off x="203200" y="4088465"/>
-            <a:ext cx="6191394" cy="369332"/>
+            <a:off x="2595588" y="5144610"/>
+            <a:ext cx="418654" cy="369332"/>
           </a:xfrm>
           <a:prstGeom prst="rect">
             <a:avLst/>
           </a:prstGeom>
           <a:noFill/>
-          <a:ln w="19050" cmpd="sng">
-            <a:solidFill>
-              <a:schemeClr val="tx1"/>
-            </a:solidFill>
-          </a:ln>
-        </p:spPr>
-        <p:txBody>
-          <a:bodyPr wrap="square" rtlCol="0">
-            <a:spAutoFit/>
-          </a:bodyPr>
-          <a:lstStyle/>
-          <a:p>
-            <a:r>
-              <a:rPr kumimoji="1" lang="en-US" altLang="ja-JP" dirty="0" smtClean="0"/>
-              <a:t>Step2-4</a:t>
-            </a:r>
-            <a:r>
-              <a:rPr kumimoji="1" lang="en-US" altLang="ja-JP" dirty="0" smtClean="0"/>
-              <a:t>. </a:t>
-            </a:r>
-            <a:r>
-              <a:rPr kumimoji="1" lang="ja-JP" altLang="en-US" dirty="0" smtClean="0"/>
-              <a:t>正方形を描いてみよう</a:t>
-            </a:r>
-            <a:endParaRPr kumimoji="1" lang="ja-JP" altLang="en-US" dirty="0"/>
-          </a:p>
-        </p:txBody>
-      </p:sp>
-      <p:sp>
-        <p:nvSpPr>
-          <p:cNvPr id="36" name="テキスト ボックス 35"/>
-          <p:cNvSpPr txBox="1"/>
-          <p:nvPr/>
-        </p:nvSpPr>
-        <p:spPr>
-          <a:xfrm>
-            <a:off x="203200" y="4457797"/>
-            <a:ext cx="5534087" cy="276999"/>
-          </a:xfrm>
-          <a:prstGeom prst="rect">
-            <a:avLst/>
-          </a:prstGeom>
-          <a:noFill/>
         </p:spPr>
         <p:txBody>
           <a:bodyPr wrap="none" rtlCol="0">
@@ -6668,100 +7022,17 @@
           <a:lstStyle/>
           <a:p>
             <a:r>
-              <a:rPr lang="ja-JP" altLang="en-US" sz="1200" dirty="0" smtClean="0"/>
-              <a:t>では，正方形を描いてみましょう．さらに，ウィンドウの右下の方に描いてみましょう</a:t>
-            </a:r>
-            <a:endParaRPr kumimoji="1" lang="en-US" altLang="ja-JP" sz="1200" dirty="0" smtClean="0"/>
-          </a:p>
-        </p:txBody>
-      </p:sp>
-      <p:sp>
-        <p:nvSpPr>
-          <p:cNvPr id="37" name="テキスト ボックス 36"/>
-          <p:cNvSpPr txBox="1"/>
-          <p:nvPr/>
-        </p:nvSpPr>
-        <p:spPr>
-          <a:xfrm>
-            <a:off x="564410" y="4768456"/>
-            <a:ext cx="5727104" cy="369332"/>
-          </a:xfrm>
-          <a:prstGeom prst="rect">
-            <a:avLst/>
-          </a:prstGeom>
-          <a:solidFill>
-            <a:schemeClr val="bg1">
-              <a:lumMod val="95000"/>
-            </a:schemeClr>
-          </a:solidFill>
-          <a:ln w="12700" cmpd="sng"/>
-        </p:spPr>
-        <p:style>
-          <a:lnRef idx="2">
-            <a:schemeClr val="dk1"/>
-          </a:lnRef>
-          <a:fillRef idx="1">
-            <a:schemeClr val="lt1"/>
-          </a:fillRef>
-          <a:effectRef idx="0">
-            <a:schemeClr val="dk1"/>
-          </a:effectRef>
-          <a:fontRef idx="minor">
-            <a:schemeClr val="dk1"/>
-          </a:fontRef>
-        </p:style>
-        <p:txBody>
-          <a:bodyPr wrap="square" rtlCol="0">
-            <a:spAutoFit/>
-          </a:bodyPr>
-          <a:lstStyle/>
-          <a:p>
-            <a:r>
-              <a:rPr lang="en-US" altLang="ja-JP" dirty="0" err="1"/>
-              <a:t>r</a:t>
-            </a:r>
-            <a:r>
-              <a:rPr kumimoji="1" lang="en-US" altLang="ja-JP" dirty="0" err="1" smtClean="0"/>
-              <a:t>ect</a:t>
-            </a:r>
-            <a:r>
-              <a:rPr kumimoji="1" lang="en-US" altLang="ja-JP" dirty="0" smtClean="0"/>
-              <a:t>(70, 80, 50, 50);</a:t>
+              <a:rPr lang="en-US" altLang="ja-JP" dirty="0" smtClean="0"/>
+              <a:t>3</a:t>
+            </a:r>
+            <a:r>
+              <a:rPr lang="en-US" altLang="ja-JP" dirty="0" smtClean="0"/>
+              <a:t>0</a:t>
             </a:r>
             <a:endParaRPr kumimoji="1" lang="ja-JP" altLang="en-US" dirty="0"/>
           </a:p>
         </p:txBody>
       </p:sp>
-      <p:pic>
-        <p:nvPicPr>
-          <p:cNvPr id="29" name="図 28" descr="スクリーンショット 2015-07-22 12.29.18.png"/>
-          <p:cNvPicPr>
-            <a:picLocks noChangeAspect="1"/>
-          </p:cNvPicPr>
-          <p:nvPr/>
-        </p:nvPicPr>
-        <p:blipFill>
-          <a:blip r:embed="rId3">
-            <a:extLst>
-              <a:ext uri="{28A0092B-C50C-407E-A947-70E740481C1C}">
-                <a14:useLocalDpi xmlns:a14="http://schemas.microsoft.com/office/drawing/2010/main" val="0"/>
-              </a:ext>
-            </a:extLst>
-          </a:blip>
-          <a:stretch>
-            <a:fillRect/>
-          </a:stretch>
-        </p:blipFill>
-        <p:spPr>
-          <a:xfrm>
-            <a:off x="2494957" y="5394946"/>
-            <a:ext cx="1625600" cy="1905000"/>
-          </a:xfrm>
-          <a:prstGeom prst="rect">
-            <a:avLst/>
-          </a:prstGeom>
-        </p:spPr>
-      </p:pic>
     </p:spTree>
     <p:extLst>
       <p:ext uri="{BB962C8B-B14F-4D97-AF65-F5344CB8AC3E}">
@@ -6792,9 +7063,303 @@
           <a:chExt cx="0" cy="0"/>
         </a:xfrm>
       </p:grpSpPr>
+      <p:sp>
+        <p:nvSpPr>
+          <p:cNvPr id="4" name="フッター プレースホルダー 3"/>
+          <p:cNvSpPr>
+            <a:spLocks noGrp="1"/>
+          </p:cNvSpPr>
+          <p:nvPr>
+            <p:ph type="ftr" sz="quarter" idx="11"/>
+          </p:nvPr>
+        </p:nvSpPr>
+        <p:spPr/>
+        <p:txBody>
+          <a:bodyPr/>
+          <a:lstStyle/>
+          <a:p>
+            <a:r>
+              <a:rPr kumimoji="1" lang="ja-JP" altLang="en-US" smtClean="0"/>
+              <a:t>情報工学科 </a:t>
+            </a:r>
+            <a:r>
+              <a:rPr kumimoji="1" lang="en-US" altLang="ja-JP" smtClean="0"/>
+              <a:t>1</a:t>
+            </a:r>
+            <a:r>
+              <a:rPr kumimoji="1" lang="ja-JP" altLang="en-US" smtClean="0"/>
+              <a:t>日体験入学</a:t>
+            </a:r>
+            <a:endParaRPr kumimoji="1" lang="ja-JP" altLang="en-US"/>
+          </a:p>
+        </p:txBody>
+      </p:sp>
+      <p:sp>
+        <p:nvSpPr>
+          <p:cNvPr id="5" name="スライド番号プレースホルダー 4"/>
+          <p:cNvSpPr>
+            <a:spLocks noGrp="1"/>
+          </p:cNvSpPr>
+          <p:nvPr>
+            <p:ph type="sldNum" sz="quarter" idx="12"/>
+          </p:nvPr>
+        </p:nvSpPr>
+        <p:spPr/>
+        <p:txBody>
+          <a:bodyPr/>
+          <a:lstStyle/>
+          <a:p>
+            <a:fld id="{EAA839CA-A459-3043-A178-D16A10162934}" type="slidenum">
+              <a:rPr kumimoji="1" lang="ja-JP" altLang="en-US" smtClean="0"/>
+              <a:t>6</a:t>
+            </a:fld>
+            <a:endParaRPr kumimoji="1" lang="ja-JP" altLang="en-US"/>
+          </a:p>
+        </p:txBody>
+      </p:sp>
+      <p:sp>
+        <p:nvSpPr>
+          <p:cNvPr id="7" name="テキスト ボックス 6"/>
+          <p:cNvSpPr txBox="1"/>
+          <p:nvPr/>
+        </p:nvSpPr>
+        <p:spPr>
+          <a:xfrm>
+            <a:off x="203200" y="228139"/>
+            <a:ext cx="6191394" cy="369332"/>
+          </a:xfrm>
+          <a:prstGeom prst="rect">
+            <a:avLst/>
+          </a:prstGeom>
+          <a:noFill/>
+          <a:ln w="19050" cmpd="sng">
+            <a:solidFill>
+              <a:schemeClr val="tx1"/>
+            </a:solidFill>
+          </a:ln>
+        </p:spPr>
+        <p:txBody>
+          <a:bodyPr wrap="square" rtlCol="0">
+            <a:spAutoFit/>
+          </a:bodyPr>
+          <a:lstStyle/>
+          <a:p>
+            <a:r>
+              <a:rPr kumimoji="1" lang="en-US" altLang="ja-JP" dirty="0" smtClean="0"/>
+              <a:t>Step2</a:t>
+            </a:r>
+            <a:r>
+              <a:rPr kumimoji="1" lang="en-US" altLang="ja-JP" dirty="0" smtClean="0"/>
+              <a:t>-4. </a:t>
+            </a:r>
+            <a:r>
+              <a:rPr kumimoji="1" lang="ja-JP" altLang="en-US" dirty="0" smtClean="0"/>
+              <a:t>画像を表示してみよう</a:t>
+            </a:r>
+            <a:endParaRPr kumimoji="1" lang="ja-JP" altLang="en-US" dirty="0"/>
+          </a:p>
+        </p:txBody>
+      </p:sp>
+      <p:sp>
+        <p:nvSpPr>
+          <p:cNvPr id="9" name="テキスト ボックス 8"/>
+          <p:cNvSpPr txBox="1"/>
+          <p:nvPr/>
+        </p:nvSpPr>
+        <p:spPr>
+          <a:xfrm>
+            <a:off x="564410" y="755730"/>
+            <a:ext cx="5727104" cy="1200329"/>
+          </a:xfrm>
+          <a:prstGeom prst="rect">
+            <a:avLst/>
+          </a:prstGeom>
+          <a:solidFill>
+            <a:schemeClr val="bg1">
+              <a:lumMod val="95000"/>
+            </a:schemeClr>
+          </a:solidFill>
+          <a:ln w="12700" cmpd="sng"/>
+        </p:spPr>
+        <p:style>
+          <a:lnRef idx="2">
+            <a:schemeClr val="dk1"/>
+          </a:lnRef>
+          <a:fillRef idx="1">
+            <a:schemeClr val="lt1"/>
+          </a:fillRef>
+          <a:effectRef idx="0">
+            <a:schemeClr val="dk1"/>
+          </a:effectRef>
+          <a:fontRef idx="minor">
+            <a:schemeClr val="dk1"/>
+          </a:fontRef>
+        </p:style>
+        <p:txBody>
+          <a:bodyPr wrap="square" rtlCol="0">
+            <a:spAutoFit/>
+          </a:bodyPr>
+          <a:lstStyle/>
+          <a:p>
+            <a:r>
+              <a:rPr lang="en-US" altLang="ja-JP" dirty="0" err="1"/>
+              <a:t>PImage</a:t>
+            </a:r>
+            <a:r>
+              <a:rPr lang="en-US" altLang="ja-JP" dirty="0"/>
+              <a:t> </a:t>
+            </a:r>
+            <a:r>
+              <a:rPr lang="en-US" altLang="ja-JP" dirty="0" err="1"/>
+              <a:t>shipImg</a:t>
+            </a:r>
+            <a:r>
+              <a:rPr lang="en-US" altLang="ja-JP" dirty="0"/>
+              <a:t>;</a:t>
+            </a:r>
+          </a:p>
+          <a:p>
+            <a:r>
+              <a:rPr lang="en-US" altLang="ja-JP" dirty="0" err="1"/>
+              <a:t>imageMode</a:t>
+            </a:r>
+            <a:r>
+              <a:rPr lang="en-US" altLang="ja-JP" dirty="0"/>
+              <a:t>(CENTER);</a:t>
+            </a:r>
+          </a:p>
+          <a:p>
+            <a:r>
+              <a:rPr lang="en-US" altLang="ja-JP" dirty="0" err="1"/>
+              <a:t>shipImg</a:t>
+            </a:r>
+            <a:r>
+              <a:rPr lang="en-US" altLang="ja-JP" dirty="0"/>
+              <a:t> = </a:t>
+            </a:r>
+            <a:r>
+              <a:rPr lang="en-US" altLang="ja-JP" dirty="0" err="1"/>
+              <a:t>loadImage</a:t>
+            </a:r>
+            <a:r>
+              <a:rPr lang="en-US" altLang="ja-JP" dirty="0"/>
+              <a:t>("</a:t>
+            </a:r>
+            <a:r>
+              <a:rPr lang="en-US" altLang="ja-JP" dirty="0" err="1"/>
+              <a:t>ship.png</a:t>
+            </a:r>
+            <a:r>
+              <a:rPr lang="en-US" altLang="ja-JP" dirty="0"/>
+              <a:t>");</a:t>
+            </a:r>
+          </a:p>
+          <a:p>
+            <a:r>
+              <a:rPr lang="en-US" altLang="ja-JP" dirty="0"/>
+              <a:t>image(</a:t>
+            </a:r>
+            <a:r>
+              <a:rPr lang="en-US" altLang="ja-JP" dirty="0" err="1"/>
+              <a:t>shipImg</a:t>
+            </a:r>
+            <a:r>
+              <a:rPr lang="en-US" altLang="ja-JP" dirty="0"/>
+              <a:t>, 90, 80)</a:t>
+            </a:r>
+            <a:r>
+              <a:rPr lang="en-US" altLang="ja-JP" dirty="0" smtClean="0"/>
+              <a:t>;</a:t>
+            </a:r>
+            <a:endParaRPr lang="en-US" altLang="ja-JP" dirty="0"/>
+          </a:p>
+        </p:txBody>
+      </p:sp>
+      <p:sp>
+        <p:nvSpPr>
+          <p:cNvPr id="12" name="正方形/長方形 11"/>
+          <p:cNvSpPr/>
+          <p:nvPr/>
+        </p:nvSpPr>
+        <p:spPr>
+          <a:xfrm>
+            <a:off x="564410" y="1956059"/>
+            <a:ext cx="5727104" cy="3182211"/>
+          </a:xfrm>
+          <a:prstGeom prst="rect">
+            <a:avLst/>
+          </a:prstGeom>
+          <a:noFill/>
+          <a:ln>
+            <a:solidFill>
+              <a:schemeClr val="tx1"/>
+            </a:solidFill>
+          </a:ln>
+        </p:spPr>
+        <p:style>
+          <a:lnRef idx="1">
+            <a:schemeClr val="accent1"/>
+          </a:lnRef>
+          <a:fillRef idx="3">
+            <a:schemeClr val="accent1"/>
+          </a:fillRef>
+          <a:effectRef idx="2">
+            <a:schemeClr val="accent1"/>
+          </a:effectRef>
+          <a:fontRef idx="minor">
+            <a:schemeClr val="lt1"/>
+          </a:fontRef>
+        </p:style>
+        <p:txBody>
+          <a:bodyPr rtlCol="0" anchor="ctr"/>
+          <a:lstStyle/>
+          <a:p>
+            <a:pPr algn="ctr"/>
+            <a:endParaRPr kumimoji="1" lang="ja-JP" altLang="en-US"/>
+          </a:p>
+        </p:txBody>
+      </p:sp>
+      <p:sp>
+        <p:nvSpPr>
+          <p:cNvPr id="24" name="正方形/長方形 23"/>
+          <p:cNvSpPr/>
+          <p:nvPr/>
+        </p:nvSpPr>
+        <p:spPr>
+          <a:xfrm>
+            <a:off x="1054100" y="0"/>
+            <a:ext cx="1041400" cy="232413"/>
+          </a:xfrm>
+          <a:prstGeom prst="rect">
+            <a:avLst/>
+          </a:prstGeom>
+        </p:spPr>
+        <p:style>
+          <a:lnRef idx="1">
+            <a:schemeClr val="accent1"/>
+          </a:lnRef>
+          <a:fillRef idx="3">
+            <a:schemeClr val="accent1"/>
+          </a:fillRef>
+          <a:effectRef idx="2">
+            <a:schemeClr val="accent1"/>
+          </a:effectRef>
+          <a:fontRef idx="minor">
+            <a:schemeClr val="lt1"/>
+          </a:fontRef>
+        </p:style>
+        <p:txBody>
+          <a:bodyPr rtlCol="0" anchor="ctr"/>
+          <a:lstStyle/>
+          <a:p>
+            <a:pPr algn="ctr"/>
+            <a:endParaRPr kumimoji="1" lang="ja-JP" altLang="en-US"/>
+          </a:p>
+        </p:txBody>
+      </p:sp>
       <p:pic>
         <p:nvPicPr>
-          <p:cNvPr id="3" name="図 2" descr="スクリーンショット 2015-07-22 12.29.45.png"/>
+          <p:cNvPr id="2" name="図 1" descr="スクリーンショット 2015-07-23 17.48.31.png"/>
           <p:cNvPicPr>
             <a:picLocks noChangeAspect="1"/>
           </p:cNvPicPr>
@@ -6814,757 +7379,8 @@
         </p:blipFill>
         <p:spPr>
           <a:xfrm>
-            <a:off x="2593346" y="2155874"/>
-            <a:ext cx="2036047" cy="2808049"/>
-          </a:xfrm>
-          <a:prstGeom prst="rect">
-            <a:avLst/>
-          </a:prstGeom>
-        </p:spPr>
-      </p:pic>
-      <p:sp>
-        <p:nvSpPr>
-          <p:cNvPr id="4" name="フッター プレースホルダー 3"/>
-          <p:cNvSpPr>
-            <a:spLocks noGrp="1"/>
-          </p:cNvSpPr>
-          <p:nvPr>
-            <p:ph type="ftr" sz="quarter" idx="11"/>
-          </p:nvPr>
-        </p:nvSpPr>
-        <p:spPr/>
-        <p:txBody>
-          <a:bodyPr/>
-          <a:lstStyle/>
-          <a:p>
-            <a:r>
-              <a:rPr kumimoji="1" lang="ja-JP" altLang="en-US" smtClean="0"/>
-              <a:t>情報工学科 </a:t>
-            </a:r>
-            <a:r>
-              <a:rPr kumimoji="1" lang="en-US" altLang="ja-JP" smtClean="0"/>
-              <a:t>1</a:t>
-            </a:r>
-            <a:r>
-              <a:rPr kumimoji="1" lang="ja-JP" altLang="en-US" smtClean="0"/>
-              <a:t>日体験入学</a:t>
-            </a:r>
-            <a:endParaRPr kumimoji="1" lang="ja-JP" altLang="en-US"/>
-          </a:p>
-        </p:txBody>
-      </p:sp>
-      <p:sp>
-        <p:nvSpPr>
-          <p:cNvPr id="5" name="スライド番号プレースホルダー 4"/>
-          <p:cNvSpPr>
-            <a:spLocks noGrp="1"/>
-          </p:cNvSpPr>
-          <p:nvPr>
-            <p:ph type="sldNum" sz="quarter" idx="12"/>
-          </p:nvPr>
-        </p:nvSpPr>
-        <p:spPr/>
-        <p:txBody>
-          <a:bodyPr/>
-          <a:lstStyle/>
-          <a:p>
-            <a:fld id="{EAA839CA-A459-3043-A178-D16A10162934}" type="slidenum">
-              <a:rPr kumimoji="1" lang="ja-JP" altLang="en-US" smtClean="0"/>
-              <a:t>6</a:t>
-            </a:fld>
-            <a:endParaRPr kumimoji="1" lang="ja-JP" altLang="en-US"/>
-          </a:p>
-        </p:txBody>
-      </p:sp>
-      <p:sp>
-        <p:nvSpPr>
-          <p:cNvPr id="7" name="テキスト ボックス 6"/>
-          <p:cNvSpPr txBox="1"/>
-          <p:nvPr/>
-        </p:nvSpPr>
-        <p:spPr>
-          <a:xfrm>
-            <a:off x="203200" y="228139"/>
-            <a:ext cx="6191394" cy="369332"/>
-          </a:xfrm>
-          <a:prstGeom prst="rect">
-            <a:avLst/>
-          </a:prstGeom>
-          <a:noFill/>
-          <a:ln w="19050" cmpd="sng">
-            <a:solidFill>
-              <a:schemeClr val="tx1"/>
-            </a:solidFill>
-          </a:ln>
-        </p:spPr>
-        <p:txBody>
-          <a:bodyPr wrap="square" rtlCol="0">
-            <a:spAutoFit/>
-          </a:bodyPr>
-          <a:lstStyle/>
-          <a:p>
-            <a:r>
-              <a:rPr kumimoji="1" lang="en-US" altLang="ja-JP" dirty="0" smtClean="0"/>
-              <a:t>Step2-5</a:t>
-            </a:r>
-            <a:r>
-              <a:rPr kumimoji="1" lang="en-US" altLang="ja-JP" dirty="0" smtClean="0"/>
-              <a:t>. </a:t>
-            </a:r>
-            <a:r>
-              <a:rPr kumimoji="1" lang="ja-JP" altLang="en-US" dirty="0" smtClean="0"/>
-              <a:t>ウィンドウを大きくしてみよう</a:t>
-            </a:r>
-            <a:endParaRPr kumimoji="1" lang="ja-JP" altLang="en-US" dirty="0"/>
-          </a:p>
-        </p:txBody>
-      </p:sp>
-      <p:sp>
-        <p:nvSpPr>
-          <p:cNvPr id="8" name="テキスト ボックス 7"/>
-          <p:cNvSpPr txBox="1"/>
-          <p:nvPr/>
-        </p:nvSpPr>
-        <p:spPr>
-          <a:xfrm>
-            <a:off x="203200" y="597471"/>
-            <a:ext cx="6545382" cy="276999"/>
-          </a:xfrm>
-          <a:prstGeom prst="rect">
-            <a:avLst/>
-          </a:prstGeom>
-          <a:noFill/>
-        </p:spPr>
-        <p:txBody>
-          <a:bodyPr wrap="none" rtlCol="0">
-            <a:spAutoFit/>
-          </a:bodyPr>
-          <a:lstStyle/>
-          <a:p>
-            <a:r>
-              <a:rPr lang="ja-JP" altLang="en-US" sz="1200" dirty="0" smtClean="0"/>
-              <a:t>先ほどのプログラムでは正方形がはみ出てしまいました．そこで，ウィンドウを大きくしてみましょう．</a:t>
-            </a:r>
-            <a:endParaRPr kumimoji="1" lang="en-US" altLang="ja-JP" sz="1200" dirty="0" smtClean="0"/>
-          </a:p>
-        </p:txBody>
-      </p:sp>
-      <p:sp>
-        <p:nvSpPr>
-          <p:cNvPr id="9" name="テキスト ボックス 8"/>
-          <p:cNvSpPr txBox="1"/>
-          <p:nvPr/>
-        </p:nvSpPr>
-        <p:spPr>
-          <a:xfrm>
-            <a:off x="564410" y="908130"/>
-            <a:ext cx="5727104" cy="646331"/>
-          </a:xfrm>
-          <a:prstGeom prst="rect">
-            <a:avLst/>
-          </a:prstGeom>
-          <a:solidFill>
-            <a:schemeClr val="bg1">
-              <a:lumMod val="95000"/>
-            </a:schemeClr>
-          </a:solidFill>
-          <a:ln w="12700" cmpd="sng"/>
-        </p:spPr>
-        <p:style>
-          <a:lnRef idx="2">
-            <a:schemeClr val="dk1"/>
-          </a:lnRef>
-          <a:fillRef idx="1">
-            <a:schemeClr val="lt1"/>
-          </a:fillRef>
-          <a:effectRef idx="0">
-            <a:schemeClr val="dk1"/>
-          </a:effectRef>
-          <a:fontRef idx="minor">
-            <a:schemeClr val="dk1"/>
-          </a:fontRef>
-        </p:style>
-        <p:txBody>
-          <a:bodyPr wrap="square" rtlCol="0">
-            <a:spAutoFit/>
-          </a:bodyPr>
-          <a:lstStyle/>
-          <a:p>
-            <a:r>
-              <a:rPr lang="en-US" altLang="ja-JP" dirty="0"/>
-              <a:t>s</a:t>
-            </a:r>
-            <a:r>
-              <a:rPr lang="en-US" altLang="ja-JP" dirty="0" smtClean="0"/>
-              <a:t>ize(480, 640);</a:t>
-            </a:r>
-          </a:p>
-          <a:p>
-            <a:r>
-              <a:rPr lang="en-US" altLang="ja-JP" dirty="0" err="1" smtClean="0"/>
-              <a:t>r</a:t>
-            </a:r>
-            <a:r>
-              <a:rPr kumimoji="1" lang="en-US" altLang="ja-JP" dirty="0" err="1" smtClean="0"/>
-              <a:t>ect</a:t>
-            </a:r>
-            <a:r>
-              <a:rPr kumimoji="1" lang="en-US" altLang="ja-JP" dirty="0" smtClean="0"/>
-              <a:t>(70, 80, </a:t>
-            </a:r>
-            <a:r>
-              <a:rPr lang="en-US" altLang="ja-JP" dirty="0" smtClean="0"/>
-              <a:t>50</a:t>
-            </a:r>
-            <a:r>
-              <a:rPr kumimoji="1" lang="en-US" altLang="ja-JP" dirty="0" smtClean="0"/>
-              <a:t>, 50);</a:t>
-            </a:r>
-            <a:endParaRPr kumimoji="1" lang="ja-JP" altLang="en-US" dirty="0"/>
-          </a:p>
-        </p:txBody>
-      </p:sp>
-      <p:sp>
-        <p:nvSpPr>
-          <p:cNvPr id="12" name="正方形/長方形 11"/>
-          <p:cNvSpPr/>
-          <p:nvPr/>
-        </p:nvSpPr>
-        <p:spPr>
-          <a:xfrm>
-            <a:off x="564410" y="1554461"/>
-            <a:ext cx="5727104" cy="3736210"/>
-          </a:xfrm>
-          <a:prstGeom prst="rect">
-            <a:avLst/>
-          </a:prstGeom>
-          <a:noFill/>
-          <a:ln>
-            <a:solidFill>
-              <a:schemeClr val="tx1"/>
-            </a:solidFill>
-          </a:ln>
-        </p:spPr>
-        <p:style>
-          <a:lnRef idx="1">
-            <a:schemeClr val="accent1"/>
-          </a:lnRef>
-          <a:fillRef idx="3">
-            <a:schemeClr val="accent1"/>
-          </a:fillRef>
-          <a:effectRef idx="2">
-            <a:schemeClr val="accent1"/>
-          </a:effectRef>
-          <a:fontRef idx="minor">
-            <a:schemeClr val="lt1"/>
-          </a:fontRef>
-        </p:style>
-        <p:txBody>
-          <a:bodyPr rtlCol="0" anchor="ctr"/>
-          <a:lstStyle/>
-          <a:p>
-            <a:pPr algn="ctr"/>
-            <a:endParaRPr kumimoji="1" lang="ja-JP" altLang="en-US"/>
-          </a:p>
-        </p:txBody>
-      </p:sp>
-      <p:sp>
-        <p:nvSpPr>
-          <p:cNvPr id="13" name="テキスト ボックス 12"/>
-          <p:cNvSpPr txBox="1"/>
-          <p:nvPr/>
-        </p:nvSpPr>
-        <p:spPr>
-          <a:xfrm>
-            <a:off x="564410" y="1639593"/>
-            <a:ext cx="3722556" cy="369332"/>
-          </a:xfrm>
-          <a:prstGeom prst="rect">
-            <a:avLst/>
-          </a:prstGeom>
-          <a:noFill/>
-        </p:spPr>
-        <p:txBody>
-          <a:bodyPr wrap="none" rtlCol="0">
-            <a:spAutoFit/>
-          </a:bodyPr>
-          <a:lstStyle/>
-          <a:p>
-            <a:r>
-              <a:rPr lang="en-US" altLang="ja-JP" dirty="0" smtClean="0"/>
-              <a:t>size(x</a:t>
-            </a:r>
-            <a:r>
-              <a:rPr lang="ja-JP" altLang="en-US" dirty="0" smtClean="0"/>
-              <a:t>方向のサイズ</a:t>
-            </a:r>
-            <a:r>
-              <a:rPr lang="en-US" altLang="ja-JP" dirty="0" smtClean="0"/>
-              <a:t>, y</a:t>
-            </a:r>
-            <a:r>
-              <a:rPr lang="ja-JP" altLang="en-US" dirty="0" smtClean="0"/>
-              <a:t>方向のサイズ</a:t>
-            </a:r>
-            <a:r>
-              <a:rPr lang="en-US" altLang="ja-JP" dirty="0" smtClean="0"/>
-              <a:t>);</a:t>
-            </a:r>
-            <a:endParaRPr lang="en-US" altLang="ja-JP" dirty="0"/>
-          </a:p>
-        </p:txBody>
-      </p:sp>
-      <p:sp>
-        <p:nvSpPr>
-          <p:cNvPr id="14" name="テキスト ボックス 13"/>
-          <p:cNvSpPr txBox="1"/>
-          <p:nvPr/>
-        </p:nvSpPr>
-        <p:spPr>
-          <a:xfrm>
-            <a:off x="1824193" y="2147575"/>
-            <a:ext cx="814947" cy="276999"/>
-          </a:xfrm>
-          <a:prstGeom prst="rect">
-            <a:avLst/>
-          </a:prstGeom>
-          <a:noFill/>
-        </p:spPr>
-        <p:txBody>
-          <a:bodyPr wrap="none" rtlCol="0">
-            <a:spAutoFit/>
-          </a:bodyPr>
-          <a:lstStyle/>
-          <a:p>
-            <a:r>
-              <a:rPr kumimoji="1" lang="ja-JP" altLang="en-US" sz="1200" dirty="0" smtClean="0"/>
-              <a:t>座標</a:t>
-            </a:r>
-            <a:r>
-              <a:rPr kumimoji="1" lang="en-US" altLang="ja-JP" sz="1200" dirty="0" smtClean="0"/>
-              <a:t>(0, 0)</a:t>
-            </a:r>
-            <a:endParaRPr kumimoji="1" lang="ja-JP" altLang="en-US" sz="1200" dirty="0"/>
-          </a:p>
-        </p:txBody>
-      </p:sp>
-      <p:cxnSp>
-        <p:nvCxnSpPr>
-          <p:cNvPr id="15" name="直線矢印コネクタ 14"/>
-          <p:cNvCxnSpPr/>
-          <p:nvPr/>
-        </p:nvCxnSpPr>
-        <p:spPr>
-          <a:xfrm flipV="1">
-            <a:off x="2593346" y="2266128"/>
-            <a:ext cx="2076818" cy="1"/>
-          </a:xfrm>
-          <a:prstGeom prst="straightConnector1">
-            <a:avLst/>
-          </a:prstGeom>
-          <a:ln>
-            <a:solidFill>
-              <a:srgbClr val="000000"/>
-            </a:solidFill>
-            <a:tailEnd type="arrow"/>
-          </a:ln>
-        </p:spPr>
-        <p:style>
-          <a:lnRef idx="2">
-            <a:schemeClr val="accent1"/>
-          </a:lnRef>
-          <a:fillRef idx="0">
-            <a:schemeClr val="accent1"/>
-          </a:fillRef>
-          <a:effectRef idx="1">
-            <a:schemeClr val="accent1"/>
-          </a:effectRef>
-          <a:fontRef idx="minor">
-            <a:schemeClr val="tx1"/>
-          </a:fontRef>
-        </p:style>
-      </p:cxnSp>
-      <p:cxnSp>
-        <p:nvCxnSpPr>
-          <p:cNvPr id="16" name="直線矢印コネクタ 15"/>
-          <p:cNvCxnSpPr/>
-          <p:nvPr/>
-        </p:nvCxnSpPr>
-        <p:spPr>
-          <a:xfrm>
-            <a:off x="2604643" y="2266128"/>
-            <a:ext cx="10096" cy="2743658"/>
-          </a:xfrm>
-          <a:prstGeom prst="straightConnector1">
-            <a:avLst/>
-          </a:prstGeom>
-          <a:ln>
-            <a:solidFill>
-              <a:srgbClr val="000000"/>
-            </a:solidFill>
-            <a:tailEnd type="arrow"/>
-          </a:ln>
-        </p:spPr>
-        <p:style>
-          <a:lnRef idx="2">
-            <a:schemeClr val="accent1"/>
-          </a:lnRef>
-          <a:fillRef idx="0">
-            <a:schemeClr val="accent1"/>
-          </a:fillRef>
-          <a:effectRef idx="1">
-            <a:schemeClr val="accent1"/>
-          </a:effectRef>
-          <a:fontRef idx="minor">
-            <a:schemeClr val="tx1"/>
-          </a:fontRef>
-        </p:style>
-      </p:cxnSp>
-      <p:sp>
-        <p:nvSpPr>
-          <p:cNvPr id="17" name="テキスト ボックス 16"/>
-          <p:cNvSpPr txBox="1"/>
-          <p:nvPr/>
-        </p:nvSpPr>
-        <p:spPr>
-          <a:xfrm>
-            <a:off x="4670164" y="2102722"/>
-            <a:ext cx="418028" cy="276999"/>
-          </a:xfrm>
-          <a:prstGeom prst="rect">
-            <a:avLst/>
-          </a:prstGeom>
-          <a:noFill/>
-        </p:spPr>
-        <p:txBody>
-          <a:bodyPr wrap="none" rtlCol="0">
-            <a:spAutoFit/>
-          </a:bodyPr>
-          <a:lstStyle/>
-          <a:p>
-            <a:r>
-              <a:rPr lang="en-US" altLang="ja-JP" sz="1200" dirty="0" smtClean="0"/>
-              <a:t>x</a:t>
-            </a:r>
-            <a:r>
-              <a:rPr lang="ja-JP" altLang="en-US" sz="1200" dirty="0" smtClean="0"/>
-              <a:t>軸</a:t>
-            </a:r>
-            <a:endParaRPr kumimoji="1" lang="ja-JP" altLang="en-US" sz="1200" dirty="0"/>
-          </a:p>
-        </p:txBody>
-      </p:sp>
-      <p:sp>
-        <p:nvSpPr>
-          <p:cNvPr id="18" name="テキスト ボックス 17"/>
-          <p:cNvSpPr txBox="1"/>
-          <p:nvPr/>
-        </p:nvSpPr>
-        <p:spPr>
-          <a:xfrm>
-            <a:off x="2140839" y="4871286"/>
-            <a:ext cx="408210" cy="276999"/>
-          </a:xfrm>
-          <a:prstGeom prst="rect">
-            <a:avLst/>
-          </a:prstGeom>
-          <a:noFill/>
-        </p:spPr>
-        <p:txBody>
-          <a:bodyPr wrap="none" rtlCol="0">
-            <a:spAutoFit/>
-          </a:bodyPr>
-          <a:lstStyle/>
-          <a:p>
-            <a:r>
-              <a:rPr lang="en-US" altLang="ja-JP" sz="1200" dirty="0"/>
-              <a:t>y</a:t>
-            </a:r>
-            <a:r>
-              <a:rPr lang="ja-JP" altLang="en-US" sz="1200" dirty="0" smtClean="0"/>
-              <a:t>軸</a:t>
-            </a:r>
-            <a:endParaRPr kumimoji="1" lang="ja-JP" altLang="en-US" sz="1200" dirty="0"/>
-          </a:p>
-        </p:txBody>
-      </p:sp>
-      <p:sp>
-        <p:nvSpPr>
-          <p:cNvPr id="20" name="テキスト ボックス 19"/>
-          <p:cNvSpPr txBox="1"/>
-          <p:nvPr/>
-        </p:nvSpPr>
-        <p:spPr>
-          <a:xfrm>
-            <a:off x="1538337" y="3178091"/>
-            <a:ext cx="970939" cy="276999"/>
-          </a:xfrm>
-          <a:prstGeom prst="rect">
-            <a:avLst/>
-          </a:prstGeom>
-          <a:noFill/>
-        </p:spPr>
-        <p:txBody>
-          <a:bodyPr wrap="none" rtlCol="0">
-            <a:spAutoFit/>
-          </a:bodyPr>
-          <a:lstStyle/>
-          <a:p>
-            <a:r>
-              <a:rPr kumimoji="1" lang="ja-JP" altLang="en-US" sz="1200" dirty="0" smtClean="0"/>
-              <a:t>座標</a:t>
-            </a:r>
-            <a:r>
-              <a:rPr kumimoji="1" lang="en-US" altLang="ja-JP" sz="1200" dirty="0" smtClean="0"/>
-              <a:t>(70, 80)</a:t>
-            </a:r>
-            <a:endParaRPr kumimoji="1" lang="ja-JP" altLang="en-US" sz="1200" dirty="0"/>
-          </a:p>
-        </p:txBody>
-      </p:sp>
-      <p:cxnSp>
-        <p:nvCxnSpPr>
-          <p:cNvPr id="21" name="直線矢印コネクタ 20"/>
-          <p:cNvCxnSpPr/>
-          <p:nvPr/>
-        </p:nvCxnSpPr>
-        <p:spPr>
-          <a:xfrm flipV="1">
-            <a:off x="2198213" y="2600327"/>
-            <a:ext cx="621166" cy="556059"/>
-          </a:xfrm>
-          <a:prstGeom prst="straightConnector1">
-            <a:avLst/>
-          </a:prstGeom>
-          <a:ln>
-            <a:solidFill>
-              <a:srgbClr val="000000"/>
-            </a:solidFill>
-            <a:tailEnd type="arrow"/>
-          </a:ln>
-        </p:spPr>
-        <p:style>
-          <a:lnRef idx="2">
-            <a:schemeClr val="accent1"/>
-          </a:lnRef>
-          <a:fillRef idx="0">
-            <a:schemeClr val="accent1"/>
-          </a:fillRef>
-          <a:effectRef idx="1">
-            <a:schemeClr val="accent1"/>
-          </a:effectRef>
-          <a:fontRef idx="minor">
-            <a:schemeClr val="tx1"/>
-          </a:fontRef>
-        </p:style>
-      </p:cxnSp>
-      <p:sp>
-        <p:nvSpPr>
-          <p:cNvPr id="22" name="テキスト ボックス 21"/>
-          <p:cNvSpPr txBox="1"/>
-          <p:nvPr/>
-        </p:nvSpPr>
-        <p:spPr>
-          <a:xfrm>
-            <a:off x="3007429" y="2567127"/>
-            <a:ext cx="961321" cy="276999"/>
-          </a:xfrm>
-          <a:prstGeom prst="rect">
-            <a:avLst/>
-          </a:prstGeom>
-          <a:noFill/>
-        </p:spPr>
-        <p:txBody>
-          <a:bodyPr wrap="none" rtlCol="0">
-            <a:spAutoFit/>
-          </a:bodyPr>
-          <a:lstStyle/>
-          <a:p>
-            <a:r>
-              <a:rPr lang="ja-JP" altLang="en-US" sz="1200" dirty="0" smtClean="0"/>
-              <a:t>縦の長さ</a:t>
-            </a:r>
-            <a:r>
-              <a:rPr lang="en-US" altLang="ja-JP" sz="1200" dirty="0" smtClean="0"/>
-              <a:t>:50</a:t>
-            </a:r>
-            <a:endParaRPr kumimoji="1" lang="ja-JP" altLang="en-US" sz="1200" dirty="0"/>
-          </a:p>
-        </p:txBody>
-      </p:sp>
-      <p:sp>
-        <p:nvSpPr>
-          <p:cNvPr id="23" name="テキスト ボックス 22"/>
-          <p:cNvSpPr txBox="1"/>
-          <p:nvPr/>
-        </p:nvSpPr>
-        <p:spPr>
-          <a:xfrm>
-            <a:off x="2819379" y="2342022"/>
-            <a:ext cx="961321" cy="276999"/>
-          </a:xfrm>
-          <a:prstGeom prst="rect">
-            <a:avLst/>
-          </a:prstGeom>
-          <a:noFill/>
-        </p:spPr>
-        <p:txBody>
-          <a:bodyPr wrap="none" rtlCol="0">
-            <a:spAutoFit/>
-          </a:bodyPr>
-          <a:lstStyle/>
-          <a:p>
-            <a:r>
-              <a:rPr lang="ja-JP" altLang="en-US" sz="1200" dirty="0" smtClean="0"/>
-              <a:t>横の長さ</a:t>
-            </a:r>
-            <a:r>
-              <a:rPr lang="en-US" altLang="ja-JP" sz="1200" dirty="0" smtClean="0"/>
-              <a:t>:50</a:t>
-            </a:r>
-            <a:endParaRPr kumimoji="1" lang="ja-JP" altLang="en-US" sz="1200" dirty="0"/>
-          </a:p>
-        </p:txBody>
-      </p:sp>
-      <p:sp>
-        <p:nvSpPr>
-          <p:cNvPr id="26" name="テキスト ボックス 25"/>
-          <p:cNvSpPr txBox="1"/>
-          <p:nvPr/>
-        </p:nvSpPr>
-        <p:spPr>
-          <a:xfrm>
-            <a:off x="2731361" y="4955624"/>
-            <a:ext cx="1824989" cy="276999"/>
-          </a:xfrm>
-          <a:prstGeom prst="rect">
-            <a:avLst/>
-          </a:prstGeom>
-          <a:noFill/>
-        </p:spPr>
-        <p:txBody>
-          <a:bodyPr wrap="none" rtlCol="0">
-            <a:spAutoFit/>
-          </a:bodyPr>
-          <a:lstStyle/>
-          <a:p>
-            <a:r>
-              <a:rPr lang="ja-JP" altLang="en-US" sz="1200" dirty="0" smtClean="0"/>
-              <a:t>ウィンドウの横の長さ</a:t>
-            </a:r>
-            <a:r>
-              <a:rPr lang="en-US" altLang="ja-JP" sz="1200" dirty="0" smtClean="0"/>
-              <a:t>:480</a:t>
-            </a:r>
-            <a:endParaRPr kumimoji="1" lang="ja-JP" altLang="en-US" sz="1200" dirty="0"/>
-          </a:p>
-        </p:txBody>
-      </p:sp>
-      <p:sp>
-        <p:nvSpPr>
-          <p:cNvPr id="27" name="テキスト ボックス 26"/>
-          <p:cNvSpPr txBox="1"/>
-          <p:nvPr/>
-        </p:nvSpPr>
-        <p:spPr>
-          <a:xfrm>
-            <a:off x="4175697" y="3455090"/>
-            <a:ext cx="1824989" cy="276999"/>
-          </a:xfrm>
-          <a:prstGeom prst="rect">
-            <a:avLst/>
-          </a:prstGeom>
-          <a:noFill/>
-        </p:spPr>
-        <p:txBody>
-          <a:bodyPr wrap="none" rtlCol="0">
-            <a:spAutoFit/>
-          </a:bodyPr>
-          <a:lstStyle/>
-          <a:p>
-            <a:r>
-              <a:rPr lang="ja-JP" altLang="en-US" sz="1200" dirty="0" smtClean="0"/>
-              <a:t>ウィンドウの縦の長さ</a:t>
-            </a:r>
-            <a:r>
-              <a:rPr lang="en-US" altLang="ja-JP" sz="1200" dirty="0" smtClean="0"/>
-              <a:t>:640</a:t>
-            </a:r>
-            <a:endParaRPr kumimoji="1" lang="ja-JP" altLang="en-US" sz="1200" dirty="0"/>
-          </a:p>
-        </p:txBody>
-      </p:sp>
-      <p:sp>
-        <p:nvSpPr>
-          <p:cNvPr id="25" name="テキスト ボックス 24"/>
-          <p:cNvSpPr txBox="1"/>
-          <p:nvPr/>
-        </p:nvSpPr>
-        <p:spPr>
-          <a:xfrm>
-            <a:off x="203200" y="5576956"/>
-            <a:ext cx="6191394" cy="369332"/>
-          </a:xfrm>
-          <a:prstGeom prst="rect">
-            <a:avLst/>
-          </a:prstGeom>
-          <a:noFill/>
-          <a:ln w="19050" cmpd="sng">
-            <a:solidFill>
-              <a:schemeClr val="tx1"/>
-            </a:solidFill>
-          </a:ln>
-        </p:spPr>
-        <p:txBody>
-          <a:bodyPr wrap="square" rtlCol="0">
-            <a:spAutoFit/>
-          </a:bodyPr>
-          <a:lstStyle/>
-          <a:p>
-            <a:r>
-              <a:rPr kumimoji="1" lang="en-US" altLang="ja-JP" dirty="0" smtClean="0"/>
-              <a:t>Step2-6</a:t>
-            </a:r>
-            <a:r>
-              <a:rPr kumimoji="1" lang="en-US" altLang="ja-JP" dirty="0" smtClean="0"/>
-              <a:t>. </a:t>
-            </a:r>
-            <a:r>
-              <a:rPr lang="ja-JP" altLang="en-US" dirty="0" smtClean="0"/>
-              <a:t>シューティングゲームのような配置にして</a:t>
-            </a:r>
-            <a:r>
-              <a:rPr lang="ja-JP" altLang="en-US" dirty="0" smtClean="0"/>
-              <a:t>みよう</a:t>
-            </a:r>
-            <a:endParaRPr kumimoji="1" lang="ja-JP" altLang="en-US" dirty="0"/>
-          </a:p>
-        </p:txBody>
-      </p:sp>
-      <p:pic>
-        <p:nvPicPr>
-          <p:cNvPr id="29" name="図 28" descr="スクリーンショット 2015-07-23 12.42.41.png"/>
-          <p:cNvPicPr>
-            <a:picLocks noChangeAspect="1"/>
-          </p:cNvPicPr>
-          <p:nvPr/>
-        </p:nvPicPr>
-        <p:blipFill>
-          <a:blip r:embed="rId3">
-            <a:extLst>
-              <a:ext uri="{28A0092B-C50C-407E-A947-70E740481C1C}">
-                <a14:useLocalDpi xmlns:a14="http://schemas.microsoft.com/office/drawing/2010/main" val="0"/>
-              </a:ext>
-            </a:extLst>
-          </a:blip>
-          <a:stretch>
-            <a:fillRect/>
-          </a:stretch>
-        </p:blipFill>
-        <p:spPr>
-          <a:xfrm>
-            <a:off x="2567946" y="6082747"/>
-            <a:ext cx="1734662" cy="2392388"/>
+            <a:off x="3352800" y="2730500"/>
+            <a:ext cx="1625600" cy="1905000"/>
           </a:xfrm>
           <a:prstGeom prst="rect">
             <a:avLst/>
@@ -7601,36 +7417,6 @@
           <a:chExt cx="0" cy="0"/>
         </a:xfrm>
       </p:grpSpPr>
-      <p:pic>
-        <p:nvPicPr>
-          <p:cNvPr id="83" name="図 82" descr="スクリーンショット 2015-07-23 12.42.41.png"/>
-          <p:cNvPicPr>
-            <a:picLocks noChangeAspect="1"/>
-          </p:cNvPicPr>
-          <p:nvPr/>
-        </p:nvPicPr>
-        <p:blipFill>
-          <a:blip r:embed="rId2">
-            <a:extLst>
-              <a:ext uri="{28A0092B-C50C-407E-A947-70E740481C1C}">
-                <a14:useLocalDpi xmlns:a14="http://schemas.microsoft.com/office/drawing/2010/main" val="0"/>
-              </a:ext>
-            </a:extLst>
-          </a:blip>
-          <a:stretch>
-            <a:fillRect/>
-          </a:stretch>
-        </p:blipFill>
-        <p:spPr>
-          <a:xfrm>
-            <a:off x="1456284" y="1420911"/>
-            <a:ext cx="3940722" cy="5434913"/>
-          </a:xfrm>
-          <a:prstGeom prst="rect">
-            <a:avLst/>
-          </a:prstGeom>
-        </p:spPr>
-      </p:pic>
       <p:sp>
         <p:nvSpPr>
           <p:cNvPr id="4" name="フッター プレースホルダー 3"/>
@@ -7693,8 +7479,122 @@
         </p:nvSpPr>
         <p:spPr>
           <a:xfrm>
-            <a:off x="564410" y="173622"/>
-            <a:ext cx="5727104" cy="923330"/>
+            <a:off x="323706" y="1373446"/>
+            <a:ext cx="2781531" cy="369332"/>
+          </a:xfrm>
+          <a:prstGeom prst="rect">
+            <a:avLst/>
+          </a:prstGeom>
+          <a:noFill/>
+        </p:spPr>
+        <p:txBody>
+          <a:bodyPr wrap="none" rtlCol="0">
+            <a:spAutoFit/>
+          </a:bodyPr>
+          <a:lstStyle/>
+          <a:p>
+            <a:r>
+              <a:rPr lang="ja-JP" altLang="en-US" dirty="0" smtClean="0"/>
+              <a:t>変数を使えるようになろう．</a:t>
+            </a:r>
+            <a:endParaRPr kumimoji="1" lang="ja-JP" altLang="en-US" dirty="0"/>
+          </a:p>
+        </p:txBody>
+      </p:sp>
+      <p:sp>
+        <p:nvSpPr>
+          <p:cNvPr id="7" name="テキスト ボックス 6"/>
+          <p:cNvSpPr txBox="1"/>
+          <p:nvPr/>
+        </p:nvSpPr>
+        <p:spPr>
+          <a:xfrm>
+            <a:off x="323706" y="1004114"/>
+            <a:ext cx="6191394" cy="369332"/>
+          </a:xfrm>
+          <a:prstGeom prst="rect">
+            <a:avLst/>
+          </a:prstGeom>
+          <a:noFill/>
+          <a:ln w="19050" cmpd="sng">
+            <a:solidFill>
+              <a:schemeClr val="tx1"/>
+            </a:solidFill>
+          </a:ln>
+        </p:spPr>
+        <p:txBody>
+          <a:bodyPr wrap="square" rtlCol="0">
+            <a:spAutoFit/>
+          </a:bodyPr>
+          <a:lstStyle/>
+          <a:p>
+            <a:r>
+              <a:rPr kumimoji="1" lang="en-US" altLang="ja-JP" dirty="0" smtClean="0"/>
+              <a:t>Step3-1. </a:t>
+            </a:r>
+            <a:r>
+              <a:rPr lang="ja-JP" altLang="en-US" dirty="0" smtClean="0"/>
+              <a:t>変数を使えるようになろう</a:t>
+            </a:r>
+            <a:endParaRPr kumimoji="1" lang="ja-JP" altLang="en-US" dirty="0"/>
+          </a:p>
+        </p:txBody>
+      </p:sp>
+      <p:sp>
+        <p:nvSpPr>
+          <p:cNvPr id="8" name="テキスト ボックス 7"/>
+          <p:cNvSpPr txBox="1"/>
+          <p:nvPr/>
+        </p:nvSpPr>
+        <p:spPr>
+          <a:xfrm>
+            <a:off x="323706" y="232413"/>
+            <a:ext cx="6191394" cy="584776"/>
+          </a:xfrm>
+          <a:prstGeom prst="rect">
+            <a:avLst/>
+          </a:prstGeom>
+          <a:solidFill>
+            <a:srgbClr val="000000"/>
+          </a:solidFill>
+          <a:ln w="57150" cmpd="thickThin">
+            <a:solidFill>
+              <a:srgbClr val="FFFFFF"/>
+            </a:solidFill>
+          </a:ln>
+        </p:spPr>
+        <p:txBody>
+          <a:bodyPr wrap="square" rtlCol="0">
+            <a:spAutoFit/>
+          </a:bodyPr>
+          <a:lstStyle/>
+          <a:p>
+            <a:r>
+              <a:rPr lang="ja-JP" altLang="en-US" sz="3200" dirty="0" smtClean="0">
+                <a:solidFill>
+                  <a:srgbClr val="FFFFFF"/>
+                </a:solidFill>
+              </a:rPr>
+              <a:t>３．プログラミングに慣れてみよう</a:t>
+            </a:r>
+            <a:endParaRPr kumimoji="1" lang="ja-JP" altLang="en-US" sz="3200" dirty="0">
+              <a:solidFill>
+                <a:srgbClr val="FFFFFF"/>
+              </a:solidFill>
+            </a:endParaRPr>
+          </a:p>
+        </p:txBody>
+      </p:sp>
+      <p:sp>
+        <p:nvSpPr>
+          <p:cNvPr id="10" name="テキスト ボックス 9"/>
+          <p:cNvSpPr txBox="1"/>
+          <p:nvPr/>
+        </p:nvSpPr>
+        <p:spPr>
+          <a:xfrm>
+            <a:off x="564410" y="1733390"/>
+            <a:ext cx="5727104" cy="1815882"/>
           </a:xfrm>
           <a:prstGeom prst="rect">
             <a:avLst/>
@@ -7727,72 +7627,201 @@
           <a:lstStyle/>
           <a:p>
             <a:r>
-              <a:rPr lang="it-IT" altLang="ja-JP" dirty="0" err="1" smtClean="0"/>
-              <a:t>size</a:t>
-            </a:r>
-            <a:r>
-              <a:rPr lang="it-IT" altLang="ja-JP" dirty="0"/>
-              <a:t>(480, 640);</a:t>
-            </a:r>
-          </a:p>
-          <a:p>
-            <a:r>
-              <a:rPr lang="it-IT" altLang="ja-JP" dirty="0" err="1" smtClean="0"/>
+              <a:rPr lang="en-US" altLang="ja-JP" sz="1400" dirty="0" err="1"/>
+              <a:t>int</a:t>
+            </a:r>
+            <a:r>
+              <a:rPr lang="en-US" altLang="ja-JP" sz="1400" dirty="0"/>
+              <a:t> </a:t>
+            </a:r>
+            <a:r>
+              <a:rPr lang="en-US" altLang="ja-JP" sz="1400" dirty="0" err="1"/>
+              <a:t>shipX</a:t>
+            </a:r>
+            <a:r>
+              <a:rPr lang="en-US" altLang="ja-JP" sz="1400" dirty="0"/>
+              <a:t>; // </a:t>
+            </a:r>
+            <a:r>
+              <a:rPr lang="ja-JP" altLang="en-US" sz="1400" dirty="0"/>
+              <a:t>自機の</a:t>
+            </a:r>
+            <a:r>
+              <a:rPr lang="en-US" altLang="ja-JP" sz="1400" dirty="0"/>
+              <a:t>x</a:t>
+            </a:r>
+            <a:r>
+              <a:rPr lang="ja-JP" altLang="en-US" sz="1400" dirty="0"/>
+              <a:t>座標の変数を宣言</a:t>
+            </a:r>
+          </a:p>
+          <a:p>
+            <a:r>
+              <a:rPr lang="en-US" altLang="ja-JP" sz="1400" dirty="0" err="1"/>
+              <a:t>int</a:t>
+            </a:r>
+            <a:r>
+              <a:rPr lang="en-US" altLang="ja-JP" sz="1400" dirty="0"/>
+              <a:t> </a:t>
+            </a:r>
+            <a:r>
+              <a:rPr lang="en-US" altLang="ja-JP" sz="1400" dirty="0" err="1"/>
+              <a:t>shipY</a:t>
+            </a:r>
+            <a:r>
+              <a:rPr lang="en-US" altLang="ja-JP" sz="1400" dirty="0"/>
+              <a:t>; // </a:t>
+            </a:r>
+            <a:r>
+              <a:rPr lang="ja-JP" altLang="en-US" sz="1400" dirty="0"/>
+              <a:t>自機の</a:t>
+            </a:r>
+            <a:r>
+              <a:rPr lang="en-US" altLang="ja-JP" sz="1400" dirty="0"/>
+              <a:t>y</a:t>
+            </a:r>
+            <a:r>
+              <a:rPr lang="ja-JP" altLang="en-US" sz="1400" dirty="0"/>
+              <a:t>座標の変数を</a:t>
+            </a:r>
+            <a:r>
+              <a:rPr lang="ja-JP" altLang="en-US" sz="1400" dirty="0" smtClean="0"/>
+              <a:t>宣言</a:t>
+            </a:r>
+            <a:endParaRPr lang="ja-JP" altLang="en-US" sz="1400" dirty="0"/>
+          </a:p>
+          <a:p>
+            <a:r>
+              <a:rPr lang="en-US" altLang="ja-JP" sz="1400" dirty="0"/>
+              <a:t>size(480, 640)</a:t>
+            </a:r>
+            <a:r>
+              <a:rPr lang="en-US" altLang="ja-JP" sz="1400" dirty="0" smtClean="0"/>
+              <a:t>;</a:t>
+            </a:r>
+          </a:p>
+          <a:p>
+            <a:r>
+              <a:rPr lang="en-US" altLang="ja-JP" sz="1400" dirty="0" err="1" smtClean="0"/>
               <a:t>rect</a:t>
             </a:r>
             <a:r>
-              <a:rPr lang="it-IT" altLang="ja-JP" dirty="0"/>
+              <a:rPr lang="en-US" altLang="ja-JP" sz="1400" dirty="0"/>
+              <a:t>(350, 120, 70, 100); </a:t>
+            </a:r>
+            <a:endParaRPr lang="en-US" altLang="ja-JP" sz="1400" dirty="0" smtClean="0"/>
+          </a:p>
+          <a:p>
+            <a:r>
+              <a:rPr lang="en-US" altLang="ja-JP" sz="1400" dirty="0" err="1" smtClean="0"/>
+              <a:t>shipX</a:t>
+            </a:r>
+            <a:r>
+              <a:rPr lang="en-US" altLang="ja-JP" sz="1400" dirty="0" smtClean="0"/>
+              <a:t> </a:t>
+            </a:r>
+            <a:r>
+              <a:rPr lang="en-US" altLang="ja-JP" sz="1400" dirty="0"/>
+              <a:t>= 215; // </a:t>
+            </a:r>
+            <a:r>
+              <a:rPr lang="ja-JP" altLang="en-US" sz="1400" dirty="0"/>
+              <a:t>自機の</a:t>
+            </a:r>
+            <a:r>
+              <a:rPr lang="en-US" altLang="ja-JP" sz="1400" dirty="0"/>
+              <a:t>x</a:t>
+            </a:r>
+            <a:r>
+              <a:rPr lang="ja-JP" altLang="en-US" sz="1400" dirty="0"/>
+              <a:t>座標</a:t>
+            </a:r>
+          </a:p>
+          <a:p>
+            <a:r>
+              <a:rPr lang="en-US" altLang="ja-JP" sz="1400" dirty="0" err="1"/>
+              <a:t>shipY</a:t>
+            </a:r>
+            <a:r>
+              <a:rPr lang="en-US" altLang="ja-JP" sz="1400" dirty="0"/>
+              <a:t> = 500; // </a:t>
+            </a:r>
+            <a:r>
+              <a:rPr lang="ja-JP" altLang="en-US" sz="1400" dirty="0"/>
+              <a:t>自機の</a:t>
+            </a:r>
+            <a:r>
+              <a:rPr lang="en-US" altLang="ja-JP" sz="1400" dirty="0"/>
+              <a:t>y</a:t>
+            </a:r>
+            <a:r>
+              <a:rPr lang="ja-JP" altLang="en-US" sz="1400" dirty="0"/>
+              <a:t>座標</a:t>
+            </a:r>
+          </a:p>
+          <a:p>
+            <a:r>
+              <a:rPr lang="en-US" altLang="ja-JP" sz="1400" dirty="0" err="1"/>
+              <a:t>rect</a:t>
+            </a:r>
+            <a:r>
+              <a:rPr lang="en-US" altLang="ja-JP" sz="1400" dirty="0"/>
               <a:t>(</a:t>
             </a:r>
             <a:r>
-              <a:rPr lang="it-IT" altLang="ja-JP" dirty="0" smtClean="0"/>
-              <a:t>250</a:t>
-            </a:r>
-            <a:r>
-              <a:rPr lang="it-IT" altLang="ja-JP" dirty="0"/>
-              <a:t>, 200, 70, 100)</a:t>
-            </a:r>
-            <a:r>
-              <a:rPr lang="it-IT" altLang="ja-JP" dirty="0" smtClean="0"/>
-              <a:t>;</a:t>
-            </a:r>
-            <a:endParaRPr lang="it-IT" altLang="ja-JP" dirty="0"/>
-          </a:p>
-          <a:p>
-            <a:r>
-              <a:rPr lang="it-IT" altLang="ja-JP" dirty="0" err="1"/>
-              <a:t>rect</a:t>
-            </a:r>
-            <a:r>
-              <a:rPr lang="it-IT" altLang="ja-JP" dirty="0"/>
-              <a:t>(</a:t>
-            </a:r>
-            <a:r>
-              <a:rPr lang="it-IT" altLang="ja-JP" dirty="0" smtClean="0"/>
-              <a:t>215, </a:t>
-            </a:r>
-            <a:r>
-              <a:rPr lang="it-IT" altLang="ja-JP" dirty="0"/>
-              <a:t>500, 50, 50)</a:t>
-            </a:r>
-            <a:r>
-              <a:rPr lang="it-IT" altLang="ja-JP" dirty="0" smtClean="0"/>
-              <a:t>;</a:t>
-            </a:r>
-            <a:endParaRPr lang="it-IT" altLang="ja-JP" dirty="0"/>
-          </a:p>
-        </p:txBody>
-      </p:sp>
-      <p:sp>
-        <p:nvSpPr>
-          <p:cNvPr id="7" name="正方形/長方形 6"/>
+              <a:rPr lang="en-US" altLang="ja-JP" sz="1400" dirty="0" err="1"/>
+              <a:t>shipX</a:t>
+            </a:r>
+            <a:r>
+              <a:rPr lang="en-US" altLang="ja-JP" sz="1400" dirty="0"/>
+              <a:t>, </a:t>
+            </a:r>
+            <a:r>
+              <a:rPr lang="en-US" altLang="ja-JP" sz="1400" dirty="0" err="1"/>
+              <a:t>shipY</a:t>
+            </a:r>
+            <a:r>
+              <a:rPr lang="en-US" altLang="ja-JP" sz="1400" dirty="0"/>
+              <a:t>, 50, 50); // </a:t>
+            </a:r>
+            <a:r>
+              <a:rPr lang="ja-JP" altLang="en-US" sz="1400" dirty="0"/>
+              <a:t>自機として座標</a:t>
+            </a:r>
+            <a:r>
+              <a:rPr lang="en-US" altLang="ja-JP" sz="1400" dirty="0"/>
+              <a:t>(215, 500)</a:t>
+            </a:r>
+            <a:r>
+              <a:rPr lang="ja-JP" altLang="en-US" sz="1400" dirty="0" smtClean="0"/>
+              <a:t>に大きさ</a:t>
+            </a:r>
+            <a:r>
+              <a:rPr lang="en-US" altLang="ja-JP" sz="1400" dirty="0"/>
+              <a:t>50x50</a:t>
+            </a:r>
+            <a:r>
+              <a:rPr lang="ja-JP" altLang="en-US" sz="1400" dirty="0"/>
+              <a:t>の正方形を</a:t>
+            </a:r>
+            <a:r>
+              <a:rPr lang="ja-JP" altLang="en-US" sz="1400" dirty="0" smtClean="0"/>
+              <a:t>表示</a:t>
+            </a:r>
+            <a:endParaRPr lang="ja-JP" altLang="en-US" sz="1400" dirty="0"/>
+          </a:p>
+        </p:txBody>
+      </p:sp>
+      <p:sp>
+        <p:nvSpPr>
+          <p:cNvPr id="11" name="正方形/長方形 10"/>
           <p:cNvSpPr/>
           <p:nvPr/>
         </p:nvSpPr>
         <p:spPr>
           <a:xfrm>
-            <a:off x="564410" y="1096952"/>
-            <a:ext cx="5727104" cy="7094548"/>
+            <a:off x="564410" y="3549273"/>
+            <a:ext cx="5727104" cy="5074028"/>
           </a:xfrm>
           <a:prstGeom prst="rect">
             <a:avLst/>
@@ -7829,14 +7858,14 @@
       </p:sp>
       <p:sp>
         <p:nvSpPr>
-          <p:cNvPr id="29" name="テキスト ボックス 28"/>
+          <p:cNvPr id="24" name="テキスト ボックス 23"/>
           <p:cNvSpPr txBox="1"/>
           <p:nvPr/>
         </p:nvSpPr>
         <p:spPr>
           <a:xfrm>
-            <a:off x="645071" y="1449618"/>
-            <a:ext cx="814947" cy="276999"/>
+            <a:off x="772040" y="3761490"/>
+            <a:ext cx="1055810" cy="369332"/>
           </a:xfrm>
           <a:prstGeom prst="rect">
             <a:avLst/>
@@ -7850,39 +7879,35 @@
           <a:lstStyle/>
           <a:p>
             <a:r>
-              <a:rPr lang="ja-JP" altLang="en-US" sz="1200" dirty="0" smtClean="0"/>
-              <a:t>原点</a:t>
-            </a:r>
-            <a:r>
-              <a:rPr kumimoji="1" lang="en-US" altLang="ja-JP" sz="1200" dirty="0" smtClean="0"/>
-              <a:t>(0</a:t>
-            </a:r>
-            <a:r>
-              <a:rPr kumimoji="1" lang="en-US" altLang="ja-JP" sz="1200" dirty="0" smtClean="0"/>
-              <a:t>, </a:t>
-            </a:r>
-            <a:r>
-              <a:rPr kumimoji="1" lang="en-US" altLang="ja-JP" sz="1200" dirty="0" smtClean="0"/>
-              <a:t>0</a:t>
-            </a:r>
-            <a:r>
-              <a:rPr kumimoji="1" lang="en-US" altLang="ja-JP" sz="1200" dirty="0" smtClean="0"/>
-              <a:t>)</a:t>
-            </a:r>
-            <a:endParaRPr kumimoji="1" lang="ja-JP" altLang="en-US" sz="1200" dirty="0"/>
-          </a:p>
-        </p:txBody>
-      </p:sp>
-      <p:sp>
-        <p:nvSpPr>
-          <p:cNvPr id="32" name="テキスト ボックス 31"/>
+              <a:rPr lang="en-US" altLang="ja-JP" dirty="0" err="1" smtClean="0"/>
+              <a:t>int</a:t>
+            </a:r>
+            <a:r>
+              <a:rPr lang="en-US" altLang="ja-JP" dirty="0" smtClean="0"/>
+              <a:t> </a:t>
+            </a:r>
+            <a:r>
+              <a:rPr lang="en-US" altLang="ja-JP" dirty="0" err="1" smtClean="0"/>
+              <a:t>shipX</a:t>
+            </a:r>
+            <a:r>
+              <a:rPr lang="en-US" altLang="ja-JP" dirty="0" smtClean="0"/>
+              <a:t>;</a:t>
+            </a:r>
+            <a:endParaRPr lang="en-US" altLang="ja-JP" dirty="0"/>
+          </a:p>
+        </p:txBody>
+      </p:sp>
+      <p:sp>
+        <p:nvSpPr>
+          <p:cNvPr id="25" name="テキスト ボックス 24"/>
           <p:cNvSpPr txBox="1"/>
           <p:nvPr/>
         </p:nvSpPr>
         <p:spPr>
           <a:xfrm>
-            <a:off x="3264074" y="2311987"/>
-            <a:ext cx="1126931" cy="276999"/>
+            <a:off x="2239615" y="3761490"/>
+            <a:ext cx="4051899" cy="646331"/>
           </a:xfrm>
           <a:prstGeom prst="rect">
             <a:avLst/>
@@ -7890,57 +7915,89 @@
           <a:noFill/>
         </p:spPr>
         <p:txBody>
-          <a:bodyPr wrap="none" rtlCol="0">
+          <a:bodyPr wrap="square" rtlCol="0">
             <a:spAutoFit/>
           </a:bodyPr>
           <a:lstStyle/>
           <a:p>
             <a:r>
-              <a:rPr kumimoji="1" lang="ja-JP" altLang="en-US" sz="1200" dirty="0" smtClean="0"/>
-              <a:t>座標</a:t>
-            </a:r>
-            <a:r>
-              <a:rPr kumimoji="1" lang="en-US" altLang="ja-JP" sz="1200" dirty="0" smtClean="0"/>
-              <a:t>(</a:t>
-            </a:r>
-            <a:r>
-              <a:rPr lang="en-US" altLang="ja-JP" sz="1200" dirty="0" smtClean="0"/>
-              <a:t>28</a:t>
-            </a:r>
-            <a:r>
-              <a:rPr kumimoji="1" lang="en-US" altLang="ja-JP" sz="1200" dirty="0" smtClean="0"/>
-              <a:t>0</a:t>
-            </a:r>
-            <a:r>
-              <a:rPr kumimoji="1" lang="en-US" altLang="ja-JP" sz="1200" dirty="0" smtClean="0"/>
-              <a:t>, </a:t>
-            </a:r>
-            <a:r>
-              <a:rPr lang="en-US" altLang="ja-JP" sz="1200" dirty="0" smtClean="0"/>
-              <a:t>12</a:t>
-            </a:r>
-            <a:r>
-              <a:rPr kumimoji="1" lang="en-US" altLang="ja-JP" sz="1200" dirty="0" smtClean="0"/>
-              <a:t>0</a:t>
-            </a:r>
-            <a:r>
-              <a:rPr kumimoji="1" lang="en-US" altLang="ja-JP" sz="1200" dirty="0" smtClean="0"/>
-              <a:t>)</a:t>
-            </a:r>
-            <a:endParaRPr kumimoji="1" lang="ja-JP" altLang="en-US" sz="1200" dirty="0"/>
-          </a:p>
-        </p:txBody>
-      </p:sp>
-      <p:sp>
-        <p:nvSpPr>
-          <p:cNvPr id="37" name="テキスト ボックス 36"/>
+              <a:rPr lang="ja-JP" altLang="en-US" dirty="0" smtClean="0"/>
+              <a:t>この１行で，プログラム内部に数値を格納できる箱ができる．</a:t>
+            </a:r>
+            <a:endParaRPr lang="en-US" altLang="ja-JP" dirty="0"/>
+          </a:p>
+        </p:txBody>
+      </p:sp>
+      <p:sp>
+        <p:nvSpPr>
+          <p:cNvPr id="2" name="直方体 1"/>
+          <p:cNvSpPr/>
+          <p:nvPr/>
+        </p:nvSpPr>
+        <p:spPr>
+          <a:xfrm>
+            <a:off x="2667000" y="4445000"/>
+            <a:ext cx="1397000" cy="787400"/>
+          </a:xfrm>
+          <a:prstGeom prst="cube">
+            <a:avLst/>
+          </a:prstGeom>
+          <a:solidFill>
+            <a:schemeClr val="bg1">
+              <a:lumMod val="85000"/>
+            </a:schemeClr>
+          </a:solidFill>
+          <a:ln>
+            <a:solidFill>
+              <a:srgbClr val="000000"/>
+            </a:solidFill>
+          </a:ln>
+        </p:spPr>
+        <p:style>
+          <a:lnRef idx="1">
+            <a:schemeClr val="accent1"/>
+          </a:lnRef>
+          <a:fillRef idx="3">
+            <a:schemeClr val="accent1"/>
+          </a:fillRef>
+          <a:effectRef idx="2">
+            <a:schemeClr val="accent1"/>
+          </a:effectRef>
+          <a:fontRef idx="minor">
+            <a:schemeClr val="lt1"/>
+          </a:fontRef>
+        </p:style>
+        <p:txBody>
+          <a:bodyPr rtlCol="0" anchor="ctr"/>
+          <a:lstStyle/>
+          <a:p>
+            <a:pPr algn="ctr"/>
+            <a:r>
+              <a:rPr kumimoji="1" lang="en-US" altLang="ja-JP" dirty="0" err="1" smtClean="0">
+                <a:solidFill>
+                  <a:schemeClr val="tx1"/>
+                </a:solidFill>
+              </a:rPr>
+              <a:t>shipX</a:t>
+            </a:r>
+            <a:endParaRPr kumimoji="1" lang="ja-JP" altLang="en-US" dirty="0">
+              <a:solidFill>
+                <a:schemeClr val="tx1"/>
+              </a:solidFill>
+            </a:endParaRPr>
+          </a:p>
+        </p:txBody>
+      </p:sp>
+      <p:sp>
+        <p:nvSpPr>
+          <p:cNvPr id="27" name="テキスト ボックス 26"/>
           <p:cNvSpPr txBox="1"/>
           <p:nvPr/>
         </p:nvSpPr>
         <p:spPr>
           <a:xfrm>
-            <a:off x="2127291" y="5330321"/>
-            <a:ext cx="1126931" cy="276999"/>
+            <a:off x="772040" y="5520956"/>
+            <a:ext cx="1322372" cy="369332"/>
           </a:xfrm>
           <a:prstGeom prst="rect">
             <a:avLst/>
@@ -7954,35 +8011,27 @@
           <a:lstStyle/>
           <a:p>
             <a:r>
-              <a:rPr kumimoji="1" lang="ja-JP" altLang="en-US" sz="1200" dirty="0" smtClean="0"/>
-              <a:t>座標</a:t>
-            </a:r>
-            <a:r>
-              <a:rPr kumimoji="1" lang="en-US" altLang="ja-JP" sz="1200" dirty="0" smtClean="0"/>
-              <a:t>(215, </a:t>
-            </a:r>
-            <a:r>
-              <a:rPr lang="en-US" altLang="ja-JP" sz="1200" dirty="0" smtClean="0"/>
-              <a:t>500</a:t>
-            </a:r>
-            <a:r>
-              <a:rPr kumimoji="1" lang="en-US" altLang="ja-JP" sz="1200" dirty="0" smtClean="0"/>
-              <a:t>)</a:t>
-            </a:r>
-            <a:endParaRPr kumimoji="1" lang="ja-JP" altLang="en-US" sz="1200" dirty="0"/>
-          </a:p>
-        </p:txBody>
-      </p:sp>
-      <p:sp>
-        <p:nvSpPr>
-          <p:cNvPr id="38" name="テキスト ボックス 37"/>
+              <a:rPr lang="en-US" altLang="ja-JP" dirty="0" err="1" smtClean="0"/>
+              <a:t>shipX</a:t>
+            </a:r>
+            <a:r>
+              <a:rPr lang="en-US" altLang="ja-JP" dirty="0" smtClean="0"/>
+              <a:t> = 215;</a:t>
+            </a:r>
+            <a:endParaRPr lang="en-US" altLang="ja-JP" dirty="0"/>
+          </a:p>
+        </p:txBody>
+      </p:sp>
+      <p:sp>
+        <p:nvSpPr>
+          <p:cNvPr id="28" name="テキスト ボックス 27"/>
           <p:cNvSpPr txBox="1"/>
           <p:nvPr/>
         </p:nvSpPr>
         <p:spPr>
           <a:xfrm>
-            <a:off x="3580047" y="5755842"/>
-            <a:ext cx="340658" cy="276999"/>
+            <a:off x="2239615" y="5520956"/>
+            <a:ext cx="4051899" cy="369332"/>
           </a:xfrm>
           <a:prstGeom prst="rect">
             <a:avLst/>
@@ -7990,29 +8039,89 @@
           <a:noFill/>
         </p:spPr>
         <p:txBody>
-          <a:bodyPr wrap="none" rtlCol="0">
+          <a:bodyPr wrap="square" rtlCol="0">
             <a:spAutoFit/>
           </a:bodyPr>
           <a:lstStyle/>
           <a:p>
             <a:r>
-              <a:rPr lang="en-US" altLang="ja-JP" sz="1200" dirty="0" smtClean="0"/>
-              <a:t>50</a:t>
-            </a:r>
-            <a:endParaRPr kumimoji="1" lang="ja-JP" altLang="en-US" sz="1200" dirty="0"/>
-          </a:p>
-        </p:txBody>
-      </p:sp>
-      <p:sp>
-        <p:nvSpPr>
-          <p:cNvPr id="40" name="テキスト ボックス 39"/>
+              <a:rPr lang="ja-JP" altLang="en-US" dirty="0" smtClean="0"/>
+              <a:t>この１行で，変数に数値を格納する．</a:t>
+            </a:r>
+            <a:endParaRPr lang="en-US" altLang="ja-JP" dirty="0"/>
+          </a:p>
+        </p:txBody>
+      </p:sp>
+      <p:sp>
+        <p:nvSpPr>
+          <p:cNvPr id="29" name="直方体 28"/>
+          <p:cNvSpPr/>
+          <p:nvPr/>
+        </p:nvSpPr>
+        <p:spPr>
+          <a:xfrm>
+            <a:off x="2667000" y="6435012"/>
+            <a:ext cx="1397000" cy="787400"/>
+          </a:xfrm>
+          <a:prstGeom prst="cube">
+            <a:avLst/>
+          </a:prstGeom>
+          <a:solidFill>
+            <a:schemeClr val="bg1">
+              <a:lumMod val="85000"/>
+            </a:schemeClr>
+          </a:solidFill>
+          <a:ln>
+            <a:solidFill>
+              <a:srgbClr val="000000"/>
+            </a:solidFill>
+          </a:ln>
+        </p:spPr>
+        <p:style>
+          <a:lnRef idx="1">
+            <a:schemeClr val="accent1"/>
+          </a:lnRef>
+          <a:fillRef idx="3">
+            <a:schemeClr val="accent1"/>
+          </a:fillRef>
+          <a:effectRef idx="2">
+            <a:schemeClr val="accent1"/>
+          </a:effectRef>
+          <a:fontRef idx="minor">
+            <a:schemeClr val="lt1"/>
+          </a:fontRef>
+        </p:style>
+        <p:txBody>
+          <a:bodyPr rtlCol="0" anchor="ctr"/>
+          <a:lstStyle/>
+          <a:p>
+            <a:pPr algn="ctr"/>
+            <a:r>
+              <a:rPr kumimoji="1" lang="en-US" altLang="ja-JP" dirty="0" err="1" smtClean="0">
+                <a:solidFill>
+                  <a:schemeClr val="tx1"/>
+                </a:solidFill>
+              </a:rPr>
+              <a:t>shipX</a:t>
+            </a:r>
+            <a:endParaRPr kumimoji="1" lang="ja-JP" altLang="en-US" dirty="0">
+              <a:solidFill>
+                <a:schemeClr val="tx1"/>
+              </a:solidFill>
+            </a:endParaRPr>
+          </a:p>
+        </p:txBody>
+      </p:sp>
+      <p:sp>
+        <p:nvSpPr>
+          <p:cNvPr id="30" name="テキスト ボックス 29"/>
           <p:cNvSpPr txBox="1"/>
           <p:nvPr/>
         </p:nvSpPr>
         <p:spPr>
           <a:xfrm>
-            <a:off x="1672984" y="7135402"/>
-            <a:ext cx="3851660" cy="646331"/>
+            <a:off x="4293527" y="5957214"/>
+            <a:ext cx="730639" cy="523220"/>
           </a:xfrm>
           <a:prstGeom prst="rect">
             <a:avLst/>
@@ -8026,108 +8135,164 @@
           <a:lstStyle/>
           <a:p>
             <a:r>
-              <a:rPr lang="ja-JP" altLang="en-US" sz="1200" dirty="0"/>
-              <a:t>ウィンドウサイズが</a:t>
-            </a:r>
-            <a:r>
-              <a:rPr lang="en-US" altLang="ja-JP" sz="1200" dirty="0"/>
-              <a:t>480</a:t>
-            </a:r>
-            <a:r>
-              <a:rPr lang="ja-JP" altLang="en-US" sz="1200" dirty="0" smtClean="0"/>
-              <a:t>なので真ん中</a:t>
-            </a:r>
-            <a:r>
-              <a:rPr lang="ja-JP" altLang="en-US" sz="1200" dirty="0"/>
-              <a:t>までは</a:t>
-            </a:r>
-            <a:r>
-              <a:rPr lang="en-US" altLang="ja-JP" sz="1200" dirty="0" smtClean="0"/>
-              <a:t>240</a:t>
-            </a:r>
-            <a:r>
-              <a:rPr lang="ja-JP" altLang="en-US" sz="1200" dirty="0" smtClean="0"/>
-              <a:t>となる．</a:t>
-            </a:r>
-            <a:endParaRPr lang="en-US" altLang="ja-JP" sz="1200" dirty="0" smtClean="0"/>
-          </a:p>
-          <a:p>
-            <a:r>
-              <a:rPr lang="ja-JP" altLang="en-US" sz="1200" dirty="0" smtClean="0"/>
-              <a:t>正方形の長さが</a:t>
-            </a:r>
-            <a:r>
-              <a:rPr lang="en-US" altLang="ja-JP" sz="1200" dirty="0" smtClean="0"/>
-              <a:t>50</a:t>
-            </a:r>
-            <a:r>
-              <a:rPr lang="ja-JP" altLang="en-US" sz="1200" dirty="0" smtClean="0"/>
-              <a:t>なので，</a:t>
-            </a:r>
-            <a:r>
-              <a:rPr kumimoji="1" lang="ja-JP" altLang="en-US" sz="1200" dirty="0" smtClean="0"/>
-              <a:t>その</a:t>
-            </a:r>
-            <a:r>
-              <a:rPr kumimoji="1" lang="ja-JP" altLang="en-US" sz="1200" dirty="0" smtClean="0"/>
-              <a:t>半分</a:t>
-            </a:r>
-            <a:r>
-              <a:rPr kumimoji="1" lang="ja-JP" altLang="en-US" sz="1200" dirty="0" smtClean="0"/>
-              <a:t>の</a:t>
-            </a:r>
-            <a:r>
-              <a:rPr kumimoji="1" lang="en-US" altLang="ja-JP" sz="1200" dirty="0" smtClean="0"/>
-              <a:t>25</a:t>
-            </a:r>
-            <a:r>
-              <a:rPr lang="ja-JP" altLang="en-US" sz="1200" dirty="0" smtClean="0"/>
-              <a:t>だけ，</a:t>
-            </a:r>
-            <a:endParaRPr lang="en-US" altLang="ja-JP" sz="1200" dirty="0" smtClean="0"/>
-          </a:p>
-          <a:p>
-            <a:r>
-              <a:rPr kumimoji="1" lang="en-US" altLang="ja-JP" sz="1200" dirty="0" smtClean="0"/>
-              <a:t>x</a:t>
-            </a:r>
-            <a:r>
-              <a:rPr kumimoji="1" lang="ja-JP" altLang="en-US" sz="1200" dirty="0" smtClean="0"/>
-              <a:t>軸の負方向にずらすと</a:t>
-            </a:r>
-            <a:r>
-              <a:rPr kumimoji="1" lang="ja-JP" altLang="en-US" sz="1200" dirty="0" smtClean="0"/>
-              <a:t>，正方形</a:t>
-            </a:r>
-            <a:r>
-              <a:rPr kumimoji="1" lang="ja-JP" altLang="en-US" sz="1200" dirty="0" smtClean="0"/>
-              <a:t>が真ん中に配置される．</a:t>
-            </a:r>
-            <a:endParaRPr kumimoji="1" lang="ja-JP" altLang="en-US" sz="1200" dirty="0"/>
+              <a:rPr lang="en-US" altLang="ja-JP" sz="2800" dirty="0" smtClean="0"/>
+              <a:t>215</a:t>
+            </a:r>
+            <a:endParaRPr lang="en-US" altLang="ja-JP" sz="2800" dirty="0"/>
+          </a:p>
+        </p:txBody>
+      </p:sp>
+      <p:sp>
+        <p:nvSpPr>
+          <p:cNvPr id="38" name="テキスト ボックス 37"/>
+          <p:cNvSpPr txBox="1"/>
+          <p:nvPr/>
+        </p:nvSpPr>
+        <p:spPr>
+          <a:xfrm>
+            <a:off x="772040" y="7513824"/>
+            <a:ext cx="2648193" cy="369332"/>
+          </a:xfrm>
+          <a:prstGeom prst="rect">
+            <a:avLst/>
+          </a:prstGeom>
+          <a:noFill/>
+        </p:spPr>
+        <p:txBody>
+          <a:bodyPr wrap="none" rtlCol="0">
+            <a:spAutoFit/>
+          </a:bodyPr>
+          <a:lstStyle/>
+          <a:p>
+            <a:r>
+              <a:rPr lang="en-US" altLang="ja-JP" dirty="0" err="1" smtClean="0"/>
+              <a:t>rect</a:t>
+            </a:r>
+            <a:r>
+              <a:rPr lang="en-US" altLang="ja-JP" dirty="0"/>
+              <a:t>(</a:t>
+            </a:r>
+            <a:r>
+              <a:rPr lang="en-US" altLang="ja-JP" dirty="0" err="1"/>
+              <a:t>shipX</a:t>
+            </a:r>
+            <a:r>
+              <a:rPr lang="en-US" altLang="ja-JP" dirty="0"/>
+              <a:t>, </a:t>
+            </a:r>
+            <a:r>
+              <a:rPr lang="en-US" altLang="ja-JP" dirty="0" err="1"/>
+              <a:t>shipY</a:t>
+            </a:r>
+            <a:r>
+              <a:rPr lang="en-US" altLang="ja-JP" dirty="0"/>
+              <a:t>, 50, 50)</a:t>
+            </a:r>
+            <a:r>
+              <a:rPr lang="en-US" altLang="ja-JP" dirty="0" smtClean="0"/>
+              <a:t>;</a:t>
+            </a:r>
+            <a:endParaRPr lang="en-US" altLang="ja-JP" dirty="0"/>
+          </a:p>
+        </p:txBody>
+      </p:sp>
+      <p:sp>
+        <p:nvSpPr>
+          <p:cNvPr id="39" name="テキスト ボックス 38"/>
+          <p:cNvSpPr txBox="1"/>
+          <p:nvPr/>
+        </p:nvSpPr>
+        <p:spPr>
+          <a:xfrm>
+            <a:off x="2239615" y="7883156"/>
+            <a:ext cx="4051899" cy="646331"/>
+          </a:xfrm>
+          <a:prstGeom prst="rect">
+            <a:avLst/>
+          </a:prstGeom>
+          <a:noFill/>
+        </p:spPr>
+        <p:txBody>
+          <a:bodyPr wrap="square" rtlCol="0">
+            <a:spAutoFit/>
+          </a:bodyPr>
+          <a:lstStyle/>
+          <a:p>
+            <a:r>
+              <a:rPr lang="ja-JP" altLang="en-US" dirty="0" smtClean="0"/>
+              <a:t>変数</a:t>
+            </a:r>
+            <a:r>
+              <a:rPr lang="en-US" altLang="ja-JP" dirty="0" err="1" smtClean="0"/>
+              <a:t>shipX</a:t>
+            </a:r>
+            <a:r>
+              <a:rPr lang="ja-JP" altLang="en-US" dirty="0" smtClean="0"/>
+              <a:t>には</a:t>
+            </a:r>
+            <a:r>
+              <a:rPr lang="en-US" altLang="ja-JP" dirty="0" smtClean="0"/>
+              <a:t>215</a:t>
+            </a:r>
+            <a:r>
+              <a:rPr lang="ja-JP" altLang="en-US" dirty="0" smtClean="0"/>
+              <a:t>が入っている．何度でも使うことができる．</a:t>
+            </a:r>
+            <a:endParaRPr lang="en-US" altLang="ja-JP" dirty="0"/>
+          </a:p>
+        </p:txBody>
+      </p:sp>
+      <p:sp>
+        <p:nvSpPr>
+          <p:cNvPr id="40" name="テキスト ボックス 39"/>
+          <p:cNvSpPr txBox="1"/>
+          <p:nvPr/>
+        </p:nvSpPr>
+        <p:spPr>
+          <a:xfrm>
+            <a:off x="1292202" y="8160155"/>
+            <a:ext cx="535648" cy="369332"/>
+          </a:xfrm>
+          <a:prstGeom prst="rect">
+            <a:avLst/>
+          </a:prstGeom>
+          <a:noFill/>
+        </p:spPr>
+        <p:txBody>
+          <a:bodyPr wrap="none" rtlCol="0">
+            <a:spAutoFit/>
+          </a:bodyPr>
+          <a:lstStyle/>
+          <a:p>
+            <a:r>
+              <a:rPr lang="en-US" altLang="ja-JP" dirty="0" smtClean="0"/>
+              <a:t>215</a:t>
+            </a:r>
+            <a:endParaRPr lang="en-US" altLang="ja-JP" dirty="0"/>
           </a:p>
         </p:txBody>
       </p:sp>
       <p:cxnSp>
         <p:nvCxnSpPr>
-          <p:cNvPr id="41" name="直線矢印コネクタ 40"/>
-          <p:cNvCxnSpPr/>
+          <p:cNvPr id="42" name="直線矢印コネクタ 41"/>
+          <p:cNvCxnSpPr>
+            <a:stCxn id="40" idx="0"/>
+          </p:cNvCxnSpPr>
           <p:nvPr/>
         </p:nvCxnSpPr>
         <p:spPr>
           <a:xfrm flipV="1">
-            <a:off x="3435988" y="1435719"/>
-            <a:ext cx="0" cy="5391419"/>
+            <a:off x="1560026" y="7883156"/>
+            <a:ext cx="0" cy="276999"/>
           </a:xfrm>
           <a:prstGeom prst="straightConnector1">
             <a:avLst/>
           </a:prstGeom>
-          <a:ln w="9525" cmpd="sng">
+          <a:ln>
             <a:solidFill>
               <a:srgbClr val="000000"/>
             </a:solidFill>
-            <a:prstDash val="sysDash"/>
-            <a:headEnd type="none"/>
-            <a:tailEnd type="none"/>
+            <a:tailEnd type="arrow"/>
           </a:ln>
         </p:spPr>
         <p:style>
@@ -8145,1013 +8310,56 @@
           </a:fontRef>
         </p:style>
       </p:cxnSp>
-      <p:cxnSp>
-        <p:nvCxnSpPr>
-          <p:cNvPr id="42" name="直線矢印コネクタ 41"/>
-          <p:cNvCxnSpPr/>
+      <p:sp>
+        <p:nvSpPr>
+          <p:cNvPr id="44" name="左矢印 43"/>
+          <p:cNvSpPr/>
           <p:nvPr/>
-        </p:nvCxnSpPr>
-        <p:spPr>
-          <a:xfrm>
-            <a:off x="1448099" y="6529538"/>
-            <a:ext cx="1997379" cy="0"/>
-          </a:xfrm>
-          <a:prstGeom prst="straightConnector1">
+        </p:nvSpPr>
+        <p:spPr>
+          <a:xfrm rot="19751953">
+            <a:off x="3351677" y="6194683"/>
+            <a:ext cx="965200" cy="571500"/>
+          </a:xfrm>
+          <a:prstGeom prst="leftArrow">
             <a:avLst/>
           </a:prstGeom>
+          <a:solidFill>
+            <a:srgbClr val="D9D9D9"/>
+          </a:solidFill>
           <a:ln>
             <a:solidFill>
               <a:srgbClr val="000000"/>
             </a:solidFill>
-            <a:tailEnd type="arrow"/>
           </a:ln>
-          <a:effectLst/>
         </p:spPr>
         <p:style>
-          <a:lnRef idx="2">
+          <a:lnRef idx="1">
             <a:schemeClr val="accent1"/>
           </a:lnRef>
-          <a:fillRef idx="0">
+          <a:fillRef idx="3">
             <a:schemeClr val="accent1"/>
           </a:fillRef>
-          <a:effectRef idx="1">
+          <a:effectRef idx="2">
             <a:schemeClr val="accent1"/>
           </a:effectRef>
           <a:fontRef idx="minor">
-            <a:schemeClr val="tx1"/>
+            <a:schemeClr val="lt1"/>
           </a:fontRef>
         </p:style>
-      </p:cxnSp>
-      <p:sp>
-        <p:nvSpPr>
-          <p:cNvPr id="43" name="テキスト ボックス 42"/>
-          <p:cNvSpPr txBox="1"/>
-          <p:nvPr/>
-        </p:nvSpPr>
-        <p:spPr>
-          <a:xfrm>
-            <a:off x="3060813" y="6541734"/>
-            <a:ext cx="418654" cy="276999"/>
-          </a:xfrm>
-          <a:prstGeom prst="rect">
-            <a:avLst/>
-          </a:prstGeom>
-          <a:noFill/>
-        </p:spPr>
-        <p:txBody>
-          <a:bodyPr wrap="none" rtlCol="0">
-            <a:spAutoFit/>
-          </a:bodyPr>
-          <a:lstStyle/>
-          <a:p>
-            <a:r>
-              <a:rPr lang="en-US" altLang="ja-JP" sz="1200" dirty="0" smtClean="0"/>
-              <a:t>240</a:t>
-            </a:r>
-            <a:endParaRPr kumimoji="1" lang="ja-JP" altLang="en-US" sz="1200" dirty="0"/>
-          </a:p>
-        </p:txBody>
-      </p:sp>
-      <p:cxnSp>
-        <p:nvCxnSpPr>
-          <p:cNvPr id="44" name="直線矢印コネクタ 43"/>
-          <p:cNvCxnSpPr/>
-          <p:nvPr/>
-        </p:nvCxnSpPr>
-        <p:spPr>
-          <a:xfrm>
-            <a:off x="1456284" y="6863507"/>
-            <a:ext cx="3926729" cy="0"/>
-          </a:xfrm>
-          <a:prstGeom prst="straightConnector1">
-            <a:avLst/>
-          </a:prstGeom>
-          <a:ln>
-            <a:solidFill>
-              <a:srgbClr val="000000"/>
-            </a:solidFill>
-            <a:tailEnd type="arrow"/>
-          </a:ln>
-          <a:effectLst/>
-        </p:spPr>
-        <p:style>
-          <a:lnRef idx="2">
-            <a:schemeClr val="accent1"/>
-          </a:lnRef>
-          <a:fillRef idx="0">
-            <a:schemeClr val="accent1"/>
-          </a:fillRef>
-          <a:effectRef idx="1">
-            <a:schemeClr val="accent1"/>
-          </a:effectRef>
-          <a:fontRef idx="minor">
-            <a:schemeClr val="tx1"/>
-          </a:fontRef>
-        </p:style>
-      </p:cxnSp>
-      <p:sp>
-        <p:nvSpPr>
-          <p:cNvPr id="45" name="テキスト ボックス 44"/>
-          <p:cNvSpPr txBox="1"/>
-          <p:nvPr/>
-        </p:nvSpPr>
-        <p:spPr>
-          <a:xfrm>
-            <a:off x="5030445" y="6568958"/>
-            <a:ext cx="418654" cy="276999"/>
-          </a:xfrm>
-          <a:prstGeom prst="rect">
-            <a:avLst/>
-          </a:prstGeom>
-          <a:noFill/>
-        </p:spPr>
-        <p:txBody>
-          <a:bodyPr wrap="none" rtlCol="0">
-            <a:spAutoFit/>
-          </a:bodyPr>
-          <a:lstStyle/>
-          <a:p>
-            <a:r>
-              <a:rPr lang="en-US" altLang="ja-JP" sz="1200" dirty="0" smtClean="0"/>
-              <a:t>480</a:t>
-            </a:r>
-            <a:endParaRPr kumimoji="1" lang="ja-JP" altLang="en-US" sz="1200" dirty="0"/>
-          </a:p>
-        </p:txBody>
-      </p:sp>
-      <p:cxnSp>
-        <p:nvCxnSpPr>
-          <p:cNvPr id="51" name="直線矢印コネクタ 50"/>
-          <p:cNvCxnSpPr/>
-          <p:nvPr/>
-        </p:nvCxnSpPr>
-        <p:spPr>
-          <a:xfrm>
-            <a:off x="1460018" y="1588118"/>
-            <a:ext cx="4397028" cy="0"/>
-          </a:xfrm>
-          <a:prstGeom prst="straightConnector1">
-            <a:avLst/>
-          </a:prstGeom>
-          <a:ln>
-            <a:solidFill>
-              <a:srgbClr val="000000"/>
-            </a:solidFill>
-            <a:tailEnd type="arrow"/>
-          </a:ln>
-          <a:effectLst/>
-        </p:spPr>
-        <p:style>
-          <a:lnRef idx="2">
-            <a:schemeClr val="accent1"/>
-          </a:lnRef>
-          <a:fillRef idx="0">
-            <a:schemeClr val="accent1"/>
-          </a:fillRef>
-          <a:effectRef idx="1">
-            <a:schemeClr val="accent1"/>
-          </a:effectRef>
-          <a:fontRef idx="minor">
-            <a:schemeClr val="tx1"/>
-          </a:fontRef>
-        </p:style>
-      </p:cxnSp>
-      <p:cxnSp>
-        <p:nvCxnSpPr>
-          <p:cNvPr id="53" name="直線矢印コネクタ 52"/>
-          <p:cNvCxnSpPr/>
-          <p:nvPr/>
-        </p:nvCxnSpPr>
-        <p:spPr>
-          <a:xfrm>
-            <a:off x="1460018" y="1588118"/>
-            <a:ext cx="0" cy="5584358"/>
-          </a:xfrm>
-          <a:prstGeom prst="straightConnector1">
-            <a:avLst/>
-          </a:prstGeom>
-          <a:ln>
-            <a:solidFill>
-              <a:srgbClr val="000000"/>
-            </a:solidFill>
-            <a:tailEnd type="arrow"/>
-          </a:ln>
-          <a:effectLst/>
-        </p:spPr>
-        <p:style>
-          <a:lnRef idx="2">
-            <a:schemeClr val="accent1"/>
-          </a:lnRef>
-          <a:fillRef idx="0">
-            <a:schemeClr val="accent1"/>
-          </a:fillRef>
-          <a:effectRef idx="1">
-            <a:schemeClr val="accent1"/>
-          </a:effectRef>
-          <a:fontRef idx="minor">
-            <a:schemeClr val="tx1"/>
-          </a:fontRef>
-        </p:style>
-      </p:cxnSp>
-      <p:sp>
-        <p:nvSpPr>
-          <p:cNvPr id="59" name="テキスト ボックス 58"/>
-          <p:cNvSpPr txBox="1"/>
-          <p:nvPr/>
-        </p:nvSpPr>
-        <p:spPr>
-          <a:xfrm>
-            <a:off x="5739285" y="1171263"/>
-            <a:ext cx="552229" cy="400110"/>
-          </a:xfrm>
-          <a:prstGeom prst="rect">
-            <a:avLst/>
-          </a:prstGeom>
-          <a:noFill/>
-        </p:spPr>
-        <p:txBody>
-          <a:bodyPr wrap="none" rtlCol="0">
-            <a:spAutoFit/>
-          </a:bodyPr>
-          <a:lstStyle/>
-          <a:p>
-            <a:r>
-              <a:rPr kumimoji="1" lang="en-US" altLang="ja-JP" sz="2000" dirty="0" smtClean="0"/>
-              <a:t>x</a:t>
-            </a:r>
-            <a:r>
-              <a:rPr kumimoji="1" lang="ja-JP" altLang="en-US" sz="2000" dirty="0" smtClean="0"/>
-              <a:t>軸</a:t>
-            </a:r>
-            <a:endParaRPr kumimoji="1" lang="ja-JP" altLang="en-US" sz="2000" dirty="0"/>
-          </a:p>
-        </p:txBody>
-      </p:sp>
-      <p:sp>
-        <p:nvSpPr>
-          <p:cNvPr id="60" name="テキスト ボックス 59"/>
-          <p:cNvSpPr txBox="1"/>
-          <p:nvPr/>
-        </p:nvSpPr>
-        <p:spPr>
-          <a:xfrm>
-            <a:off x="1087469" y="7191245"/>
-            <a:ext cx="557239" cy="400110"/>
-          </a:xfrm>
-          <a:prstGeom prst="rect">
-            <a:avLst/>
-          </a:prstGeom>
-          <a:noFill/>
-        </p:spPr>
-        <p:txBody>
-          <a:bodyPr wrap="none" rtlCol="0">
-            <a:spAutoFit/>
-          </a:bodyPr>
-          <a:lstStyle/>
-          <a:p>
-            <a:r>
-              <a:rPr kumimoji="1" lang="en-US" altLang="ja-JP" sz="2000" dirty="0" smtClean="0"/>
-              <a:t>y</a:t>
-            </a:r>
-            <a:r>
-              <a:rPr kumimoji="1" lang="ja-JP" altLang="en-US" sz="2000" dirty="0" smtClean="0"/>
-              <a:t>軸</a:t>
-            </a:r>
-            <a:endParaRPr kumimoji="1" lang="ja-JP" altLang="en-US" sz="2000" dirty="0"/>
-          </a:p>
-        </p:txBody>
-      </p:sp>
-      <p:sp>
-        <p:nvSpPr>
-          <p:cNvPr id="61" name="テキスト ボックス 60"/>
-          <p:cNvSpPr txBox="1"/>
-          <p:nvPr/>
-        </p:nvSpPr>
-        <p:spPr>
-          <a:xfrm>
-            <a:off x="4137947" y="1172619"/>
-            <a:ext cx="418654" cy="276999"/>
-          </a:xfrm>
-          <a:prstGeom prst="rect">
-            <a:avLst/>
-          </a:prstGeom>
-          <a:noFill/>
-        </p:spPr>
-        <p:txBody>
-          <a:bodyPr wrap="none" rtlCol="0">
-            <a:spAutoFit/>
-          </a:bodyPr>
-          <a:lstStyle/>
-          <a:p>
-            <a:r>
-              <a:rPr lang="en-US" altLang="ja-JP" sz="1200" dirty="0" smtClean="0"/>
-              <a:t>280</a:t>
-            </a:r>
-            <a:endParaRPr kumimoji="1" lang="ja-JP" altLang="en-US" sz="1200" dirty="0"/>
-          </a:p>
-        </p:txBody>
-      </p:sp>
-      <p:cxnSp>
-        <p:nvCxnSpPr>
-          <p:cNvPr id="62" name="直線矢印コネクタ 61"/>
-          <p:cNvCxnSpPr/>
-          <p:nvPr/>
-        </p:nvCxnSpPr>
-        <p:spPr>
-          <a:xfrm flipV="1">
-            <a:off x="4329352" y="1588119"/>
-            <a:ext cx="0" cy="1000262"/>
-          </a:xfrm>
-          <a:prstGeom prst="straightConnector1">
-            <a:avLst/>
-          </a:prstGeom>
-          <a:ln w="9525" cmpd="sng">
-            <a:solidFill>
-              <a:srgbClr val="000000"/>
-            </a:solidFill>
-            <a:prstDash val="sysDash"/>
-            <a:headEnd type="none"/>
-            <a:tailEnd type="none"/>
-          </a:ln>
-          <a:effectLst/>
-        </p:spPr>
-        <p:style>
-          <a:lnRef idx="2">
-            <a:schemeClr val="accent1"/>
-          </a:lnRef>
-          <a:fillRef idx="0">
-            <a:schemeClr val="accent1"/>
-          </a:fillRef>
-          <a:effectRef idx="1">
-            <a:schemeClr val="accent1"/>
-          </a:effectRef>
-          <a:fontRef idx="minor">
-            <a:schemeClr val="tx1"/>
-          </a:fontRef>
-        </p:style>
-      </p:cxnSp>
-      <p:cxnSp>
-        <p:nvCxnSpPr>
-          <p:cNvPr id="64" name="直線矢印コネクタ 63"/>
-          <p:cNvCxnSpPr/>
-          <p:nvPr/>
-        </p:nvCxnSpPr>
-        <p:spPr>
-          <a:xfrm>
-            <a:off x="1460018" y="2588381"/>
-            <a:ext cx="2881429" cy="0"/>
-          </a:xfrm>
-          <a:prstGeom prst="straightConnector1">
-            <a:avLst/>
-          </a:prstGeom>
-          <a:ln w="9525" cmpd="sng">
-            <a:solidFill>
-              <a:srgbClr val="000000"/>
-            </a:solidFill>
-            <a:prstDash val="sysDash"/>
-            <a:headEnd type="none"/>
-            <a:tailEnd type="none"/>
-          </a:ln>
-          <a:effectLst/>
-        </p:spPr>
-        <p:style>
-          <a:lnRef idx="2">
-            <a:schemeClr val="accent1"/>
-          </a:lnRef>
-          <a:fillRef idx="0">
-            <a:schemeClr val="accent1"/>
-          </a:fillRef>
-          <a:effectRef idx="1">
-            <a:schemeClr val="accent1"/>
-          </a:effectRef>
-          <a:fontRef idx="minor">
-            <a:schemeClr val="tx1"/>
-          </a:fontRef>
-        </p:style>
-      </p:cxnSp>
-      <p:sp>
-        <p:nvSpPr>
-          <p:cNvPr id="68" name="テキスト ボックス 67"/>
-          <p:cNvSpPr txBox="1"/>
-          <p:nvPr/>
-        </p:nvSpPr>
-        <p:spPr>
-          <a:xfrm>
-            <a:off x="5148008" y="1172619"/>
-            <a:ext cx="418654" cy="276999"/>
-          </a:xfrm>
-          <a:prstGeom prst="rect">
-            <a:avLst/>
-          </a:prstGeom>
-          <a:noFill/>
-        </p:spPr>
-        <p:txBody>
-          <a:bodyPr wrap="none" rtlCol="0">
-            <a:spAutoFit/>
-          </a:bodyPr>
-          <a:lstStyle/>
-          <a:p>
-            <a:r>
-              <a:rPr lang="en-US" altLang="ja-JP" sz="1200" dirty="0" smtClean="0"/>
-              <a:t>480</a:t>
-            </a:r>
-            <a:endParaRPr kumimoji="1" lang="ja-JP" altLang="en-US" sz="1200" dirty="0"/>
-          </a:p>
-        </p:txBody>
-      </p:sp>
-      <p:cxnSp>
-        <p:nvCxnSpPr>
-          <p:cNvPr id="71" name="直線矢印コネクタ 70"/>
-          <p:cNvCxnSpPr/>
-          <p:nvPr/>
-        </p:nvCxnSpPr>
-        <p:spPr>
-          <a:xfrm flipV="1">
-            <a:off x="5397006" y="1449618"/>
-            <a:ext cx="0" cy="138500"/>
-          </a:xfrm>
-          <a:prstGeom prst="straightConnector1">
-            <a:avLst/>
-          </a:prstGeom>
-          <a:ln w="28575" cmpd="sng">
-            <a:solidFill>
-              <a:srgbClr val="000000"/>
-            </a:solidFill>
-            <a:prstDash val="solid"/>
-            <a:headEnd type="none"/>
-            <a:tailEnd type="none"/>
-          </a:ln>
-          <a:effectLst/>
-        </p:spPr>
-        <p:style>
-          <a:lnRef idx="2">
-            <a:schemeClr val="accent1"/>
-          </a:lnRef>
-          <a:fillRef idx="0">
-            <a:schemeClr val="accent1"/>
-          </a:fillRef>
-          <a:effectRef idx="1">
-            <a:schemeClr val="accent1"/>
-          </a:effectRef>
-          <a:fontRef idx="minor">
-            <a:schemeClr val="tx1"/>
-          </a:fontRef>
-        </p:style>
-      </p:cxnSp>
-      <p:cxnSp>
-        <p:nvCxnSpPr>
-          <p:cNvPr id="74" name="直線矢印コネクタ 73"/>
-          <p:cNvCxnSpPr/>
-          <p:nvPr/>
-        </p:nvCxnSpPr>
-        <p:spPr>
-          <a:xfrm flipV="1">
-            <a:off x="4335208" y="1449619"/>
-            <a:ext cx="0" cy="138500"/>
-          </a:xfrm>
-          <a:prstGeom prst="straightConnector1">
-            <a:avLst/>
-          </a:prstGeom>
-          <a:ln w="28575" cmpd="sng">
-            <a:solidFill>
-              <a:srgbClr val="000000"/>
-            </a:solidFill>
-            <a:prstDash val="solid"/>
-            <a:headEnd type="none"/>
-            <a:tailEnd type="none"/>
-          </a:ln>
-          <a:effectLst/>
-        </p:spPr>
-        <p:style>
-          <a:lnRef idx="2">
-            <a:schemeClr val="accent1"/>
-          </a:lnRef>
-          <a:fillRef idx="0">
-            <a:schemeClr val="accent1"/>
-          </a:fillRef>
-          <a:effectRef idx="1">
-            <a:schemeClr val="accent1"/>
-          </a:effectRef>
-          <a:fontRef idx="minor">
-            <a:schemeClr val="tx1"/>
-          </a:fontRef>
-        </p:style>
-      </p:cxnSp>
-      <p:cxnSp>
-        <p:nvCxnSpPr>
-          <p:cNvPr id="75" name="直線矢印コネクタ 74"/>
-          <p:cNvCxnSpPr/>
-          <p:nvPr/>
-        </p:nvCxnSpPr>
-        <p:spPr>
-          <a:xfrm flipV="1">
-            <a:off x="3435988" y="1449618"/>
-            <a:ext cx="0" cy="138500"/>
-          </a:xfrm>
-          <a:prstGeom prst="straightConnector1">
-            <a:avLst/>
-          </a:prstGeom>
-          <a:ln w="28575" cmpd="sng">
-            <a:solidFill>
-              <a:srgbClr val="000000"/>
-            </a:solidFill>
-            <a:prstDash val="solid"/>
-            <a:headEnd type="none"/>
-            <a:tailEnd type="none"/>
-          </a:ln>
-        </p:spPr>
-        <p:style>
-          <a:lnRef idx="2">
-            <a:schemeClr val="accent1"/>
-          </a:lnRef>
-          <a:fillRef idx="0">
-            <a:schemeClr val="accent1"/>
-          </a:fillRef>
-          <a:effectRef idx="1">
-            <a:schemeClr val="accent1"/>
-          </a:effectRef>
-          <a:fontRef idx="minor">
-            <a:schemeClr val="tx1"/>
-          </a:fontRef>
-        </p:style>
-      </p:cxnSp>
-      <p:sp>
-        <p:nvSpPr>
-          <p:cNvPr id="77" name="テキスト ボックス 76"/>
-          <p:cNvSpPr txBox="1"/>
-          <p:nvPr/>
-        </p:nvSpPr>
-        <p:spPr>
-          <a:xfrm>
-            <a:off x="3193143" y="1172619"/>
-            <a:ext cx="418654" cy="276999"/>
-          </a:xfrm>
-          <a:prstGeom prst="rect">
-            <a:avLst/>
-          </a:prstGeom>
-          <a:noFill/>
-        </p:spPr>
-        <p:txBody>
-          <a:bodyPr wrap="none" rtlCol="0">
-            <a:spAutoFit/>
-          </a:bodyPr>
-          <a:lstStyle/>
-          <a:p>
-            <a:r>
-              <a:rPr lang="en-US" altLang="ja-JP" sz="1200" dirty="0" smtClean="0"/>
-              <a:t>240</a:t>
-            </a:r>
-            <a:endParaRPr kumimoji="1" lang="ja-JP" altLang="en-US" sz="1200" dirty="0"/>
-          </a:p>
-        </p:txBody>
-      </p:sp>
-      <p:sp>
-        <p:nvSpPr>
-          <p:cNvPr id="78" name="テキスト ボックス 77"/>
-          <p:cNvSpPr txBox="1"/>
-          <p:nvPr/>
-        </p:nvSpPr>
-        <p:spPr>
-          <a:xfrm>
-            <a:off x="982861" y="2437786"/>
-            <a:ext cx="418654" cy="276999"/>
-          </a:xfrm>
-          <a:prstGeom prst="rect">
-            <a:avLst/>
-          </a:prstGeom>
-          <a:noFill/>
-        </p:spPr>
-        <p:txBody>
-          <a:bodyPr wrap="none" rtlCol="0">
-            <a:spAutoFit/>
-          </a:bodyPr>
-          <a:lstStyle/>
-          <a:p>
-            <a:r>
-              <a:rPr lang="en-US" altLang="ja-JP" sz="1200" dirty="0" smtClean="0"/>
-              <a:t>120</a:t>
-            </a:r>
-            <a:endParaRPr kumimoji="1" lang="ja-JP" altLang="en-US" sz="1200" dirty="0"/>
-          </a:p>
-        </p:txBody>
-      </p:sp>
-      <p:cxnSp>
-        <p:nvCxnSpPr>
-          <p:cNvPr id="79" name="直線矢印コネクタ 78"/>
-          <p:cNvCxnSpPr/>
-          <p:nvPr/>
-        </p:nvCxnSpPr>
-        <p:spPr>
-          <a:xfrm flipV="1">
-            <a:off x="3240174" y="1588118"/>
-            <a:ext cx="0" cy="4108084"/>
-          </a:xfrm>
-          <a:prstGeom prst="straightConnector1">
-            <a:avLst/>
-          </a:prstGeom>
-          <a:ln w="9525" cmpd="sng">
-            <a:solidFill>
-              <a:srgbClr val="000000"/>
-            </a:solidFill>
-            <a:prstDash val="sysDash"/>
-            <a:headEnd type="none"/>
-            <a:tailEnd type="none"/>
-          </a:ln>
-          <a:effectLst/>
-        </p:spPr>
-        <p:style>
-          <a:lnRef idx="2">
-            <a:schemeClr val="accent1"/>
-          </a:lnRef>
-          <a:fillRef idx="0">
-            <a:schemeClr val="accent1"/>
-          </a:fillRef>
-          <a:effectRef idx="1">
-            <a:schemeClr val="accent1"/>
-          </a:effectRef>
-          <a:fontRef idx="minor">
-            <a:schemeClr val="tx1"/>
-          </a:fontRef>
-        </p:style>
-      </p:cxnSp>
-      <p:cxnSp>
-        <p:nvCxnSpPr>
-          <p:cNvPr id="80" name="直線矢印コネクタ 79"/>
-          <p:cNvCxnSpPr/>
-          <p:nvPr/>
-        </p:nvCxnSpPr>
-        <p:spPr>
-          <a:xfrm>
-            <a:off x="1460018" y="5696202"/>
-            <a:ext cx="1792251" cy="0"/>
-          </a:xfrm>
-          <a:prstGeom prst="straightConnector1">
-            <a:avLst/>
-          </a:prstGeom>
-          <a:ln w="9525" cmpd="sng">
-            <a:solidFill>
-              <a:srgbClr val="000000"/>
-            </a:solidFill>
-            <a:prstDash val="sysDash"/>
-            <a:headEnd type="none"/>
-            <a:tailEnd type="none"/>
-          </a:ln>
-          <a:effectLst/>
-        </p:spPr>
-        <p:style>
-          <a:lnRef idx="2">
-            <a:schemeClr val="accent1"/>
-          </a:lnRef>
-          <a:fillRef idx="0">
-            <a:schemeClr val="accent1"/>
-          </a:fillRef>
-          <a:effectRef idx="1">
-            <a:schemeClr val="accent1"/>
-          </a:effectRef>
-          <a:fontRef idx="minor">
-            <a:schemeClr val="tx1"/>
-          </a:fontRef>
-        </p:style>
-      </p:cxnSp>
-      <p:sp>
-        <p:nvSpPr>
-          <p:cNvPr id="85" name="テキスト ボックス 84"/>
-          <p:cNvSpPr txBox="1"/>
-          <p:nvPr/>
-        </p:nvSpPr>
-        <p:spPr>
-          <a:xfrm>
-            <a:off x="1029445" y="5532302"/>
-            <a:ext cx="418654" cy="276999"/>
-          </a:xfrm>
-          <a:prstGeom prst="rect">
-            <a:avLst/>
-          </a:prstGeom>
-          <a:noFill/>
-        </p:spPr>
-        <p:txBody>
-          <a:bodyPr wrap="none" rtlCol="0">
-            <a:spAutoFit/>
-          </a:bodyPr>
-          <a:lstStyle/>
-          <a:p>
-            <a:r>
-              <a:rPr lang="en-US" altLang="ja-JP" sz="1200" dirty="0" smtClean="0"/>
-              <a:t>500</a:t>
-            </a:r>
-            <a:endParaRPr kumimoji="1" lang="ja-JP" altLang="en-US" sz="1200" dirty="0"/>
-          </a:p>
-        </p:txBody>
-      </p:sp>
-      <p:cxnSp>
-        <p:nvCxnSpPr>
-          <p:cNvPr id="86" name="直線矢印コネクタ 85"/>
-          <p:cNvCxnSpPr/>
-          <p:nvPr/>
-        </p:nvCxnSpPr>
-        <p:spPr>
-          <a:xfrm>
-            <a:off x="1366089" y="5693270"/>
-            <a:ext cx="82010" cy="0"/>
-          </a:xfrm>
-          <a:prstGeom prst="straightConnector1">
-            <a:avLst/>
-          </a:prstGeom>
-          <a:ln w="28575" cmpd="sng">
-            <a:solidFill>
-              <a:srgbClr val="000000"/>
-            </a:solidFill>
-            <a:prstDash val="solid"/>
-            <a:headEnd type="none"/>
-            <a:tailEnd type="none"/>
-          </a:ln>
-          <a:effectLst/>
-        </p:spPr>
-        <p:style>
-          <a:lnRef idx="2">
-            <a:schemeClr val="accent1"/>
-          </a:lnRef>
-          <a:fillRef idx="0">
-            <a:schemeClr val="accent1"/>
-          </a:fillRef>
-          <a:effectRef idx="1">
-            <a:schemeClr val="accent1"/>
-          </a:effectRef>
-          <a:fontRef idx="minor">
-            <a:schemeClr val="tx1"/>
-          </a:fontRef>
-        </p:style>
-      </p:cxnSp>
-      <p:cxnSp>
-        <p:nvCxnSpPr>
-          <p:cNvPr id="94" name="直線矢印コネクタ 93"/>
-          <p:cNvCxnSpPr/>
-          <p:nvPr/>
-        </p:nvCxnSpPr>
-        <p:spPr>
-          <a:xfrm>
-            <a:off x="1381917" y="2588381"/>
-            <a:ext cx="82010" cy="0"/>
-          </a:xfrm>
-          <a:prstGeom prst="straightConnector1">
-            <a:avLst/>
-          </a:prstGeom>
-          <a:ln w="28575" cmpd="sng">
-            <a:solidFill>
-              <a:srgbClr val="000000"/>
-            </a:solidFill>
-            <a:prstDash val="solid"/>
-            <a:headEnd type="none"/>
-            <a:tailEnd type="none"/>
-          </a:ln>
-          <a:effectLst/>
-        </p:spPr>
-        <p:style>
-          <a:lnRef idx="2">
-            <a:schemeClr val="accent1"/>
-          </a:lnRef>
-          <a:fillRef idx="0">
-            <a:schemeClr val="accent1"/>
-          </a:fillRef>
-          <a:effectRef idx="1">
-            <a:schemeClr val="accent1"/>
-          </a:effectRef>
-          <a:fontRef idx="minor">
-            <a:schemeClr val="tx1"/>
-          </a:fontRef>
-        </p:style>
-      </p:cxnSp>
-      <p:cxnSp>
-        <p:nvCxnSpPr>
-          <p:cNvPr id="95" name="直線矢印コネクタ 94"/>
-          <p:cNvCxnSpPr/>
-          <p:nvPr/>
-        </p:nvCxnSpPr>
-        <p:spPr>
-          <a:xfrm flipV="1">
-            <a:off x="3246126" y="1449619"/>
-            <a:ext cx="0" cy="138500"/>
-          </a:xfrm>
-          <a:prstGeom prst="straightConnector1">
-            <a:avLst/>
-          </a:prstGeom>
-          <a:ln w="28575" cmpd="sng">
-            <a:solidFill>
-              <a:srgbClr val="000000"/>
-            </a:solidFill>
-            <a:prstDash val="solid"/>
-            <a:headEnd type="none"/>
-            <a:tailEnd type="none"/>
-          </a:ln>
-        </p:spPr>
-        <p:style>
-          <a:lnRef idx="2">
-            <a:schemeClr val="accent1"/>
-          </a:lnRef>
-          <a:fillRef idx="0">
-            <a:schemeClr val="accent1"/>
-          </a:fillRef>
-          <a:effectRef idx="1">
-            <a:schemeClr val="accent1"/>
-          </a:effectRef>
-          <a:fontRef idx="minor">
-            <a:schemeClr val="tx1"/>
-          </a:fontRef>
-        </p:style>
-      </p:cxnSp>
-      <p:sp>
-        <p:nvSpPr>
-          <p:cNvPr id="96" name="テキスト ボックス 95"/>
-          <p:cNvSpPr txBox="1"/>
-          <p:nvPr/>
-        </p:nvSpPr>
-        <p:spPr>
-          <a:xfrm>
-            <a:off x="2905418" y="1171263"/>
-            <a:ext cx="418654" cy="276999"/>
-          </a:xfrm>
-          <a:prstGeom prst="rect">
-            <a:avLst/>
-          </a:prstGeom>
-          <a:noFill/>
-        </p:spPr>
-        <p:txBody>
-          <a:bodyPr wrap="none" rtlCol="0">
-            <a:spAutoFit/>
-          </a:bodyPr>
-          <a:lstStyle/>
-          <a:p>
-            <a:r>
-              <a:rPr lang="en-US" altLang="ja-JP" sz="1200" dirty="0" smtClean="0"/>
-              <a:t>215</a:t>
-            </a:r>
-            <a:endParaRPr kumimoji="1" lang="ja-JP" altLang="en-US" sz="1200" dirty="0"/>
-          </a:p>
-        </p:txBody>
-      </p:sp>
-      <p:sp>
-        <p:nvSpPr>
-          <p:cNvPr id="97" name="テキスト ボックス 96"/>
-          <p:cNvSpPr txBox="1"/>
-          <p:nvPr/>
-        </p:nvSpPr>
-        <p:spPr>
-          <a:xfrm>
-            <a:off x="1029445" y="6702539"/>
-            <a:ext cx="418654" cy="276999"/>
-          </a:xfrm>
-          <a:prstGeom prst="rect">
-            <a:avLst/>
-          </a:prstGeom>
-          <a:noFill/>
-        </p:spPr>
-        <p:txBody>
-          <a:bodyPr wrap="none" rtlCol="0">
-            <a:spAutoFit/>
-          </a:bodyPr>
-          <a:lstStyle/>
-          <a:p>
-            <a:r>
-              <a:rPr lang="en-US" altLang="ja-JP" sz="1200" dirty="0" smtClean="0"/>
-              <a:t>640</a:t>
-            </a:r>
-            <a:endParaRPr kumimoji="1" lang="ja-JP" altLang="en-US" sz="1200" dirty="0"/>
-          </a:p>
-        </p:txBody>
-      </p:sp>
-      <p:cxnSp>
-        <p:nvCxnSpPr>
-          <p:cNvPr id="98" name="直線矢印コネクタ 97"/>
-          <p:cNvCxnSpPr/>
-          <p:nvPr/>
-        </p:nvCxnSpPr>
-        <p:spPr>
-          <a:xfrm>
-            <a:off x="1366089" y="6863507"/>
-            <a:ext cx="82010" cy="0"/>
-          </a:xfrm>
-          <a:prstGeom prst="straightConnector1">
-            <a:avLst/>
-          </a:prstGeom>
-          <a:ln w="28575" cmpd="sng">
-            <a:solidFill>
-              <a:srgbClr val="000000"/>
-            </a:solidFill>
-            <a:prstDash val="solid"/>
-            <a:headEnd type="none"/>
-            <a:tailEnd type="none"/>
-          </a:ln>
-          <a:effectLst/>
-        </p:spPr>
-        <p:style>
-          <a:lnRef idx="2">
-            <a:schemeClr val="accent1"/>
-          </a:lnRef>
-          <a:fillRef idx="0">
-            <a:schemeClr val="accent1"/>
-          </a:fillRef>
-          <a:effectRef idx="1">
-            <a:schemeClr val="accent1"/>
-          </a:effectRef>
-          <a:fontRef idx="minor">
-            <a:schemeClr val="tx1"/>
-          </a:fontRef>
-        </p:style>
-      </p:cxnSp>
-      <p:sp>
-        <p:nvSpPr>
-          <p:cNvPr id="99" name="テキスト ボックス 98"/>
-          <p:cNvSpPr txBox="1"/>
-          <p:nvPr/>
-        </p:nvSpPr>
-        <p:spPr>
-          <a:xfrm>
-            <a:off x="4459013" y="3357019"/>
-            <a:ext cx="340658" cy="276999"/>
-          </a:xfrm>
-          <a:prstGeom prst="rect">
-            <a:avLst/>
-          </a:prstGeom>
-          <a:noFill/>
-        </p:spPr>
-        <p:txBody>
-          <a:bodyPr wrap="none" rtlCol="0">
-            <a:spAutoFit/>
-          </a:bodyPr>
-          <a:lstStyle/>
-          <a:p>
-            <a:r>
-              <a:rPr lang="en-US" altLang="ja-JP" sz="1200" dirty="0" smtClean="0"/>
-              <a:t>70</a:t>
-            </a:r>
-            <a:endParaRPr kumimoji="1" lang="ja-JP" altLang="en-US" sz="1200" dirty="0"/>
-          </a:p>
-        </p:txBody>
-      </p:sp>
-      <p:sp>
-        <p:nvSpPr>
-          <p:cNvPr id="100" name="テキスト ボックス 99"/>
-          <p:cNvSpPr txBox="1"/>
-          <p:nvPr/>
-        </p:nvSpPr>
-        <p:spPr>
-          <a:xfrm>
-            <a:off x="4870642" y="2903538"/>
-            <a:ext cx="418654" cy="276999"/>
-          </a:xfrm>
-          <a:prstGeom prst="rect">
-            <a:avLst/>
-          </a:prstGeom>
-          <a:noFill/>
-        </p:spPr>
-        <p:txBody>
-          <a:bodyPr wrap="none" rtlCol="0">
-            <a:spAutoFit/>
-          </a:bodyPr>
-          <a:lstStyle/>
-          <a:p>
-            <a:r>
-              <a:rPr lang="en-US" altLang="ja-JP" sz="1200" dirty="0" smtClean="0"/>
-              <a:t>100</a:t>
-            </a:r>
-            <a:endParaRPr kumimoji="1" lang="ja-JP" altLang="en-US" sz="1200" dirty="0"/>
-          </a:p>
-        </p:txBody>
-      </p:sp>
-      <p:sp>
-        <p:nvSpPr>
-          <p:cNvPr id="101" name="テキスト ボックス 100"/>
-          <p:cNvSpPr txBox="1"/>
-          <p:nvPr/>
-        </p:nvSpPr>
-        <p:spPr>
-          <a:xfrm>
-            <a:off x="3274679" y="6046741"/>
-            <a:ext cx="340658" cy="276999"/>
-          </a:xfrm>
-          <a:prstGeom prst="rect">
-            <a:avLst/>
-          </a:prstGeom>
-          <a:noFill/>
-        </p:spPr>
-        <p:txBody>
-          <a:bodyPr wrap="none" rtlCol="0">
-            <a:spAutoFit/>
-          </a:bodyPr>
-          <a:lstStyle/>
-          <a:p>
-            <a:r>
-              <a:rPr lang="en-US" altLang="ja-JP" sz="1200" dirty="0" smtClean="0"/>
-              <a:t>50</a:t>
-            </a:r>
-            <a:endParaRPr kumimoji="1" lang="ja-JP" altLang="en-US" sz="1200" dirty="0"/>
+        <p:txBody>
+          <a:bodyPr rtlCol="0" anchor="ctr"/>
+          <a:lstStyle/>
+          <a:p>
+            <a:pPr algn="ctr"/>
+            <a:endParaRPr kumimoji="1" lang="ja-JP" altLang="en-US"/>
           </a:p>
         </p:txBody>
       </p:sp>
     </p:spTree>
     <p:extLst>
       <p:ext uri="{BB962C8B-B14F-4D97-AF65-F5344CB8AC3E}">
-        <p14:creationId xmlns:p14="http://schemas.microsoft.com/office/powerpoint/2010/main" val="4051307388"/>
+        <p14:creationId xmlns:p14="http://schemas.microsoft.com/office/powerpoint/2010/main" val="1429873477"/>
       </p:ext>
     </p:extLst>
   </p:cSld>
@@ -9240,8 +8448,8 @@
         </p:nvSpPr>
         <p:spPr>
           <a:xfrm>
-            <a:off x="323706" y="1373446"/>
-            <a:ext cx="3873176" cy="646331"/>
+            <a:off x="323706" y="687646"/>
+            <a:ext cx="2437085" cy="369332"/>
           </a:xfrm>
           <a:prstGeom prst="rect">
             <a:avLst/>
@@ -9255,24 +8463,10 @@
           <a:lstStyle/>
           <a:p>
             <a:r>
-              <a:rPr kumimoji="1" lang="ja-JP" altLang="en-US" sz="1200" dirty="0" smtClean="0"/>
-              <a:t>とにかく，まず動かしてみよう</a:t>
-            </a:r>
-            <a:r>
-              <a:rPr kumimoji="1" lang="ja-JP" altLang="en-US" sz="1200" dirty="0" smtClean="0"/>
-              <a:t>！</a:t>
-            </a:r>
-            <a:endParaRPr kumimoji="1" lang="en-US" altLang="ja-JP" sz="1200" dirty="0" smtClean="0"/>
-          </a:p>
-          <a:p>
-            <a:r>
-              <a:rPr lang="ja-JP" altLang="en-US" sz="1200" dirty="0"/>
-              <a:t>デスクトップ上の次のアイコンをダブルクリックしてみよう．</a:t>
-            </a:r>
-            <a:endParaRPr lang="en-US" altLang="ja-JP" sz="1200" dirty="0"/>
-          </a:p>
-          <a:p>
-            <a:endParaRPr kumimoji="1" lang="ja-JP" altLang="en-US" sz="1200" dirty="0"/>
+              <a:rPr lang="ja-JP" altLang="en-US" dirty="0" smtClean="0"/>
+              <a:t>画像を表示してみよう．</a:t>
+            </a:r>
+            <a:endParaRPr kumimoji="1" lang="ja-JP" altLang="en-US" dirty="0"/>
           </a:p>
         </p:txBody>
       </p:sp>
@@ -9284,7 +8478,7 @@
         </p:nvSpPr>
         <p:spPr>
           <a:xfrm>
-            <a:off x="323706" y="1004114"/>
+            <a:off x="323706" y="318314"/>
             <a:ext cx="6191394" cy="369332"/>
           </a:xfrm>
           <a:prstGeom prst="rect">
@@ -9305,11 +8499,11 @@
           <a:p>
             <a:r>
               <a:rPr kumimoji="1" lang="en-US" altLang="ja-JP" dirty="0" smtClean="0"/>
-              <a:t>Step3-1. </a:t>
-            </a:r>
-            <a:r>
-              <a:rPr lang="ja-JP" altLang="en-US" dirty="0" smtClean="0"/>
-              <a:t>変数</a:t>
+              <a:t>Step3-2. </a:t>
+            </a:r>
+            <a:r>
+              <a:rPr kumimoji="1" lang="ja-JP" altLang="en-US" dirty="0" smtClean="0"/>
+              <a:t>画像を表示してみよう</a:t>
             </a:r>
             <a:endParaRPr kumimoji="1" lang="ja-JP" altLang="en-US" dirty="0"/>
           </a:p>
@@ -9323,37 +8517,325 @@
         </p:nvSpPr>
         <p:spPr>
           <a:xfrm>
-            <a:off x="323706" y="232413"/>
-            <a:ext cx="6191394" cy="584776"/>
+            <a:off x="564410" y="1047590"/>
+            <a:ext cx="5727104" cy="2554545"/>
+          </a:xfrm>
+          <a:prstGeom prst="rect">
+            <a:avLst/>
+          </a:prstGeom>
+          <a:solidFill>
+            <a:schemeClr val="bg1">
+              <a:lumMod val="95000"/>
+            </a:schemeClr>
+          </a:solidFill>
+          <a:ln w="12700" cmpd="sng"/>
+        </p:spPr>
+        <p:style>
+          <a:lnRef idx="2">
+            <a:schemeClr val="dk1"/>
+          </a:lnRef>
+          <a:fillRef idx="1">
+            <a:schemeClr val="lt1"/>
+          </a:fillRef>
+          <a:effectRef idx="0">
+            <a:schemeClr val="dk1"/>
+          </a:effectRef>
+          <a:fontRef idx="minor">
+            <a:schemeClr val="dk1"/>
+          </a:fontRef>
+        </p:style>
+        <p:txBody>
+          <a:bodyPr wrap="square" rtlCol="0">
+            <a:spAutoFit/>
+          </a:bodyPr>
+          <a:lstStyle/>
+          <a:p>
+            <a:r>
+              <a:rPr lang="en-US" altLang="ja-JP" sz="1600" dirty="0" err="1"/>
+              <a:t>imageMode</a:t>
+            </a:r>
+            <a:r>
+              <a:rPr lang="en-US" altLang="ja-JP" sz="1600" dirty="0"/>
+              <a:t>(CENTER); // </a:t>
+            </a:r>
+            <a:r>
+              <a:rPr lang="ja-JP" altLang="en-US" sz="1600" dirty="0"/>
+              <a:t>画像座標の指定を中心に</a:t>
+            </a:r>
+            <a:r>
+              <a:rPr lang="ja-JP" altLang="en-US" sz="1600" dirty="0" smtClean="0"/>
+              <a:t>する</a:t>
+            </a:r>
+            <a:endParaRPr lang="en-US" altLang="ja-JP" sz="1600" dirty="0" smtClean="0"/>
+          </a:p>
+          <a:p>
+            <a:r>
+              <a:rPr lang="en-US" altLang="ja-JP" sz="1600" dirty="0" err="1" smtClean="0"/>
+              <a:t>PImage</a:t>
+            </a:r>
+            <a:r>
+              <a:rPr lang="en-US" altLang="ja-JP" sz="1600" dirty="0" smtClean="0"/>
+              <a:t> </a:t>
+            </a:r>
+            <a:r>
+              <a:rPr lang="en-US" altLang="ja-JP" sz="1600" dirty="0" err="1"/>
+              <a:t>shipImg</a:t>
+            </a:r>
+            <a:r>
+              <a:rPr lang="en-US" altLang="ja-JP" sz="1600" dirty="0"/>
+              <a:t>; // </a:t>
+            </a:r>
+            <a:r>
+              <a:rPr lang="ja-JP" altLang="en-US" sz="1600" dirty="0"/>
+              <a:t>自機の画像の宣言</a:t>
+            </a:r>
+          </a:p>
+          <a:p>
+            <a:r>
+              <a:rPr lang="en-US" altLang="ja-JP" sz="1600" dirty="0" err="1"/>
+              <a:t>int</a:t>
+            </a:r>
+            <a:r>
+              <a:rPr lang="en-US" altLang="ja-JP" sz="1600" dirty="0"/>
+              <a:t> </a:t>
+            </a:r>
+            <a:r>
+              <a:rPr lang="en-US" altLang="ja-JP" sz="1600" dirty="0" err="1"/>
+              <a:t>shipX</a:t>
+            </a:r>
+            <a:r>
+              <a:rPr lang="en-US" altLang="ja-JP" sz="1600" dirty="0"/>
+              <a:t>;</a:t>
+            </a:r>
+          </a:p>
+          <a:p>
+            <a:r>
+              <a:rPr lang="en-US" altLang="ja-JP" sz="1600" dirty="0" err="1"/>
+              <a:t>int</a:t>
+            </a:r>
+            <a:r>
+              <a:rPr lang="en-US" altLang="ja-JP" sz="1600" dirty="0"/>
+              <a:t> </a:t>
+            </a:r>
+            <a:r>
+              <a:rPr lang="en-US" altLang="ja-JP" sz="1600" dirty="0" err="1"/>
+              <a:t>shipY</a:t>
+            </a:r>
+            <a:r>
+              <a:rPr lang="en-US" altLang="ja-JP" sz="1600" dirty="0"/>
+              <a:t>;</a:t>
+            </a:r>
+          </a:p>
+          <a:p>
+            <a:r>
+              <a:rPr lang="en-US" altLang="ja-JP" sz="1600" dirty="0"/>
+              <a:t>size(480, 640);</a:t>
+            </a:r>
+          </a:p>
+          <a:p>
+            <a:r>
+              <a:rPr lang="en-US" altLang="ja-JP" sz="1600" dirty="0" err="1"/>
+              <a:t>rect</a:t>
+            </a:r>
+            <a:r>
+              <a:rPr lang="en-US" altLang="ja-JP" sz="1600" dirty="0"/>
+              <a:t>(350, 120, 70, 100);</a:t>
+            </a:r>
+          </a:p>
+          <a:p>
+            <a:r>
+              <a:rPr lang="en-US" altLang="ja-JP" sz="1600" dirty="0" err="1"/>
+              <a:t>shipImg</a:t>
+            </a:r>
+            <a:r>
+              <a:rPr lang="en-US" altLang="ja-JP" sz="1600" dirty="0"/>
+              <a:t> = </a:t>
+            </a:r>
+            <a:r>
+              <a:rPr lang="en-US" altLang="ja-JP" sz="1600" dirty="0" err="1"/>
+              <a:t>loadImage</a:t>
+            </a:r>
+            <a:r>
+              <a:rPr lang="en-US" altLang="ja-JP" sz="1600" dirty="0"/>
+              <a:t>("</a:t>
+            </a:r>
+            <a:r>
+              <a:rPr lang="en-US" altLang="ja-JP" sz="1600" dirty="0" err="1"/>
+              <a:t>ship.png</a:t>
+            </a:r>
+            <a:r>
+              <a:rPr lang="en-US" altLang="ja-JP" sz="1600" dirty="0"/>
+              <a:t>"); // </a:t>
+            </a:r>
+            <a:r>
+              <a:rPr lang="ja-JP" altLang="en-US" sz="1600" dirty="0"/>
+              <a:t>自機の画像を読み込む</a:t>
+            </a:r>
+          </a:p>
+          <a:p>
+            <a:r>
+              <a:rPr lang="en-US" altLang="ja-JP" sz="1600" dirty="0" err="1"/>
+              <a:t>shipX</a:t>
+            </a:r>
+            <a:r>
+              <a:rPr lang="en-US" altLang="ja-JP" sz="1600" dirty="0"/>
+              <a:t> = 215;</a:t>
+            </a:r>
+          </a:p>
+          <a:p>
+            <a:r>
+              <a:rPr lang="en-US" altLang="ja-JP" sz="1600" dirty="0" err="1"/>
+              <a:t>shipY</a:t>
+            </a:r>
+            <a:r>
+              <a:rPr lang="en-US" altLang="ja-JP" sz="1600" dirty="0"/>
+              <a:t> = 500;</a:t>
+            </a:r>
+          </a:p>
+          <a:p>
+            <a:r>
+              <a:rPr lang="en-US" altLang="ja-JP" sz="1600" dirty="0"/>
+              <a:t>image(</a:t>
+            </a:r>
+            <a:r>
+              <a:rPr lang="en-US" altLang="ja-JP" sz="1600" dirty="0" err="1"/>
+              <a:t>shipImg</a:t>
+            </a:r>
+            <a:r>
+              <a:rPr lang="en-US" altLang="ja-JP" sz="1600" dirty="0"/>
+              <a:t>, </a:t>
+            </a:r>
+            <a:r>
+              <a:rPr lang="en-US" altLang="ja-JP" sz="1600" dirty="0" err="1"/>
+              <a:t>shipX</a:t>
+            </a:r>
+            <a:r>
+              <a:rPr lang="en-US" altLang="ja-JP" sz="1600" dirty="0"/>
+              <a:t>, </a:t>
+            </a:r>
+            <a:r>
+              <a:rPr lang="en-US" altLang="ja-JP" sz="1600" dirty="0" err="1"/>
+              <a:t>shipY</a:t>
+            </a:r>
+            <a:r>
+              <a:rPr lang="en-US" altLang="ja-JP" sz="1600" dirty="0"/>
+              <a:t>); // </a:t>
+            </a:r>
+            <a:r>
+              <a:rPr lang="ja-JP" altLang="en-US" sz="1600" dirty="0"/>
+              <a:t>画像を表示</a:t>
+            </a:r>
+          </a:p>
+        </p:txBody>
+      </p:sp>
+      <p:sp>
+        <p:nvSpPr>
+          <p:cNvPr id="9" name="正方形/長方形 8"/>
+          <p:cNvSpPr/>
+          <p:nvPr/>
+        </p:nvSpPr>
+        <p:spPr>
+          <a:xfrm>
+            <a:off x="564410" y="3602135"/>
+            <a:ext cx="5727104" cy="5021165"/>
           </a:xfrm>
           <a:prstGeom prst="rect">
             <a:avLst/>
           </a:prstGeom>
           <a:noFill/>
-          <a:ln w="57150" cmpd="thickThin">
+          <a:ln>
             <a:solidFill>
               <a:schemeClr val="tx1"/>
             </a:solidFill>
           </a:ln>
         </p:spPr>
-        <p:txBody>
-          <a:bodyPr wrap="square" rtlCol="0">
-            <a:spAutoFit/>
-          </a:bodyPr>
-          <a:lstStyle/>
-          <a:p>
-            <a:r>
-              <a:rPr lang="ja-JP" altLang="en-US" sz="3200" dirty="0" smtClean="0"/>
-              <a:t>３．プログラミングに慣れてみよう</a:t>
-            </a:r>
-            <a:endParaRPr kumimoji="1" lang="ja-JP" altLang="en-US" sz="3200" dirty="0"/>
-          </a:p>
-        </p:txBody>
-      </p:sp>
+        <p:style>
+          <a:lnRef idx="1">
+            <a:schemeClr val="accent1"/>
+          </a:lnRef>
+          <a:fillRef idx="3">
+            <a:schemeClr val="accent1"/>
+          </a:fillRef>
+          <a:effectRef idx="2">
+            <a:schemeClr val="accent1"/>
+          </a:effectRef>
+          <a:fontRef idx="minor">
+            <a:schemeClr val="lt1"/>
+          </a:fontRef>
+        </p:style>
+        <p:txBody>
+          <a:bodyPr rtlCol="0" anchor="ctr"/>
+          <a:lstStyle/>
+          <a:p>
+            <a:pPr algn="ctr"/>
+            <a:endParaRPr kumimoji="1" lang="ja-JP" altLang="en-US"/>
+          </a:p>
+        </p:txBody>
+      </p:sp>
+      <p:pic>
+        <p:nvPicPr>
+          <p:cNvPr id="22" name="図 21" descr="ship.png"/>
+          <p:cNvPicPr>
+            <a:picLocks noChangeAspect="1"/>
+          </p:cNvPicPr>
+          <p:nvPr/>
+        </p:nvPicPr>
+        <p:blipFill>
+          <a:blip r:embed="rId2">
+            <a:extLst>
+              <a:ext uri="{28A0092B-C50C-407E-A947-70E740481C1C}">
+                <a14:useLocalDpi xmlns:a14="http://schemas.microsoft.com/office/drawing/2010/main" val="0"/>
+              </a:ext>
+            </a:extLst>
+          </a:blip>
+          <a:stretch>
+            <a:fillRect/>
+          </a:stretch>
+        </p:blipFill>
+        <p:spPr>
+          <a:xfrm>
+            <a:off x="1581150" y="4889500"/>
+            <a:ext cx="762000" cy="762000"/>
+          </a:xfrm>
+          <a:prstGeom prst="rect">
+            <a:avLst/>
+          </a:prstGeom>
+        </p:spPr>
+      </p:pic>
+      <p:pic>
+        <p:nvPicPr>
+          <p:cNvPr id="23" name="図 22" descr="スクリーンショット 2015-07-23 14.50.15.png"/>
+          <p:cNvPicPr>
+            <a:picLocks noChangeAspect="1"/>
+          </p:cNvPicPr>
+          <p:nvPr/>
+        </p:nvPicPr>
+        <p:blipFill>
+          <a:blip r:embed="rId3">
+            <a:extLst>
+              <a:ext uri="{28A0092B-C50C-407E-A947-70E740481C1C}">
+                <a14:useLocalDpi xmlns:a14="http://schemas.microsoft.com/office/drawing/2010/main" val="0"/>
+              </a:ext>
+            </a:extLst>
+          </a:blip>
+          <a:stretch>
+            <a:fillRect/>
+          </a:stretch>
+        </p:blipFill>
+        <p:spPr>
+          <a:xfrm>
+            <a:off x="3989450" y="4248150"/>
+            <a:ext cx="1850900" cy="2552700"/>
+          </a:xfrm>
+          <a:prstGeom prst="rect">
+            <a:avLst/>
+          </a:prstGeom>
+        </p:spPr>
+      </p:pic>
     </p:spTree>
     <p:extLst>
       <p:ext uri="{BB962C8B-B14F-4D97-AF65-F5344CB8AC3E}">
-        <p14:creationId xmlns:p14="http://schemas.microsoft.com/office/powerpoint/2010/main" val="1429873477"/>
+        <p14:creationId xmlns:p14="http://schemas.microsoft.com/office/powerpoint/2010/main" val="2272547961"/>
       </p:ext>
     </p:extLst>
   </p:cSld>
@@ -9460,19 +8942,7 @@
             </a:pPr>
             <a:r>
               <a:rPr kumimoji="1" lang="ja-JP" altLang="en-US" dirty="0" smtClean="0"/>
-              <a:t>最初</a:t>
-            </a:r>
-            <a:r>
-              <a:rPr kumimoji="1" lang="ja-JP" altLang="en-US" dirty="0" smtClean="0"/>
-              <a:t>にこれから作るゲームで</a:t>
-            </a:r>
-            <a:r>
-              <a:rPr kumimoji="1" lang="ja-JP" altLang="en-US" dirty="0" smtClean="0"/>
-              <a:t>遊</a:t>
-            </a:r>
-            <a:r>
-              <a:rPr kumimoji="1" lang="ja-JP" altLang="en-US" dirty="0" smtClean="0"/>
-              <a:t>ぶ．ソースをみる．これならできそう？では，１時間でここまでを理解してみよう！</a:t>
+              <a:t>最初にこれから作るゲームで遊ぶ．ソースをみる．これならできそう？では，１時間でここまでを理解してみよう！</a:t>
             </a:r>
             <a:endParaRPr kumimoji="1" lang="en-US" altLang="ja-JP" dirty="0" smtClean="0"/>
           </a:p>

--- a/Document/body.pptx
+++ b/Document/body.pptx
@@ -5,10 +5,10 @@
     <p:sldMasterId id="2147483648" r:id="rId1"/>
   </p:sldMasterIdLst>
   <p:notesMasterIdLst>
-    <p:notesMasterId r:id="rId11"/>
+    <p:notesMasterId r:id="rId16"/>
   </p:notesMasterIdLst>
   <p:handoutMasterIdLst>
-    <p:handoutMasterId r:id="rId12"/>
+    <p:handoutMasterId r:id="rId17"/>
   </p:handoutMasterIdLst>
   <p:sldIdLst>
     <p:sldId id="256" r:id="rId2"/>
@@ -16,10 +16,15 @@
     <p:sldId id="266" r:id="rId4"/>
     <p:sldId id="257" r:id="rId5"/>
     <p:sldId id="258" r:id="rId6"/>
-    <p:sldId id="259" r:id="rId7"/>
-    <p:sldId id="269" r:id="rId8"/>
-    <p:sldId id="271" r:id="rId9"/>
-    <p:sldId id="270" r:id="rId10"/>
+    <p:sldId id="277" r:id="rId7"/>
+    <p:sldId id="259" r:id="rId8"/>
+    <p:sldId id="278" r:id="rId9"/>
+    <p:sldId id="269" r:id="rId10"/>
+    <p:sldId id="271" r:id="rId11"/>
+    <p:sldId id="273" r:id="rId12"/>
+    <p:sldId id="275" r:id="rId13"/>
+    <p:sldId id="276" r:id="rId14"/>
+    <p:sldId id="272" r:id="rId15"/>
   </p:sldIdLst>
   <p:sldSz cx="6858000" cy="9144000" type="screen4x3"/>
   <p:notesSz cx="6858000" cy="9144000"/>
@@ -203,7 +208,7 @@
           <a:p>
             <a:fld id="{DDE039B7-9123-4E4C-B201-F8AE92D44659}" type="datetimeFigureOut">
               <a:rPr kumimoji="1" lang="ja-JP" altLang="en-US" smtClean="0"/>
-              <a:t>2015/07/23</a:t>
+              <a:t>2015/07/24</a:t>
             </a:fld>
             <a:endParaRPr kumimoji="1" lang="ja-JP" altLang="en-US"/>
           </a:p>
@@ -369,7 +374,7 @@
           <a:p>
             <a:fld id="{17F523E5-4FD2-6F43-8DEF-1420972BC885}" type="datetimeFigureOut">
               <a:rPr kumimoji="1" lang="ja-JP" altLang="en-US" smtClean="0"/>
-              <a:t>2015/07/23</a:t>
+              <a:t>2015/07/24</a:t>
             </a:fld>
             <a:endParaRPr kumimoji="1" lang="ja-JP" altLang="en-US"/>
           </a:p>
@@ -851,7 +856,7 @@
           <a:p>
             <a:fld id="{BA464AC4-3368-DC4D-9025-9CB584FAD8E6}" type="datetime1">
               <a:rPr kumimoji="1" lang="ja-JP" altLang="en-US" smtClean="0"/>
-              <a:t>2015/07/23</a:t>
+              <a:t>2015/07/24</a:t>
             </a:fld>
             <a:endParaRPr kumimoji="1" lang="ja-JP" altLang="en-US"/>
           </a:p>
@@ -1065,7 +1070,7 @@
           <a:p>
             <a:fld id="{D31C99C0-44DB-2549-90D9-F8FFB9748C35}" type="datetime1">
               <a:rPr kumimoji="1" lang="ja-JP" altLang="en-US" smtClean="0"/>
-              <a:t>2015/07/23</a:t>
+              <a:t>2015/07/24</a:t>
             </a:fld>
             <a:endParaRPr kumimoji="1" lang="ja-JP" altLang="en-US"/>
           </a:p>
@@ -1289,7 +1294,7 @@
           <a:p>
             <a:fld id="{3DA8C375-9BEF-784A-A1CE-B6A17BD4FAAF}" type="datetime1">
               <a:rPr kumimoji="1" lang="ja-JP" altLang="en-US" smtClean="0"/>
-              <a:t>2015/07/23</a:t>
+              <a:t>2015/07/24</a:t>
             </a:fld>
             <a:endParaRPr kumimoji="1" lang="ja-JP" altLang="en-US"/>
           </a:p>
@@ -1503,7 +1508,7 @@
           <a:p>
             <a:fld id="{AF5973E8-1D5D-9A4F-8928-D28FCF6C6D2E}" type="datetime1">
               <a:rPr kumimoji="1" lang="ja-JP" altLang="en-US" smtClean="0"/>
-              <a:t>2015/07/23</a:t>
+              <a:t>2015/07/24</a:t>
             </a:fld>
             <a:endParaRPr kumimoji="1" lang="ja-JP" altLang="en-US"/>
           </a:p>
@@ -1761,7 +1766,7 @@
           <a:p>
             <a:fld id="{19A2D023-4078-BB47-AA41-26785CA743EE}" type="datetime1">
               <a:rPr kumimoji="1" lang="ja-JP" altLang="en-US" smtClean="0"/>
-              <a:t>2015/07/23</a:t>
+              <a:t>2015/07/24</a:t>
             </a:fld>
             <a:endParaRPr kumimoji="1" lang="ja-JP" altLang="en-US"/>
           </a:p>
@@ -2125,7 +2130,7 @@
           <a:p>
             <a:fld id="{155B2538-1D8D-1C49-9126-59541A34B3E7}" type="datetime1">
               <a:rPr kumimoji="1" lang="ja-JP" altLang="en-US" smtClean="0"/>
-              <a:t>2015/07/23</a:t>
+              <a:t>2015/07/24</a:t>
             </a:fld>
             <a:endParaRPr kumimoji="1" lang="ja-JP" altLang="en-US"/>
           </a:p>
@@ -2623,7 +2628,7 @@
           <a:p>
             <a:fld id="{8C613C80-216F-BC4F-919C-B591A64DA14D}" type="datetime1">
               <a:rPr kumimoji="1" lang="ja-JP" altLang="en-US" smtClean="0"/>
-              <a:t>2015/07/23</a:t>
+              <a:t>2015/07/24</a:t>
             </a:fld>
             <a:endParaRPr kumimoji="1" lang="ja-JP" altLang="en-US"/>
           </a:p>
@@ -2753,7 +2758,7 @@
           <a:p>
             <a:fld id="{6C1A3345-FC5A-A94E-9793-1F8752FA634A}" type="datetime1">
               <a:rPr kumimoji="1" lang="ja-JP" altLang="en-US" smtClean="0"/>
-              <a:t>2015/07/23</a:t>
+              <a:t>2015/07/24</a:t>
             </a:fld>
             <a:endParaRPr kumimoji="1" lang="ja-JP" altLang="en-US"/>
           </a:p>
@@ -2860,7 +2865,7 @@
           <a:p>
             <a:fld id="{6E1644C9-5B5A-2242-8500-82E531992D02}" type="datetime1">
               <a:rPr kumimoji="1" lang="ja-JP" altLang="en-US" smtClean="0"/>
-              <a:t>2015/07/23</a:t>
+              <a:t>2015/07/24</a:t>
             </a:fld>
             <a:endParaRPr kumimoji="1" lang="ja-JP" altLang="en-US"/>
           </a:p>
@@ -3181,7 +3186,7 @@
           <a:p>
             <a:fld id="{3CA89541-7212-C448-BD06-30CC10A5BF70}" type="datetime1">
               <a:rPr kumimoji="1" lang="ja-JP" altLang="en-US" smtClean="0"/>
-              <a:t>2015/07/23</a:t>
+              <a:t>2015/07/24</a:t>
             </a:fld>
             <a:endParaRPr kumimoji="1" lang="ja-JP" altLang="en-US"/>
           </a:p>
@@ -3446,7 +3451,7 @@
           <a:p>
             <a:fld id="{51BF69BF-DA2E-CC48-B67B-6B8B1304FB22}" type="datetime1">
               <a:rPr kumimoji="1" lang="ja-JP" altLang="en-US" smtClean="0"/>
-              <a:t>2015/07/23</a:t>
+              <a:t>2015/07/24</a:t>
             </a:fld>
             <a:endParaRPr kumimoji="1" lang="ja-JP" altLang="en-US"/>
           </a:p>
@@ -3703,7 +3708,7 @@
           <a:p>
             <a:fld id="{1B135EB1-C0E3-5048-9F8C-1725CDDCA369}" type="datetime1">
               <a:rPr kumimoji="1" lang="ja-JP" altLang="en-US" smtClean="0"/>
-              <a:t>2015/07/23</a:t>
+              <a:t>2015/07/24</a:t>
             </a:fld>
             <a:endParaRPr kumimoji="1" lang="ja-JP" altLang="en-US"/>
           </a:p>
@@ -4550,6 +4555,2011 @@
 </p:sld>
 </file>
 
+<file path=ppt/slides/slide10.xml><?xml version="1.0" encoding="utf-8"?>
+<p:sld xmlns:a="http://schemas.openxmlformats.org/drawingml/2006/main" xmlns:r="http://schemas.openxmlformats.org/officeDocument/2006/relationships" xmlns:p="http://schemas.openxmlformats.org/presentationml/2006/main">
+  <p:cSld>
+    <p:spTree>
+      <p:nvGrpSpPr>
+        <p:cNvPr id="1" name=""/>
+        <p:cNvGrpSpPr/>
+        <p:nvPr/>
+      </p:nvGrpSpPr>
+      <p:grpSpPr>
+        <a:xfrm>
+          <a:off x="0" y="0"/>
+          <a:ext cx="0" cy="0"/>
+          <a:chOff x="0" y="0"/>
+          <a:chExt cx="0" cy="0"/>
+        </a:xfrm>
+      </p:grpSpPr>
+      <p:sp>
+        <p:nvSpPr>
+          <p:cNvPr id="4" name="フッター プレースホルダー 3"/>
+          <p:cNvSpPr>
+            <a:spLocks noGrp="1"/>
+          </p:cNvSpPr>
+          <p:nvPr>
+            <p:ph type="ftr" sz="quarter" idx="11"/>
+          </p:nvPr>
+        </p:nvSpPr>
+        <p:spPr/>
+        <p:txBody>
+          <a:bodyPr/>
+          <a:lstStyle/>
+          <a:p>
+            <a:r>
+              <a:rPr kumimoji="1" lang="ja-JP" altLang="en-US" smtClean="0"/>
+              <a:t>情報工学科 </a:t>
+            </a:r>
+            <a:r>
+              <a:rPr kumimoji="1" lang="en-US" altLang="ja-JP" smtClean="0"/>
+              <a:t>1</a:t>
+            </a:r>
+            <a:r>
+              <a:rPr kumimoji="1" lang="ja-JP" altLang="en-US" smtClean="0"/>
+              <a:t>日体験入学</a:t>
+            </a:r>
+            <a:endParaRPr kumimoji="1" lang="ja-JP" altLang="en-US"/>
+          </a:p>
+        </p:txBody>
+      </p:sp>
+      <p:sp>
+        <p:nvSpPr>
+          <p:cNvPr id="5" name="スライド番号プレースホルダー 4"/>
+          <p:cNvSpPr>
+            <a:spLocks noGrp="1"/>
+          </p:cNvSpPr>
+          <p:nvPr>
+            <p:ph type="sldNum" sz="quarter" idx="12"/>
+          </p:nvPr>
+        </p:nvSpPr>
+        <p:spPr/>
+        <p:txBody>
+          <a:bodyPr/>
+          <a:lstStyle/>
+          <a:p>
+            <a:fld id="{EAA839CA-A459-3043-A178-D16A10162934}" type="slidenum">
+              <a:rPr kumimoji="1" lang="ja-JP" altLang="en-US" smtClean="0"/>
+              <a:t>10</a:t>
+            </a:fld>
+            <a:endParaRPr kumimoji="1" lang="ja-JP" altLang="en-US"/>
+          </a:p>
+        </p:txBody>
+      </p:sp>
+      <p:sp>
+        <p:nvSpPr>
+          <p:cNvPr id="6" name="テキスト ボックス 5"/>
+          <p:cNvSpPr txBox="1"/>
+          <p:nvPr/>
+        </p:nvSpPr>
+        <p:spPr>
+          <a:xfrm>
+            <a:off x="323706" y="687646"/>
+            <a:ext cx="2437085" cy="369332"/>
+          </a:xfrm>
+          <a:prstGeom prst="rect">
+            <a:avLst/>
+          </a:prstGeom>
+          <a:noFill/>
+        </p:spPr>
+        <p:txBody>
+          <a:bodyPr wrap="none" rtlCol="0">
+            <a:spAutoFit/>
+          </a:bodyPr>
+          <a:lstStyle/>
+          <a:p>
+            <a:r>
+              <a:rPr lang="ja-JP" altLang="en-US" dirty="0" smtClean="0"/>
+              <a:t>画像を表示してみよう．</a:t>
+            </a:r>
+            <a:endParaRPr kumimoji="1" lang="ja-JP" altLang="en-US" dirty="0"/>
+          </a:p>
+        </p:txBody>
+      </p:sp>
+      <p:sp>
+        <p:nvSpPr>
+          <p:cNvPr id="7" name="テキスト ボックス 6"/>
+          <p:cNvSpPr txBox="1"/>
+          <p:nvPr/>
+        </p:nvSpPr>
+        <p:spPr>
+          <a:xfrm>
+            <a:off x="323706" y="318314"/>
+            <a:ext cx="6191394" cy="369332"/>
+          </a:xfrm>
+          <a:prstGeom prst="rect">
+            <a:avLst/>
+          </a:prstGeom>
+          <a:noFill/>
+          <a:ln w="19050" cmpd="sng">
+            <a:solidFill>
+              <a:schemeClr val="tx1"/>
+            </a:solidFill>
+          </a:ln>
+        </p:spPr>
+        <p:txBody>
+          <a:bodyPr wrap="square" rtlCol="0">
+            <a:spAutoFit/>
+          </a:bodyPr>
+          <a:lstStyle/>
+          <a:p>
+            <a:r>
+              <a:rPr kumimoji="1" lang="en-US" altLang="ja-JP" dirty="0" smtClean="0"/>
+              <a:t>Step3-2. </a:t>
+            </a:r>
+            <a:r>
+              <a:rPr kumimoji="1" lang="ja-JP" altLang="en-US" dirty="0" smtClean="0"/>
+              <a:t>画像を表示してみよう</a:t>
+            </a:r>
+            <a:endParaRPr kumimoji="1" lang="ja-JP" altLang="en-US" dirty="0"/>
+          </a:p>
+        </p:txBody>
+      </p:sp>
+      <p:sp>
+        <p:nvSpPr>
+          <p:cNvPr id="8" name="テキスト ボックス 7"/>
+          <p:cNvSpPr txBox="1"/>
+          <p:nvPr/>
+        </p:nvSpPr>
+        <p:spPr>
+          <a:xfrm>
+            <a:off x="564410" y="1047590"/>
+            <a:ext cx="5727104" cy="2554545"/>
+          </a:xfrm>
+          <a:prstGeom prst="rect">
+            <a:avLst/>
+          </a:prstGeom>
+          <a:solidFill>
+            <a:schemeClr val="bg1">
+              <a:lumMod val="95000"/>
+            </a:schemeClr>
+          </a:solidFill>
+          <a:ln w="12700" cmpd="sng"/>
+        </p:spPr>
+        <p:style>
+          <a:lnRef idx="2">
+            <a:schemeClr val="dk1"/>
+          </a:lnRef>
+          <a:fillRef idx="1">
+            <a:schemeClr val="lt1"/>
+          </a:fillRef>
+          <a:effectRef idx="0">
+            <a:schemeClr val="dk1"/>
+          </a:effectRef>
+          <a:fontRef idx="minor">
+            <a:schemeClr val="dk1"/>
+          </a:fontRef>
+        </p:style>
+        <p:txBody>
+          <a:bodyPr wrap="square" rtlCol="0">
+            <a:spAutoFit/>
+          </a:bodyPr>
+          <a:lstStyle/>
+          <a:p>
+            <a:r>
+              <a:rPr lang="en-US" altLang="ja-JP" sz="1600" dirty="0" err="1"/>
+              <a:t>imageMode</a:t>
+            </a:r>
+            <a:r>
+              <a:rPr lang="en-US" altLang="ja-JP" sz="1600" dirty="0"/>
+              <a:t>(CENTER); // </a:t>
+            </a:r>
+            <a:r>
+              <a:rPr lang="ja-JP" altLang="en-US" sz="1600" dirty="0"/>
+              <a:t>画像座標の指定を中心に</a:t>
+            </a:r>
+            <a:r>
+              <a:rPr lang="ja-JP" altLang="en-US" sz="1600" dirty="0" smtClean="0"/>
+              <a:t>する</a:t>
+            </a:r>
+            <a:endParaRPr lang="en-US" altLang="ja-JP" sz="1600" dirty="0" smtClean="0"/>
+          </a:p>
+          <a:p>
+            <a:r>
+              <a:rPr lang="en-US" altLang="ja-JP" sz="1600" dirty="0" err="1" smtClean="0"/>
+              <a:t>PImage</a:t>
+            </a:r>
+            <a:r>
+              <a:rPr lang="en-US" altLang="ja-JP" sz="1600" dirty="0" smtClean="0"/>
+              <a:t> </a:t>
+            </a:r>
+            <a:r>
+              <a:rPr lang="en-US" altLang="ja-JP" sz="1600" dirty="0" err="1"/>
+              <a:t>shipImg</a:t>
+            </a:r>
+            <a:r>
+              <a:rPr lang="en-US" altLang="ja-JP" sz="1600" dirty="0"/>
+              <a:t>; // </a:t>
+            </a:r>
+            <a:r>
+              <a:rPr lang="ja-JP" altLang="en-US" sz="1600" dirty="0"/>
+              <a:t>自機の画像の宣言</a:t>
+            </a:r>
+          </a:p>
+          <a:p>
+            <a:r>
+              <a:rPr lang="en-US" altLang="ja-JP" sz="1600" dirty="0" err="1"/>
+              <a:t>int</a:t>
+            </a:r>
+            <a:r>
+              <a:rPr lang="en-US" altLang="ja-JP" sz="1600" dirty="0"/>
+              <a:t> </a:t>
+            </a:r>
+            <a:r>
+              <a:rPr lang="en-US" altLang="ja-JP" sz="1600" dirty="0" err="1"/>
+              <a:t>shipX</a:t>
+            </a:r>
+            <a:r>
+              <a:rPr lang="en-US" altLang="ja-JP" sz="1600" dirty="0"/>
+              <a:t>;</a:t>
+            </a:r>
+          </a:p>
+          <a:p>
+            <a:r>
+              <a:rPr lang="en-US" altLang="ja-JP" sz="1600" dirty="0" err="1"/>
+              <a:t>int</a:t>
+            </a:r>
+            <a:r>
+              <a:rPr lang="en-US" altLang="ja-JP" sz="1600" dirty="0"/>
+              <a:t> </a:t>
+            </a:r>
+            <a:r>
+              <a:rPr lang="en-US" altLang="ja-JP" sz="1600" dirty="0" err="1"/>
+              <a:t>shipY</a:t>
+            </a:r>
+            <a:r>
+              <a:rPr lang="en-US" altLang="ja-JP" sz="1600" dirty="0"/>
+              <a:t>;</a:t>
+            </a:r>
+          </a:p>
+          <a:p>
+            <a:r>
+              <a:rPr lang="en-US" altLang="ja-JP" sz="1600" dirty="0"/>
+              <a:t>size(480, 640);</a:t>
+            </a:r>
+          </a:p>
+          <a:p>
+            <a:r>
+              <a:rPr lang="en-US" altLang="ja-JP" sz="1600" dirty="0" err="1"/>
+              <a:t>rect</a:t>
+            </a:r>
+            <a:r>
+              <a:rPr lang="en-US" altLang="ja-JP" sz="1600" dirty="0"/>
+              <a:t>(350, 120, 70, 100);</a:t>
+            </a:r>
+          </a:p>
+          <a:p>
+            <a:r>
+              <a:rPr lang="en-US" altLang="ja-JP" sz="1600" dirty="0" err="1"/>
+              <a:t>shipImg</a:t>
+            </a:r>
+            <a:r>
+              <a:rPr lang="en-US" altLang="ja-JP" sz="1600" dirty="0"/>
+              <a:t> = </a:t>
+            </a:r>
+            <a:r>
+              <a:rPr lang="en-US" altLang="ja-JP" sz="1600" dirty="0" err="1"/>
+              <a:t>loadImage</a:t>
+            </a:r>
+            <a:r>
+              <a:rPr lang="en-US" altLang="ja-JP" sz="1600" dirty="0"/>
+              <a:t>("</a:t>
+            </a:r>
+            <a:r>
+              <a:rPr lang="en-US" altLang="ja-JP" sz="1600" dirty="0" err="1"/>
+              <a:t>ship.png</a:t>
+            </a:r>
+            <a:r>
+              <a:rPr lang="en-US" altLang="ja-JP" sz="1600" dirty="0"/>
+              <a:t>"); // </a:t>
+            </a:r>
+            <a:r>
+              <a:rPr lang="ja-JP" altLang="en-US" sz="1600" dirty="0"/>
+              <a:t>自機の画像を読み込む</a:t>
+            </a:r>
+          </a:p>
+          <a:p>
+            <a:r>
+              <a:rPr lang="en-US" altLang="ja-JP" sz="1600" dirty="0" err="1"/>
+              <a:t>shipX</a:t>
+            </a:r>
+            <a:r>
+              <a:rPr lang="en-US" altLang="ja-JP" sz="1600" dirty="0"/>
+              <a:t> = 215;</a:t>
+            </a:r>
+          </a:p>
+          <a:p>
+            <a:r>
+              <a:rPr lang="en-US" altLang="ja-JP" sz="1600" dirty="0" err="1"/>
+              <a:t>shipY</a:t>
+            </a:r>
+            <a:r>
+              <a:rPr lang="en-US" altLang="ja-JP" sz="1600" dirty="0"/>
+              <a:t> = 500;</a:t>
+            </a:r>
+          </a:p>
+          <a:p>
+            <a:r>
+              <a:rPr lang="en-US" altLang="ja-JP" sz="1600" dirty="0"/>
+              <a:t>image(</a:t>
+            </a:r>
+            <a:r>
+              <a:rPr lang="en-US" altLang="ja-JP" sz="1600" dirty="0" err="1"/>
+              <a:t>shipImg</a:t>
+            </a:r>
+            <a:r>
+              <a:rPr lang="en-US" altLang="ja-JP" sz="1600" dirty="0"/>
+              <a:t>, </a:t>
+            </a:r>
+            <a:r>
+              <a:rPr lang="en-US" altLang="ja-JP" sz="1600" dirty="0" err="1"/>
+              <a:t>shipX</a:t>
+            </a:r>
+            <a:r>
+              <a:rPr lang="en-US" altLang="ja-JP" sz="1600" dirty="0"/>
+              <a:t>, </a:t>
+            </a:r>
+            <a:r>
+              <a:rPr lang="en-US" altLang="ja-JP" sz="1600" dirty="0" err="1"/>
+              <a:t>shipY</a:t>
+            </a:r>
+            <a:r>
+              <a:rPr lang="en-US" altLang="ja-JP" sz="1600" dirty="0"/>
+              <a:t>); // </a:t>
+            </a:r>
+            <a:r>
+              <a:rPr lang="ja-JP" altLang="en-US" sz="1600" dirty="0"/>
+              <a:t>画像を表示</a:t>
+            </a:r>
+          </a:p>
+        </p:txBody>
+      </p:sp>
+      <p:sp>
+        <p:nvSpPr>
+          <p:cNvPr id="9" name="正方形/長方形 8"/>
+          <p:cNvSpPr/>
+          <p:nvPr/>
+        </p:nvSpPr>
+        <p:spPr>
+          <a:xfrm>
+            <a:off x="564410" y="3602135"/>
+            <a:ext cx="5727104" cy="5021165"/>
+          </a:xfrm>
+          <a:prstGeom prst="rect">
+            <a:avLst/>
+          </a:prstGeom>
+          <a:noFill/>
+          <a:ln>
+            <a:solidFill>
+              <a:schemeClr val="tx1"/>
+            </a:solidFill>
+          </a:ln>
+        </p:spPr>
+        <p:style>
+          <a:lnRef idx="1">
+            <a:schemeClr val="accent1"/>
+          </a:lnRef>
+          <a:fillRef idx="3">
+            <a:schemeClr val="accent1"/>
+          </a:fillRef>
+          <a:effectRef idx="2">
+            <a:schemeClr val="accent1"/>
+          </a:effectRef>
+          <a:fontRef idx="minor">
+            <a:schemeClr val="lt1"/>
+          </a:fontRef>
+        </p:style>
+        <p:txBody>
+          <a:bodyPr rtlCol="0" anchor="ctr"/>
+          <a:lstStyle/>
+          <a:p>
+            <a:pPr algn="ctr"/>
+            <a:endParaRPr kumimoji="1" lang="ja-JP" altLang="en-US"/>
+          </a:p>
+        </p:txBody>
+      </p:sp>
+      <p:pic>
+        <p:nvPicPr>
+          <p:cNvPr id="22" name="図 21" descr="ship.png"/>
+          <p:cNvPicPr>
+            <a:picLocks noChangeAspect="1"/>
+          </p:cNvPicPr>
+          <p:nvPr/>
+        </p:nvPicPr>
+        <p:blipFill>
+          <a:blip r:embed="rId2">
+            <a:extLst>
+              <a:ext uri="{28A0092B-C50C-407E-A947-70E740481C1C}">
+                <a14:useLocalDpi xmlns:a14="http://schemas.microsoft.com/office/drawing/2010/main" val="0"/>
+              </a:ext>
+            </a:extLst>
+          </a:blip>
+          <a:stretch>
+            <a:fillRect/>
+          </a:stretch>
+        </p:blipFill>
+        <p:spPr>
+          <a:xfrm>
+            <a:off x="1581150" y="4889500"/>
+            <a:ext cx="762000" cy="762000"/>
+          </a:xfrm>
+          <a:prstGeom prst="rect">
+            <a:avLst/>
+          </a:prstGeom>
+        </p:spPr>
+      </p:pic>
+      <p:pic>
+        <p:nvPicPr>
+          <p:cNvPr id="23" name="図 22" descr="スクリーンショット 2015-07-23 14.50.15.png"/>
+          <p:cNvPicPr>
+            <a:picLocks noChangeAspect="1"/>
+          </p:cNvPicPr>
+          <p:nvPr/>
+        </p:nvPicPr>
+        <p:blipFill>
+          <a:blip r:embed="rId3">
+            <a:extLst>
+              <a:ext uri="{28A0092B-C50C-407E-A947-70E740481C1C}">
+                <a14:useLocalDpi xmlns:a14="http://schemas.microsoft.com/office/drawing/2010/main" val="0"/>
+              </a:ext>
+            </a:extLst>
+          </a:blip>
+          <a:stretch>
+            <a:fillRect/>
+          </a:stretch>
+        </p:blipFill>
+        <p:spPr>
+          <a:xfrm>
+            <a:off x="3989450" y="4248150"/>
+            <a:ext cx="1850900" cy="2552700"/>
+          </a:xfrm>
+          <a:prstGeom prst="rect">
+            <a:avLst/>
+          </a:prstGeom>
+        </p:spPr>
+      </p:pic>
+    </p:spTree>
+    <p:extLst>
+      <p:ext uri="{BB962C8B-B14F-4D97-AF65-F5344CB8AC3E}">
+        <p14:creationId xmlns:p14="http://schemas.microsoft.com/office/powerpoint/2010/main" val="2272547961"/>
+      </p:ext>
+    </p:extLst>
+  </p:cSld>
+  <p:clrMapOvr>
+    <a:masterClrMapping/>
+  </p:clrMapOvr>
+</p:sld>
+</file>
+
+<file path=ppt/slides/slide11.xml><?xml version="1.0" encoding="utf-8"?>
+<p:sld xmlns:a="http://schemas.openxmlformats.org/drawingml/2006/main" xmlns:r="http://schemas.openxmlformats.org/officeDocument/2006/relationships" xmlns:p="http://schemas.openxmlformats.org/presentationml/2006/main">
+  <p:cSld>
+    <p:spTree>
+      <p:nvGrpSpPr>
+        <p:cNvPr id="1" name=""/>
+        <p:cNvGrpSpPr/>
+        <p:nvPr/>
+      </p:nvGrpSpPr>
+      <p:grpSpPr>
+        <a:xfrm>
+          <a:off x="0" y="0"/>
+          <a:ext cx="0" cy="0"/>
+          <a:chOff x="0" y="0"/>
+          <a:chExt cx="0" cy="0"/>
+        </a:xfrm>
+      </p:grpSpPr>
+      <p:pic>
+        <p:nvPicPr>
+          <p:cNvPr id="46" name="図 45" descr="スクリーンショット 2015-07-24 10.47.28.png"/>
+          <p:cNvPicPr>
+            <a:picLocks noChangeAspect="1"/>
+          </p:cNvPicPr>
+          <p:nvPr/>
+        </p:nvPicPr>
+        <p:blipFill>
+          <a:blip r:embed="rId2">
+            <a:extLst>
+              <a:ext uri="{28A0092B-C50C-407E-A947-70E740481C1C}">
+                <a14:useLocalDpi xmlns:a14="http://schemas.microsoft.com/office/drawing/2010/main" val="0"/>
+              </a:ext>
+            </a:extLst>
+          </a:blip>
+          <a:stretch>
+            <a:fillRect/>
+          </a:stretch>
+        </p:blipFill>
+        <p:spPr>
+          <a:xfrm>
+            <a:off x="961189" y="1231346"/>
+            <a:ext cx="4614112" cy="1698878"/>
+          </a:xfrm>
+          <a:prstGeom prst="rect">
+            <a:avLst/>
+          </a:prstGeom>
+          <a:ln>
+            <a:solidFill>
+              <a:srgbClr val="000000"/>
+            </a:solidFill>
+          </a:ln>
+        </p:spPr>
+      </p:pic>
+      <p:sp>
+        <p:nvSpPr>
+          <p:cNvPr id="4" name="フッター プレースホルダー 3"/>
+          <p:cNvSpPr>
+            <a:spLocks noGrp="1"/>
+          </p:cNvSpPr>
+          <p:nvPr>
+            <p:ph type="ftr" sz="quarter" idx="11"/>
+          </p:nvPr>
+        </p:nvSpPr>
+        <p:spPr>
+          <a:xfrm>
+            <a:off x="2343150" y="8729134"/>
+            <a:ext cx="2171700" cy="486833"/>
+          </a:xfrm>
+        </p:spPr>
+        <p:txBody>
+          <a:bodyPr/>
+          <a:lstStyle/>
+          <a:p>
+            <a:r>
+              <a:rPr kumimoji="1" lang="ja-JP" altLang="en-US" dirty="0" smtClean="0"/>
+              <a:t>情報工学科 </a:t>
+            </a:r>
+            <a:r>
+              <a:rPr kumimoji="1" lang="en-US" altLang="ja-JP" dirty="0" smtClean="0"/>
+              <a:t>1</a:t>
+            </a:r>
+            <a:r>
+              <a:rPr kumimoji="1" lang="ja-JP" altLang="en-US" dirty="0" smtClean="0"/>
+              <a:t>日体験入学</a:t>
+            </a:r>
+            <a:endParaRPr kumimoji="1" lang="ja-JP" altLang="en-US" dirty="0"/>
+          </a:p>
+        </p:txBody>
+      </p:sp>
+      <p:sp>
+        <p:nvSpPr>
+          <p:cNvPr id="5" name="スライド番号プレースホルダー 4"/>
+          <p:cNvSpPr>
+            <a:spLocks noGrp="1"/>
+          </p:cNvSpPr>
+          <p:nvPr>
+            <p:ph type="sldNum" sz="quarter" idx="12"/>
+          </p:nvPr>
+        </p:nvSpPr>
+        <p:spPr/>
+        <p:txBody>
+          <a:bodyPr/>
+          <a:lstStyle/>
+          <a:p>
+            <a:fld id="{EAA839CA-A459-3043-A178-D16A10162934}" type="slidenum">
+              <a:rPr kumimoji="1" lang="ja-JP" altLang="en-US" smtClean="0"/>
+              <a:t>11</a:t>
+            </a:fld>
+            <a:endParaRPr kumimoji="1" lang="ja-JP" altLang="en-US"/>
+          </a:p>
+        </p:txBody>
+      </p:sp>
+      <p:sp>
+        <p:nvSpPr>
+          <p:cNvPr id="7" name="テキスト ボックス 6"/>
+          <p:cNvSpPr txBox="1"/>
+          <p:nvPr/>
+        </p:nvSpPr>
+        <p:spPr>
+          <a:xfrm>
+            <a:off x="334891" y="868803"/>
+            <a:ext cx="6191394" cy="307777"/>
+          </a:xfrm>
+          <a:prstGeom prst="rect">
+            <a:avLst/>
+          </a:prstGeom>
+          <a:noFill/>
+          <a:ln w="19050" cmpd="sng">
+            <a:solidFill>
+              <a:schemeClr val="tx1"/>
+            </a:solidFill>
+          </a:ln>
+        </p:spPr>
+        <p:txBody>
+          <a:bodyPr wrap="square" rtlCol="0">
+            <a:spAutoFit/>
+          </a:bodyPr>
+          <a:lstStyle/>
+          <a:p>
+            <a:r>
+              <a:rPr lang="en-US" altLang="ja-JP" sz="1400" dirty="0" smtClean="0"/>
+              <a:t>1</a:t>
+            </a:r>
+            <a:r>
+              <a:rPr lang="en-US" altLang="ja-JP" sz="1400" dirty="0"/>
+              <a:t>. https://</a:t>
+            </a:r>
+            <a:r>
+              <a:rPr lang="en-US" altLang="ja-JP" sz="1400" dirty="0" err="1"/>
+              <a:t>processing.org</a:t>
+            </a:r>
+            <a:r>
+              <a:rPr lang="en-US" altLang="ja-JP" sz="1400" dirty="0" smtClean="0"/>
+              <a:t>/</a:t>
+            </a:r>
+            <a:r>
+              <a:rPr lang="en-US" altLang="ja-JP" sz="1400" dirty="0"/>
+              <a:t> </a:t>
+            </a:r>
+            <a:r>
+              <a:rPr lang="ja-JP" altLang="en-US" sz="1400" dirty="0" smtClean="0"/>
+              <a:t>にアクセスして，</a:t>
+            </a:r>
+            <a:r>
+              <a:rPr lang="en-US" altLang="ja-JP" sz="1400" dirty="0"/>
+              <a:t>Download Processing </a:t>
+            </a:r>
+            <a:r>
+              <a:rPr lang="ja-JP" altLang="en-US" sz="1400" dirty="0"/>
+              <a:t>をクリック</a:t>
+            </a:r>
+            <a:r>
+              <a:rPr lang="ja-JP" altLang="en-US" sz="1400" dirty="0" smtClean="0"/>
+              <a:t>．</a:t>
+            </a:r>
+            <a:endParaRPr lang="ja-JP" altLang="en-US" sz="1400" dirty="0"/>
+          </a:p>
+        </p:txBody>
+      </p:sp>
+      <p:sp>
+        <p:nvSpPr>
+          <p:cNvPr id="8" name="テキスト ボックス 7"/>
+          <p:cNvSpPr txBox="1"/>
+          <p:nvPr/>
+        </p:nvSpPr>
+        <p:spPr>
+          <a:xfrm>
+            <a:off x="323706" y="232413"/>
+            <a:ext cx="6191394" cy="584776"/>
+          </a:xfrm>
+          <a:prstGeom prst="rect">
+            <a:avLst/>
+          </a:prstGeom>
+          <a:solidFill>
+            <a:srgbClr val="000000"/>
+          </a:solidFill>
+          <a:ln w="57150" cmpd="thickThin">
+            <a:solidFill>
+              <a:srgbClr val="FFFFFF"/>
+            </a:solidFill>
+          </a:ln>
+        </p:spPr>
+        <p:txBody>
+          <a:bodyPr wrap="square" rtlCol="0">
+            <a:spAutoFit/>
+          </a:bodyPr>
+          <a:lstStyle/>
+          <a:p>
+            <a:r>
+              <a:rPr lang="ja-JP" altLang="en-US" sz="3200" dirty="0" smtClean="0">
+                <a:solidFill>
+                  <a:srgbClr val="FFFFFF"/>
+                </a:solidFill>
+              </a:rPr>
+              <a:t>・</a:t>
+            </a:r>
+            <a:r>
+              <a:rPr lang="en-US" altLang="ja-JP" sz="3200" dirty="0" smtClean="0">
+                <a:solidFill>
+                  <a:srgbClr val="FFFFFF"/>
+                </a:solidFill>
+              </a:rPr>
+              <a:t> Processing</a:t>
+            </a:r>
+            <a:r>
+              <a:rPr lang="ja-JP" altLang="en-US" sz="3200" dirty="0" smtClean="0">
+                <a:solidFill>
+                  <a:srgbClr val="FFFFFF"/>
+                </a:solidFill>
+              </a:rPr>
+              <a:t>のインストール</a:t>
+            </a:r>
+            <a:endParaRPr kumimoji="1" lang="ja-JP" altLang="en-US" sz="3200" dirty="0">
+              <a:solidFill>
+                <a:srgbClr val="FFFFFF"/>
+              </a:solidFill>
+            </a:endParaRPr>
+          </a:p>
+        </p:txBody>
+      </p:sp>
+      <p:sp>
+        <p:nvSpPr>
+          <p:cNvPr id="22" name="テキスト ボックス 21"/>
+          <p:cNvSpPr txBox="1"/>
+          <p:nvPr/>
+        </p:nvSpPr>
+        <p:spPr>
+          <a:xfrm>
+            <a:off x="349484" y="3048814"/>
+            <a:ext cx="6191394" cy="307777"/>
+          </a:xfrm>
+          <a:prstGeom prst="rect">
+            <a:avLst/>
+          </a:prstGeom>
+          <a:noFill/>
+          <a:ln w="19050" cmpd="sng">
+            <a:solidFill>
+              <a:schemeClr val="tx1"/>
+            </a:solidFill>
+          </a:ln>
+        </p:spPr>
+        <p:txBody>
+          <a:bodyPr wrap="square" rtlCol="0">
+            <a:spAutoFit/>
+          </a:bodyPr>
+          <a:lstStyle/>
+          <a:p>
+            <a:r>
+              <a:rPr lang="en-US" altLang="ja-JP" sz="1400" dirty="0" smtClean="0"/>
+              <a:t>2. No Donation</a:t>
+            </a:r>
+            <a:r>
+              <a:rPr lang="ja-JP" altLang="en-US" sz="1400" dirty="0" smtClean="0"/>
+              <a:t>を選択して，</a:t>
+            </a:r>
+            <a:r>
+              <a:rPr lang="en-US" altLang="ja-JP" sz="1400" dirty="0" smtClean="0"/>
+              <a:t>Download</a:t>
+            </a:r>
+            <a:r>
+              <a:rPr lang="ja-JP" altLang="en-US" sz="1400" dirty="0" smtClean="0"/>
+              <a:t>をクリック．</a:t>
+            </a:r>
+            <a:r>
+              <a:rPr lang="en-US" altLang="ja-JP" sz="1400" dirty="0" smtClean="0"/>
+              <a:t>※ Donation </a:t>
+            </a:r>
+            <a:r>
+              <a:rPr lang="ja-JP" altLang="en-US" sz="1400" dirty="0" smtClean="0"/>
+              <a:t>とは</a:t>
+            </a:r>
+            <a:r>
+              <a:rPr lang="en-US" altLang="ja-JP" sz="1400" dirty="0" smtClean="0"/>
+              <a:t> </a:t>
+            </a:r>
+            <a:r>
+              <a:rPr lang="ja-JP" altLang="en-US" sz="1400" dirty="0" smtClean="0"/>
+              <a:t>寄付金のこと．</a:t>
+            </a:r>
+            <a:endParaRPr kumimoji="1" lang="ja-JP" altLang="en-US" sz="1400" dirty="0"/>
+          </a:p>
+        </p:txBody>
+      </p:sp>
+      <p:cxnSp>
+        <p:nvCxnSpPr>
+          <p:cNvPr id="15" name="直線矢印コネクタ 14"/>
+          <p:cNvCxnSpPr/>
+          <p:nvPr/>
+        </p:nvCxnSpPr>
+        <p:spPr>
+          <a:xfrm>
+            <a:off x="711578" y="2120900"/>
+            <a:ext cx="1142622" cy="0"/>
+          </a:xfrm>
+          <a:prstGeom prst="straightConnector1">
+            <a:avLst/>
+          </a:prstGeom>
+          <a:ln w="76200" cmpd="sng">
+            <a:solidFill>
+              <a:srgbClr val="FF0000"/>
+            </a:solidFill>
+            <a:tailEnd type="arrow"/>
+          </a:ln>
+        </p:spPr>
+        <p:style>
+          <a:lnRef idx="2">
+            <a:schemeClr val="accent1"/>
+          </a:lnRef>
+          <a:fillRef idx="0">
+            <a:schemeClr val="accent1"/>
+          </a:fillRef>
+          <a:effectRef idx="1">
+            <a:schemeClr val="accent1"/>
+          </a:effectRef>
+          <a:fontRef idx="minor">
+            <a:schemeClr val="tx1"/>
+          </a:fontRef>
+        </p:style>
+      </p:cxnSp>
+      <p:cxnSp>
+        <p:nvCxnSpPr>
+          <p:cNvPr id="17" name="直線コネクタ 16"/>
+          <p:cNvCxnSpPr/>
+          <p:nvPr/>
+        </p:nvCxnSpPr>
+        <p:spPr>
+          <a:xfrm flipV="1">
+            <a:off x="711578" y="1193246"/>
+            <a:ext cx="0" cy="927654"/>
+          </a:xfrm>
+          <a:prstGeom prst="line">
+            <a:avLst/>
+          </a:prstGeom>
+          <a:ln w="76200" cmpd="sng">
+            <a:solidFill>
+              <a:srgbClr val="FF0000"/>
+            </a:solidFill>
+          </a:ln>
+        </p:spPr>
+        <p:style>
+          <a:lnRef idx="2">
+            <a:schemeClr val="accent1"/>
+          </a:lnRef>
+          <a:fillRef idx="0">
+            <a:schemeClr val="accent1"/>
+          </a:fillRef>
+          <a:effectRef idx="1">
+            <a:schemeClr val="accent1"/>
+          </a:effectRef>
+          <a:fontRef idx="minor">
+            <a:schemeClr val="tx1"/>
+          </a:fontRef>
+        </p:style>
+      </p:cxnSp>
+      <p:pic>
+        <p:nvPicPr>
+          <p:cNvPr id="26" name="図 25" descr="スクリーンショット 2015-07-24 10.43.55.png"/>
+          <p:cNvPicPr>
+            <a:picLocks noChangeAspect="1"/>
+          </p:cNvPicPr>
+          <p:nvPr/>
+        </p:nvPicPr>
+        <p:blipFill>
+          <a:blip r:embed="rId3">
+            <a:extLst>
+              <a:ext uri="{28A0092B-C50C-407E-A947-70E740481C1C}">
+                <a14:useLocalDpi xmlns:a14="http://schemas.microsoft.com/office/drawing/2010/main" val="0"/>
+              </a:ext>
+            </a:extLst>
+          </a:blip>
+          <a:stretch>
+            <a:fillRect/>
+          </a:stretch>
+        </p:blipFill>
+        <p:spPr>
+          <a:xfrm>
+            <a:off x="999668" y="3434206"/>
+            <a:ext cx="4575634" cy="2445338"/>
+          </a:xfrm>
+          <a:prstGeom prst="rect">
+            <a:avLst/>
+          </a:prstGeom>
+          <a:ln>
+            <a:solidFill>
+              <a:srgbClr val="000000"/>
+            </a:solidFill>
+          </a:ln>
+        </p:spPr>
+      </p:pic>
+      <p:cxnSp>
+        <p:nvCxnSpPr>
+          <p:cNvPr id="41" name="直線矢印コネクタ 40"/>
+          <p:cNvCxnSpPr/>
+          <p:nvPr/>
+        </p:nvCxnSpPr>
+        <p:spPr>
+          <a:xfrm>
+            <a:off x="711578" y="5257800"/>
+            <a:ext cx="1549400" cy="0"/>
+          </a:xfrm>
+          <a:prstGeom prst="straightConnector1">
+            <a:avLst/>
+          </a:prstGeom>
+          <a:ln w="76200" cmpd="sng">
+            <a:solidFill>
+              <a:srgbClr val="FF0000"/>
+            </a:solidFill>
+            <a:tailEnd type="arrow"/>
+          </a:ln>
+        </p:spPr>
+        <p:style>
+          <a:lnRef idx="2">
+            <a:schemeClr val="accent1"/>
+          </a:lnRef>
+          <a:fillRef idx="0">
+            <a:schemeClr val="accent1"/>
+          </a:fillRef>
+          <a:effectRef idx="1">
+            <a:schemeClr val="accent1"/>
+          </a:effectRef>
+          <a:fontRef idx="minor">
+            <a:schemeClr val="tx1"/>
+          </a:fontRef>
+        </p:style>
+      </p:cxnSp>
+      <p:cxnSp>
+        <p:nvCxnSpPr>
+          <p:cNvPr id="43" name="直線コネクタ 42"/>
+          <p:cNvCxnSpPr/>
+          <p:nvPr/>
+        </p:nvCxnSpPr>
+        <p:spPr>
+          <a:xfrm flipV="1">
+            <a:off x="711578" y="3352246"/>
+            <a:ext cx="0" cy="1905554"/>
+          </a:xfrm>
+          <a:prstGeom prst="line">
+            <a:avLst/>
+          </a:prstGeom>
+          <a:ln w="76200" cmpd="sng">
+            <a:solidFill>
+              <a:srgbClr val="FF0000"/>
+            </a:solidFill>
+          </a:ln>
+        </p:spPr>
+        <p:style>
+          <a:lnRef idx="2">
+            <a:schemeClr val="accent1"/>
+          </a:lnRef>
+          <a:fillRef idx="0">
+            <a:schemeClr val="accent1"/>
+          </a:fillRef>
+          <a:effectRef idx="1">
+            <a:schemeClr val="accent1"/>
+          </a:effectRef>
+          <a:fontRef idx="minor">
+            <a:schemeClr val="tx1"/>
+          </a:fontRef>
+        </p:style>
+      </p:cxnSp>
+      <p:cxnSp>
+        <p:nvCxnSpPr>
+          <p:cNvPr id="45" name="直線矢印コネクタ 44"/>
+          <p:cNvCxnSpPr/>
+          <p:nvPr/>
+        </p:nvCxnSpPr>
+        <p:spPr>
+          <a:xfrm>
+            <a:off x="2033966" y="5626100"/>
+            <a:ext cx="1346200" cy="0"/>
+          </a:xfrm>
+          <a:prstGeom prst="straightConnector1">
+            <a:avLst/>
+          </a:prstGeom>
+          <a:ln w="76200" cmpd="sng">
+            <a:solidFill>
+              <a:srgbClr val="FF0000"/>
+            </a:solidFill>
+            <a:tailEnd type="arrow"/>
+          </a:ln>
+        </p:spPr>
+        <p:style>
+          <a:lnRef idx="2">
+            <a:schemeClr val="accent1"/>
+          </a:lnRef>
+          <a:fillRef idx="0">
+            <a:schemeClr val="accent1"/>
+          </a:fillRef>
+          <a:effectRef idx="1">
+            <a:schemeClr val="accent1"/>
+          </a:effectRef>
+          <a:fontRef idx="minor">
+            <a:schemeClr val="tx1"/>
+          </a:fontRef>
+        </p:style>
+      </p:cxnSp>
+      <p:pic>
+        <p:nvPicPr>
+          <p:cNvPr id="37" name="図 36" descr="スクリーンショット 2015-07-24 10.46.15.png"/>
+          <p:cNvPicPr>
+            <a:picLocks noChangeAspect="1"/>
+          </p:cNvPicPr>
+          <p:nvPr/>
+        </p:nvPicPr>
+        <p:blipFill>
+          <a:blip r:embed="rId4">
+            <a:extLst>
+              <a:ext uri="{28A0092B-C50C-407E-A947-70E740481C1C}">
+                <a14:useLocalDpi xmlns:a14="http://schemas.microsoft.com/office/drawing/2010/main" val="0"/>
+              </a:ext>
+            </a:extLst>
+          </a:blip>
+          <a:stretch>
+            <a:fillRect/>
+          </a:stretch>
+        </p:blipFill>
+        <p:spPr>
+          <a:xfrm>
+            <a:off x="970027" y="6643967"/>
+            <a:ext cx="4605273" cy="2096054"/>
+          </a:xfrm>
+          <a:prstGeom prst="rect">
+            <a:avLst/>
+          </a:prstGeom>
+          <a:ln>
+            <a:solidFill>
+              <a:srgbClr val="000000"/>
+            </a:solidFill>
+          </a:ln>
+        </p:spPr>
+      </p:pic>
+      <p:sp>
+        <p:nvSpPr>
+          <p:cNvPr id="47" name="テキスト ボックス 46"/>
+          <p:cNvSpPr txBox="1"/>
+          <p:nvPr/>
+        </p:nvSpPr>
+        <p:spPr>
+          <a:xfrm>
+            <a:off x="360669" y="6073835"/>
+            <a:ext cx="6191394" cy="523220"/>
+          </a:xfrm>
+          <a:prstGeom prst="rect">
+            <a:avLst/>
+          </a:prstGeom>
+          <a:noFill/>
+          <a:ln w="19050" cmpd="sng">
+            <a:solidFill>
+              <a:schemeClr val="tx1"/>
+            </a:solidFill>
+          </a:ln>
+        </p:spPr>
+        <p:txBody>
+          <a:bodyPr wrap="square" rtlCol="0">
+            <a:spAutoFit/>
+          </a:bodyPr>
+          <a:lstStyle/>
+          <a:p>
+            <a:r>
+              <a:rPr lang="en-US" altLang="ja-JP" sz="1400" dirty="0" smtClean="0"/>
+              <a:t>3. Windows (64bit)</a:t>
+            </a:r>
+            <a:r>
+              <a:rPr lang="ja-JP" altLang="en-US" sz="1400" dirty="0" smtClean="0"/>
+              <a:t> をクリックして，</a:t>
+            </a:r>
+            <a:r>
+              <a:rPr lang="en-US" altLang="ja-JP" sz="1400" dirty="0" smtClean="0"/>
+              <a:t>zip</a:t>
+            </a:r>
+            <a:r>
+              <a:rPr lang="ja-JP" altLang="en-US" sz="1400" dirty="0" smtClean="0"/>
+              <a:t>ファイルをダウンロード．解凍して実行する．</a:t>
+            </a:r>
+            <a:endParaRPr lang="en-US" altLang="ja-JP" sz="1400" dirty="0" smtClean="0"/>
+          </a:p>
+          <a:p>
+            <a:r>
+              <a:rPr kumimoji="1" lang="ja-JP" altLang="en-US" sz="1400" dirty="0" smtClean="0"/>
+              <a:t>（パソコンの</a:t>
+            </a:r>
+            <a:r>
+              <a:rPr kumimoji="1" lang="en-US" altLang="ja-JP" sz="1400" dirty="0" smtClean="0"/>
+              <a:t>OS</a:t>
+            </a:r>
+            <a:r>
+              <a:rPr kumimoji="1" lang="ja-JP" altLang="en-US" sz="1400" dirty="0" smtClean="0"/>
+              <a:t>に応じて選択する）</a:t>
+            </a:r>
+            <a:endParaRPr kumimoji="1" lang="ja-JP" altLang="en-US" sz="1400" dirty="0"/>
+          </a:p>
+        </p:txBody>
+      </p:sp>
+      <p:cxnSp>
+        <p:nvCxnSpPr>
+          <p:cNvPr id="48" name="直線矢印コネクタ 47"/>
+          <p:cNvCxnSpPr/>
+          <p:nvPr/>
+        </p:nvCxnSpPr>
+        <p:spPr>
+          <a:xfrm>
+            <a:off x="711578" y="8193921"/>
+            <a:ext cx="2222500" cy="0"/>
+          </a:xfrm>
+          <a:prstGeom prst="straightConnector1">
+            <a:avLst/>
+          </a:prstGeom>
+          <a:ln w="76200" cmpd="sng">
+            <a:solidFill>
+              <a:srgbClr val="FF0000"/>
+            </a:solidFill>
+            <a:tailEnd type="arrow"/>
+          </a:ln>
+        </p:spPr>
+        <p:style>
+          <a:lnRef idx="2">
+            <a:schemeClr val="accent1"/>
+          </a:lnRef>
+          <a:fillRef idx="0">
+            <a:schemeClr val="accent1"/>
+          </a:fillRef>
+          <a:effectRef idx="1">
+            <a:schemeClr val="accent1"/>
+          </a:effectRef>
+          <a:fontRef idx="minor">
+            <a:schemeClr val="tx1"/>
+          </a:fontRef>
+        </p:style>
+      </p:cxnSp>
+      <p:cxnSp>
+        <p:nvCxnSpPr>
+          <p:cNvPr id="49" name="直線コネクタ 48"/>
+          <p:cNvCxnSpPr/>
+          <p:nvPr/>
+        </p:nvCxnSpPr>
+        <p:spPr>
+          <a:xfrm flipV="1">
+            <a:off x="711578" y="6572112"/>
+            <a:ext cx="0" cy="1621809"/>
+          </a:xfrm>
+          <a:prstGeom prst="line">
+            <a:avLst/>
+          </a:prstGeom>
+          <a:ln w="76200" cmpd="sng">
+            <a:solidFill>
+              <a:srgbClr val="FF0000"/>
+            </a:solidFill>
+          </a:ln>
+        </p:spPr>
+        <p:style>
+          <a:lnRef idx="2">
+            <a:schemeClr val="accent1"/>
+          </a:lnRef>
+          <a:fillRef idx="0">
+            <a:schemeClr val="accent1"/>
+          </a:fillRef>
+          <a:effectRef idx="1">
+            <a:schemeClr val="accent1"/>
+          </a:effectRef>
+          <a:fontRef idx="minor">
+            <a:schemeClr val="tx1"/>
+          </a:fontRef>
+        </p:style>
+      </p:cxnSp>
+    </p:spTree>
+    <p:extLst>
+      <p:ext uri="{BB962C8B-B14F-4D97-AF65-F5344CB8AC3E}">
+        <p14:creationId xmlns:p14="http://schemas.microsoft.com/office/powerpoint/2010/main" val="1951356865"/>
+      </p:ext>
+    </p:extLst>
+  </p:cSld>
+  <p:clrMapOvr>
+    <a:masterClrMapping/>
+  </p:clrMapOvr>
+</p:sld>
+</file>
+
+<file path=ppt/slides/slide12.xml><?xml version="1.0" encoding="utf-8"?>
+<p:sld xmlns:a="http://schemas.openxmlformats.org/drawingml/2006/main" xmlns:r="http://schemas.openxmlformats.org/officeDocument/2006/relationships" xmlns:p="http://schemas.openxmlformats.org/presentationml/2006/main">
+  <p:cSld>
+    <p:spTree>
+      <p:nvGrpSpPr>
+        <p:cNvPr id="1" name=""/>
+        <p:cNvGrpSpPr/>
+        <p:nvPr/>
+      </p:nvGrpSpPr>
+      <p:grpSpPr>
+        <a:xfrm>
+          <a:off x="0" y="0"/>
+          <a:ext cx="0" cy="0"/>
+          <a:chOff x="0" y="0"/>
+          <a:chExt cx="0" cy="0"/>
+        </a:xfrm>
+      </p:grpSpPr>
+      <p:sp>
+        <p:nvSpPr>
+          <p:cNvPr id="4" name="フッター プレースホルダー 3"/>
+          <p:cNvSpPr>
+            <a:spLocks noGrp="1"/>
+          </p:cNvSpPr>
+          <p:nvPr>
+            <p:ph type="ftr" sz="quarter" idx="11"/>
+          </p:nvPr>
+        </p:nvSpPr>
+        <p:spPr>
+          <a:xfrm>
+            <a:off x="2343150" y="8729134"/>
+            <a:ext cx="2171700" cy="486833"/>
+          </a:xfrm>
+        </p:spPr>
+        <p:txBody>
+          <a:bodyPr/>
+          <a:lstStyle/>
+          <a:p>
+            <a:r>
+              <a:rPr kumimoji="1" lang="ja-JP" altLang="en-US" dirty="0" smtClean="0"/>
+              <a:t>情報工学科 </a:t>
+            </a:r>
+            <a:r>
+              <a:rPr kumimoji="1" lang="en-US" altLang="ja-JP" dirty="0" smtClean="0"/>
+              <a:t>1</a:t>
+            </a:r>
+            <a:r>
+              <a:rPr kumimoji="1" lang="ja-JP" altLang="en-US" dirty="0" smtClean="0"/>
+              <a:t>日体験入学</a:t>
+            </a:r>
+            <a:endParaRPr kumimoji="1" lang="ja-JP" altLang="en-US" dirty="0"/>
+          </a:p>
+        </p:txBody>
+      </p:sp>
+      <p:sp>
+        <p:nvSpPr>
+          <p:cNvPr id="5" name="スライド番号プレースホルダー 4"/>
+          <p:cNvSpPr>
+            <a:spLocks noGrp="1"/>
+          </p:cNvSpPr>
+          <p:nvPr>
+            <p:ph type="sldNum" sz="quarter" idx="12"/>
+          </p:nvPr>
+        </p:nvSpPr>
+        <p:spPr/>
+        <p:txBody>
+          <a:bodyPr/>
+          <a:lstStyle/>
+          <a:p>
+            <a:fld id="{EAA839CA-A459-3043-A178-D16A10162934}" type="slidenum">
+              <a:rPr kumimoji="1" lang="ja-JP" altLang="en-US" smtClean="0"/>
+              <a:t>12</a:t>
+            </a:fld>
+            <a:endParaRPr kumimoji="1" lang="ja-JP" altLang="en-US"/>
+          </a:p>
+        </p:txBody>
+      </p:sp>
+      <p:sp>
+        <p:nvSpPr>
+          <p:cNvPr id="7" name="テキスト ボックス 6"/>
+          <p:cNvSpPr txBox="1"/>
+          <p:nvPr/>
+        </p:nvSpPr>
+        <p:spPr>
+          <a:xfrm>
+            <a:off x="334891" y="868803"/>
+            <a:ext cx="6191394" cy="954107"/>
+          </a:xfrm>
+          <a:prstGeom prst="rect">
+            <a:avLst/>
+          </a:prstGeom>
+          <a:noFill/>
+          <a:ln w="19050" cmpd="sng">
+            <a:solidFill>
+              <a:schemeClr val="tx1"/>
+            </a:solidFill>
+          </a:ln>
+        </p:spPr>
+        <p:txBody>
+          <a:bodyPr wrap="square" rtlCol="0">
+            <a:spAutoFit/>
+          </a:bodyPr>
+          <a:lstStyle/>
+          <a:p>
+            <a:pPr marL="342900" indent="-342900">
+              <a:buAutoNum type="arabicPeriod"/>
+            </a:pPr>
+            <a:r>
+              <a:rPr lang="ja-JP" altLang="en-US" sz="1400" dirty="0" smtClean="0"/>
+              <a:t>体験入学で使った教材</a:t>
+            </a:r>
+            <a:endParaRPr lang="en-US" altLang="ja-JP" sz="1400" dirty="0" smtClean="0"/>
+          </a:p>
+          <a:p>
+            <a:pPr marL="342900" indent="-342900">
+              <a:buAutoNum type="arabicPeriod"/>
+            </a:pPr>
+            <a:r>
+              <a:rPr lang="en-US" altLang="ja-JP" sz="1400" dirty="0" err="1" smtClean="0"/>
+              <a:t>edatos</a:t>
+            </a:r>
+            <a:r>
+              <a:rPr lang="ja-JP" altLang="en-US" sz="1400" dirty="0" smtClean="0"/>
+              <a:t>の最新版</a:t>
+            </a:r>
+            <a:endParaRPr lang="en-US" altLang="ja-JP" sz="1400" dirty="0" smtClean="0"/>
+          </a:p>
+          <a:p>
+            <a:pPr marL="342900" indent="-342900">
+              <a:buAutoNum type="arabicPeriod"/>
+            </a:pPr>
+            <a:r>
+              <a:rPr lang="en-US" altLang="ja-JP" sz="1400" dirty="0" err="1" smtClean="0"/>
+              <a:t>edatos</a:t>
+            </a:r>
+            <a:r>
+              <a:rPr lang="ja-JP" altLang="en-US" sz="1400" dirty="0" smtClean="0"/>
+              <a:t>の作成動画</a:t>
+            </a:r>
+            <a:r>
+              <a:rPr lang="en-US" altLang="ja-JP" sz="1400" dirty="0" smtClean="0"/>
+              <a:t> </a:t>
+            </a:r>
+            <a:r>
+              <a:rPr lang="en-US" altLang="ja-JP" sz="1400" dirty="0" err="1" smtClean="0"/>
+              <a:t>camtasia</a:t>
+            </a:r>
+            <a:r>
+              <a:rPr lang="en-US" altLang="ja-JP" sz="1400" dirty="0" smtClean="0"/>
+              <a:t> </a:t>
+            </a:r>
+            <a:r>
+              <a:rPr lang="ja-JP" altLang="en-US" sz="1400" dirty="0" smtClean="0"/>
+              <a:t>のタイムラプス</a:t>
+            </a:r>
+            <a:endParaRPr lang="en-US" altLang="ja-JP" sz="1400" dirty="0"/>
+          </a:p>
+          <a:p>
+            <a:pPr marL="342900" indent="-342900">
+              <a:buAutoNum type="arabicPeriod"/>
+            </a:pPr>
+            <a:endParaRPr lang="en-US" altLang="ja-JP" sz="1400" dirty="0" smtClean="0"/>
+          </a:p>
+        </p:txBody>
+      </p:sp>
+      <p:sp>
+        <p:nvSpPr>
+          <p:cNvPr id="8" name="テキスト ボックス 7"/>
+          <p:cNvSpPr txBox="1"/>
+          <p:nvPr/>
+        </p:nvSpPr>
+        <p:spPr>
+          <a:xfrm>
+            <a:off x="323706" y="232413"/>
+            <a:ext cx="6191394" cy="584776"/>
+          </a:xfrm>
+          <a:prstGeom prst="rect">
+            <a:avLst/>
+          </a:prstGeom>
+          <a:solidFill>
+            <a:srgbClr val="000000"/>
+          </a:solidFill>
+          <a:ln w="57150" cmpd="thickThin">
+            <a:solidFill>
+              <a:srgbClr val="FFFFFF"/>
+            </a:solidFill>
+          </a:ln>
+        </p:spPr>
+        <p:txBody>
+          <a:bodyPr wrap="square" rtlCol="0">
+            <a:spAutoFit/>
+          </a:bodyPr>
+          <a:lstStyle/>
+          <a:p>
+            <a:r>
+              <a:rPr lang="ja-JP" altLang="en-US" sz="3200" dirty="0" smtClean="0">
+                <a:solidFill>
+                  <a:srgbClr val="FFFFFF"/>
+                </a:solidFill>
+              </a:rPr>
+              <a:t>・サンプルプログラムの紹介</a:t>
+            </a:r>
+            <a:endParaRPr kumimoji="1" lang="ja-JP" altLang="en-US" sz="3200" dirty="0">
+              <a:solidFill>
+                <a:srgbClr val="FFFFFF"/>
+              </a:solidFill>
+            </a:endParaRPr>
+          </a:p>
+        </p:txBody>
+      </p:sp>
+    </p:spTree>
+    <p:extLst>
+      <p:ext uri="{BB962C8B-B14F-4D97-AF65-F5344CB8AC3E}">
+        <p14:creationId xmlns:p14="http://schemas.microsoft.com/office/powerpoint/2010/main" val="378495335"/>
+      </p:ext>
+    </p:extLst>
+  </p:cSld>
+  <p:clrMapOvr>
+    <a:masterClrMapping/>
+  </p:clrMapOvr>
+</p:sld>
+</file>
+
+<file path=ppt/slides/slide13.xml><?xml version="1.0" encoding="utf-8"?>
+<p:sld xmlns:a="http://schemas.openxmlformats.org/drawingml/2006/main" xmlns:r="http://schemas.openxmlformats.org/officeDocument/2006/relationships" xmlns:p="http://schemas.openxmlformats.org/presentationml/2006/main">
+  <p:cSld>
+    <p:spTree>
+      <p:nvGrpSpPr>
+        <p:cNvPr id="1" name=""/>
+        <p:cNvGrpSpPr/>
+        <p:nvPr/>
+      </p:nvGrpSpPr>
+      <p:grpSpPr>
+        <a:xfrm>
+          <a:off x="0" y="0"/>
+          <a:ext cx="0" cy="0"/>
+          <a:chOff x="0" y="0"/>
+          <a:chExt cx="0" cy="0"/>
+        </a:xfrm>
+      </p:grpSpPr>
+      <p:sp>
+        <p:nvSpPr>
+          <p:cNvPr id="2" name="タイトル 1"/>
+          <p:cNvSpPr>
+            <a:spLocks noGrp="1"/>
+          </p:cNvSpPr>
+          <p:nvPr>
+            <p:ph type="title"/>
+          </p:nvPr>
+        </p:nvSpPr>
+        <p:spPr>
+          <a:xfrm>
+            <a:off x="342900" y="366184"/>
+            <a:ext cx="6172200" cy="751416"/>
+          </a:xfrm>
+        </p:spPr>
+        <p:txBody>
+          <a:bodyPr>
+            <a:normAutofit fontScale="90000"/>
+          </a:bodyPr>
+          <a:lstStyle/>
+          <a:p>
+            <a:r>
+              <a:rPr lang="ja-JP" altLang="en-US" dirty="0" smtClean="0"/>
+              <a:t>細かい内容</a:t>
+            </a:r>
+            <a:endParaRPr kumimoji="1" lang="ja-JP" altLang="en-US" dirty="0"/>
+          </a:p>
+        </p:txBody>
+      </p:sp>
+      <p:sp>
+        <p:nvSpPr>
+          <p:cNvPr id="4" name="フッター プレースホルダー 3"/>
+          <p:cNvSpPr>
+            <a:spLocks noGrp="1"/>
+          </p:cNvSpPr>
+          <p:nvPr>
+            <p:ph type="ftr" sz="quarter" idx="11"/>
+          </p:nvPr>
+        </p:nvSpPr>
+        <p:spPr/>
+        <p:txBody>
+          <a:bodyPr/>
+          <a:lstStyle/>
+          <a:p>
+            <a:r>
+              <a:rPr kumimoji="1" lang="ja-JP" altLang="en-US" smtClean="0"/>
+              <a:t>情報工学科 </a:t>
+            </a:r>
+            <a:r>
+              <a:rPr kumimoji="1" lang="en-US" altLang="ja-JP" smtClean="0"/>
+              <a:t>1</a:t>
+            </a:r>
+            <a:r>
+              <a:rPr kumimoji="1" lang="ja-JP" altLang="en-US" smtClean="0"/>
+              <a:t>日体験入学</a:t>
+            </a:r>
+            <a:endParaRPr kumimoji="1" lang="ja-JP" altLang="en-US"/>
+          </a:p>
+        </p:txBody>
+      </p:sp>
+      <p:sp>
+        <p:nvSpPr>
+          <p:cNvPr id="5" name="スライド番号プレースホルダー 4"/>
+          <p:cNvSpPr>
+            <a:spLocks noGrp="1"/>
+          </p:cNvSpPr>
+          <p:nvPr>
+            <p:ph type="sldNum" sz="quarter" idx="12"/>
+          </p:nvPr>
+        </p:nvSpPr>
+        <p:spPr/>
+        <p:txBody>
+          <a:bodyPr/>
+          <a:lstStyle/>
+          <a:p>
+            <a:fld id="{EAA839CA-A459-3043-A178-D16A10162934}" type="slidenum">
+              <a:rPr kumimoji="1" lang="ja-JP" altLang="en-US" smtClean="0"/>
+              <a:t>13</a:t>
+            </a:fld>
+            <a:endParaRPr kumimoji="1" lang="ja-JP" altLang="en-US"/>
+          </a:p>
+        </p:txBody>
+      </p:sp>
+      <p:sp>
+        <p:nvSpPr>
+          <p:cNvPr id="6" name="テキスト ボックス 5"/>
+          <p:cNvSpPr txBox="1"/>
+          <p:nvPr/>
+        </p:nvSpPr>
+        <p:spPr>
+          <a:xfrm>
+            <a:off x="57151" y="1143000"/>
+            <a:ext cx="6800850" cy="9140963"/>
+          </a:xfrm>
+          <a:prstGeom prst="rect">
+            <a:avLst/>
+          </a:prstGeom>
+          <a:noFill/>
+        </p:spPr>
+        <p:txBody>
+          <a:bodyPr wrap="square" rtlCol="0">
+            <a:spAutoFit/>
+          </a:bodyPr>
+          <a:lstStyle/>
+          <a:p>
+            <a:pPr marL="514350" indent="-514350">
+              <a:buFont typeface="+mj-lt"/>
+              <a:buAutoNum type="arabicPeriod"/>
+            </a:pPr>
+            <a:r>
+              <a:rPr lang="ja-JP" altLang="en-US" sz="2800" dirty="0"/>
+              <a:t>ゲームで遊んで</a:t>
+            </a:r>
+            <a:r>
+              <a:rPr lang="ja-JP" altLang="en-US" sz="2800" dirty="0" smtClean="0"/>
+              <a:t>みよう（５分</a:t>
+            </a:r>
+            <a:r>
+              <a:rPr lang="ja-JP" altLang="en-US" sz="2800" dirty="0" smtClean="0"/>
+              <a:t>）</a:t>
+            </a:r>
+            <a:endParaRPr lang="en-US" altLang="ja-JP" sz="2800" dirty="0" smtClean="0"/>
+          </a:p>
+          <a:p>
+            <a:pPr lvl="1">
+              <a:buFont typeface="Arial"/>
+              <a:buChar char="•"/>
+            </a:pPr>
+            <a:r>
+              <a:rPr lang="ja-JP" altLang="en-US" dirty="0"/>
+              <a:t>最初に本格シューティングゲームで遊ぶ．ソースも見る．でも難しい．体験入学は１時間しかない．では，簡単なやつは？</a:t>
+            </a:r>
+            <a:endParaRPr lang="en-US" altLang="ja-JP" dirty="0"/>
+          </a:p>
+          <a:p>
+            <a:pPr lvl="1">
+              <a:buFont typeface="Arial"/>
+              <a:buChar char="•"/>
+            </a:pPr>
+            <a:r>
+              <a:rPr lang="ja-JP" altLang="en-US" dirty="0"/>
+              <a:t>最初にこれから作るゲームで遊ぶ．ソースをみる．これならできそう</a:t>
+            </a:r>
+            <a:r>
+              <a:rPr lang="ja-JP" altLang="en-US" dirty="0" smtClean="0"/>
+              <a:t>？</a:t>
+            </a:r>
+            <a:r>
+              <a:rPr lang="ja-JP" altLang="en-US" dirty="0" smtClean="0"/>
+              <a:t>難しそう？</a:t>
+            </a:r>
+            <a:r>
+              <a:rPr lang="ja-JP" altLang="en-US" dirty="0" smtClean="0"/>
+              <a:t>では</a:t>
+            </a:r>
+            <a:r>
+              <a:rPr lang="ja-JP" altLang="en-US" dirty="0"/>
+              <a:t>，１時間でここまでを理解してみよう</a:t>
+            </a:r>
+            <a:r>
+              <a:rPr lang="ja-JP" altLang="en-US" dirty="0" smtClean="0"/>
+              <a:t>！</a:t>
+            </a:r>
+            <a:endParaRPr lang="en-US" altLang="ja-JP" sz="2800" dirty="0"/>
+          </a:p>
+          <a:p>
+            <a:pPr marL="514350" indent="-514350">
+              <a:buFont typeface="+mj-lt"/>
+              <a:buAutoNum type="arabicPeriod"/>
+            </a:pPr>
+            <a:r>
+              <a:rPr lang="ja-JP" altLang="en-US" sz="2800" dirty="0"/>
+              <a:t>プログラミングを体験しよう</a:t>
+            </a:r>
+            <a:r>
+              <a:rPr lang="ja-JP" altLang="en-US" sz="2800" dirty="0" smtClean="0"/>
+              <a:t>（１０分</a:t>
+            </a:r>
+            <a:r>
+              <a:rPr lang="ja-JP" altLang="en-US" sz="2800" dirty="0"/>
+              <a:t>）</a:t>
+            </a:r>
+            <a:endParaRPr lang="en-US" altLang="ja-JP" sz="2800" dirty="0"/>
+          </a:p>
+          <a:p>
+            <a:pPr marL="914400" lvl="1" indent="-457200">
+              <a:buFont typeface="Arial"/>
+              <a:buChar char="•"/>
+            </a:pPr>
+            <a:r>
+              <a:rPr lang="en-US" altLang="ja-JP" dirty="0" smtClean="0"/>
+              <a:t>Processing</a:t>
+            </a:r>
+            <a:r>
+              <a:rPr lang="ja-JP" altLang="en-US" dirty="0" smtClean="0"/>
+              <a:t>の起動</a:t>
+            </a:r>
+            <a:endParaRPr lang="en-US" altLang="ja-JP" dirty="0" smtClean="0"/>
+          </a:p>
+          <a:p>
+            <a:pPr marL="914400" lvl="1" indent="-457200">
+              <a:buFont typeface="Arial"/>
+              <a:buChar char="•"/>
+            </a:pPr>
+            <a:r>
+              <a:rPr lang="ja-JP" altLang="en-US" dirty="0" smtClean="0"/>
+              <a:t>四角形を表示</a:t>
+            </a:r>
+            <a:endParaRPr lang="en-US" altLang="ja-JP" dirty="0" smtClean="0"/>
+          </a:p>
+          <a:p>
+            <a:pPr marL="914400" lvl="1" indent="-457200">
+              <a:buFont typeface="Arial"/>
+              <a:buChar char="•"/>
+            </a:pPr>
+            <a:r>
+              <a:rPr lang="ja-JP" altLang="en-US" dirty="0"/>
+              <a:t>座標系の説明</a:t>
+            </a:r>
+            <a:endParaRPr lang="en-US" altLang="ja-JP" dirty="0" smtClean="0"/>
+          </a:p>
+          <a:p>
+            <a:pPr marL="914400" lvl="1" indent="-457200">
+              <a:buFont typeface="Arial"/>
+              <a:buChar char="•"/>
+            </a:pPr>
+            <a:r>
+              <a:rPr lang="ja-JP" altLang="en-US" dirty="0" smtClean="0"/>
+              <a:t>画像の表示</a:t>
+            </a:r>
+            <a:endParaRPr lang="en-US" altLang="ja-JP" dirty="0"/>
+          </a:p>
+          <a:p>
+            <a:pPr marL="514350" indent="-514350">
+              <a:buFont typeface="+mj-lt"/>
+              <a:buAutoNum type="arabicPeriod"/>
+            </a:pPr>
+            <a:r>
+              <a:rPr lang="ja-JP" altLang="en-US" sz="2800" dirty="0"/>
+              <a:t>プログラミングに慣れよう（</a:t>
+            </a:r>
+            <a:r>
+              <a:rPr lang="ja-JP" altLang="en-US" sz="2800" dirty="0" smtClean="0"/>
+              <a:t>１５分</a:t>
+            </a:r>
+            <a:r>
+              <a:rPr lang="ja-JP" altLang="en-US" sz="2800" dirty="0"/>
+              <a:t>）</a:t>
+            </a:r>
+            <a:endParaRPr lang="en-US" altLang="ja-JP" sz="2800" dirty="0"/>
+          </a:p>
+          <a:p>
+            <a:pPr marL="914400" lvl="1" indent="-457200">
+              <a:buFont typeface="Arial"/>
+              <a:buChar char="•"/>
+            </a:pPr>
+            <a:r>
+              <a:rPr lang="ja-JP" altLang="en-US" dirty="0" smtClean="0"/>
+              <a:t>変数の説明</a:t>
+            </a:r>
+            <a:endParaRPr lang="en-US" altLang="ja-JP" dirty="0"/>
+          </a:p>
+          <a:p>
+            <a:pPr marL="914400" lvl="1" indent="-457200">
+              <a:buFont typeface="Arial"/>
+              <a:buChar char="•"/>
+            </a:pPr>
+            <a:r>
+              <a:rPr lang="ja-JP" altLang="en-US" dirty="0" smtClean="0"/>
+              <a:t>画像</a:t>
+            </a:r>
+            <a:r>
+              <a:rPr lang="ja-JP" altLang="en-US" dirty="0"/>
+              <a:t>を</a:t>
+            </a:r>
+            <a:r>
+              <a:rPr lang="ja-JP" altLang="en-US" dirty="0" smtClean="0"/>
+              <a:t>動かす</a:t>
+            </a:r>
+            <a:endParaRPr lang="en-US" altLang="ja-JP" dirty="0" smtClean="0"/>
+          </a:p>
+          <a:p>
+            <a:pPr marL="914400" lvl="1" indent="-457200">
+              <a:buFont typeface="Arial"/>
+              <a:buChar char="•"/>
+            </a:pPr>
+            <a:r>
+              <a:rPr lang="en-US" altLang="ja-JP" dirty="0" err="1" smtClean="0"/>
+              <a:t>if</a:t>
+            </a:r>
+            <a:r>
+              <a:rPr lang="en-US" altLang="en-US" dirty="0" err="1" smtClean="0"/>
+              <a:t>文の説明</a:t>
+            </a:r>
+            <a:endParaRPr lang="en-US" altLang="ja-JP" dirty="0"/>
+          </a:p>
+          <a:p>
+            <a:pPr marL="514350" indent="-514350">
+              <a:buFont typeface="+mj-lt"/>
+              <a:buAutoNum type="arabicPeriod"/>
+            </a:pPr>
+            <a:r>
+              <a:rPr lang="ja-JP" altLang="en-US" sz="2800" dirty="0"/>
+              <a:t>簡単シューティングゲームを作ってみよう</a:t>
+            </a:r>
+            <a:r>
+              <a:rPr lang="ja-JP" altLang="en-US" sz="2800" dirty="0" smtClean="0"/>
+              <a:t>（２０分</a:t>
+            </a:r>
+            <a:r>
+              <a:rPr lang="ja-JP" altLang="en-US" sz="2800" dirty="0"/>
+              <a:t>）</a:t>
+            </a:r>
+            <a:endParaRPr lang="en-US" altLang="ja-JP" sz="2800" dirty="0"/>
+          </a:p>
+          <a:p>
+            <a:pPr marL="914400" lvl="1" indent="-457200">
+              <a:buFont typeface="Arial"/>
+              <a:buChar char="•"/>
+            </a:pPr>
+            <a:r>
+              <a:rPr lang="ja-JP" altLang="en-US" dirty="0"/>
+              <a:t>弾を</a:t>
+            </a:r>
+            <a:r>
+              <a:rPr lang="ja-JP" altLang="en-US" dirty="0" smtClean="0"/>
+              <a:t>打つ</a:t>
+            </a:r>
+            <a:endParaRPr lang="en-US" altLang="ja-JP" dirty="0"/>
+          </a:p>
+          <a:p>
+            <a:pPr marL="914400" lvl="1" indent="-457200">
+              <a:buFont typeface="Arial"/>
+              <a:buChar char="•"/>
+            </a:pPr>
+            <a:r>
+              <a:rPr lang="ja-JP" altLang="en-US" dirty="0" smtClean="0"/>
+              <a:t>敵の出現</a:t>
+            </a:r>
+            <a:endParaRPr lang="en-US" altLang="ja-JP" dirty="0"/>
+          </a:p>
+          <a:p>
+            <a:pPr marL="914400" lvl="1" indent="-457200">
+              <a:buFont typeface="Arial"/>
+              <a:buChar char="•"/>
+            </a:pPr>
+            <a:r>
+              <a:rPr lang="ja-JP" altLang="en-US" dirty="0"/>
+              <a:t>敵と弾の当たり</a:t>
+            </a:r>
+            <a:r>
+              <a:rPr lang="ja-JP" altLang="en-US" dirty="0" smtClean="0"/>
+              <a:t>判定</a:t>
+            </a:r>
+            <a:endParaRPr lang="en-US" altLang="ja-JP" dirty="0"/>
+          </a:p>
+          <a:p>
+            <a:pPr marL="514350" indent="-514350">
+              <a:buFont typeface="+mj-lt"/>
+              <a:buAutoNum type="arabicPeriod"/>
+            </a:pPr>
+            <a:r>
+              <a:rPr lang="ja-JP" altLang="en-US" sz="2800" dirty="0"/>
+              <a:t>本格シューティングゲーム</a:t>
+            </a:r>
+            <a:r>
+              <a:rPr lang="ja-JP" altLang="en-US" sz="2800" dirty="0" smtClean="0"/>
+              <a:t>を改造</a:t>
+            </a:r>
+            <a:r>
+              <a:rPr lang="ja-JP" altLang="en-US" sz="2800" dirty="0"/>
+              <a:t>しよう</a:t>
+            </a:r>
+            <a:r>
+              <a:rPr lang="ja-JP" altLang="en-US" sz="2800" dirty="0" smtClean="0"/>
+              <a:t>（５分</a:t>
+            </a:r>
+            <a:r>
+              <a:rPr lang="ja-JP" altLang="en-US" sz="2800" dirty="0"/>
+              <a:t>）</a:t>
+            </a:r>
+            <a:endParaRPr lang="en-US" altLang="ja-JP" sz="2800" dirty="0" smtClean="0"/>
+          </a:p>
+          <a:p>
+            <a:endParaRPr lang="en-US" altLang="ja-JP" sz="2800" dirty="0" smtClean="0"/>
+          </a:p>
+          <a:p>
+            <a:r>
+              <a:rPr lang="ja-JP" altLang="en-US" sz="2800" dirty="0" smtClean="0"/>
+              <a:t>付録</a:t>
+            </a:r>
+            <a:endParaRPr lang="en-US" altLang="ja-JP" sz="2800" dirty="0"/>
+          </a:p>
+          <a:p>
+            <a:pPr marL="457200" indent="-457200">
+              <a:buFont typeface="Arial"/>
+              <a:buChar char="•"/>
+            </a:pPr>
+            <a:r>
+              <a:rPr lang="en-US" altLang="ja-JP" sz="2800" dirty="0"/>
+              <a:t>Processing</a:t>
+            </a:r>
+            <a:r>
+              <a:rPr lang="ja-JP" altLang="en-US" sz="2800" dirty="0"/>
+              <a:t>のインストール</a:t>
+            </a:r>
+            <a:r>
+              <a:rPr lang="ja-JP" altLang="en-US" sz="2800" dirty="0" smtClean="0"/>
+              <a:t>（５分</a:t>
+            </a:r>
+            <a:r>
+              <a:rPr lang="ja-JP" altLang="en-US" sz="2800" dirty="0"/>
+              <a:t>）</a:t>
+            </a:r>
+            <a:endParaRPr lang="en-US" altLang="ja-JP" sz="2800" dirty="0"/>
+          </a:p>
+          <a:p>
+            <a:pPr marL="457200" indent="-457200">
+              <a:buFont typeface="Arial"/>
+              <a:buChar char="•"/>
+            </a:pPr>
+            <a:r>
+              <a:rPr lang="ja-JP" altLang="en-US" sz="2800" dirty="0"/>
+              <a:t>サンプルプログラムの紹介</a:t>
+            </a:r>
+            <a:endParaRPr lang="en-US" altLang="ja-JP" sz="2800" dirty="0"/>
+          </a:p>
+          <a:p>
+            <a:endParaRPr kumimoji="1" lang="ja-JP" altLang="en-US" sz="2800" dirty="0"/>
+          </a:p>
+        </p:txBody>
+      </p:sp>
+    </p:spTree>
+    <p:extLst>
+      <p:ext uri="{BB962C8B-B14F-4D97-AF65-F5344CB8AC3E}">
+        <p14:creationId xmlns:p14="http://schemas.microsoft.com/office/powerpoint/2010/main" val="3171566808"/>
+      </p:ext>
+    </p:extLst>
+  </p:cSld>
+  <p:clrMapOvr>
+    <a:masterClrMapping/>
+  </p:clrMapOvr>
+</p:sld>
+</file>
+
+<file path=ppt/slides/slide14.xml><?xml version="1.0" encoding="utf-8"?>
+<p:sld xmlns:a="http://schemas.openxmlformats.org/drawingml/2006/main" xmlns:r="http://schemas.openxmlformats.org/officeDocument/2006/relationships" xmlns:p="http://schemas.openxmlformats.org/presentationml/2006/main">
+  <p:cSld>
+    <p:spTree>
+      <p:nvGrpSpPr>
+        <p:cNvPr id="1" name=""/>
+        <p:cNvGrpSpPr/>
+        <p:nvPr/>
+      </p:nvGrpSpPr>
+      <p:grpSpPr>
+        <a:xfrm>
+          <a:off x="0" y="0"/>
+          <a:ext cx="0" cy="0"/>
+          <a:chOff x="0" y="0"/>
+          <a:chExt cx="0" cy="0"/>
+        </a:xfrm>
+      </p:grpSpPr>
+      <p:sp>
+        <p:nvSpPr>
+          <p:cNvPr id="2" name="タイトル 1"/>
+          <p:cNvSpPr>
+            <a:spLocks noGrp="1"/>
+          </p:cNvSpPr>
+          <p:nvPr>
+            <p:ph type="title"/>
+          </p:nvPr>
+        </p:nvSpPr>
+        <p:spPr/>
+        <p:txBody>
+          <a:bodyPr/>
+          <a:lstStyle/>
+          <a:p>
+            <a:r>
+              <a:rPr lang="ja-JP" altLang="en-US" dirty="0" smtClean="0"/>
+              <a:t>メモ</a:t>
+            </a:r>
+            <a:r>
+              <a:rPr lang="en-US" altLang="ja-JP" dirty="0" smtClean="0"/>
+              <a:t>	</a:t>
+            </a:r>
+            <a:endParaRPr kumimoji="1" lang="ja-JP" altLang="en-US" dirty="0"/>
+          </a:p>
+        </p:txBody>
+      </p:sp>
+      <p:sp>
+        <p:nvSpPr>
+          <p:cNvPr id="3" name="コンテンツ プレースホルダー 2"/>
+          <p:cNvSpPr>
+            <a:spLocks noGrp="1"/>
+          </p:cNvSpPr>
+          <p:nvPr>
+            <p:ph idx="1"/>
+          </p:nvPr>
+        </p:nvSpPr>
+        <p:spPr/>
+        <p:txBody>
+          <a:bodyPr/>
+          <a:lstStyle/>
+          <a:p>
+            <a:r>
+              <a:rPr kumimoji="1" lang="ja-JP" altLang="en-US" dirty="0" smtClean="0"/>
+              <a:t>サンプルはそのまま起動．</a:t>
+            </a:r>
+            <a:endParaRPr kumimoji="1" lang="en-US" altLang="ja-JP" dirty="0" smtClean="0"/>
+          </a:p>
+          <a:p>
+            <a:r>
+              <a:rPr kumimoji="1" lang="ja-JP" altLang="en-US" dirty="0" smtClean="0"/>
+              <a:t>問題を解かせる．</a:t>
+            </a:r>
+            <a:endParaRPr kumimoji="1" lang="en-US" altLang="ja-JP" dirty="0" smtClean="0"/>
+          </a:p>
+          <a:p>
+            <a:r>
+              <a:rPr lang="ja-JP" altLang="en-US" dirty="0" smtClean="0"/>
+              <a:t>冊子の枚数．１冊１０枚．２０ページ．１００人だとすると１００人ｘ１０枚．１０００枚．</a:t>
+            </a:r>
+            <a:endParaRPr lang="en-US" altLang="ja-JP" dirty="0" smtClean="0"/>
+          </a:p>
+        </p:txBody>
+      </p:sp>
+      <p:sp>
+        <p:nvSpPr>
+          <p:cNvPr id="4" name="フッター プレースホルダー 3"/>
+          <p:cNvSpPr>
+            <a:spLocks noGrp="1"/>
+          </p:cNvSpPr>
+          <p:nvPr>
+            <p:ph type="ftr" sz="quarter" idx="11"/>
+          </p:nvPr>
+        </p:nvSpPr>
+        <p:spPr/>
+        <p:txBody>
+          <a:bodyPr/>
+          <a:lstStyle/>
+          <a:p>
+            <a:r>
+              <a:rPr kumimoji="1" lang="ja-JP" altLang="en-US" smtClean="0"/>
+              <a:t>情報工学科 </a:t>
+            </a:r>
+            <a:r>
+              <a:rPr kumimoji="1" lang="en-US" altLang="ja-JP" smtClean="0"/>
+              <a:t>1</a:t>
+            </a:r>
+            <a:r>
+              <a:rPr kumimoji="1" lang="ja-JP" altLang="en-US" smtClean="0"/>
+              <a:t>日体験入学</a:t>
+            </a:r>
+            <a:endParaRPr kumimoji="1" lang="ja-JP" altLang="en-US"/>
+          </a:p>
+        </p:txBody>
+      </p:sp>
+      <p:sp>
+        <p:nvSpPr>
+          <p:cNvPr id="5" name="スライド番号プレースホルダー 4"/>
+          <p:cNvSpPr>
+            <a:spLocks noGrp="1"/>
+          </p:cNvSpPr>
+          <p:nvPr>
+            <p:ph type="sldNum" sz="quarter" idx="12"/>
+          </p:nvPr>
+        </p:nvSpPr>
+        <p:spPr/>
+        <p:txBody>
+          <a:bodyPr/>
+          <a:lstStyle/>
+          <a:p>
+            <a:fld id="{EAA839CA-A459-3043-A178-D16A10162934}" type="slidenum">
+              <a:rPr kumimoji="1" lang="ja-JP" altLang="en-US" smtClean="0"/>
+              <a:t>14</a:t>
+            </a:fld>
+            <a:endParaRPr kumimoji="1" lang="ja-JP" altLang="en-US"/>
+          </a:p>
+        </p:txBody>
+      </p:sp>
+    </p:spTree>
+    <p:extLst>
+      <p:ext uri="{BB962C8B-B14F-4D97-AF65-F5344CB8AC3E}">
+        <p14:creationId xmlns:p14="http://schemas.microsoft.com/office/powerpoint/2010/main" val="2136738710"/>
+      </p:ext>
+    </p:extLst>
+  </p:cSld>
+  <p:clrMapOvr>
+    <a:masterClrMapping/>
+  </p:clrMapOvr>
+</p:sld>
+</file>
+
 <file path=ppt/slides/slide2.xml><?xml version="1.0" encoding="utf-8"?>
 <p:sld xmlns:a="http://schemas.openxmlformats.org/drawingml/2006/main" xmlns:r="http://schemas.openxmlformats.org/officeDocument/2006/relationships" xmlns:p="http://schemas.openxmlformats.org/presentationml/2006/main">
   <p:cSld>
@@ -4660,7 +6670,7 @@
         <p:spPr>
           <a:xfrm>
             <a:off x="57151" y="1143000"/>
-            <a:ext cx="6800850" cy="7879080"/>
+            <a:ext cx="6800850" cy="8032968"/>
           </a:xfrm>
           <a:prstGeom prst="rect">
             <a:avLst/>
@@ -4683,11 +6693,7 @@
             </a:r>
             <a:r>
               <a:rPr lang="ja-JP" altLang="en-US" sz="2800" dirty="0" smtClean="0"/>
-              <a:t>みよう</a:t>
-            </a:r>
-            <a:r>
-              <a:rPr lang="ja-JP" altLang="en-US" sz="2800" dirty="0" smtClean="0"/>
-              <a:t>（５分）</a:t>
+              <a:t>みよう（５分）</a:t>
             </a:r>
             <a:endParaRPr lang="en-US" altLang="ja-JP" sz="2800" dirty="0"/>
           </a:p>
@@ -4698,23 +6704,11 @@
             </a:pPr>
             <a:r>
               <a:rPr lang="ja-JP" altLang="en-US" sz="2800" dirty="0"/>
-              <a:t>プログラミングを体験</a:t>
-            </a:r>
-            <a:r>
-              <a:rPr lang="ja-JP" altLang="en-US" sz="2800" dirty="0"/>
-              <a:t>しよう</a:t>
+              <a:t>プログラミングを体験しよう</a:t>
             </a:r>
             <a:r>
               <a:rPr lang="ja-JP" altLang="en-US" sz="2800" dirty="0" smtClean="0"/>
-              <a:t>（</a:t>
-            </a:r>
-            <a:r>
-              <a:rPr lang="ja-JP" altLang="en-US" sz="2800" dirty="0" smtClean="0"/>
-              <a:t>１０</a:t>
-            </a:r>
-            <a:r>
-              <a:rPr lang="ja-JP" altLang="en-US" sz="2800" dirty="0" smtClean="0"/>
-              <a:t>分</a:t>
+              <a:t>（１０分</a:t>
             </a:r>
             <a:r>
               <a:rPr lang="ja-JP" altLang="en-US" sz="2800" dirty="0"/>
@@ -4733,11 +6727,7 @@
             </a:r>
             <a:r>
               <a:rPr lang="ja-JP" altLang="en-US" dirty="0" smtClean="0"/>
-              <a:t>の</a:t>
-            </a:r>
-            <a:r>
-              <a:rPr lang="ja-JP" altLang="en-US" dirty="0" smtClean="0"/>
-              <a:t>起動</a:t>
+              <a:t>の起動</a:t>
             </a:r>
             <a:endParaRPr lang="en-US" altLang="ja-JP" dirty="0" smtClean="0"/>
           </a:p>
@@ -4770,11 +6760,7 @@
             </a:pPr>
             <a:r>
               <a:rPr lang="ja-JP" altLang="en-US" dirty="0" smtClean="0"/>
-              <a:t>画像</a:t>
-            </a:r>
-            <a:r>
-              <a:rPr lang="ja-JP" altLang="en-US" dirty="0" smtClean="0"/>
-              <a:t>の表示</a:t>
+              <a:t>変数の説明</a:t>
             </a:r>
             <a:endParaRPr lang="en-US" altLang="ja-JP" dirty="0"/>
           </a:p>
@@ -4785,23 +6771,11 @@
             </a:pPr>
             <a:r>
               <a:rPr lang="ja-JP" altLang="en-US" sz="2800" dirty="0"/>
-              <a:t>プログラミングに</a:t>
-            </a:r>
-            <a:r>
-              <a:rPr lang="ja-JP" altLang="en-US" sz="2800" dirty="0"/>
-              <a:t>慣れよう（</a:t>
+              <a:t>プログラミングに慣れよう（</a:t>
             </a:r>
             <a:r>
               <a:rPr lang="ja-JP" altLang="en-US" sz="2800" dirty="0" smtClean="0"/>
-              <a:t>１</a:t>
-            </a:r>
-            <a:r>
-              <a:rPr lang="ja-JP" altLang="en-US" sz="2800" dirty="0" smtClean="0"/>
-              <a:t>５</a:t>
-            </a:r>
-            <a:r>
-              <a:rPr lang="ja-JP" altLang="en-US" sz="2800" dirty="0" smtClean="0"/>
-              <a:t>分</a:t>
+              <a:t>１５分</a:t>
             </a:r>
             <a:r>
               <a:rPr lang="ja-JP" altLang="en-US" sz="2800" dirty="0"/>
@@ -4816,7 +6790,7 @@
             </a:pPr>
             <a:r>
               <a:rPr lang="ja-JP" altLang="en-US" dirty="0" smtClean="0"/>
-              <a:t>変数の説明</a:t>
+              <a:t>画像を表示</a:t>
             </a:r>
             <a:endParaRPr lang="en-US" altLang="ja-JP" dirty="0"/>
           </a:p>
@@ -4861,23 +6835,11 @@
             </a:pPr>
             <a:r>
               <a:rPr lang="ja-JP" altLang="en-US" sz="2800" dirty="0"/>
-              <a:t>簡単シューティングゲームを</a:t>
-            </a:r>
-            <a:r>
-              <a:rPr lang="ja-JP" altLang="en-US" sz="2800" dirty="0"/>
-              <a:t>作ってみよう</a:t>
+              <a:t>簡単シューティングゲームを作ってみよう</a:t>
             </a:r>
             <a:r>
               <a:rPr lang="ja-JP" altLang="en-US" sz="2800" dirty="0" smtClean="0"/>
-              <a:t>（</a:t>
-            </a:r>
-            <a:r>
-              <a:rPr lang="ja-JP" altLang="en-US" sz="2800" dirty="0" smtClean="0"/>
-              <a:t>２</a:t>
-            </a:r>
-            <a:r>
-              <a:rPr lang="ja-JP" altLang="en-US" sz="2800" dirty="0" smtClean="0"/>
-              <a:t>０分</a:t>
+              <a:t>（２０分</a:t>
             </a:r>
             <a:r>
               <a:rPr lang="ja-JP" altLang="en-US" sz="2800" dirty="0"/>
@@ -4945,15 +6907,7 @@
             </a:r>
             <a:r>
               <a:rPr lang="ja-JP" altLang="en-US" sz="2800" dirty="0" smtClean="0"/>
-              <a:t>（</a:t>
-            </a:r>
-            <a:r>
-              <a:rPr lang="ja-JP" altLang="en-US" sz="2800" dirty="0" smtClean="0"/>
-              <a:t>５</a:t>
-            </a:r>
-            <a:r>
-              <a:rPr lang="ja-JP" altLang="en-US" sz="2800" dirty="0" smtClean="0"/>
-              <a:t>分</a:t>
+              <a:t>（５分</a:t>
             </a:r>
             <a:r>
               <a:rPr lang="ja-JP" altLang="en-US" sz="2800" dirty="0"/>
@@ -4962,6 +6916,13 @@
             <a:endParaRPr lang="en-US" altLang="ja-JP" sz="2800" dirty="0" smtClean="0"/>
           </a:p>
           <a:p>
+            <a:endParaRPr lang="en-US" altLang="ja-JP" sz="2800" dirty="0" smtClean="0"/>
+          </a:p>
+          <a:p>
+            <a:r>
+              <a:rPr lang="ja-JP" altLang="en-US" sz="2800" dirty="0" smtClean="0"/>
+              <a:t>付録</a:t>
+            </a:r>
             <a:endParaRPr lang="en-US" altLang="ja-JP" sz="2800" dirty="0"/>
           </a:p>
           <a:p>
@@ -4975,23 +6936,11 @@
             </a:r>
             <a:r>
               <a:rPr lang="ja-JP" altLang="en-US" sz="2800" dirty="0"/>
-              <a:t>の</a:t>
-            </a:r>
-            <a:r>
-              <a:rPr lang="ja-JP" altLang="en-US" sz="2800" dirty="0"/>
-              <a:t>インストール</a:t>
+              <a:t>のインストール</a:t>
             </a:r>
             <a:r>
               <a:rPr lang="ja-JP" altLang="en-US" sz="2800" dirty="0" smtClean="0"/>
-              <a:t>（</a:t>
-            </a:r>
-            <a:r>
-              <a:rPr lang="ja-JP" altLang="en-US" sz="2800" dirty="0" smtClean="0"/>
-              <a:t>５</a:t>
-            </a:r>
-            <a:r>
-              <a:rPr lang="ja-JP" altLang="en-US" sz="2800" dirty="0" smtClean="0"/>
-              <a:t>分</a:t>
+              <a:t>（５分</a:t>
             </a:r>
             <a:r>
               <a:rPr lang="ja-JP" altLang="en-US" sz="2800" dirty="0"/>
@@ -5187,44 +7136,6 @@
           </a:p>
         </p:txBody>
       </p:sp>
-      <p:sp>
-        <p:nvSpPr>
-          <p:cNvPr id="2" name="正方形/長方形 1"/>
-          <p:cNvSpPr/>
-          <p:nvPr/>
-        </p:nvSpPr>
-        <p:spPr>
-          <a:xfrm>
-            <a:off x="1054100" y="0"/>
-            <a:ext cx="1041400" cy="232413"/>
-          </a:xfrm>
-          <a:prstGeom prst="rect">
-            <a:avLst/>
-          </a:prstGeom>
-        </p:spPr>
-        <p:style>
-          <a:lnRef idx="1">
-            <a:schemeClr val="accent1"/>
-          </a:lnRef>
-          <a:fillRef idx="3">
-            <a:schemeClr val="accent1"/>
-          </a:fillRef>
-          <a:effectRef idx="2">
-            <a:schemeClr val="accent1"/>
-          </a:effectRef>
-          <a:fontRef idx="minor">
-            <a:schemeClr val="lt1"/>
-          </a:fontRef>
-        </p:style>
-        <p:txBody>
-          <a:bodyPr rtlCol="0" anchor="ctr"/>
-          <a:lstStyle/>
-          <a:p>
-            <a:pPr algn="ctr"/>
-            <a:endParaRPr kumimoji="1" lang="ja-JP" altLang="en-US"/>
-          </a:p>
-        </p:txBody>
-      </p:sp>
     </p:spTree>
     <p:extLst>
       <p:ext uri="{BB962C8B-B14F-4D97-AF65-F5344CB8AC3E}">
@@ -5318,7 +7229,7 @@
         <p:spPr>
           <a:xfrm>
             <a:off x="323706" y="1373446"/>
-            <a:ext cx="3225162" cy="1200329"/>
+            <a:ext cx="2887329" cy="1077218"/>
           </a:xfrm>
           <a:prstGeom prst="rect">
             <a:avLst/>
@@ -5332,35 +7243,35 @@
           <a:lstStyle/>
           <a:p>
             <a:r>
-              <a:rPr kumimoji="1" lang="ja-JP" altLang="en-US" dirty="0" smtClean="0"/>
+              <a:rPr kumimoji="1" lang="ja-JP" altLang="en-US" sz="1600" dirty="0" smtClean="0"/>
               <a:t>とにかく，まず動かしてみよう！</a:t>
             </a:r>
-            <a:endParaRPr kumimoji="1" lang="en-US" altLang="ja-JP" dirty="0" smtClean="0"/>
-          </a:p>
-          <a:p>
-            <a:r>
-              <a:rPr lang="ja-JP" altLang="en-US" dirty="0"/>
+            <a:endParaRPr kumimoji="1" lang="en-US" altLang="ja-JP" sz="1600" dirty="0" smtClean="0"/>
+          </a:p>
+          <a:p>
+            <a:r>
+              <a:rPr lang="ja-JP" altLang="en-US" sz="1600" dirty="0"/>
               <a:t>デスクトップ上の次のアイコン</a:t>
             </a:r>
             <a:r>
-              <a:rPr lang="ja-JP" altLang="en-US" dirty="0" smtClean="0"/>
+              <a:rPr lang="ja-JP" altLang="en-US" sz="1600" dirty="0" smtClean="0"/>
               <a:t>を</a:t>
             </a:r>
-            <a:endParaRPr lang="en-US" altLang="ja-JP" dirty="0" smtClean="0"/>
-          </a:p>
-          <a:p>
-            <a:r>
-              <a:rPr lang="ja-JP" altLang="en-US" dirty="0" smtClean="0"/>
+            <a:endParaRPr lang="en-US" altLang="ja-JP" sz="1600" dirty="0" smtClean="0"/>
+          </a:p>
+          <a:p>
+            <a:r>
+              <a:rPr lang="ja-JP" altLang="en-US" sz="1600" dirty="0" smtClean="0"/>
               <a:t>ダブルクリック</a:t>
             </a:r>
             <a:r>
-              <a:rPr lang="ja-JP" altLang="en-US" dirty="0"/>
+              <a:rPr lang="ja-JP" altLang="en-US" sz="1600" dirty="0"/>
               <a:t>してみよう．</a:t>
             </a:r>
-            <a:endParaRPr lang="en-US" altLang="ja-JP" dirty="0"/>
-          </a:p>
-          <a:p>
-            <a:endParaRPr kumimoji="1" lang="ja-JP" altLang="en-US" dirty="0"/>
+            <a:endParaRPr lang="en-US" altLang="ja-JP" sz="1600" dirty="0"/>
+          </a:p>
+          <a:p>
+            <a:endParaRPr kumimoji="1" lang="ja-JP" altLang="en-US" sz="1600" dirty="0"/>
           </a:p>
         </p:txBody>
       </p:sp>
@@ -5418,7 +7329,7 @@
         </p:blipFill>
         <p:spPr bwMode="auto">
           <a:xfrm>
-            <a:off x="4603133" y="1566825"/>
+            <a:off x="4603133" y="1490625"/>
             <a:ext cx="1889299" cy="2698826"/>
           </a:xfrm>
           <a:prstGeom prst="rect">
@@ -5447,8 +7358,8 @@
         </p:nvSpPr>
         <p:spPr>
           <a:xfrm>
-            <a:off x="323706" y="1004114"/>
-            <a:ext cx="6191394" cy="369332"/>
+            <a:off x="323706" y="889814"/>
+            <a:ext cx="6191394" cy="461665"/>
           </a:xfrm>
           <a:prstGeom prst="rect">
             <a:avLst/>
@@ -5469,14 +7380,14 @@
           <a:lstStyle/>
           <a:p>
             <a:r>
-              <a:rPr kumimoji="1" lang="en-US" altLang="ja-JP" dirty="0" smtClean="0"/>
+              <a:rPr kumimoji="1" lang="en-US" altLang="ja-JP" sz="2400" dirty="0" smtClean="0"/>
               <a:t>Step2-1. Processing</a:t>
             </a:r>
             <a:r>
-              <a:rPr kumimoji="1" lang="ja-JP" altLang="en-US" dirty="0" smtClean="0"/>
+              <a:rPr kumimoji="1" lang="ja-JP" altLang="en-US" sz="2400" dirty="0" smtClean="0"/>
               <a:t>の起動</a:t>
             </a:r>
-            <a:endParaRPr kumimoji="1" lang="ja-JP" altLang="en-US" dirty="0"/>
+            <a:endParaRPr kumimoji="1" lang="ja-JP" altLang="en-US" sz="2400" dirty="0"/>
           </a:p>
         </p:txBody>
       </p:sp>
@@ -5489,7 +7400,7 @@
         <p:spPr>
           <a:xfrm>
             <a:off x="2773786" y="3222544"/>
-            <a:ext cx="1829347" cy="646331"/>
+            <a:ext cx="1646605" cy="584776"/>
           </a:xfrm>
           <a:prstGeom prst="rect">
             <a:avLst/>
@@ -5503,21 +7414,21 @@
           <a:lstStyle/>
           <a:p>
             <a:r>
-              <a:rPr lang="en-US" altLang="ja-JP" dirty="0" smtClean="0"/>
+              <a:rPr lang="en-US" altLang="ja-JP" sz="1600" dirty="0" smtClean="0"/>
               <a:t>Processing</a:t>
             </a:r>
             <a:r>
-              <a:rPr lang="ja-JP" altLang="en-US" dirty="0" smtClean="0"/>
+              <a:rPr lang="ja-JP" altLang="en-US" sz="1600" dirty="0" smtClean="0"/>
               <a:t>が</a:t>
             </a:r>
-            <a:endParaRPr lang="en-US" altLang="ja-JP" dirty="0" smtClean="0"/>
-          </a:p>
-          <a:p>
-            <a:r>
-              <a:rPr lang="ja-JP" altLang="en-US" dirty="0" smtClean="0"/>
+            <a:endParaRPr lang="en-US" altLang="ja-JP" sz="1600" dirty="0" smtClean="0"/>
+          </a:p>
+          <a:p>
+            <a:r>
+              <a:rPr lang="ja-JP" altLang="en-US" sz="1600" dirty="0" smtClean="0"/>
               <a:t>立ち上がります．</a:t>
             </a:r>
-            <a:endParaRPr kumimoji="1" lang="en-US" altLang="ja-JP" dirty="0" smtClean="0"/>
+            <a:endParaRPr kumimoji="1" lang="en-US" altLang="ja-JP" sz="1600" dirty="0" smtClean="0"/>
           </a:p>
         </p:txBody>
       </p:sp>
@@ -5529,8 +7440,8 @@
         </p:nvSpPr>
         <p:spPr>
           <a:xfrm>
-            <a:off x="203200" y="4336926"/>
-            <a:ext cx="6191394" cy="369332"/>
+            <a:off x="203200" y="4286126"/>
+            <a:ext cx="6191394" cy="461665"/>
           </a:xfrm>
           <a:prstGeom prst="rect">
             <a:avLst/>
@@ -5551,22 +7462,14 @@
           <a:lstStyle/>
           <a:p>
             <a:r>
-              <a:rPr kumimoji="1" lang="en-US" altLang="ja-JP" dirty="0" smtClean="0"/>
+              <a:rPr kumimoji="1" lang="en-US" altLang="ja-JP" sz="2400" dirty="0" smtClean="0"/>
               <a:t>Step2-2. </a:t>
             </a:r>
             <a:r>
-              <a:rPr lang="ja-JP" altLang="en-US" dirty="0" smtClean="0"/>
-              <a:t>四角形</a:t>
-            </a:r>
-            <a:r>
-              <a:rPr lang="ja-JP" altLang="en-US" dirty="0" smtClean="0"/>
-              <a:t>を</a:t>
-            </a:r>
-            <a:r>
-              <a:rPr lang="ja-JP" altLang="en-US" dirty="0" smtClean="0"/>
-              <a:t>表示</a:t>
-            </a:r>
-            <a:endParaRPr lang="en-US" altLang="ja-JP" dirty="0" smtClean="0"/>
+              <a:rPr lang="ja-JP" altLang="en-US" sz="2400" dirty="0" smtClean="0"/>
+              <a:t>四角形を表示</a:t>
+            </a:r>
+            <a:endParaRPr lang="en-US" altLang="ja-JP" sz="2400" dirty="0" smtClean="0"/>
           </a:p>
         </p:txBody>
       </p:sp>
@@ -5579,7 +7482,7 @@
         <p:spPr>
           <a:xfrm>
             <a:off x="203201" y="4693558"/>
-            <a:ext cx="6654800" cy="646331"/>
+            <a:ext cx="6654800" cy="584776"/>
           </a:xfrm>
           <a:prstGeom prst="rect">
             <a:avLst/>
@@ -5593,42 +7496,42 @@
           <a:lstStyle/>
           <a:p>
             <a:r>
-              <a:rPr kumimoji="1" lang="ja-JP" altLang="en-US" dirty="0" smtClean="0"/>
+              <a:rPr kumimoji="1" lang="ja-JP" altLang="en-US" sz="1600" dirty="0" smtClean="0"/>
               <a:t>先ほど起動したウィンドウの</a:t>
             </a:r>
             <a:r>
-              <a:rPr lang="ja-JP" altLang="en-US" dirty="0" smtClean="0"/>
+              <a:rPr lang="ja-JP" altLang="en-US" sz="1600" dirty="0" smtClean="0"/>
               <a:t>入力</a:t>
             </a:r>
             <a:r>
-              <a:rPr kumimoji="1" lang="ja-JP" altLang="en-US" dirty="0" smtClean="0"/>
+              <a:rPr kumimoji="1" lang="ja-JP" altLang="en-US" sz="1600" dirty="0" smtClean="0"/>
               <a:t>部分</a:t>
             </a:r>
             <a:r>
-              <a:rPr kumimoji="1" lang="en-US" altLang="ja-JP" dirty="0" smtClean="0"/>
+              <a:rPr kumimoji="1" lang="en-US" altLang="ja-JP" sz="1600" dirty="0" smtClean="0"/>
               <a:t>①</a:t>
             </a:r>
             <a:r>
-              <a:rPr kumimoji="1" lang="ja-JP" altLang="en-US" dirty="0" smtClean="0"/>
+              <a:rPr kumimoji="1" lang="ja-JP" altLang="en-US" sz="1600" dirty="0" smtClean="0"/>
               <a:t>に次の</a:t>
             </a:r>
             <a:r>
-              <a:rPr lang="ja-JP" altLang="en-US" dirty="0" smtClean="0"/>
+              <a:rPr lang="ja-JP" altLang="en-US" sz="1600" dirty="0" smtClean="0"/>
               <a:t>プログラム</a:t>
             </a:r>
             <a:r>
-              <a:rPr kumimoji="1" lang="ja-JP" altLang="en-US" dirty="0" smtClean="0"/>
+              <a:rPr kumimoji="1" lang="ja-JP" altLang="en-US" sz="1600" dirty="0" smtClean="0"/>
               <a:t>を入力して，実行ボタン</a:t>
             </a:r>
             <a:r>
-              <a:rPr lang="en-US" altLang="ja-JP" dirty="0" smtClean="0"/>
+              <a:rPr lang="en-US" altLang="ja-JP" sz="1600" dirty="0" smtClean="0"/>
               <a:t>②</a:t>
             </a:r>
             <a:r>
-              <a:rPr lang="ja-JP" altLang="en-US" dirty="0" smtClean="0"/>
+              <a:rPr lang="ja-JP" altLang="en-US" sz="1600" dirty="0" smtClean="0"/>
               <a:t>を押してみよう．</a:t>
             </a:r>
-            <a:endParaRPr kumimoji="1" lang="en-US" altLang="ja-JP" dirty="0" smtClean="0"/>
+            <a:endParaRPr kumimoji="1" lang="en-US" altLang="ja-JP" sz="1600" dirty="0" smtClean="0"/>
           </a:p>
         </p:txBody>
       </p:sp>
@@ -5692,12 +7595,12 @@
         </p:nvSpPr>
         <p:spPr>
           <a:xfrm>
-            <a:off x="653310" y="5455993"/>
-            <a:ext cx="1128009" cy="307118"/>
+            <a:off x="203200" y="5455993"/>
+            <a:ext cx="1578119" cy="307118"/>
           </a:xfrm>
           <a:prstGeom prst="wedgeRoundRectCallout">
             <a:avLst>
-              <a:gd name="adj1" fmla="val 91766"/>
+              <a:gd name="adj1" fmla="val 80439"/>
               <a:gd name="adj2" fmla="val 23631"/>
               <a:gd name="adj3" fmla="val 16667"/>
             </a:avLst>
@@ -5724,14 +7627,14 @@
           <a:p>
             <a:pPr algn="ctr"/>
             <a:r>
-              <a:rPr kumimoji="1" lang="en-US" altLang="ja-JP" sz="1200" dirty="0" smtClean="0"/>
+              <a:rPr kumimoji="1" lang="en-US" altLang="ja-JP" sz="1600" dirty="0" smtClean="0"/>
               <a:t>②</a:t>
             </a:r>
             <a:r>
-              <a:rPr kumimoji="1" lang="ja-JP" altLang="en-US" sz="1200" dirty="0" smtClean="0"/>
+              <a:rPr kumimoji="1" lang="ja-JP" altLang="en-US" sz="1600" dirty="0" smtClean="0"/>
               <a:t>実行ボタン</a:t>
             </a:r>
-            <a:endParaRPr kumimoji="1" lang="ja-JP" altLang="en-US" sz="1200" dirty="0"/>
+            <a:endParaRPr kumimoji="1" lang="ja-JP" altLang="en-US" sz="1600" dirty="0"/>
           </a:p>
         </p:txBody>
       </p:sp>
@@ -5743,13 +7646,13 @@
         </p:nvSpPr>
         <p:spPr>
           <a:xfrm>
-            <a:off x="653310" y="6227937"/>
-            <a:ext cx="1128009" cy="415382"/>
+            <a:off x="203200" y="6057900"/>
+            <a:ext cx="1578119" cy="585419"/>
           </a:xfrm>
           <a:prstGeom prst="wedgeRoundRectCallout">
             <a:avLst>
-              <a:gd name="adj1" fmla="val 101332"/>
-              <a:gd name="adj2" fmla="val -60728"/>
+              <a:gd name="adj1" fmla="val 93284"/>
+              <a:gd name="adj2" fmla="val -19510"/>
               <a:gd name="adj3" fmla="val 16667"/>
             </a:avLst>
           </a:prstGeom>
@@ -5775,14 +7678,14 @@
           <a:p>
             <a:pPr algn="ctr"/>
             <a:r>
-              <a:rPr lang="en-US" altLang="ja-JP" sz="1200" dirty="0" smtClean="0"/>
+              <a:rPr lang="en-US" altLang="ja-JP" sz="1600" dirty="0" smtClean="0"/>
               <a:t>①</a:t>
             </a:r>
             <a:r>
-              <a:rPr lang="ja-JP" altLang="en-US" sz="1200" dirty="0" smtClean="0"/>
+              <a:rPr lang="ja-JP" altLang="en-US" sz="1600" dirty="0" smtClean="0"/>
               <a:t>プログラムを書く</a:t>
             </a:r>
-            <a:endParaRPr kumimoji="1" lang="ja-JP" altLang="en-US" sz="1200" dirty="0"/>
+            <a:endParaRPr kumimoji="1" lang="ja-JP" altLang="en-US" sz="1600" dirty="0"/>
           </a:p>
         </p:txBody>
       </p:sp>
@@ -5851,8 +7754,8 @@
         </p:nvSpPr>
         <p:spPr>
           <a:xfrm>
-            <a:off x="65466" y="7884960"/>
-            <a:ext cx="4697033" cy="646331"/>
+            <a:off x="203201" y="7382794"/>
+            <a:ext cx="4697033" cy="584776"/>
           </a:xfrm>
           <a:prstGeom prst="rect">
             <a:avLst/>
@@ -5866,17 +7769,17 @@
           <a:lstStyle/>
           <a:p>
             <a:r>
-              <a:rPr lang="ja-JP" altLang="en-US" dirty="0" smtClean="0"/>
+              <a:rPr lang="ja-JP" altLang="en-US" sz="1600" dirty="0" smtClean="0"/>
               <a:t>すると，次のようなウィンドウが表示されます．</a:t>
             </a:r>
-            <a:endParaRPr lang="en-US" altLang="ja-JP" dirty="0" smtClean="0"/>
-          </a:p>
-          <a:p>
-            <a:r>
-              <a:rPr lang="ja-JP" altLang="en-US" dirty="0" smtClean="0"/>
+            <a:endParaRPr lang="en-US" altLang="ja-JP" sz="1600" dirty="0" smtClean="0"/>
+          </a:p>
+          <a:p>
+            <a:r>
+              <a:rPr lang="ja-JP" altLang="en-US" sz="1600" dirty="0" smtClean="0"/>
               <a:t>これで「初めてのプログラム」が完成しました．</a:t>
             </a:r>
-            <a:endParaRPr kumimoji="1" lang="en-US" altLang="ja-JP" dirty="0" smtClean="0"/>
+            <a:endParaRPr kumimoji="1" lang="en-US" altLang="ja-JP" sz="1600" dirty="0" smtClean="0"/>
           </a:p>
         </p:txBody>
       </p:sp>
@@ -5952,44 +7855,6 @@
                 <a:srgbClr val="FFFFFF"/>
               </a:solidFill>
             </a:endParaRPr>
-          </a:p>
-        </p:txBody>
-      </p:sp>
-      <p:sp>
-        <p:nvSpPr>
-          <p:cNvPr id="20" name="正方形/長方形 19"/>
-          <p:cNvSpPr/>
-          <p:nvPr/>
-        </p:nvSpPr>
-        <p:spPr>
-          <a:xfrm>
-            <a:off x="1054100" y="0"/>
-            <a:ext cx="1041400" cy="232413"/>
-          </a:xfrm>
-          <a:prstGeom prst="rect">
-            <a:avLst/>
-          </a:prstGeom>
-        </p:spPr>
-        <p:style>
-          <a:lnRef idx="1">
-            <a:schemeClr val="accent1"/>
-          </a:lnRef>
-          <a:fillRef idx="3">
-            <a:schemeClr val="accent1"/>
-          </a:fillRef>
-          <a:effectRef idx="2">
-            <a:schemeClr val="accent1"/>
-          </a:effectRef>
-          <a:fontRef idx="minor">
-            <a:schemeClr val="lt1"/>
-          </a:fontRef>
-        </p:style>
-        <p:txBody>
-          <a:bodyPr rtlCol="0" anchor="ctr"/>
-          <a:lstStyle/>
-          <a:p>
-            <a:pPr algn="ctr"/>
-            <a:endParaRPr kumimoji="1" lang="ja-JP" altLang="en-US"/>
           </a:p>
         </p:txBody>
       </p:sp>
@@ -6085,8 +7950,8 @@
         </p:nvSpPr>
         <p:spPr>
           <a:xfrm>
-            <a:off x="207630" y="225346"/>
-            <a:ext cx="6191394" cy="369332"/>
+            <a:off x="207630" y="199946"/>
+            <a:ext cx="6191394" cy="461665"/>
           </a:xfrm>
           <a:prstGeom prst="rect">
             <a:avLst/>
@@ -6105,26 +7970,26 @@
           <a:lstStyle/>
           <a:p>
             <a:r>
-              <a:rPr kumimoji="1" lang="en-US" altLang="ja-JP" dirty="0" smtClean="0"/>
-              <a:t>Step2-3. </a:t>
-            </a:r>
-            <a:r>
-              <a:rPr kumimoji="1" lang="ja-JP" altLang="en-US" dirty="0" smtClean="0"/>
-              <a:t>プログラムの意味を</a:t>
-            </a:r>
-            <a:r>
-              <a:rPr kumimoji="1" lang="ja-JP" altLang="en-US" dirty="0" smtClean="0"/>
-              <a:t>理解</a:t>
-            </a:r>
-            <a:r>
-              <a:rPr lang="ja-JP" altLang="en-US" dirty="0" smtClean="0"/>
+              <a:rPr kumimoji="1" lang="en-US" altLang="ja-JP" sz="2400" dirty="0" smtClean="0"/>
+              <a:t>Step2-3</a:t>
+            </a:r>
+            <a:r>
+              <a:rPr kumimoji="1" lang="en-US" altLang="ja-JP" sz="2400" dirty="0" smtClean="0"/>
+              <a:t>. </a:t>
+            </a:r>
+            <a:r>
+              <a:rPr kumimoji="1" lang="ja-JP" altLang="en-US" sz="2400" dirty="0" smtClean="0"/>
+              <a:t>プログラムの意味を理解</a:t>
+            </a:r>
+            <a:r>
+              <a:rPr lang="ja-JP" altLang="en-US" sz="2400" dirty="0" smtClean="0"/>
               <a:t>し</a:t>
             </a:r>
             <a:r>
-              <a:rPr kumimoji="1" lang="ja-JP" altLang="en-US" dirty="0" smtClean="0"/>
+              <a:rPr kumimoji="1" lang="ja-JP" altLang="en-US" sz="2400" dirty="0" smtClean="0"/>
               <a:t>よう</a:t>
             </a:r>
-            <a:endParaRPr kumimoji="1" lang="ja-JP" altLang="en-US" dirty="0"/>
+            <a:endParaRPr kumimoji="1" lang="ja-JP" altLang="en-US" sz="2400" dirty="0"/>
           </a:p>
         </p:txBody>
       </p:sp>
@@ -6136,8 +8001,8 @@
         </p:nvSpPr>
         <p:spPr>
           <a:xfrm>
-            <a:off x="207630" y="594678"/>
-            <a:ext cx="4557858" cy="369332"/>
+            <a:off x="207630" y="658178"/>
+            <a:ext cx="4071948" cy="338554"/>
           </a:xfrm>
           <a:prstGeom prst="rect">
             <a:avLst/>
@@ -6151,10 +8016,10 @@
           <a:lstStyle/>
           <a:p>
             <a:r>
-              <a:rPr lang="ja-JP" altLang="en-US" dirty="0" smtClean="0"/>
+              <a:rPr lang="ja-JP" altLang="en-US" sz="1600" dirty="0" smtClean="0"/>
               <a:t>このプログラムの意味は次のようになります．</a:t>
             </a:r>
-            <a:endParaRPr kumimoji="1" lang="en-US" altLang="ja-JP" dirty="0" smtClean="0"/>
+            <a:endParaRPr kumimoji="1" lang="en-US" altLang="ja-JP" sz="1600" dirty="0" smtClean="0"/>
           </a:p>
         </p:txBody>
       </p:sp>
@@ -6224,7 +8089,7 @@
         <p:spPr>
           <a:xfrm>
             <a:off x="568840" y="1363058"/>
-            <a:ext cx="5727104" cy="7366075"/>
+            <a:ext cx="5727104" cy="6447335"/>
           </a:xfrm>
           <a:prstGeom prst="rect">
             <a:avLst/>
@@ -6268,7 +8133,7 @@
         <p:spPr>
           <a:xfrm>
             <a:off x="568840" y="1462790"/>
-            <a:ext cx="3323446" cy="1200329"/>
+            <a:ext cx="2974693" cy="1077218"/>
           </a:xfrm>
           <a:prstGeom prst="rect">
             <a:avLst/>
@@ -6282,125 +8147,125 @@
           <a:lstStyle/>
           <a:p>
             <a:r>
-              <a:rPr lang="en-US" altLang="ja-JP" dirty="0" err="1"/>
+              <a:rPr lang="en-US" altLang="ja-JP" sz="1600" dirty="0" err="1"/>
               <a:t>r</a:t>
             </a:r>
             <a:r>
-              <a:rPr lang="en-US" altLang="ja-JP" dirty="0" err="1" smtClean="0"/>
+              <a:rPr lang="en-US" altLang="ja-JP" sz="1600" dirty="0" err="1" smtClean="0"/>
               <a:t>ect</a:t>
             </a:r>
             <a:r>
-              <a:rPr lang="en-US" altLang="ja-JP" dirty="0" smtClean="0"/>
+              <a:rPr lang="en-US" altLang="ja-JP" sz="1600" dirty="0" smtClean="0"/>
               <a:t>(</a:t>
             </a:r>
             <a:r>
-              <a:rPr lang="ja-JP" altLang="en-US" dirty="0" smtClean="0"/>
+              <a:rPr lang="ja-JP" altLang="en-US" sz="1600" dirty="0" smtClean="0"/>
               <a:t>四角形の左上頂点の</a:t>
             </a:r>
             <a:r>
-              <a:rPr lang="en-US" altLang="ja-JP" dirty="0" smtClean="0"/>
+              <a:rPr lang="en-US" altLang="ja-JP" sz="1600" dirty="0" smtClean="0"/>
               <a:t>x</a:t>
             </a:r>
             <a:r>
-              <a:rPr lang="ja-JP" altLang="en-US" dirty="0" smtClean="0"/>
+              <a:rPr lang="ja-JP" altLang="en-US" sz="1600" dirty="0" smtClean="0"/>
               <a:t>座標</a:t>
             </a:r>
             <a:r>
-              <a:rPr lang="en-US" altLang="ja-JP" dirty="0" smtClean="0"/>
+              <a:rPr lang="en-US" altLang="ja-JP" sz="1600" dirty="0" smtClean="0"/>
               <a:t>,</a:t>
             </a:r>
           </a:p>
           <a:p>
             <a:r>
-              <a:rPr lang="en-US" altLang="ja-JP" dirty="0" smtClean="0"/>
+              <a:rPr lang="en-US" altLang="ja-JP" sz="1600" dirty="0" smtClean="0"/>
               <a:t>        </a:t>
             </a:r>
             <a:r>
-              <a:rPr lang="ja-JP" altLang="en-US" dirty="0" smtClean="0"/>
+              <a:rPr lang="ja-JP" altLang="en-US" sz="1600" dirty="0" smtClean="0"/>
               <a:t>四</a:t>
             </a:r>
             <a:r>
-              <a:rPr lang="ja-JP" altLang="en-US" dirty="0"/>
+              <a:rPr lang="ja-JP" altLang="en-US" sz="1600" dirty="0"/>
               <a:t>角形の左上頂点</a:t>
             </a:r>
             <a:r>
-              <a:rPr lang="ja-JP" altLang="en-US" dirty="0" smtClean="0"/>
+              <a:rPr lang="ja-JP" altLang="en-US" sz="1600" dirty="0" smtClean="0"/>
               <a:t>の</a:t>
             </a:r>
             <a:r>
-              <a:rPr lang="en-US" altLang="ja-JP" dirty="0" smtClean="0"/>
+              <a:rPr lang="en-US" altLang="ja-JP" sz="1600" dirty="0" smtClean="0"/>
               <a:t>y</a:t>
             </a:r>
             <a:r>
-              <a:rPr lang="ja-JP" altLang="en-US" dirty="0" smtClean="0"/>
+              <a:rPr lang="ja-JP" altLang="en-US" sz="1600" dirty="0" smtClean="0"/>
               <a:t>座標</a:t>
             </a:r>
             <a:r>
-              <a:rPr lang="en-US" altLang="ja-JP" dirty="0"/>
+              <a:rPr lang="en-US" altLang="ja-JP" sz="1600" dirty="0"/>
               <a:t>,</a:t>
             </a:r>
           </a:p>
           <a:p>
             <a:r>
-              <a:rPr lang="en-US" altLang="ja-JP" dirty="0" smtClean="0"/>
+              <a:rPr lang="en-US" altLang="ja-JP" sz="1600" dirty="0" smtClean="0"/>
               <a:t>        </a:t>
             </a:r>
             <a:r>
-              <a:rPr lang="ja-JP" altLang="en-US" dirty="0" smtClean="0"/>
+              <a:rPr lang="ja-JP" altLang="en-US" sz="1600" dirty="0" smtClean="0"/>
               <a:t>四</a:t>
             </a:r>
             <a:r>
-              <a:rPr lang="ja-JP" altLang="en-US" dirty="0"/>
+              <a:rPr lang="ja-JP" altLang="en-US" sz="1600" dirty="0"/>
               <a:t>角形</a:t>
             </a:r>
             <a:r>
-              <a:rPr lang="ja-JP" altLang="en-US" dirty="0" smtClean="0"/>
+              <a:rPr lang="ja-JP" altLang="en-US" sz="1600" dirty="0" smtClean="0"/>
               <a:t>の横（</a:t>
             </a:r>
             <a:r>
-              <a:rPr lang="en-US" altLang="ja-JP" dirty="0" smtClean="0"/>
+              <a:rPr lang="en-US" altLang="ja-JP" sz="1600" dirty="0" smtClean="0"/>
               <a:t>x</a:t>
             </a:r>
             <a:r>
-              <a:rPr lang="ja-JP" altLang="en-US" dirty="0" smtClean="0"/>
+              <a:rPr lang="ja-JP" altLang="en-US" sz="1600" dirty="0" smtClean="0"/>
               <a:t>方向）の長さ</a:t>
             </a:r>
             <a:r>
-              <a:rPr lang="en-US" altLang="ja-JP" dirty="0" smtClean="0"/>
+              <a:rPr lang="en-US" altLang="ja-JP" sz="1600" dirty="0" smtClean="0"/>
               <a:t>,</a:t>
             </a:r>
-            <a:endParaRPr lang="en-US" altLang="ja-JP" dirty="0"/>
-          </a:p>
-          <a:p>
-            <a:r>
-              <a:rPr lang="en-US" altLang="ja-JP" dirty="0" smtClean="0"/>
+            <a:endParaRPr lang="en-US" altLang="ja-JP" sz="1600" dirty="0"/>
+          </a:p>
+          <a:p>
+            <a:r>
+              <a:rPr lang="en-US" altLang="ja-JP" sz="1600" dirty="0" smtClean="0"/>
               <a:t>        </a:t>
             </a:r>
             <a:r>
-              <a:rPr lang="ja-JP" altLang="en-US" dirty="0" smtClean="0"/>
+              <a:rPr lang="ja-JP" altLang="en-US" sz="1600" dirty="0" smtClean="0"/>
               <a:t>四</a:t>
             </a:r>
             <a:r>
-              <a:rPr lang="ja-JP" altLang="en-US" dirty="0"/>
+              <a:rPr lang="ja-JP" altLang="en-US" sz="1600" dirty="0"/>
               <a:t>角形</a:t>
             </a:r>
             <a:r>
-              <a:rPr lang="ja-JP" altLang="en-US" dirty="0" smtClean="0"/>
+              <a:rPr lang="ja-JP" altLang="en-US" sz="1600" dirty="0" smtClean="0"/>
               <a:t>の縦（</a:t>
             </a:r>
             <a:r>
-              <a:rPr lang="en-US" altLang="ja-JP" dirty="0" smtClean="0"/>
+              <a:rPr lang="en-US" altLang="ja-JP" sz="1600" dirty="0" smtClean="0"/>
               <a:t>y</a:t>
             </a:r>
             <a:r>
-              <a:rPr lang="ja-JP" altLang="en-US" dirty="0" smtClean="0"/>
+              <a:rPr lang="ja-JP" altLang="en-US" sz="1600" dirty="0" smtClean="0"/>
               <a:t>方向）の長さ</a:t>
             </a:r>
             <a:r>
-              <a:rPr lang="en-US" altLang="ja-JP" dirty="0" smtClean="0"/>
+              <a:rPr lang="en-US" altLang="ja-JP" sz="1600" dirty="0" smtClean="0"/>
               <a:t>);</a:t>
             </a:r>
-            <a:endParaRPr lang="en-US" altLang="ja-JP" dirty="0"/>
+            <a:endParaRPr lang="en-US" altLang="ja-JP" sz="1600" dirty="0"/>
           </a:p>
         </p:txBody>
       </p:sp>
@@ -6412,8 +8277,8 @@
         </p:nvSpPr>
         <p:spPr>
           <a:xfrm>
-            <a:off x="948532" y="7456162"/>
-            <a:ext cx="3547854" cy="646331"/>
+            <a:off x="948532" y="7164062"/>
+            <a:ext cx="3174166" cy="584776"/>
           </a:xfrm>
           <a:prstGeom prst="rect">
             <a:avLst/>
@@ -6427,59 +8292,21 @@
           <a:lstStyle/>
           <a:p>
             <a:r>
-              <a:rPr lang="en-US" altLang="ja-JP" dirty="0" smtClean="0"/>
+              <a:rPr lang="en-US" altLang="ja-JP" sz="1600" dirty="0" smtClean="0"/>
               <a:t>y</a:t>
             </a:r>
             <a:r>
-              <a:rPr lang="ja-JP" altLang="en-US" dirty="0" smtClean="0"/>
+              <a:rPr lang="ja-JP" altLang="en-US" sz="1600" dirty="0" smtClean="0"/>
               <a:t>軸は正負の向きが違うので注意．</a:t>
             </a:r>
-            <a:endParaRPr lang="en-US" altLang="ja-JP" dirty="0" smtClean="0"/>
-          </a:p>
-          <a:p>
-            <a:r>
-              <a:rPr lang="ja-JP" altLang="en-US" dirty="0" smtClean="0"/>
+            <a:endParaRPr lang="en-US" altLang="ja-JP" sz="1600" dirty="0" smtClean="0"/>
+          </a:p>
+          <a:p>
+            <a:r>
+              <a:rPr lang="ja-JP" altLang="en-US" sz="1600" dirty="0" smtClean="0"/>
               <a:t>下方向がプラスになります</a:t>
             </a:r>
-            <a:endParaRPr kumimoji="1" lang="ja-JP" altLang="en-US" dirty="0"/>
-          </a:p>
-        </p:txBody>
-      </p:sp>
-      <p:sp>
-        <p:nvSpPr>
-          <p:cNvPr id="30" name="正方形/長方形 29"/>
-          <p:cNvSpPr/>
-          <p:nvPr/>
-        </p:nvSpPr>
-        <p:spPr>
-          <a:xfrm>
-            <a:off x="1054100" y="0"/>
-            <a:ext cx="1041400" cy="232413"/>
-          </a:xfrm>
-          <a:prstGeom prst="rect">
-            <a:avLst/>
-          </a:prstGeom>
-        </p:spPr>
-        <p:style>
-          <a:lnRef idx="1">
-            <a:schemeClr val="accent1"/>
-          </a:lnRef>
-          <a:fillRef idx="3">
-            <a:schemeClr val="accent1"/>
-          </a:fillRef>
-          <a:effectRef idx="2">
-            <a:schemeClr val="accent1"/>
-          </a:effectRef>
-          <a:fontRef idx="minor">
-            <a:schemeClr val="lt1"/>
-          </a:fontRef>
-        </p:style>
-        <p:txBody>
-          <a:bodyPr rtlCol="0" anchor="ctr"/>
-          <a:lstStyle/>
-          <a:p>
-            <a:pPr algn="ctr"/>
-            <a:endParaRPr kumimoji="1" lang="ja-JP" altLang="en-US"/>
+            <a:endParaRPr kumimoji="1" lang="ja-JP" altLang="en-US" sz="1600" dirty="0"/>
           </a:p>
         </p:txBody>
       </p:sp>
@@ -6505,7 +8332,7 @@
         </p:blipFill>
         <p:spPr>
           <a:xfrm>
-            <a:off x="1691196" y="2830615"/>
+            <a:off x="1691196" y="2678215"/>
             <a:ext cx="3478784" cy="4076700"/>
           </a:xfrm>
           <a:prstGeom prst="rect">
@@ -6521,7 +8348,7 @@
         </p:nvSpPr>
         <p:spPr>
           <a:xfrm>
-            <a:off x="978166" y="3498651"/>
+            <a:off x="978166" y="3346251"/>
             <a:ext cx="1130087" cy="369332"/>
           </a:xfrm>
           <a:prstGeom prst="rect">
@@ -6555,7 +8382,7 @@
         </p:nvSpPr>
         <p:spPr>
           <a:xfrm>
-            <a:off x="2389246" y="3993204"/>
+            <a:off x="2389246" y="3840804"/>
             <a:ext cx="1364075" cy="369332"/>
           </a:xfrm>
           <a:prstGeom prst="rect">
@@ -6583,11 +8410,7 @@
             </a:r>
             <a:r>
               <a:rPr kumimoji="1" lang="en-US" altLang="ja-JP" dirty="0" smtClean="0"/>
-              <a:t>0</a:t>
-            </a:r>
-            <a:r>
-              <a:rPr kumimoji="1" lang="en-US" altLang="ja-JP" dirty="0" smtClean="0"/>
-              <a:t>, </a:t>
+              <a:t>0, </a:t>
             </a:r>
             <a:r>
               <a:rPr lang="en-US" altLang="ja-JP" dirty="0" smtClean="0"/>
@@ -6595,11 +8418,7 @@
             </a:r>
             <a:r>
               <a:rPr kumimoji="1" lang="en-US" altLang="ja-JP" dirty="0" smtClean="0"/>
-              <a:t>0</a:t>
-            </a:r>
-            <a:r>
-              <a:rPr kumimoji="1" lang="en-US" altLang="ja-JP" dirty="0" smtClean="0"/>
-              <a:t>)</a:t>
+              <a:t>0)</a:t>
             </a:r>
             <a:endParaRPr kumimoji="1" lang="ja-JP" altLang="en-US" dirty="0"/>
           </a:p>
@@ -6615,7 +8434,7 @@
         </p:nvCxnSpPr>
         <p:spPr>
           <a:xfrm flipV="1">
-            <a:off x="2070153" y="3821072"/>
+            <a:off x="2070153" y="3668672"/>
             <a:ext cx="3307239" cy="6"/>
           </a:xfrm>
           <a:prstGeom prst="straightConnector1">
@@ -6652,7 +8471,7 @@
         </p:nvCxnSpPr>
         <p:spPr>
           <a:xfrm>
-            <a:off x="2070153" y="3821072"/>
+            <a:off x="2070153" y="3668672"/>
             <a:ext cx="0" cy="3229489"/>
           </a:xfrm>
           <a:prstGeom prst="straightConnector1">
@@ -6689,7 +8508,7 @@
         </p:nvSpPr>
         <p:spPr>
           <a:xfrm>
-            <a:off x="5377392" y="3621017"/>
+            <a:off x="5377392" y="3468617"/>
             <a:ext cx="552229" cy="400110"/>
           </a:xfrm>
           <a:prstGeom prst="rect">
@@ -6723,7 +8542,7 @@
         </p:nvSpPr>
         <p:spPr>
           <a:xfrm>
-            <a:off x="1791533" y="6978189"/>
+            <a:off x="1791533" y="6825789"/>
             <a:ext cx="557239" cy="400110"/>
           </a:xfrm>
           <a:prstGeom prst="rect">
@@ -6757,7 +8576,7 @@
         </p:nvSpPr>
         <p:spPr>
           <a:xfrm>
-            <a:off x="2146822" y="3367591"/>
+            <a:off x="2146822" y="3215191"/>
             <a:ext cx="418654" cy="369332"/>
           </a:xfrm>
           <a:prstGeom prst="rect">
@@ -6787,7 +8606,7 @@
         </p:nvCxnSpPr>
         <p:spPr>
           <a:xfrm flipV="1">
-            <a:off x="2358101" y="3846478"/>
+            <a:off x="2358101" y="3694078"/>
             <a:ext cx="0" cy="516058"/>
           </a:xfrm>
           <a:prstGeom prst="straightConnector1">
@@ -6826,7 +8645,7 @@
         </p:nvCxnSpPr>
         <p:spPr>
           <a:xfrm>
-            <a:off x="2070153" y="4362536"/>
+            <a:off x="2070153" y="4210136"/>
             <a:ext cx="300043" cy="0"/>
           </a:xfrm>
           <a:prstGeom prst="straightConnector1">
@@ -6865,7 +8684,7 @@
         </p:nvCxnSpPr>
         <p:spPr>
           <a:xfrm flipV="1">
-            <a:off x="2359253" y="3687949"/>
+            <a:off x="2359253" y="3535549"/>
             <a:ext cx="0" cy="138500"/>
           </a:xfrm>
           <a:prstGeom prst="straightConnector1">
@@ -6904,7 +8723,7 @@
         </p:nvSpPr>
         <p:spPr>
           <a:xfrm>
-            <a:off x="1621486" y="4154791"/>
+            <a:off x="1621486" y="4002391"/>
             <a:ext cx="418654" cy="369332"/>
           </a:xfrm>
           <a:prstGeom prst="rect">
@@ -6934,7 +8753,7 @@
         </p:nvCxnSpPr>
         <p:spPr>
           <a:xfrm>
-            <a:off x="1988143" y="4362536"/>
+            <a:off x="1988143" y="4210136"/>
             <a:ext cx="82010" cy="0"/>
           </a:xfrm>
           <a:prstGeom prst="straightConnector1">
@@ -6973,7 +8792,7 @@
         </p:nvSpPr>
         <p:spPr>
           <a:xfrm>
-            <a:off x="2824112" y="4675942"/>
+            <a:off x="2824112" y="4523542"/>
             <a:ext cx="418654" cy="369332"/>
           </a:xfrm>
           <a:prstGeom prst="rect">
@@ -7007,7 +8826,7 @@
         </p:nvSpPr>
         <p:spPr>
           <a:xfrm>
-            <a:off x="2595588" y="5144610"/>
+            <a:off x="2595588" y="4992210"/>
             <a:ext cx="418654" cy="369332"/>
           </a:xfrm>
           <a:prstGeom prst="rect">
@@ -7023,13 +8842,110 @@
           <a:p>
             <a:r>
               <a:rPr lang="en-US" altLang="ja-JP" dirty="0" smtClean="0"/>
-              <a:t>3</a:t>
+              <a:t>30</a:t>
+            </a:r>
+            <a:endParaRPr kumimoji="1" lang="ja-JP" altLang="en-US" dirty="0"/>
+          </a:p>
+        </p:txBody>
+      </p:sp>
+      <p:sp>
+        <p:nvSpPr>
+          <p:cNvPr id="27" name="テキスト ボックス 26"/>
+          <p:cNvSpPr txBox="1"/>
+          <p:nvPr/>
+        </p:nvSpPr>
+        <p:spPr>
+          <a:xfrm>
+            <a:off x="207630" y="8099346"/>
+            <a:ext cx="6191394" cy="646331"/>
+          </a:xfrm>
+          <a:prstGeom prst="rect">
+            <a:avLst/>
+          </a:prstGeom>
+          <a:noFill/>
+          <a:ln w="38100" cmpd="sng">
+            <a:solidFill>
+              <a:schemeClr val="tx1"/>
+            </a:solidFill>
+            <a:prstDash val="sysDash"/>
+          </a:ln>
+        </p:spPr>
+        <p:txBody>
+          <a:bodyPr wrap="square" rtlCol="0">
+            <a:spAutoFit/>
+          </a:bodyPr>
+          <a:lstStyle/>
+          <a:p>
+            <a:r>
+              <a:rPr lang="ja-JP" altLang="en-US" dirty="0" smtClean="0"/>
+              <a:t>問題</a:t>
             </a:r>
             <a:r>
               <a:rPr lang="en-US" altLang="ja-JP" dirty="0" smtClean="0"/>
-              <a:t>0</a:t>
+              <a:t>2-1</a:t>
+            </a:r>
+            <a:r>
+              <a:rPr lang="ja-JP" altLang="en-US" dirty="0" smtClean="0"/>
+              <a:t>　座標</a:t>
+            </a:r>
+            <a:r>
+              <a:rPr lang="en-US" altLang="ja-JP" dirty="0" smtClean="0"/>
+              <a:t>(25, 50)</a:t>
+            </a:r>
+            <a:r>
+              <a:rPr lang="ja-JP" altLang="en-US" dirty="0" smtClean="0"/>
+              <a:t>に，横が</a:t>
+            </a:r>
+            <a:r>
+              <a:rPr lang="en-US" altLang="ja-JP" dirty="0" smtClean="0"/>
+              <a:t>100</a:t>
+            </a:r>
+            <a:r>
+              <a:rPr lang="ja-JP" altLang="en-US" dirty="0" smtClean="0"/>
+              <a:t>，縦が</a:t>
+            </a:r>
+            <a:r>
+              <a:rPr lang="en-US" altLang="ja-JP" dirty="0" smtClean="0"/>
+              <a:t>5</a:t>
+            </a:r>
+            <a:r>
+              <a:rPr lang="ja-JP" altLang="en-US" dirty="0" smtClean="0"/>
+              <a:t>の長方形を描いてみよう</a:t>
             </a:r>
             <a:endParaRPr kumimoji="1" lang="ja-JP" altLang="en-US" dirty="0"/>
+          </a:p>
+        </p:txBody>
+      </p:sp>
+      <p:sp>
+        <p:nvSpPr>
+          <p:cNvPr id="3" name="正方形/長方形 2"/>
+          <p:cNvSpPr/>
+          <p:nvPr/>
+        </p:nvSpPr>
+        <p:spPr>
+          <a:xfrm>
+            <a:off x="207630" y="8755235"/>
+            <a:ext cx="1378227" cy="276999"/>
+          </a:xfrm>
+          <a:prstGeom prst="rect">
+            <a:avLst/>
+          </a:prstGeom>
+        </p:spPr>
+        <p:txBody>
+          <a:bodyPr wrap="none">
+            <a:spAutoFit/>
+          </a:bodyPr>
+          <a:lstStyle/>
+          <a:p>
+            <a:r>
+              <a:rPr lang="ja-JP" altLang="en-US" sz="1200" i="1" dirty="0" smtClean="0"/>
+              <a:t>解答は</a:t>
+            </a:r>
+            <a:r>
+              <a:rPr lang="en-US" altLang="ja-JP" sz="1200" i="1" dirty="0" smtClean="0"/>
+              <a:t>answer2_1</a:t>
+            </a:r>
+            <a:endParaRPr lang="ja-JP" altLang="en-US" sz="1200" i="1" dirty="0"/>
           </a:p>
         </p:txBody>
       </p:sp>
@@ -7119,14 +9035,14 @@
       </p:sp>
       <p:sp>
         <p:nvSpPr>
-          <p:cNvPr id="7" name="テキスト ボックス 6"/>
+          <p:cNvPr id="10" name="テキスト ボックス 9"/>
           <p:cNvSpPr txBox="1"/>
           <p:nvPr/>
         </p:nvSpPr>
         <p:spPr>
           <a:xfrm>
-            <a:off x="203200" y="228139"/>
-            <a:ext cx="6191394" cy="369332"/>
+            <a:off x="207630" y="199946"/>
+            <a:ext cx="6191394" cy="461665"/>
           </a:xfrm>
           <a:prstGeom prst="rect">
             <a:avLst/>
@@ -7145,31 +9061,632 @@
           <a:lstStyle/>
           <a:p>
             <a:r>
-              <a:rPr kumimoji="1" lang="en-US" altLang="ja-JP" dirty="0" smtClean="0"/>
+              <a:rPr kumimoji="1" lang="en-US" altLang="ja-JP" sz="2400" dirty="0" smtClean="0"/>
               <a:t>Step2</a:t>
             </a:r>
             <a:r>
-              <a:rPr kumimoji="1" lang="en-US" altLang="ja-JP" dirty="0" smtClean="0"/>
-              <a:t>-4. </a:t>
-            </a:r>
-            <a:r>
-              <a:rPr kumimoji="1" lang="ja-JP" altLang="en-US" dirty="0" smtClean="0"/>
-              <a:t>画像を表示してみよう</a:t>
-            </a:r>
-            <a:endParaRPr kumimoji="1" lang="ja-JP" altLang="en-US" dirty="0"/>
-          </a:p>
-        </p:txBody>
-      </p:sp>
-      <p:sp>
-        <p:nvSpPr>
-          <p:cNvPr id="9" name="テキスト ボックス 8"/>
+              <a:rPr kumimoji="1" lang="en-US" altLang="ja-JP" sz="2400" dirty="0" smtClean="0"/>
+              <a:t>-</a:t>
+            </a:r>
+            <a:r>
+              <a:rPr lang="en-US" altLang="ja-JP" sz="2400" dirty="0"/>
+              <a:t>4</a:t>
+            </a:r>
+            <a:r>
+              <a:rPr kumimoji="1" lang="en-US" altLang="ja-JP" sz="2400" dirty="0" smtClean="0"/>
+              <a:t>. </a:t>
+            </a:r>
+            <a:r>
+              <a:rPr kumimoji="1" lang="ja-JP" altLang="en-US" sz="2400" dirty="0" smtClean="0"/>
+              <a:t>変数を使えるようになろう</a:t>
+            </a:r>
+            <a:endParaRPr kumimoji="1" lang="ja-JP" altLang="en-US" sz="2400" dirty="0"/>
+          </a:p>
+        </p:txBody>
+      </p:sp>
+      <p:sp>
+        <p:nvSpPr>
+          <p:cNvPr id="30" name="正方形/長方形 29"/>
+          <p:cNvSpPr/>
+          <p:nvPr/>
+        </p:nvSpPr>
+        <p:spPr>
+          <a:xfrm>
+            <a:off x="568840" y="1919339"/>
+            <a:ext cx="5727104" cy="5874770"/>
+          </a:xfrm>
+          <a:prstGeom prst="rect">
+            <a:avLst/>
+          </a:prstGeom>
+          <a:noFill/>
+          <a:ln>
+            <a:solidFill>
+              <a:schemeClr val="tx1"/>
+            </a:solidFill>
+          </a:ln>
+        </p:spPr>
+        <p:style>
+          <a:lnRef idx="1">
+            <a:schemeClr val="accent1"/>
+          </a:lnRef>
+          <a:fillRef idx="3">
+            <a:schemeClr val="accent1"/>
+          </a:fillRef>
+          <a:effectRef idx="2">
+            <a:schemeClr val="accent1"/>
+          </a:effectRef>
+          <a:fontRef idx="minor">
+            <a:schemeClr val="lt1"/>
+          </a:fontRef>
+        </p:style>
+        <p:txBody>
+          <a:bodyPr rtlCol="0" anchor="ctr"/>
+          <a:lstStyle/>
+          <a:p>
+            <a:pPr algn="ctr"/>
+            <a:endParaRPr kumimoji="1" lang="ja-JP" altLang="en-US"/>
+          </a:p>
+        </p:txBody>
+      </p:sp>
+      <p:sp>
+        <p:nvSpPr>
+          <p:cNvPr id="31" name="テキスト ボックス 30"/>
           <p:cNvSpPr txBox="1"/>
           <p:nvPr/>
         </p:nvSpPr>
         <p:spPr>
           <a:xfrm>
-            <a:off x="564410" y="755730"/>
-            <a:ext cx="5727104" cy="1200329"/>
+            <a:off x="606940" y="2059690"/>
+            <a:ext cx="1057501" cy="461665"/>
+          </a:xfrm>
+          <a:prstGeom prst="rect">
+            <a:avLst/>
+          </a:prstGeom>
+          <a:noFill/>
+        </p:spPr>
+        <p:txBody>
+          <a:bodyPr wrap="none" rtlCol="0">
+            <a:spAutoFit/>
+          </a:bodyPr>
+          <a:lstStyle/>
+          <a:p>
+            <a:r>
+              <a:rPr lang="en-US" altLang="ja-JP" sz="2400" dirty="0" err="1" smtClean="0"/>
+              <a:t>int</a:t>
+            </a:r>
+            <a:r>
+              <a:rPr lang="en-US" altLang="ja-JP" sz="2400" dirty="0" smtClean="0"/>
+              <a:t> </a:t>
+            </a:r>
+            <a:r>
+              <a:rPr lang="en-US" altLang="ja-JP" sz="2400" dirty="0" err="1" smtClean="0"/>
+              <a:t>len</a:t>
+            </a:r>
+            <a:r>
+              <a:rPr lang="en-US" altLang="ja-JP" sz="2400" dirty="0" smtClean="0"/>
+              <a:t>;</a:t>
+            </a:r>
+            <a:endParaRPr lang="en-US" altLang="ja-JP" sz="2400" dirty="0"/>
+          </a:p>
+        </p:txBody>
+      </p:sp>
+      <p:sp>
+        <p:nvSpPr>
+          <p:cNvPr id="32" name="テキスト ボックス 31"/>
+          <p:cNvSpPr txBox="1"/>
+          <p:nvPr/>
+        </p:nvSpPr>
+        <p:spPr>
+          <a:xfrm>
+            <a:off x="2239615" y="2061170"/>
+            <a:ext cx="4051899" cy="830997"/>
+          </a:xfrm>
+          <a:prstGeom prst="rect">
+            <a:avLst/>
+          </a:prstGeom>
+          <a:noFill/>
+        </p:spPr>
+        <p:txBody>
+          <a:bodyPr wrap="square" rtlCol="0">
+            <a:spAutoFit/>
+          </a:bodyPr>
+          <a:lstStyle/>
+          <a:p>
+            <a:r>
+              <a:rPr lang="ja-JP" altLang="en-US" sz="1600" dirty="0" smtClean="0"/>
+              <a:t>この１行で，プログラム内部に数値を格納できる箱ができる</a:t>
+            </a:r>
+            <a:r>
+              <a:rPr lang="ja-JP" altLang="en-US" sz="1600" dirty="0" smtClean="0"/>
+              <a:t>．</a:t>
+            </a:r>
+            <a:r>
+              <a:rPr lang="ja-JP" altLang="en-US" sz="1600" dirty="0" smtClean="0"/>
+              <a:t>変数の</a:t>
+            </a:r>
+            <a:r>
+              <a:rPr lang="ja-JP" altLang="en-US" sz="1600" dirty="0" smtClean="0"/>
+              <a:t>名前は自分で決めることができる．</a:t>
+            </a:r>
+            <a:endParaRPr lang="en-US" altLang="ja-JP" sz="1600" dirty="0"/>
+          </a:p>
+        </p:txBody>
+      </p:sp>
+      <p:sp>
+        <p:nvSpPr>
+          <p:cNvPr id="33" name="直方体 32"/>
+          <p:cNvSpPr/>
+          <p:nvPr/>
+        </p:nvSpPr>
+        <p:spPr>
+          <a:xfrm>
+            <a:off x="2667000" y="2984500"/>
+            <a:ext cx="1397000" cy="787400"/>
+          </a:xfrm>
+          <a:prstGeom prst="cube">
+            <a:avLst/>
+          </a:prstGeom>
+          <a:solidFill>
+            <a:schemeClr val="bg1">
+              <a:lumMod val="85000"/>
+            </a:schemeClr>
+          </a:solidFill>
+          <a:ln>
+            <a:solidFill>
+              <a:srgbClr val="000000"/>
+            </a:solidFill>
+          </a:ln>
+        </p:spPr>
+        <p:style>
+          <a:lnRef idx="1">
+            <a:schemeClr val="accent1"/>
+          </a:lnRef>
+          <a:fillRef idx="3">
+            <a:schemeClr val="accent1"/>
+          </a:fillRef>
+          <a:effectRef idx="2">
+            <a:schemeClr val="accent1"/>
+          </a:effectRef>
+          <a:fontRef idx="minor">
+            <a:schemeClr val="lt1"/>
+          </a:fontRef>
+        </p:style>
+        <p:txBody>
+          <a:bodyPr rtlCol="0" anchor="ctr"/>
+          <a:lstStyle/>
+          <a:p>
+            <a:pPr algn="ctr"/>
+            <a:r>
+              <a:rPr kumimoji="1" lang="en-US" altLang="ja-JP" sz="2800" dirty="0" err="1" smtClean="0">
+                <a:solidFill>
+                  <a:schemeClr val="tx1"/>
+                </a:solidFill>
+              </a:rPr>
+              <a:t>len</a:t>
+            </a:r>
+            <a:endParaRPr kumimoji="1" lang="ja-JP" altLang="en-US" sz="2800" dirty="0">
+              <a:solidFill>
+                <a:schemeClr val="tx1"/>
+              </a:solidFill>
+            </a:endParaRPr>
+          </a:p>
+        </p:txBody>
+      </p:sp>
+      <p:sp>
+        <p:nvSpPr>
+          <p:cNvPr id="35" name="テキスト ボックス 34"/>
+          <p:cNvSpPr txBox="1"/>
+          <p:nvPr/>
+        </p:nvSpPr>
+        <p:spPr>
+          <a:xfrm>
+            <a:off x="606940" y="3829344"/>
+            <a:ext cx="1256925" cy="461665"/>
+          </a:xfrm>
+          <a:prstGeom prst="rect">
+            <a:avLst/>
+          </a:prstGeom>
+          <a:noFill/>
+        </p:spPr>
+        <p:txBody>
+          <a:bodyPr wrap="none" rtlCol="0">
+            <a:spAutoFit/>
+          </a:bodyPr>
+          <a:lstStyle/>
+          <a:p>
+            <a:r>
+              <a:rPr lang="en-US" altLang="ja-JP" sz="2400" dirty="0" err="1" smtClean="0"/>
+              <a:t>len</a:t>
+            </a:r>
+            <a:r>
+              <a:rPr lang="en-US" altLang="ja-JP" sz="2400" dirty="0" smtClean="0"/>
+              <a:t> </a:t>
+            </a:r>
+            <a:r>
+              <a:rPr lang="en-US" altLang="ja-JP" sz="2400" dirty="0" smtClean="0"/>
+              <a:t>= </a:t>
+            </a:r>
+            <a:r>
+              <a:rPr lang="en-US" altLang="ja-JP" sz="2400" dirty="0" smtClean="0"/>
+              <a:t>50</a:t>
+            </a:r>
+            <a:r>
+              <a:rPr lang="en-US" altLang="ja-JP" sz="2400" dirty="0" smtClean="0"/>
+              <a:t>;</a:t>
+            </a:r>
+            <a:endParaRPr lang="en-US" altLang="ja-JP" sz="2400" dirty="0"/>
+          </a:p>
+        </p:txBody>
+      </p:sp>
+      <p:sp>
+        <p:nvSpPr>
+          <p:cNvPr id="36" name="テキスト ボックス 35"/>
+          <p:cNvSpPr txBox="1"/>
+          <p:nvPr/>
+        </p:nvSpPr>
+        <p:spPr>
+          <a:xfrm>
+            <a:off x="2369178" y="3921677"/>
+            <a:ext cx="4051899" cy="1077218"/>
+          </a:xfrm>
+          <a:prstGeom prst="rect">
+            <a:avLst/>
+          </a:prstGeom>
+          <a:noFill/>
+        </p:spPr>
+        <p:txBody>
+          <a:bodyPr wrap="square" rtlCol="0">
+            <a:spAutoFit/>
+          </a:bodyPr>
+          <a:lstStyle/>
+          <a:p>
+            <a:r>
+              <a:rPr lang="ja-JP" altLang="en-US" sz="1600" dirty="0" smtClean="0"/>
+              <a:t>この１行で，変数に数値を格納する</a:t>
+            </a:r>
+            <a:r>
+              <a:rPr lang="ja-JP" altLang="en-US" sz="1600" dirty="0" smtClean="0"/>
+              <a:t>．</a:t>
+            </a:r>
+            <a:r>
+              <a:rPr lang="en-US" altLang="ja-JP" sz="1600" dirty="0" smtClean="0"/>
+              <a:t>“=”</a:t>
+            </a:r>
+            <a:r>
+              <a:rPr lang="ja-JP" altLang="en-US" sz="1600" dirty="0" smtClean="0"/>
+              <a:t>の記号は数学の等号ではなく，</a:t>
+            </a:r>
+            <a:endParaRPr lang="en-US" altLang="ja-JP" sz="1600" dirty="0" smtClean="0"/>
+          </a:p>
+          <a:p>
+            <a:r>
+              <a:rPr lang="ja-JP" altLang="en-US" sz="1600" dirty="0" smtClean="0"/>
+              <a:t>値を代入する意味である．</a:t>
+            </a:r>
+            <a:r>
+              <a:rPr lang="en-US" altLang="ja-JP" sz="1600" dirty="0"/>
+              <a:t>“←”</a:t>
+            </a:r>
+            <a:r>
+              <a:rPr lang="ja-JP" altLang="en-US" sz="1600" dirty="0"/>
+              <a:t>の</a:t>
+            </a:r>
+            <a:r>
+              <a:rPr lang="ja-JP" altLang="en-US" sz="1600" dirty="0" smtClean="0"/>
+              <a:t>矢印</a:t>
+            </a:r>
+            <a:r>
+              <a:rPr lang="ja-JP" altLang="en-US" sz="1600" dirty="0" smtClean="0"/>
+              <a:t>だと思うと良い．</a:t>
+            </a:r>
+            <a:endParaRPr lang="en-US" altLang="ja-JP" sz="1600" dirty="0"/>
+          </a:p>
+        </p:txBody>
+      </p:sp>
+      <p:sp>
+        <p:nvSpPr>
+          <p:cNvPr id="37" name="直方体 36"/>
+          <p:cNvSpPr/>
+          <p:nvPr/>
+        </p:nvSpPr>
+        <p:spPr>
+          <a:xfrm>
+            <a:off x="2667000" y="5256433"/>
+            <a:ext cx="1397000" cy="787400"/>
+          </a:xfrm>
+          <a:prstGeom prst="cube">
+            <a:avLst/>
+          </a:prstGeom>
+          <a:solidFill>
+            <a:schemeClr val="bg1">
+              <a:lumMod val="85000"/>
+            </a:schemeClr>
+          </a:solidFill>
+          <a:ln>
+            <a:solidFill>
+              <a:srgbClr val="000000"/>
+            </a:solidFill>
+          </a:ln>
+        </p:spPr>
+        <p:style>
+          <a:lnRef idx="1">
+            <a:schemeClr val="accent1"/>
+          </a:lnRef>
+          <a:fillRef idx="3">
+            <a:schemeClr val="accent1"/>
+          </a:fillRef>
+          <a:effectRef idx="2">
+            <a:schemeClr val="accent1"/>
+          </a:effectRef>
+          <a:fontRef idx="minor">
+            <a:schemeClr val="lt1"/>
+          </a:fontRef>
+        </p:style>
+        <p:txBody>
+          <a:bodyPr rtlCol="0" anchor="ctr"/>
+          <a:lstStyle/>
+          <a:p>
+            <a:pPr algn="ctr"/>
+            <a:r>
+              <a:rPr lang="en-US" altLang="ja-JP" sz="2800" dirty="0" err="1" smtClean="0">
+                <a:solidFill>
+                  <a:schemeClr val="tx1"/>
+                </a:solidFill>
+              </a:rPr>
+              <a:t>len</a:t>
+            </a:r>
+            <a:endParaRPr kumimoji="1" lang="ja-JP" altLang="en-US" sz="2800" dirty="0">
+              <a:solidFill>
+                <a:schemeClr val="tx1"/>
+              </a:solidFill>
+            </a:endParaRPr>
+          </a:p>
+        </p:txBody>
+      </p:sp>
+      <p:sp>
+        <p:nvSpPr>
+          <p:cNvPr id="39" name="テキスト ボックス 38"/>
+          <p:cNvSpPr txBox="1"/>
+          <p:nvPr/>
+        </p:nvSpPr>
+        <p:spPr>
+          <a:xfrm>
+            <a:off x="4293527" y="4778635"/>
+            <a:ext cx="548648" cy="523220"/>
+          </a:xfrm>
+          <a:prstGeom prst="rect">
+            <a:avLst/>
+          </a:prstGeom>
+          <a:noFill/>
+        </p:spPr>
+        <p:txBody>
+          <a:bodyPr wrap="none" rtlCol="0">
+            <a:spAutoFit/>
+          </a:bodyPr>
+          <a:lstStyle/>
+          <a:p>
+            <a:r>
+              <a:rPr lang="en-US" altLang="ja-JP" sz="2800" dirty="0" smtClean="0"/>
+              <a:t>50</a:t>
+            </a:r>
+            <a:endParaRPr lang="en-US" altLang="ja-JP" sz="2800" dirty="0"/>
+          </a:p>
+        </p:txBody>
+      </p:sp>
+      <p:sp>
+        <p:nvSpPr>
+          <p:cNvPr id="40" name="テキスト ボックス 39"/>
+          <p:cNvSpPr txBox="1"/>
+          <p:nvPr/>
+        </p:nvSpPr>
+        <p:spPr>
+          <a:xfrm>
+            <a:off x="606940" y="6273689"/>
+            <a:ext cx="2781380" cy="461665"/>
+          </a:xfrm>
+          <a:prstGeom prst="rect">
+            <a:avLst/>
+          </a:prstGeom>
+          <a:noFill/>
+        </p:spPr>
+        <p:txBody>
+          <a:bodyPr wrap="none" rtlCol="0">
+            <a:spAutoFit/>
+          </a:bodyPr>
+          <a:lstStyle/>
+          <a:p>
+            <a:r>
+              <a:rPr lang="en-US" altLang="ja-JP" sz="2400" dirty="0" err="1" smtClean="0"/>
+              <a:t>rect</a:t>
+            </a:r>
+            <a:r>
+              <a:rPr lang="en-US" altLang="ja-JP" sz="2400" dirty="0" smtClean="0"/>
+              <a:t>(10, 20, </a:t>
+            </a:r>
+            <a:r>
+              <a:rPr lang="en-US" altLang="ja-JP" sz="2400" dirty="0" err="1" smtClean="0"/>
+              <a:t>len</a:t>
+            </a:r>
+            <a:r>
+              <a:rPr lang="en-US" altLang="ja-JP" sz="2400" dirty="0" smtClean="0"/>
+              <a:t>, </a:t>
+            </a:r>
+            <a:r>
+              <a:rPr lang="en-US" altLang="ja-JP" sz="2400" dirty="0" err="1" smtClean="0"/>
+              <a:t>len</a:t>
+            </a:r>
+            <a:r>
+              <a:rPr lang="en-US" altLang="ja-JP" sz="2400" dirty="0" smtClean="0"/>
+              <a:t>)</a:t>
+            </a:r>
+            <a:r>
+              <a:rPr lang="en-US" altLang="ja-JP" sz="2400" dirty="0" smtClean="0"/>
+              <a:t>;</a:t>
+            </a:r>
+            <a:endParaRPr lang="en-US" altLang="ja-JP" sz="2400" dirty="0"/>
+          </a:p>
+        </p:txBody>
+      </p:sp>
+      <p:sp>
+        <p:nvSpPr>
+          <p:cNvPr id="41" name="テキスト ボックス 40"/>
+          <p:cNvSpPr txBox="1"/>
+          <p:nvPr/>
+        </p:nvSpPr>
+        <p:spPr>
+          <a:xfrm>
+            <a:off x="3548821" y="6432675"/>
+            <a:ext cx="2597979" cy="830997"/>
+          </a:xfrm>
+          <a:prstGeom prst="rect">
+            <a:avLst/>
+          </a:prstGeom>
+          <a:noFill/>
+        </p:spPr>
+        <p:txBody>
+          <a:bodyPr wrap="square" rtlCol="0">
+            <a:spAutoFit/>
+          </a:bodyPr>
+          <a:lstStyle/>
+          <a:p>
+            <a:r>
+              <a:rPr lang="ja-JP" altLang="en-US" sz="1600" dirty="0" smtClean="0"/>
+              <a:t>変数</a:t>
+            </a:r>
+            <a:r>
+              <a:rPr lang="en-US" altLang="ja-JP" sz="1600" dirty="0" err="1" smtClean="0"/>
+              <a:t>len</a:t>
+            </a:r>
+            <a:r>
+              <a:rPr lang="ja-JP" altLang="en-US" sz="1600" dirty="0" smtClean="0"/>
+              <a:t>には</a:t>
+            </a:r>
+            <a:r>
+              <a:rPr lang="en-US" altLang="ja-JP" sz="1600" dirty="0" smtClean="0"/>
+              <a:t>50</a:t>
+            </a:r>
+            <a:r>
+              <a:rPr lang="ja-JP" altLang="en-US" sz="1600" dirty="0" smtClean="0"/>
+              <a:t>が</a:t>
+            </a:r>
+            <a:r>
+              <a:rPr lang="ja-JP" altLang="en-US" sz="1600" dirty="0" smtClean="0"/>
+              <a:t>入って</a:t>
+            </a:r>
+            <a:r>
+              <a:rPr lang="ja-JP" altLang="en-US" sz="1600" dirty="0" smtClean="0"/>
+              <a:t>い</a:t>
+            </a:r>
+            <a:r>
+              <a:rPr lang="ja-JP" altLang="en-US" sz="1600" dirty="0" smtClean="0"/>
+              <a:t>て，呼び出して</a:t>
+            </a:r>
+            <a:r>
+              <a:rPr lang="ja-JP" altLang="en-US" sz="1600" dirty="0" smtClean="0"/>
+              <a:t>何度</a:t>
+            </a:r>
+            <a:r>
+              <a:rPr lang="ja-JP" altLang="en-US" sz="1600" dirty="0" smtClean="0"/>
+              <a:t>でも使うことができる．</a:t>
+            </a:r>
+            <a:endParaRPr lang="en-US" altLang="ja-JP" sz="1600" dirty="0"/>
+          </a:p>
+        </p:txBody>
+      </p:sp>
+      <p:sp>
+        <p:nvSpPr>
+          <p:cNvPr id="44" name="左矢印 43"/>
+          <p:cNvSpPr/>
+          <p:nvPr/>
+        </p:nvSpPr>
+        <p:spPr>
+          <a:xfrm rot="19751953">
+            <a:off x="3351677" y="5016104"/>
+            <a:ext cx="965200" cy="571500"/>
+          </a:xfrm>
+          <a:prstGeom prst="leftArrow">
+            <a:avLst/>
+          </a:prstGeom>
+          <a:solidFill>
+            <a:srgbClr val="D9D9D9"/>
+          </a:solidFill>
+          <a:ln>
+            <a:solidFill>
+              <a:srgbClr val="000000"/>
+            </a:solidFill>
+          </a:ln>
+        </p:spPr>
+        <p:style>
+          <a:lnRef idx="1">
+            <a:schemeClr val="accent1"/>
+          </a:lnRef>
+          <a:fillRef idx="3">
+            <a:schemeClr val="accent1"/>
+          </a:fillRef>
+          <a:effectRef idx="2">
+            <a:schemeClr val="accent1"/>
+          </a:effectRef>
+          <a:fontRef idx="minor">
+            <a:schemeClr val="lt1"/>
+          </a:fontRef>
+        </p:style>
+        <p:txBody>
+          <a:bodyPr rtlCol="0" anchor="ctr"/>
+          <a:lstStyle/>
+          <a:p>
+            <a:pPr algn="ctr"/>
+            <a:endParaRPr kumimoji="1" lang="ja-JP" altLang="en-US"/>
+          </a:p>
+        </p:txBody>
+      </p:sp>
+      <p:sp>
+        <p:nvSpPr>
+          <p:cNvPr id="45" name="テキスト ボックス 44"/>
+          <p:cNvSpPr txBox="1"/>
+          <p:nvPr/>
+        </p:nvSpPr>
+        <p:spPr>
+          <a:xfrm>
+            <a:off x="207630" y="658178"/>
+            <a:ext cx="5209279" cy="338554"/>
+          </a:xfrm>
+          <a:prstGeom prst="rect">
+            <a:avLst/>
+          </a:prstGeom>
+          <a:noFill/>
+        </p:spPr>
+        <p:txBody>
+          <a:bodyPr wrap="none" rtlCol="0">
+            <a:spAutoFit/>
+          </a:bodyPr>
+          <a:lstStyle/>
+          <a:p>
+            <a:r>
+              <a:rPr lang="ja-JP" altLang="en-US" sz="1600" dirty="0" smtClean="0"/>
+              <a:t>好きな名前の</a:t>
+            </a:r>
+            <a:r>
+              <a:rPr lang="ja-JP" altLang="en-US" sz="1600" dirty="0" smtClean="0"/>
+              <a:t>変数を</a:t>
+            </a:r>
+            <a:r>
+              <a:rPr lang="ja-JP" altLang="en-US" sz="1600" dirty="0" smtClean="0"/>
+              <a:t>作って，数値を格納することができる．</a:t>
+            </a:r>
+            <a:endParaRPr lang="ja-JP" altLang="en-US" sz="1600" dirty="0"/>
+          </a:p>
+        </p:txBody>
+      </p:sp>
+      <p:sp>
+        <p:nvSpPr>
+          <p:cNvPr id="46" name="テキスト ボックス 45"/>
+          <p:cNvSpPr txBox="1"/>
+          <p:nvPr/>
+        </p:nvSpPr>
+        <p:spPr>
+          <a:xfrm>
+            <a:off x="568840" y="993727"/>
+            <a:ext cx="5727104" cy="923330"/>
           </a:xfrm>
           <a:prstGeom prst="rect">
             <a:avLst/>
@@ -7203,96 +9720,220 @@
           <a:p>
             <a:r>
               <a:rPr lang="en-US" altLang="ja-JP" dirty="0" err="1"/>
-              <a:t>PImage</a:t>
+              <a:t>int</a:t>
             </a:r>
             <a:r>
               <a:rPr lang="en-US" altLang="ja-JP" dirty="0"/>
               <a:t> </a:t>
             </a:r>
             <a:r>
+              <a:rPr lang="en-US" altLang="ja-JP" dirty="0" err="1" smtClean="0"/>
+              <a:t>len</a:t>
+            </a:r>
+            <a:r>
+              <a:rPr lang="en-US" altLang="ja-JP" dirty="0" smtClean="0"/>
+              <a:t>;</a:t>
+            </a:r>
+            <a:endParaRPr lang="en-US" altLang="ja-JP" dirty="0"/>
+          </a:p>
+          <a:p>
+            <a:r>
+              <a:rPr lang="en-US" altLang="ja-JP" dirty="0" err="1" smtClean="0"/>
+              <a:t>len</a:t>
+            </a:r>
+            <a:r>
+              <a:rPr lang="en-US" altLang="ja-JP" dirty="0" smtClean="0"/>
+              <a:t> </a:t>
+            </a:r>
+            <a:r>
+              <a:rPr lang="en-US" altLang="ja-JP" dirty="0"/>
+              <a:t>= 50;</a:t>
+            </a:r>
+          </a:p>
+          <a:p>
+            <a:r>
               <a:rPr lang="en-US" altLang="ja-JP" dirty="0" err="1"/>
-              <a:t>shipImg</a:t>
+              <a:t>rect</a:t>
+            </a:r>
+            <a:r>
+              <a:rPr lang="en-US" altLang="ja-JP" dirty="0"/>
+              <a:t>(10</a:t>
+            </a:r>
+            <a:r>
+              <a:rPr lang="en-US" altLang="ja-JP" dirty="0" smtClean="0"/>
+              <a:t>, 20, </a:t>
+            </a:r>
+            <a:r>
+              <a:rPr lang="en-US" altLang="ja-JP" dirty="0" err="1" smtClean="0"/>
+              <a:t>len</a:t>
+            </a:r>
+            <a:r>
+              <a:rPr lang="en-US" altLang="ja-JP" dirty="0" smtClean="0"/>
+              <a:t>, </a:t>
+            </a:r>
+            <a:r>
+              <a:rPr lang="en-US" altLang="ja-JP" dirty="0" err="1" smtClean="0"/>
+              <a:t>len</a:t>
+            </a:r>
+            <a:r>
+              <a:rPr lang="en-US" altLang="ja-JP" dirty="0" smtClean="0"/>
+              <a:t>)</a:t>
             </a:r>
             <a:r>
               <a:rPr lang="en-US" altLang="ja-JP" dirty="0"/>
               <a:t>;</a:t>
             </a:r>
-          </a:p>
-          <a:p>
-            <a:r>
-              <a:rPr lang="en-US" altLang="ja-JP" dirty="0" err="1"/>
-              <a:t>imageMode</a:t>
-            </a:r>
-            <a:r>
-              <a:rPr lang="en-US" altLang="ja-JP" dirty="0"/>
-              <a:t>(CENTER);</a:t>
-            </a:r>
-          </a:p>
-          <a:p>
-            <a:r>
-              <a:rPr lang="en-US" altLang="ja-JP" dirty="0" err="1"/>
-              <a:t>shipImg</a:t>
-            </a:r>
-            <a:r>
-              <a:rPr lang="en-US" altLang="ja-JP" dirty="0"/>
-              <a:t> = </a:t>
-            </a:r>
-            <a:r>
-              <a:rPr lang="en-US" altLang="ja-JP" dirty="0" err="1"/>
-              <a:t>loadImage</a:t>
-            </a:r>
-            <a:r>
-              <a:rPr lang="en-US" altLang="ja-JP" dirty="0"/>
-              <a:t>("</a:t>
-            </a:r>
-            <a:r>
-              <a:rPr lang="en-US" altLang="ja-JP" dirty="0" err="1"/>
-              <a:t>ship.png</a:t>
-            </a:r>
-            <a:r>
-              <a:rPr lang="en-US" altLang="ja-JP" dirty="0"/>
-              <a:t>");</a:t>
-            </a:r>
-          </a:p>
-          <a:p>
-            <a:r>
-              <a:rPr lang="en-US" altLang="ja-JP" dirty="0"/>
-              <a:t>image(</a:t>
-            </a:r>
-            <a:r>
-              <a:rPr lang="en-US" altLang="ja-JP" dirty="0" err="1"/>
-              <a:t>shipImg</a:t>
-            </a:r>
-            <a:r>
-              <a:rPr lang="en-US" altLang="ja-JP" dirty="0"/>
-              <a:t>, 90, 80)</a:t>
+            <a:endParaRPr kumimoji="1" lang="ja-JP" altLang="en-US" dirty="0"/>
+          </a:p>
+        </p:txBody>
+      </p:sp>
+      <p:sp>
+        <p:nvSpPr>
+          <p:cNvPr id="47" name="テキスト ボックス 46"/>
+          <p:cNvSpPr txBox="1"/>
+          <p:nvPr/>
+        </p:nvSpPr>
+        <p:spPr>
+          <a:xfrm>
+            <a:off x="207630" y="8213646"/>
+            <a:ext cx="6191394" cy="369332"/>
+          </a:xfrm>
+          <a:prstGeom prst="rect">
+            <a:avLst/>
+          </a:prstGeom>
+          <a:noFill/>
+          <a:ln w="38100" cmpd="sng">
+            <a:solidFill>
+              <a:schemeClr val="tx1"/>
+            </a:solidFill>
+            <a:prstDash val="sysDash"/>
+          </a:ln>
+        </p:spPr>
+        <p:txBody>
+          <a:bodyPr wrap="square" rtlCol="0">
+            <a:spAutoFit/>
+          </a:bodyPr>
+          <a:lstStyle/>
+          <a:p>
+            <a:r>
+              <a:rPr lang="ja-JP" altLang="en-US" dirty="0" smtClean="0"/>
+              <a:t>問題</a:t>
             </a:r>
             <a:r>
               <a:rPr lang="en-US" altLang="ja-JP" dirty="0" smtClean="0"/>
-              <a:t>;</a:t>
-            </a:r>
-            <a:endParaRPr lang="en-US" altLang="ja-JP" dirty="0"/>
-          </a:p>
-        </p:txBody>
-      </p:sp>
-      <p:sp>
-        <p:nvSpPr>
-          <p:cNvPr id="12" name="正方形/長方形 11"/>
+              <a:t>2-2</a:t>
+            </a:r>
+            <a:r>
+              <a:rPr lang="ja-JP" altLang="en-US" dirty="0" smtClean="0"/>
+              <a:t>　座標</a:t>
+            </a:r>
+            <a:r>
+              <a:rPr lang="en-US" altLang="ja-JP" dirty="0" smtClean="0"/>
+              <a:t>(50, 10)</a:t>
+            </a:r>
+            <a:r>
+              <a:rPr lang="ja-JP" altLang="en-US" dirty="0" smtClean="0"/>
+              <a:t>に，</a:t>
+            </a:r>
+            <a:r>
+              <a:rPr lang="en-US" altLang="ja-JP" dirty="0" smtClean="0"/>
+              <a:t>1</a:t>
+            </a:r>
+            <a:r>
+              <a:rPr lang="en-US" altLang="en-US" dirty="0" smtClean="0"/>
+              <a:t>辺が100の正</a:t>
+            </a:r>
+            <a:r>
+              <a:rPr lang="ja-JP" altLang="en-US" dirty="0" smtClean="0"/>
+              <a:t>方形を描いてみよう</a:t>
+            </a:r>
+            <a:endParaRPr kumimoji="1" lang="ja-JP" altLang="en-US" dirty="0"/>
+          </a:p>
+        </p:txBody>
+      </p:sp>
+      <p:sp>
+        <p:nvSpPr>
+          <p:cNvPr id="48" name="正方形/長方形 47"/>
           <p:cNvSpPr/>
           <p:nvPr/>
         </p:nvSpPr>
         <p:spPr>
           <a:xfrm>
-            <a:off x="564410" y="1956059"/>
-            <a:ext cx="5727104" cy="3182211"/>
+            <a:off x="207630" y="8598212"/>
+            <a:ext cx="1378227" cy="276999"/>
           </a:xfrm>
           <a:prstGeom prst="rect">
             <a:avLst/>
           </a:prstGeom>
+        </p:spPr>
+        <p:txBody>
+          <a:bodyPr wrap="none">
+            <a:spAutoFit/>
+          </a:bodyPr>
+          <a:lstStyle/>
+          <a:p>
+            <a:r>
+              <a:rPr lang="ja-JP" altLang="en-US" sz="1200" i="1" dirty="0" smtClean="0"/>
+              <a:t>解答は</a:t>
+            </a:r>
+            <a:r>
+              <a:rPr lang="en-US" altLang="ja-JP" sz="1200" i="1" dirty="0" smtClean="0"/>
+              <a:t>answer2_2</a:t>
+            </a:r>
+            <a:endParaRPr lang="ja-JP" altLang="en-US" sz="1200" i="1" dirty="0"/>
+          </a:p>
+        </p:txBody>
+      </p:sp>
+      <p:sp>
+        <p:nvSpPr>
+          <p:cNvPr id="49" name="テキスト ボックス 48"/>
+          <p:cNvSpPr txBox="1"/>
+          <p:nvPr/>
+        </p:nvSpPr>
+        <p:spPr>
+          <a:xfrm>
+            <a:off x="2794230" y="7138174"/>
+            <a:ext cx="548648" cy="523220"/>
+          </a:xfrm>
+          <a:prstGeom prst="rect">
+            <a:avLst/>
+          </a:prstGeom>
           <a:noFill/>
+        </p:spPr>
+        <p:txBody>
+          <a:bodyPr wrap="none" rtlCol="0">
+            <a:spAutoFit/>
+          </a:bodyPr>
+          <a:lstStyle/>
+          <a:p>
+            <a:r>
+              <a:rPr lang="en-US" altLang="ja-JP" sz="2800" dirty="0" smtClean="0"/>
+              <a:t>50</a:t>
+            </a:r>
+            <a:endParaRPr lang="en-US" altLang="ja-JP" sz="2800" dirty="0"/>
+          </a:p>
+        </p:txBody>
+      </p:sp>
+      <p:sp>
+        <p:nvSpPr>
+          <p:cNvPr id="50" name="左矢印 49"/>
+          <p:cNvSpPr/>
+          <p:nvPr/>
+        </p:nvSpPr>
+        <p:spPr>
+          <a:xfrm rot="5400000">
+            <a:off x="2172558" y="6802411"/>
+            <a:ext cx="492566" cy="358452"/>
+          </a:xfrm>
+          <a:prstGeom prst="leftArrow">
+            <a:avLst/>
+          </a:prstGeom>
+          <a:solidFill>
+            <a:srgbClr val="D9D9D9"/>
+          </a:solidFill>
           <a:ln>
             <a:solidFill>
-              <a:schemeClr val="tx1"/>
+              <a:srgbClr val="000000"/>
             </a:solidFill>
           </a:ln>
         </p:spPr>
@@ -7321,18 +9962,26 @@
       </p:sp>
       <p:sp>
         <p:nvSpPr>
-          <p:cNvPr id="24" name="正方形/長方形 23"/>
+          <p:cNvPr id="52" name="左矢印 51"/>
           <p:cNvSpPr/>
           <p:nvPr/>
         </p:nvSpPr>
         <p:spPr>
-          <a:xfrm>
-            <a:off x="1054100" y="0"/>
-            <a:ext cx="1041400" cy="232413"/>
-          </a:xfrm>
-          <a:prstGeom prst="rect">
-            <a:avLst/>
-          </a:prstGeom>
+          <a:xfrm rot="5400000">
+            <a:off x="2816073" y="6802411"/>
+            <a:ext cx="492566" cy="358452"/>
+          </a:xfrm>
+          <a:prstGeom prst="leftArrow">
+            <a:avLst/>
+          </a:prstGeom>
+          <a:solidFill>
+            <a:srgbClr val="D9D9D9"/>
+          </a:solidFill>
+          <a:ln>
+            <a:solidFill>
+              <a:srgbClr val="000000"/>
+            </a:solidFill>
+          </a:ln>
         </p:spPr>
         <p:style>
           <a:lnRef idx="1">
@@ -7357,40 +10006,40 @@
           </a:p>
         </p:txBody>
       </p:sp>
-      <p:pic>
-        <p:nvPicPr>
-          <p:cNvPr id="2" name="図 1" descr="スクリーンショット 2015-07-23 17.48.31.png"/>
-          <p:cNvPicPr>
-            <a:picLocks noChangeAspect="1"/>
-          </p:cNvPicPr>
+      <p:sp>
+        <p:nvSpPr>
+          <p:cNvPr id="53" name="テキスト ボックス 52"/>
+          <p:cNvSpPr txBox="1"/>
           <p:nvPr/>
-        </p:nvPicPr>
-        <p:blipFill>
-          <a:blip r:embed="rId2">
-            <a:extLst>
-              <a:ext uri="{28A0092B-C50C-407E-A947-70E740481C1C}">
-                <a14:useLocalDpi xmlns:a14="http://schemas.microsoft.com/office/drawing/2010/main" val="0"/>
-              </a:ext>
-            </a:extLst>
-          </a:blip>
-          <a:stretch>
-            <a:fillRect/>
-          </a:stretch>
-        </p:blipFill>
-        <p:spPr>
-          <a:xfrm>
-            <a:off x="3352800" y="2730500"/>
-            <a:ext cx="1625600" cy="1905000"/>
+        </p:nvSpPr>
+        <p:spPr>
+          <a:xfrm>
+            <a:off x="2143752" y="7153719"/>
+            <a:ext cx="548648" cy="523220"/>
           </a:xfrm>
           <a:prstGeom prst="rect">
             <a:avLst/>
           </a:prstGeom>
-        </p:spPr>
-      </p:pic>
+          <a:noFill/>
+        </p:spPr>
+        <p:txBody>
+          <a:bodyPr wrap="none" rtlCol="0">
+            <a:spAutoFit/>
+          </a:bodyPr>
+          <a:lstStyle/>
+          <a:p>
+            <a:r>
+              <a:rPr lang="en-US" altLang="ja-JP" sz="2800" dirty="0" smtClean="0"/>
+              <a:t>50</a:t>
+            </a:r>
+            <a:endParaRPr lang="en-US" altLang="ja-JP" sz="2800" dirty="0"/>
+          </a:p>
+        </p:txBody>
+      </p:sp>
     </p:spTree>
     <p:extLst>
       <p:ext uri="{BB962C8B-B14F-4D97-AF65-F5344CB8AC3E}">
-        <p14:creationId xmlns:p14="http://schemas.microsoft.com/office/powerpoint/2010/main" val="2191616572"/>
+        <p14:creationId xmlns:p14="http://schemas.microsoft.com/office/powerpoint/2010/main" val="3622532395"/>
       </p:ext>
     </p:extLst>
   </p:cSld>
@@ -7473,44 +10122,14 @@
       </p:sp>
       <p:sp>
         <p:nvSpPr>
-          <p:cNvPr id="6" name="テキスト ボックス 5"/>
-          <p:cNvSpPr txBox="1"/>
-          <p:nvPr/>
-        </p:nvSpPr>
-        <p:spPr>
-          <a:xfrm>
-            <a:off x="323706" y="1373446"/>
-            <a:ext cx="2781531" cy="369332"/>
-          </a:xfrm>
-          <a:prstGeom prst="rect">
-            <a:avLst/>
-          </a:prstGeom>
-          <a:noFill/>
-        </p:spPr>
-        <p:txBody>
-          <a:bodyPr wrap="none" rtlCol="0">
-            <a:spAutoFit/>
-          </a:bodyPr>
-          <a:lstStyle/>
-          <a:p>
-            <a:r>
-              <a:rPr lang="ja-JP" altLang="en-US" dirty="0" smtClean="0"/>
-              <a:t>変数を使えるようになろう．</a:t>
-            </a:r>
-            <a:endParaRPr kumimoji="1" lang="ja-JP" altLang="en-US" dirty="0"/>
-          </a:p>
-        </p:txBody>
-      </p:sp>
-      <p:sp>
-        <p:nvSpPr>
           <p:cNvPr id="7" name="テキスト ボックス 6"/>
           <p:cNvSpPr txBox="1"/>
           <p:nvPr/>
         </p:nvSpPr>
         <p:spPr>
           <a:xfrm>
-            <a:off x="323706" y="1004114"/>
-            <a:ext cx="6191394" cy="369332"/>
+            <a:off x="203200" y="202739"/>
+            <a:ext cx="6191394" cy="461665"/>
           </a:xfrm>
           <a:prstGeom prst="rect">
             <a:avLst/>
@@ -7529,72 +10148,35 @@
           <a:lstStyle/>
           <a:p>
             <a:r>
-              <a:rPr kumimoji="1" lang="en-US" altLang="ja-JP" dirty="0" smtClean="0"/>
-              <a:t>Step3-1. </a:t>
-            </a:r>
-            <a:r>
-              <a:rPr lang="ja-JP" altLang="en-US" dirty="0" smtClean="0"/>
-              <a:t>変数を使えるようになろう</a:t>
-            </a:r>
-            <a:endParaRPr kumimoji="1" lang="ja-JP" altLang="en-US" dirty="0"/>
-          </a:p>
-        </p:txBody>
-      </p:sp>
-      <p:sp>
-        <p:nvSpPr>
-          <p:cNvPr id="8" name="テキスト ボックス 7"/>
+              <a:rPr kumimoji="1" lang="en-US" altLang="ja-JP" sz="2400" dirty="0" smtClean="0"/>
+              <a:t>Step2</a:t>
+            </a:r>
+            <a:r>
+              <a:rPr kumimoji="1" lang="en-US" altLang="ja-JP" sz="2400" dirty="0" smtClean="0"/>
+              <a:t>-5. </a:t>
+            </a:r>
+            <a:r>
+              <a:rPr lang="ja-JP" altLang="en-US" sz="2400" dirty="0" smtClean="0"/>
+              <a:t>画面</a:t>
+            </a:r>
+            <a:r>
+              <a:rPr lang="ja-JP" altLang="en-US" sz="2400" dirty="0"/>
+              <a:t>のサイズを変えよう</a:t>
+            </a:r>
+            <a:endParaRPr lang="ja-JP" altLang="en-US" sz="2400" dirty="0"/>
+          </a:p>
+        </p:txBody>
+      </p:sp>
+      <p:sp>
+        <p:nvSpPr>
+          <p:cNvPr id="9" name="テキスト ボックス 8"/>
           <p:cNvSpPr txBox="1"/>
           <p:nvPr/>
         </p:nvSpPr>
         <p:spPr>
           <a:xfrm>
-            <a:off x="323706" y="232413"/>
-            <a:ext cx="6191394" cy="584776"/>
-          </a:xfrm>
-          <a:prstGeom prst="rect">
-            <a:avLst/>
-          </a:prstGeom>
-          <a:solidFill>
-            <a:srgbClr val="000000"/>
-          </a:solidFill>
-          <a:ln w="57150" cmpd="thickThin">
-            <a:solidFill>
-              <a:srgbClr val="FFFFFF"/>
-            </a:solidFill>
-          </a:ln>
-        </p:spPr>
-        <p:txBody>
-          <a:bodyPr wrap="square" rtlCol="0">
-            <a:spAutoFit/>
-          </a:bodyPr>
-          <a:lstStyle/>
-          <a:p>
-            <a:r>
-              <a:rPr lang="ja-JP" altLang="en-US" sz="3200" dirty="0" smtClean="0">
-                <a:solidFill>
-                  <a:srgbClr val="FFFFFF"/>
-                </a:solidFill>
-              </a:rPr>
-              <a:t>３．プログラミングに慣れてみよう</a:t>
-            </a:r>
-            <a:endParaRPr kumimoji="1" lang="ja-JP" altLang="en-US" sz="3200" dirty="0">
-              <a:solidFill>
-                <a:srgbClr val="FFFFFF"/>
-              </a:solidFill>
-            </a:endParaRPr>
-          </a:p>
-        </p:txBody>
-      </p:sp>
-      <p:sp>
-        <p:nvSpPr>
-          <p:cNvPr id="10" name="テキスト ボックス 9"/>
-          <p:cNvSpPr txBox="1"/>
-          <p:nvPr/>
-        </p:nvSpPr>
-        <p:spPr>
-          <a:xfrm>
-            <a:off x="564410" y="1733390"/>
-            <a:ext cx="5727104" cy="1815882"/>
+            <a:off x="564410" y="755730"/>
+            <a:ext cx="5727104" cy="1200329"/>
           </a:xfrm>
           <a:prstGeom prst="rect">
             <a:avLst/>
@@ -7627,201 +10209,93 @@
           <a:lstStyle/>
           <a:p>
             <a:r>
-              <a:rPr lang="en-US" altLang="ja-JP" sz="1400" dirty="0" err="1"/>
+              <a:rPr lang="fr-FR" altLang="ja-JP" dirty="0"/>
+              <a:t>size(</a:t>
+            </a:r>
+            <a:r>
+              <a:rPr lang="fr-FR" altLang="ja-JP" dirty="0" smtClean="0"/>
+              <a:t>400, 600</a:t>
+            </a:r>
+            <a:r>
+              <a:rPr lang="fr-FR" altLang="ja-JP" dirty="0"/>
+              <a:t>);</a:t>
+            </a:r>
+          </a:p>
+          <a:p>
+            <a:r>
+              <a:rPr lang="fr-FR" altLang="ja-JP" dirty="0" err="1"/>
               <a:t>int</a:t>
             </a:r>
             <a:r>
-              <a:rPr lang="en-US" altLang="ja-JP" sz="1400" dirty="0"/>
+              <a:rPr lang="fr-FR" altLang="ja-JP" dirty="0"/>
               <a:t> </a:t>
             </a:r>
             <a:r>
-              <a:rPr lang="en-US" altLang="ja-JP" sz="1400" dirty="0" err="1"/>
-              <a:t>shipX</a:t>
-            </a:r>
-            <a:r>
-              <a:rPr lang="en-US" altLang="ja-JP" sz="1400" dirty="0"/>
-              <a:t>; // </a:t>
-            </a:r>
-            <a:r>
-              <a:rPr lang="ja-JP" altLang="en-US" sz="1400" dirty="0"/>
-              <a:t>自機の</a:t>
-            </a:r>
-            <a:r>
-              <a:rPr lang="en-US" altLang="ja-JP" sz="1400" dirty="0"/>
-              <a:t>x</a:t>
-            </a:r>
-            <a:r>
-              <a:rPr lang="ja-JP" altLang="en-US" sz="1400" dirty="0"/>
-              <a:t>座標の変数を宣言</a:t>
-            </a:r>
-          </a:p>
-          <a:p>
-            <a:r>
-              <a:rPr lang="en-US" altLang="ja-JP" sz="1400" dirty="0" err="1"/>
-              <a:t>int</a:t>
-            </a:r>
-            <a:r>
-              <a:rPr lang="en-US" altLang="ja-JP" sz="1400" dirty="0"/>
-              <a:t> </a:t>
-            </a:r>
-            <a:r>
-              <a:rPr lang="en-US" altLang="ja-JP" sz="1400" dirty="0" err="1"/>
-              <a:t>shipY</a:t>
-            </a:r>
-            <a:r>
-              <a:rPr lang="en-US" altLang="ja-JP" sz="1400" dirty="0"/>
-              <a:t>; // </a:t>
-            </a:r>
-            <a:r>
-              <a:rPr lang="ja-JP" altLang="en-US" sz="1400" dirty="0"/>
-              <a:t>自機の</a:t>
-            </a:r>
-            <a:r>
-              <a:rPr lang="en-US" altLang="ja-JP" sz="1400" dirty="0"/>
-              <a:t>y</a:t>
-            </a:r>
-            <a:r>
-              <a:rPr lang="ja-JP" altLang="en-US" sz="1400" dirty="0"/>
-              <a:t>座標の変数を</a:t>
-            </a:r>
-            <a:r>
-              <a:rPr lang="ja-JP" altLang="en-US" sz="1400" dirty="0" smtClean="0"/>
-              <a:t>宣言</a:t>
-            </a:r>
-            <a:endParaRPr lang="ja-JP" altLang="en-US" sz="1400" dirty="0"/>
-          </a:p>
-          <a:p>
-            <a:r>
-              <a:rPr lang="en-US" altLang="ja-JP" sz="1400" dirty="0"/>
-              <a:t>size(480, 640)</a:t>
-            </a:r>
-            <a:r>
-              <a:rPr lang="en-US" altLang="ja-JP" sz="1400" dirty="0" smtClean="0"/>
+              <a:rPr lang="fr-FR" altLang="ja-JP" dirty="0" err="1"/>
+              <a:t>len</a:t>
+            </a:r>
+            <a:r>
+              <a:rPr lang="fr-FR" altLang="ja-JP" dirty="0"/>
               <a:t>;</a:t>
             </a:r>
           </a:p>
           <a:p>
             <a:r>
-              <a:rPr lang="en-US" altLang="ja-JP" sz="1400" dirty="0" err="1" smtClean="0"/>
+              <a:rPr lang="fr-FR" altLang="ja-JP" dirty="0" err="1"/>
+              <a:t>len</a:t>
+            </a:r>
+            <a:r>
+              <a:rPr lang="fr-FR" altLang="ja-JP" dirty="0"/>
+              <a:t> = </a:t>
+            </a:r>
+            <a:r>
+              <a:rPr lang="fr-FR" altLang="ja-JP" dirty="0" smtClean="0"/>
+              <a:t>100</a:t>
+            </a:r>
+            <a:r>
+              <a:rPr lang="fr-FR" altLang="ja-JP" dirty="0"/>
+              <a:t>;</a:t>
+            </a:r>
+          </a:p>
+          <a:p>
+            <a:r>
+              <a:rPr lang="fr-FR" altLang="ja-JP" dirty="0" err="1"/>
               <a:t>rect</a:t>
             </a:r>
             <a:r>
-              <a:rPr lang="en-US" altLang="ja-JP" sz="1400" dirty="0"/>
-              <a:t>(350, 120, 70, 100); </a:t>
-            </a:r>
-            <a:endParaRPr lang="en-US" altLang="ja-JP" sz="1400" dirty="0" smtClean="0"/>
-          </a:p>
-          <a:p>
-            <a:r>
-              <a:rPr lang="en-US" altLang="ja-JP" sz="1400" dirty="0" err="1" smtClean="0"/>
-              <a:t>shipX</a:t>
-            </a:r>
-            <a:r>
-              <a:rPr lang="en-US" altLang="ja-JP" sz="1400" dirty="0" smtClean="0"/>
-              <a:t> </a:t>
-            </a:r>
-            <a:r>
-              <a:rPr lang="en-US" altLang="ja-JP" sz="1400" dirty="0"/>
-              <a:t>= 215; // </a:t>
-            </a:r>
-            <a:r>
-              <a:rPr lang="ja-JP" altLang="en-US" sz="1400" dirty="0"/>
-              <a:t>自機の</a:t>
-            </a:r>
-            <a:r>
-              <a:rPr lang="en-US" altLang="ja-JP" sz="1400" dirty="0"/>
-              <a:t>x</a:t>
-            </a:r>
-            <a:r>
-              <a:rPr lang="ja-JP" altLang="en-US" sz="1400" dirty="0"/>
-              <a:t>座標</a:t>
-            </a:r>
-          </a:p>
-          <a:p>
-            <a:r>
-              <a:rPr lang="en-US" altLang="ja-JP" sz="1400" dirty="0" err="1"/>
-              <a:t>shipY</a:t>
-            </a:r>
-            <a:r>
-              <a:rPr lang="en-US" altLang="ja-JP" sz="1400" dirty="0"/>
-              <a:t> = 500; // </a:t>
-            </a:r>
-            <a:r>
-              <a:rPr lang="ja-JP" altLang="en-US" sz="1400" dirty="0"/>
-              <a:t>自機の</a:t>
-            </a:r>
-            <a:r>
-              <a:rPr lang="en-US" altLang="ja-JP" sz="1400" dirty="0"/>
-              <a:t>y</a:t>
-            </a:r>
-            <a:r>
-              <a:rPr lang="ja-JP" altLang="en-US" sz="1400" dirty="0"/>
-              <a:t>座標</a:t>
-            </a:r>
-          </a:p>
-          <a:p>
-            <a:r>
-              <a:rPr lang="en-US" altLang="ja-JP" sz="1400" dirty="0" err="1"/>
-              <a:t>rect</a:t>
-            </a:r>
-            <a:r>
-              <a:rPr lang="en-US" altLang="ja-JP" sz="1400" dirty="0"/>
-              <a:t>(</a:t>
-            </a:r>
-            <a:r>
-              <a:rPr lang="en-US" altLang="ja-JP" sz="1400" dirty="0" err="1"/>
-              <a:t>shipX</a:t>
-            </a:r>
-            <a:r>
-              <a:rPr lang="en-US" altLang="ja-JP" sz="1400" dirty="0"/>
+              <a:rPr lang="fr-FR" altLang="ja-JP" dirty="0" smtClean="0"/>
+              <a:t>(50, 10, </a:t>
+            </a:r>
+            <a:r>
+              <a:rPr lang="fr-FR" altLang="ja-JP" dirty="0" err="1"/>
+              <a:t>len</a:t>
+            </a:r>
+            <a:r>
+              <a:rPr lang="fr-FR" altLang="ja-JP" dirty="0"/>
               <a:t>, </a:t>
             </a:r>
             <a:r>
-              <a:rPr lang="en-US" altLang="ja-JP" sz="1400" dirty="0" err="1"/>
-              <a:t>shipY</a:t>
-            </a:r>
-            <a:r>
-              <a:rPr lang="en-US" altLang="ja-JP" sz="1400" dirty="0"/>
-              <a:t>, 50, 50); // </a:t>
-            </a:r>
-            <a:r>
-              <a:rPr lang="ja-JP" altLang="en-US" sz="1400" dirty="0"/>
-              <a:t>自機として座標</a:t>
-            </a:r>
-            <a:r>
-              <a:rPr lang="en-US" altLang="ja-JP" sz="1400" dirty="0"/>
-              <a:t>(215, 500)</a:t>
-            </a:r>
-            <a:r>
-              <a:rPr lang="ja-JP" altLang="en-US" sz="1400" dirty="0" smtClean="0"/>
-              <a:t>に大きさ</a:t>
-            </a:r>
-            <a:r>
-              <a:rPr lang="en-US" altLang="ja-JP" sz="1400" dirty="0"/>
-              <a:t>50x50</a:t>
-            </a:r>
-            <a:r>
-              <a:rPr lang="ja-JP" altLang="en-US" sz="1400" dirty="0"/>
-              <a:t>の正方形を</a:t>
-            </a:r>
-            <a:r>
-              <a:rPr lang="ja-JP" altLang="en-US" sz="1400" dirty="0" smtClean="0"/>
-              <a:t>表示</a:t>
-            </a:r>
-            <a:endParaRPr lang="ja-JP" altLang="en-US" sz="1400" dirty="0"/>
-          </a:p>
-        </p:txBody>
-      </p:sp>
-      <p:sp>
-        <p:nvSpPr>
-          <p:cNvPr id="11" name="正方形/長方形 10"/>
+              <a:rPr lang="fr-FR" altLang="ja-JP" dirty="0" err="1"/>
+              <a:t>len</a:t>
+            </a:r>
+            <a:r>
+              <a:rPr lang="fr-FR" altLang="ja-JP" dirty="0"/>
+              <a:t>);</a:t>
+            </a:r>
+            <a:endParaRPr lang="fr-FR" altLang="ja-JP" dirty="0"/>
+          </a:p>
+        </p:txBody>
+      </p:sp>
+      <p:sp>
+        <p:nvSpPr>
+          <p:cNvPr id="12" name="正方形/長方形 11"/>
           <p:cNvSpPr/>
           <p:nvPr/>
         </p:nvSpPr>
         <p:spPr>
           <a:xfrm>
-            <a:off x="564410" y="3549273"/>
-            <a:ext cx="5727104" cy="5074028"/>
+            <a:off x="564410" y="1956059"/>
+            <a:ext cx="5727104" cy="1599941"/>
           </a:xfrm>
           <a:prstGeom prst="rect">
             <a:avLst/>
@@ -7858,61 +10332,25 @@
       </p:sp>
       <p:sp>
         <p:nvSpPr>
-          <p:cNvPr id="24" name="テキスト ボックス 23"/>
+          <p:cNvPr id="10" name="テキスト ボックス 9"/>
           <p:cNvSpPr txBox="1"/>
           <p:nvPr/>
         </p:nvSpPr>
         <p:spPr>
           <a:xfrm>
-            <a:off x="772040" y="3761490"/>
-            <a:ext cx="1055810" cy="369332"/>
+            <a:off x="207630" y="8213646"/>
+            <a:ext cx="6191394" cy="369332"/>
           </a:xfrm>
           <a:prstGeom prst="rect">
             <a:avLst/>
           </a:prstGeom>
           <a:noFill/>
-        </p:spPr>
-        <p:txBody>
-          <a:bodyPr wrap="none" rtlCol="0">
-            <a:spAutoFit/>
-          </a:bodyPr>
-          <a:lstStyle/>
-          <a:p>
-            <a:r>
-              <a:rPr lang="en-US" altLang="ja-JP" dirty="0" err="1" smtClean="0"/>
-              <a:t>int</a:t>
-            </a:r>
-            <a:r>
-              <a:rPr lang="en-US" altLang="ja-JP" dirty="0" smtClean="0"/>
-              <a:t> </a:t>
-            </a:r>
-            <a:r>
-              <a:rPr lang="en-US" altLang="ja-JP" dirty="0" err="1" smtClean="0"/>
-              <a:t>shipX</a:t>
-            </a:r>
-            <a:r>
-              <a:rPr lang="en-US" altLang="ja-JP" dirty="0" smtClean="0"/>
-              <a:t>;</a:t>
-            </a:r>
-            <a:endParaRPr lang="en-US" altLang="ja-JP" dirty="0"/>
-          </a:p>
-        </p:txBody>
-      </p:sp>
-      <p:sp>
-        <p:nvSpPr>
-          <p:cNvPr id="25" name="テキスト ボックス 24"/>
-          <p:cNvSpPr txBox="1"/>
-          <p:nvPr/>
-        </p:nvSpPr>
-        <p:spPr>
-          <a:xfrm>
-            <a:off x="2239615" y="3761490"/>
-            <a:ext cx="4051899" cy="646331"/>
-          </a:xfrm>
-          <a:prstGeom prst="rect">
-            <a:avLst/>
-          </a:prstGeom>
-          <a:noFill/>
+          <a:ln w="38100" cmpd="sng">
+            <a:solidFill>
+              <a:schemeClr val="tx1"/>
+            </a:solidFill>
+            <a:prstDash val="sysDash"/>
+          </a:ln>
         </p:spPr>
         <p:txBody>
           <a:bodyPr wrap="square" rtlCol="0">
@@ -7922,34 +10360,354 @@
           <a:p>
             <a:r>
               <a:rPr lang="ja-JP" altLang="en-US" dirty="0" smtClean="0"/>
-              <a:t>この１行で，プログラム内部に数値を格納できる箱ができる．</a:t>
-            </a:r>
-            <a:endParaRPr lang="en-US" altLang="ja-JP" dirty="0"/>
-          </a:p>
-        </p:txBody>
-      </p:sp>
-      <p:sp>
-        <p:nvSpPr>
-          <p:cNvPr id="2" name="直方体 1"/>
+              <a:t>問題</a:t>
+            </a:r>
+            <a:r>
+              <a:rPr lang="en-US" altLang="ja-JP" dirty="0" smtClean="0"/>
+              <a:t>2-3</a:t>
+            </a:r>
+            <a:r>
+              <a:rPr lang="ja-JP" altLang="en-US" dirty="0" smtClean="0"/>
+              <a:t>　座標</a:t>
+            </a:r>
+            <a:r>
+              <a:rPr lang="en-US" altLang="ja-JP" dirty="0" smtClean="0"/>
+              <a:t>(10, </a:t>
+            </a:r>
+            <a:r>
+              <a:rPr lang="en-US" altLang="ja-JP" dirty="0"/>
+              <a:t>2</a:t>
+            </a:r>
+            <a:r>
+              <a:rPr lang="en-US" altLang="ja-JP" dirty="0" smtClean="0"/>
+              <a:t>0)</a:t>
+            </a:r>
+            <a:r>
+              <a:rPr lang="ja-JP" altLang="en-US" dirty="0" smtClean="0"/>
+              <a:t>に，自機を表示してみよう</a:t>
+            </a:r>
+            <a:endParaRPr kumimoji="1" lang="ja-JP" altLang="en-US" dirty="0"/>
+          </a:p>
+        </p:txBody>
+      </p:sp>
+      <p:sp>
+        <p:nvSpPr>
+          <p:cNvPr id="11" name="正方形/長方形 10"/>
           <p:cNvSpPr/>
           <p:nvPr/>
         </p:nvSpPr>
         <p:spPr>
           <a:xfrm>
-            <a:off x="2667000" y="4445000"/>
-            <a:ext cx="1397000" cy="787400"/>
-          </a:xfrm>
-          <a:prstGeom prst="cube">
+            <a:off x="207630" y="8598212"/>
+            <a:ext cx="1378227" cy="276999"/>
+          </a:xfrm>
+          <a:prstGeom prst="rect">
+            <a:avLst/>
+          </a:prstGeom>
+        </p:spPr>
+        <p:txBody>
+          <a:bodyPr wrap="none">
+            <a:spAutoFit/>
+          </a:bodyPr>
+          <a:lstStyle/>
+          <a:p>
+            <a:r>
+              <a:rPr lang="ja-JP" altLang="en-US" sz="1200" i="1" dirty="0" smtClean="0"/>
+              <a:t>解答は</a:t>
+            </a:r>
+            <a:r>
+              <a:rPr lang="en-US" altLang="ja-JP" sz="1200" i="1" dirty="0" smtClean="0"/>
+              <a:t>answer2_3</a:t>
+            </a:r>
+            <a:endParaRPr lang="ja-JP" altLang="en-US" sz="1200" i="1" dirty="0"/>
+          </a:p>
+        </p:txBody>
+      </p:sp>
+      <p:sp>
+        <p:nvSpPr>
+          <p:cNvPr id="3" name="正方形/長方形 2"/>
+          <p:cNvSpPr/>
+          <p:nvPr/>
+        </p:nvSpPr>
+        <p:spPr>
+          <a:xfrm>
+            <a:off x="653552" y="2101334"/>
+            <a:ext cx="2001720" cy="461665"/>
+          </a:xfrm>
+          <a:prstGeom prst="rect">
+            <a:avLst/>
+          </a:prstGeom>
+        </p:spPr>
+        <p:txBody>
+          <a:bodyPr wrap="none">
+            <a:spAutoFit/>
+          </a:bodyPr>
+          <a:lstStyle/>
+          <a:p>
+            <a:r>
+              <a:rPr lang="fr-FR" altLang="ja-JP" sz="2400" dirty="0"/>
+              <a:t>size(</a:t>
+            </a:r>
+            <a:r>
+              <a:rPr lang="fr-FR" altLang="ja-JP" sz="2400" dirty="0" smtClean="0"/>
+              <a:t>400</a:t>
+            </a:r>
+            <a:r>
+              <a:rPr lang="fr-FR" altLang="ja-JP" sz="2400" dirty="0"/>
+              <a:t>, </a:t>
+            </a:r>
+            <a:r>
+              <a:rPr lang="fr-FR" altLang="ja-JP" sz="2400" dirty="0" smtClean="0"/>
+              <a:t>600</a:t>
+            </a:r>
+            <a:r>
+              <a:rPr lang="fr-FR" altLang="ja-JP" sz="2400" dirty="0"/>
+              <a:t>);</a:t>
+            </a:r>
+            <a:endParaRPr lang="fr-FR" altLang="ja-JP" sz="2400" dirty="0"/>
+          </a:p>
+        </p:txBody>
+      </p:sp>
+      <p:pic>
+        <p:nvPicPr>
+          <p:cNvPr id="6" name="図 5" descr="スクリーンショット 2015-07-24 12.11.47.png"/>
+          <p:cNvPicPr>
+            <a:picLocks noChangeAspect="1"/>
+          </p:cNvPicPr>
+          <p:nvPr/>
+        </p:nvPicPr>
+        <p:blipFill>
+          <a:blip r:embed="rId2">
+            <a:extLst>
+              <a:ext uri="{28A0092B-C50C-407E-A947-70E740481C1C}">
+                <a14:useLocalDpi xmlns:a14="http://schemas.microsoft.com/office/drawing/2010/main" val="0"/>
+              </a:ext>
+            </a:extLst>
+          </a:blip>
+          <a:stretch>
+            <a:fillRect/>
+          </a:stretch>
+        </p:blipFill>
+        <p:spPr>
+          <a:xfrm>
+            <a:off x="4283943" y="819230"/>
+            <a:ext cx="1910698" cy="2635170"/>
+          </a:xfrm>
+          <a:prstGeom prst="rect">
+            <a:avLst/>
+          </a:prstGeom>
+        </p:spPr>
+      </p:pic>
+      <p:sp>
+        <p:nvSpPr>
+          <p:cNvPr id="18" name="テキスト ボックス 17"/>
+          <p:cNvSpPr txBox="1"/>
+          <p:nvPr/>
+        </p:nvSpPr>
+        <p:spPr>
+          <a:xfrm>
+            <a:off x="203200" y="3708400"/>
+            <a:ext cx="6191394" cy="461665"/>
+          </a:xfrm>
+          <a:prstGeom prst="rect">
+            <a:avLst/>
+          </a:prstGeom>
+          <a:noFill/>
+          <a:ln w="19050" cmpd="sng">
+            <a:solidFill>
+              <a:schemeClr val="tx1"/>
+            </a:solidFill>
+          </a:ln>
+        </p:spPr>
+        <p:txBody>
+          <a:bodyPr wrap="square" rtlCol="0">
+            <a:spAutoFit/>
+          </a:bodyPr>
+          <a:lstStyle/>
+          <a:p>
+            <a:r>
+              <a:rPr kumimoji="1" lang="en-US" altLang="ja-JP" sz="2400" dirty="0" smtClean="0"/>
+              <a:t>Step2-6. </a:t>
+            </a:r>
+            <a:r>
+              <a:rPr kumimoji="1" lang="ja-JP" altLang="en-US" sz="2400" dirty="0" smtClean="0"/>
+              <a:t>表示モードをセンターにしよう</a:t>
+            </a:r>
+            <a:endParaRPr lang="ja-JP" altLang="en-US" sz="2400" dirty="0"/>
+          </a:p>
+        </p:txBody>
+      </p:sp>
+      <p:sp>
+        <p:nvSpPr>
+          <p:cNvPr id="19" name="テキスト ボックス 18"/>
+          <p:cNvSpPr txBox="1"/>
+          <p:nvPr/>
+        </p:nvSpPr>
+        <p:spPr>
+          <a:xfrm>
+            <a:off x="564410" y="4261391"/>
+            <a:ext cx="5727104" cy="1477328"/>
+          </a:xfrm>
+          <a:prstGeom prst="rect">
             <a:avLst/>
           </a:prstGeom>
           <a:solidFill>
             <a:schemeClr val="bg1">
-              <a:lumMod val="85000"/>
+              <a:lumMod val="95000"/>
             </a:schemeClr>
           </a:solidFill>
+          <a:ln w="12700" cmpd="sng"/>
+        </p:spPr>
+        <p:style>
+          <a:lnRef idx="2">
+            <a:schemeClr val="dk1"/>
+          </a:lnRef>
+          <a:fillRef idx="1">
+            <a:schemeClr val="lt1"/>
+          </a:fillRef>
+          <a:effectRef idx="0">
+            <a:schemeClr val="dk1"/>
+          </a:effectRef>
+          <a:fontRef idx="minor">
+            <a:schemeClr val="dk1"/>
+          </a:fontRef>
+        </p:style>
+        <p:txBody>
+          <a:bodyPr wrap="square" rtlCol="0">
+            <a:spAutoFit/>
+          </a:bodyPr>
+          <a:lstStyle/>
+          <a:p>
+            <a:r>
+              <a:rPr lang="fr-FR" altLang="ja-JP" dirty="0" err="1"/>
+              <a:t>rectMode</a:t>
+            </a:r>
+            <a:r>
+              <a:rPr lang="fr-FR" altLang="ja-JP" dirty="0"/>
+              <a:t>(CENTER)</a:t>
+            </a:r>
+            <a:r>
+              <a:rPr lang="fr-FR" altLang="ja-JP" dirty="0" smtClean="0"/>
+              <a:t>;</a:t>
+            </a:r>
+          </a:p>
+          <a:p>
+            <a:r>
+              <a:rPr lang="fr-FR" altLang="ja-JP" dirty="0" smtClean="0"/>
+              <a:t>size</a:t>
+            </a:r>
+            <a:r>
+              <a:rPr lang="fr-FR" altLang="ja-JP" dirty="0"/>
+              <a:t>(</a:t>
+            </a:r>
+            <a:r>
+              <a:rPr lang="fr-FR" altLang="ja-JP" dirty="0" smtClean="0"/>
+              <a:t>400</a:t>
+            </a:r>
+            <a:r>
+              <a:rPr lang="fr-FR" altLang="ja-JP" dirty="0"/>
+              <a:t>, </a:t>
+            </a:r>
+            <a:r>
+              <a:rPr lang="fr-FR" altLang="ja-JP" dirty="0" smtClean="0"/>
+              <a:t>600</a:t>
+            </a:r>
+            <a:r>
+              <a:rPr lang="fr-FR" altLang="ja-JP" dirty="0"/>
+              <a:t>)</a:t>
+            </a:r>
+            <a:r>
+              <a:rPr lang="fr-FR" altLang="ja-JP" dirty="0" smtClean="0"/>
+              <a:t>;</a:t>
+            </a:r>
+          </a:p>
+          <a:p>
+            <a:r>
+              <a:rPr lang="fr-FR" altLang="ja-JP" dirty="0" err="1" smtClean="0"/>
+              <a:t>int</a:t>
+            </a:r>
+            <a:r>
+              <a:rPr lang="fr-FR" altLang="ja-JP" dirty="0" smtClean="0"/>
+              <a:t> </a:t>
+            </a:r>
+            <a:r>
+              <a:rPr lang="fr-FR" altLang="ja-JP" dirty="0" err="1"/>
+              <a:t>len</a:t>
+            </a:r>
+            <a:r>
+              <a:rPr lang="fr-FR" altLang="ja-JP" dirty="0"/>
+              <a:t>;</a:t>
+            </a:r>
+          </a:p>
+          <a:p>
+            <a:r>
+              <a:rPr lang="fr-FR" altLang="ja-JP" dirty="0" err="1"/>
+              <a:t>len</a:t>
+            </a:r>
+            <a:r>
+              <a:rPr lang="fr-FR" altLang="ja-JP" dirty="0"/>
+              <a:t> = </a:t>
+            </a:r>
+            <a:r>
+              <a:rPr lang="fr-FR" altLang="ja-JP" dirty="0" smtClean="0"/>
+              <a:t>100</a:t>
+            </a:r>
+            <a:r>
+              <a:rPr lang="fr-FR" altLang="ja-JP" dirty="0"/>
+              <a:t>;</a:t>
+            </a:r>
+          </a:p>
+          <a:p>
+            <a:r>
+              <a:rPr lang="fr-FR" altLang="ja-JP" dirty="0" err="1"/>
+              <a:t>rect</a:t>
+            </a:r>
+            <a:r>
+              <a:rPr lang="fr-FR" altLang="ja-JP"/>
+              <a:t>(</a:t>
+            </a:r>
+            <a:r>
+              <a:rPr lang="fr-FR" altLang="ja-JP" smtClean="0"/>
+              <a:t>50, 10, </a:t>
+            </a:r>
+            <a:r>
+              <a:rPr lang="fr-FR" altLang="ja-JP" dirty="0" err="1"/>
+              <a:t>len</a:t>
+            </a:r>
+            <a:r>
+              <a:rPr lang="fr-FR" altLang="ja-JP" dirty="0"/>
+              <a:t>, </a:t>
+            </a:r>
+            <a:r>
+              <a:rPr lang="fr-FR" altLang="ja-JP" dirty="0" err="1"/>
+              <a:t>len</a:t>
+            </a:r>
+            <a:r>
+              <a:rPr lang="fr-FR" altLang="ja-JP" dirty="0"/>
+              <a:t>);</a:t>
+            </a:r>
+            <a:endParaRPr lang="fr-FR" altLang="ja-JP" dirty="0"/>
+          </a:p>
+        </p:txBody>
+      </p:sp>
+      <p:sp>
+        <p:nvSpPr>
+          <p:cNvPr id="20" name="正方形/長方形 19"/>
+          <p:cNvSpPr/>
+          <p:nvPr/>
+        </p:nvSpPr>
+        <p:spPr>
+          <a:xfrm>
+            <a:off x="564410" y="5738719"/>
+            <a:ext cx="5727104" cy="1599941"/>
+          </a:xfrm>
+          <a:prstGeom prst="rect">
+            <a:avLst/>
+          </a:prstGeom>
+          <a:noFill/>
           <a:ln>
             <a:solidFill>
-              <a:srgbClr val="000000"/>
+              <a:schemeClr val="tx1"/>
             </a:solidFill>
           </a:ln>
         </p:spPr>
@@ -7972,66 +10730,82 @@
           <a:lstStyle/>
           <a:p>
             <a:pPr algn="ctr"/>
-            <a:r>
-              <a:rPr kumimoji="1" lang="en-US" altLang="ja-JP" dirty="0" err="1" smtClean="0">
-                <a:solidFill>
-                  <a:schemeClr val="tx1"/>
-                </a:solidFill>
-              </a:rPr>
-              <a:t>shipX</a:t>
-            </a:r>
-            <a:endParaRPr kumimoji="1" lang="ja-JP" altLang="en-US" dirty="0">
-              <a:solidFill>
-                <a:schemeClr val="tx1"/>
-              </a:solidFill>
-            </a:endParaRPr>
-          </a:p>
-        </p:txBody>
-      </p:sp>
-      <p:sp>
-        <p:nvSpPr>
-          <p:cNvPr id="27" name="テキスト ボックス 26"/>
+            <a:endParaRPr kumimoji="1" lang="ja-JP" altLang="en-US"/>
+          </a:p>
+        </p:txBody>
+      </p:sp>
+      <p:sp>
+        <p:nvSpPr>
+          <p:cNvPr id="21" name="正方形/長方形 20"/>
+          <p:cNvSpPr/>
+          <p:nvPr/>
+        </p:nvSpPr>
+        <p:spPr>
+          <a:xfrm>
+            <a:off x="653552" y="6054020"/>
+            <a:ext cx="2668068" cy="461665"/>
+          </a:xfrm>
+          <a:prstGeom prst="rect">
+            <a:avLst/>
+          </a:prstGeom>
+        </p:spPr>
+        <p:txBody>
+          <a:bodyPr wrap="none">
+            <a:spAutoFit/>
+          </a:bodyPr>
+          <a:lstStyle/>
+          <a:p>
+            <a:r>
+              <a:rPr lang="fr-FR" altLang="ja-JP" sz="2400" dirty="0" err="1" smtClean="0"/>
+              <a:t>rectMode</a:t>
+            </a:r>
+            <a:r>
+              <a:rPr lang="fr-FR" altLang="ja-JP" sz="2400" dirty="0" smtClean="0"/>
+              <a:t>(CENTER);</a:t>
+            </a:r>
+          </a:p>
+        </p:txBody>
+      </p:sp>
+      <p:pic>
+        <p:nvPicPr>
+          <p:cNvPr id="22" name="図 21" descr="スクリーンショット 2015-07-24 12.11.47.png"/>
+          <p:cNvPicPr>
+            <a:picLocks noChangeAspect="1"/>
+          </p:cNvPicPr>
+          <p:nvPr/>
+        </p:nvPicPr>
+        <p:blipFill>
+          <a:blip r:embed="rId2">
+            <a:extLst>
+              <a:ext uri="{28A0092B-C50C-407E-A947-70E740481C1C}">
+                <a14:useLocalDpi xmlns:a14="http://schemas.microsoft.com/office/drawing/2010/main" val="0"/>
+              </a:ext>
+            </a:extLst>
+          </a:blip>
+          <a:stretch>
+            <a:fillRect/>
+          </a:stretch>
+        </p:blipFill>
+        <p:spPr>
+          <a:xfrm>
+            <a:off x="4283943" y="4324891"/>
+            <a:ext cx="1910698" cy="2635170"/>
+          </a:xfrm>
+          <a:prstGeom prst="rect">
+            <a:avLst/>
+          </a:prstGeom>
+        </p:spPr>
+      </p:pic>
+      <p:sp>
+        <p:nvSpPr>
+          <p:cNvPr id="23" name="テキスト ボックス 22"/>
           <p:cNvSpPr txBox="1"/>
           <p:nvPr/>
         </p:nvSpPr>
         <p:spPr>
           <a:xfrm>
-            <a:off x="772040" y="5520956"/>
-            <a:ext cx="1322372" cy="369332"/>
-          </a:xfrm>
-          <a:prstGeom prst="rect">
-            <a:avLst/>
-          </a:prstGeom>
-          <a:noFill/>
-        </p:spPr>
-        <p:txBody>
-          <a:bodyPr wrap="none" rtlCol="0">
-            <a:spAutoFit/>
-          </a:bodyPr>
-          <a:lstStyle/>
-          <a:p>
-            <a:r>
-              <a:rPr lang="en-US" altLang="ja-JP" dirty="0" err="1" smtClean="0"/>
-              <a:t>shipX</a:t>
-            </a:r>
-            <a:r>
-              <a:rPr lang="en-US" altLang="ja-JP" dirty="0" smtClean="0"/>
-              <a:t> = 215;</a:t>
-            </a:r>
-            <a:endParaRPr lang="en-US" altLang="ja-JP" dirty="0"/>
-          </a:p>
-        </p:txBody>
-      </p:sp>
-      <p:sp>
-        <p:nvSpPr>
-          <p:cNvPr id="28" name="テキスト ボックス 27"/>
-          <p:cNvSpPr txBox="1"/>
-          <p:nvPr/>
-        </p:nvSpPr>
-        <p:spPr>
-          <a:xfrm>
-            <a:off x="2239615" y="5520956"/>
-            <a:ext cx="4051899" cy="369332"/>
+            <a:off x="863002" y="2619970"/>
+            <a:ext cx="3420942" cy="584776"/>
           </a:xfrm>
           <a:prstGeom prst="rect">
             <a:avLst/>
@@ -8045,321 +10819,37 @@
           <a:lstStyle/>
           <a:p>
             <a:r>
-              <a:rPr lang="ja-JP" altLang="en-US" dirty="0" smtClean="0"/>
-              <a:t>この１行で，変数に数値を格納する．</a:t>
-            </a:r>
-            <a:endParaRPr lang="en-US" altLang="ja-JP" dirty="0"/>
-          </a:p>
-        </p:txBody>
-      </p:sp>
-      <p:sp>
-        <p:nvSpPr>
-          <p:cNvPr id="29" name="直方体 28"/>
-          <p:cNvSpPr/>
-          <p:nvPr/>
-        </p:nvSpPr>
-        <p:spPr>
-          <a:xfrm>
-            <a:off x="2667000" y="6435012"/>
-            <a:ext cx="1397000" cy="787400"/>
-          </a:xfrm>
-          <a:prstGeom prst="cube">
-            <a:avLst/>
-          </a:prstGeom>
-          <a:solidFill>
-            <a:schemeClr val="bg1">
-              <a:lumMod val="85000"/>
-            </a:schemeClr>
-          </a:solidFill>
-          <a:ln>
-            <a:solidFill>
-              <a:srgbClr val="000000"/>
-            </a:solidFill>
-          </a:ln>
-        </p:spPr>
-        <p:style>
-          <a:lnRef idx="1">
-            <a:schemeClr val="accent1"/>
-          </a:lnRef>
-          <a:fillRef idx="3">
-            <a:schemeClr val="accent1"/>
-          </a:fillRef>
-          <a:effectRef idx="2">
-            <a:schemeClr val="accent1"/>
-          </a:effectRef>
-          <a:fontRef idx="minor">
-            <a:schemeClr val="lt1"/>
-          </a:fontRef>
-        </p:style>
-        <p:txBody>
-          <a:bodyPr rtlCol="0" anchor="ctr"/>
-          <a:lstStyle/>
-          <a:p>
-            <a:pPr algn="ctr"/>
-            <a:r>
-              <a:rPr kumimoji="1" lang="en-US" altLang="ja-JP" dirty="0" err="1" smtClean="0">
-                <a:solidFill>
-                  <a:schemeClr val="tx1"/>
-                </a:solidFill>
-              </a:rPr>
-              <a:t>shipX</a:t>
-            </a:r>
-            <a:endParaRPr kumimoji="1" lang="ja-JP" altLang="en-US" dirty="0">
-              <a:solidFill>
-                <a:schemeClr val="tx1"/>
-              </a:solidFill>
-            </a:endParaRPr>
-          </a:p>
-        </p:txBody>
-      </p:sp>
-      <p:sp>
-        <p:nvSpPr>
-          <p:cNvPr id="30" name="テキスト ボックス 29"/>
-          <p:cNvSpPr txBox="1"/>
-          <p:nvPr/>
-        </p:nvSpPr>
-        <p:spPr>
-          <a:xfrm>
-            <a:off x="4293527" y="5957214"/>
-            <a:ext cx="730639" cy="523220"/>
-          </a:xfrm>
-          <a:prstGeom prst="rect">
-            <a:avLst/>
-          </a:prstGeom>
-          <a:noFill/>
-        </p:spPr>
-        <p:txBody>
-          <a:bodyPr wrap="none" rtlCol="0">
-            <a:spAutoFit/>
-          </a:bodyPr>
-          <a:lstStyle/>
-          <a:p>
-            <a:r>
-              <a:rPr lang="en-US" altLang="ja-JP" sz="2800" dirty="0" smtClean="0"/>
-              <a:t>215</a:t>
-            </a:r>
-            <a:endParaRPr lang="en-US" altLang="ja-JP" sz="2800" dirty="0"/>
-          </a:p>
-        </p:txBody>
-      </p:sp>
-      <p:sp>
-        <p:nvSpPr>
-          <p:cNvPr id="38" name="テキスト ボックス 37"/>
-          <p:cNvSpPr txBox="1"/>
-          <p:nvPr/>
-        </p:nvSpPr>
-        <p:spPr>
-          <a:xfrm>
-            <a:off x="772040" y="7513824"/>
-            <a:ext cx="2648193" cy="369332"/>
-          </a:xfrm>
-          <a:prstGeom prst="rect">
-            <a:avLst/>
-          </a:prstGeom>
-          <a:noFill/>
-        </p:spPr>
-        <p:txBody>
-          <a:bodyPr wrap="none" rtlCol="0">
-            <a:spAutoFit/>
-          </a:bodyPr>
-          <a:lstStyle/>
-          <a:p>
-            <a:r>
-              <a:rPr lang="en-US" altLang="ja-JP" dirty="0" err="1" smtClean="0"/>
-              <a:t>rect</a:t>
-            </a:r>
-            <a:r>
-              <a:rPr lang="en-US" altLang="ja-JP" dirty="0"/>
-              <a:t>(</a:t>
-            </a:r>
-            <a:r>
-              <a:rPr lang="en-US" altLang="ja-JP" dirty="0" err="1"/>
-              <a:t>shipX</a:t>
-            </a:r>
-            <a:r>
-              <a:rPr lang="en-US" altLang="ja-JP" dirty="0"/>
-              <a:t>, </a:t>
-            </a:r>
-            <a:r>
-              <a:rPr lang="en-US" altLang="ja-JP" dirty="0" err="1"/>
-              <a:t>shipY</a:t>
-            </a:r>
-            <a:r>
-              <a:rPr lang="en-US" altLang="ja-JP" dirty="0"/>
-              <a:t>, 50, 50)</a:t>
-            </a:r>
-            <a:r>
-              <a:rPr lang="en-US" altLang="ja-JP" dirty="0" smtClean="0"/>
-              <a:t>;</a:t>
-            </a:r>
-            <a:endParaRPr lang="en-US" altLang="ja-JP" dirty="0"/>
-          </a:p>
-        </p:txBody>
-      </p:sp>
-      <p:sp>
-        <p:nvSpPr>
-          <p:cNvPr id="39" name="テキスト ボックス 38"/>
-          <p:cNvSpPr txBox="1"/>
-          <p:nvPr/>
-        </p:nvSpPr>
-        <p:spPr>
-          <a:xfrm>
-            <a:off x="2239615" y="7883156"/>
-            <a:ext cx="4051899" cy="646331"/>
-          </a:xfrm>
-          <a:prstGeom prst="rect">
-            <a:avLst/>
-          </a:prstGeom>
-          <a:noFill/>
-        </p:spPr>
-        <p:txBody>
-          <a:bodyPr wrap="square" rtlCol="0">
-            <a:spAutoFit/>
-          </a:bodyPr>
-          <a:lstStyle/>
-          <a:p>
-            <a:r>
-              <a:rPr lang="ja-JP" altLang="en-US" dirty="0" smtClean="0"/>
-              <a:t>変数</a:t>
-            </a:r>
-            <a:r>
-              <a:rPr lang="en-US" altLang="ja-JP" dirty="0" err="1" smtClean="0"/>
-              <a:t>shipX</a:t>
-            </a:r>
-            <a:r>
-              <a:rPr lang="ja-JP" altLang="en-US" dirty="0" smtClean="0"/>
-              <a:t>には</a:t>
-            </a:r>
-            <a:r>
-              <a:rPr lang="en-US" altLang="ja-JP" dirty="0" smtClean="0"/>
-              <a:t>215</a:t>
-            </a:r>
-            <a:r>
-              <a:rPr lang="ja-JP" altLang="en-US" dirty="0" smtClean="0"/>
-              <a:t>が入っている．何度でも使うことができる．</a:t>
-            </a:r>
-            <a:endParaRPr lang="en-US" altLang="ja-JP" dirty="0"/>
-          </a:p>
-        </p:txBody>
-      </p:sp>
-      <p:sp>
-        <p:nvSpPr>
-          <p:cNvPr id="40" name="テキスト ボックス 39"/>
-          <p:cNvSpPr txBox="1"/>
-          <p:nvPr/>
-        </p:nvSpPr>
-        <p:spPr>
-          <a:xfrm>
-            <a:off x="1292202" y="8160155"/>
-            <a:ext cx="535648" cy="369332"/>
-          </a:xfrm>
-          <a:prstGeom prst="rect">
-            <a:avLst/>
-          </a:prstGeom>
-          <a:noFill/>
-        </p:spPr>
-        <p:txBody>
-          <a:bodyPr wrap="none" rtlCol="0">
-            <a:spAutoFit/>
-          </a:bodyPr>
-          <a:lstStyle/>
-          <a:p>
-            <a:r>
-              <a:rPr lang="en-US" altLang="ja-JP" dirty="0" smtClean="0"/>
-              <a:t>215</a:t>
-            </a:r>
-            <a:endParaRPr lang="en-US" altLang="ja-JP" dirty="0"/>
-          </a:p>
-        </p:txBody>
-      </p:sp>
-      <p:cxnSp>
-        <p:nvCxnSpPr>
-          <p:cNvPr id="42" name="直線矢印コネクタ 41"/>
-          <p:cNvCxnSpPr>
-            <a:stCxn id="40" idx="0"/>
-          </p:cNvCxnSpPr>
-          <p:nvPr/>
-        </p:nvCxnSpPr>
-        <p:spPr>
-          <a:xfrm flipV="1">
-            <a:off x="1560026" y="7883156"/>
-            <a:ext cx="0" cy="276999"/>
-          </a:xfrm>
-          <a:prstGeom prst="straightConnector1">
-            <a:avLst/>
-          </a:prstGeom>
-          <a:ln>
-            <a:solidFill>
-              <a:srgbClr val="000000"/>
-            </a:solidFill>
-            <a:tailEnd type="arrow"/>
-          </a:ln>
-        </p:spPr>
-        <p:style>
-          <a:lnRef idx="2">
-            <a:schemeClr val="accent1"/>
-          </a:lnRef>
-          <a:fillRef idx="0">
-            <a:schemeClr val="accent1"/>
-          </a:fillRef>
-          <a:effectRef idx="1">
-            <a:schemeClr val="accent1"/>
-          </a:effectRef>
-          <a:fontRef idx="minor">
-            <a:schemeClr val="tx1"/>
-          </a:fontRef>
-        </p:style>
-      </p:cxnSp>
-      <p:sp>
-        <p:nvSpPr>
-          <p:cNvPr id="44" name="左矢印 43"/>
-          <p:cNvSpPr/>
-          <p:nvPr/>
-        </p:nvSpPr>
-        <p:spPr>
-          <a:xfrm rot="19751953">
-            <a:off x="3351677" y="6194683"/>
-            <a:ext cx="965200" cy="571500"/>
-          </a:xfrm>
-          <a:prstGeom prst="leftArrow">
-            <a:avLst/>
-          </a:prstGeom>
-          <a:solidFill>
-            <a:srgbClr val="D9D9D9"/>
-          </a:solidFill>
-          <a:ln>
-            <a:solidFill>
-              <a:srgbClr val="000000"/>
-            </a:solidFill>
-          </a:ln>
-        </p:spPr>
-        <p:style>
-          <a:lnRef idx="1">
-            <a:schemeClr val="accent1"/>
-          </a:lnRef>
-          <a:fillRef idx="3">
-            <a:schemeClr val="accent1"/>
-          </a:fillRef>
-          <a:effectRef idx="2">
-            <a:schemeClr val="accent1"/>
-          </a:effectRef>
-          <a:fontRef idx="minor">
-            <a:schemeClr val="lt1"/>
-          </a:fontRef>
-        </p:style>
-        <p:txBody>
-          <a:bodyPr rtlCol="0" anchor="ctr"/>
-          <a:lstStyle/>
-          <a:p>
-            <a:pPr algn="ctr"/>
-            <a:endParaRPr kumimoji="1" lang="ja-JP" altLang="en-US"/>
+              <a:rPr lang="en-US" altLang="en-US" sz="1600" dirty="0" smtClean="0"/>
+              <a:t>画面の横（ｘ方向）が400</a:t>
+            </a:r>
+            <a:r>
+              <a:rPr lang="ja-JP" altLang="en-US" sz="1600" dirty="0" smtClean="0"/>
+              <a:t>，縦（</a:t>
+            </a:r>
+            <a:r>
+              <a:rPr lang="en-US" altLang="ja-JP" sz="1600" dirty="0" smtClean="0"/>
+              <a:t>y</a:t>
+            </a:r>
+            <a:r>
+              <a:rPr lang="ja-JP" altLang="en-US" sz="1600" dirty="0" smtClean="0"/>
+              <a:t>方向）が</a:t>
+            </a:r>
+            <a:r>
+              <a:rPr lang="en-US" altLang="ja-JP" sz="1600" dirty="0" smtClean="0"/>
+              <a:t>600</a:t>
+            </a:r>
+            <a:r>
+              <a:rPr lang="ja-JP" altLang="en-US" sz="1600" dirty="0" smtClean="0"/>
+              <a:t>になる．</a:t>
+            </a:r>
+            <a:endParaRPr lang="en-US" altLang="ja-JP" sz="1600" dirty="0"/>
           </a:p>
         </p:txBody>
       </p:sp>
     </p:spTree>
     <p:extLst>
       <p:ext uri="{BB962C8B-B14F-4D97-AF65-F5344CB8AC3E}">
-        <p14:creationId xmlns:p14="http://schemas.microsoft.com/office/powerpoint/2010/main" val="1429873477"/>
+        <p14:creationId xmlns:p14="http://schemas.microsoft.com/office/powerpoint/2010/main" val="2191616572"/>
       </p:ext>
     </p:extLst>
   </p:cSld>
@@ -8442,44 +10932,14 @@
       </p:sp>
       <p:sp>
         <p:nvSpPr>
-          <p:cNvPr id="6" name="テキスト ボックス 5"/>
-          <p:cNvSpPr txBox="1"/>
-          <p:nvPr/>
-        </p:nvSpPr>
-        <p:spPr>
-          <a:xfrm>
-            <a:off x="323706" y="687646"/>
-            <a:ext cx="2437085" cy="369332"/>
-          </a:xfrm>
-          <a:prstGeom prst="rect">
-            <a:avLst/>
-          </a:prstGeom>
-          <a:noFill/>
-        </p:spPr>
-        <p:txBody>
-          <a:bodyPr wrap="none" rtlCol="0">
-            <a:spAutoFit/>
-          </a:bodyPr>
-          <a:lstStyle/>
-          <a:p>
-            <a:r>
-              <a:rPr lang="ja-JP" altLang="en-US" dirty="0" smtClean="0"/>
-              <a:t>画像を表示してみよう．</a:t>
-            </a:r>
-            <a:endParaRPr kumimoji="1" lang="ja-JP" altLang="en-US" dirty="0"/>
-          </a:p>
-        </p:txBody>
-      </p:sp>
-      <p:sp>
-        <p:nvSpPr>
           <p:cNvPr id="7" name="テキスト ボックス 6"/>
           <p:cNvSpPr txBox="1"/>
           <p:nvPr/>
         </p:nvSpPr>
         <p:spPr>
           <a:xfrm>
-            <a:off x="323706" y="318314"/>
-            <a:ext cx="6191394" cy="369332"/>
+            <a:off x="203200" y="202739"/>
+            <a:ext cx="6191394" cy="461665"/>
           </a:xfrm>
           <a:prstGeom prst="rect">
             <a:avLst/>
@@ -8498,27 +10958,31 @@
           <a:lstStyle/>
           <a:p>
             <a:r>
-              <a:rPr kumimoji="1" lang="en-US" altLang="ja-JP" dirty="0" smtClean="0"/>
-              <a:t>Step3-2. </a:t>
-            </a:r>
-            <a:r>
-              <a:rPr kumimoji="1" lang="ja-JP" altLang="en-US" dirty="0" smtClean="0"/>
-              <a:t>画像を表示してみよう</a:t>
-            </a:r>
-            <a:endParaRPr kumimoji="1" lang="ja-JP" altLang="en-US" dirty="0"/>
-          </a:p>
-        </p:txBody>
-      </p:sp>
-      <p:sp>
-        <p:nvSpPr>
-          <p:cNvPr id="8" name="テキスト ボックス 7"/>
+              <a:rPr kumimoji="1" lang="en-US" altLang="ja-JP" sz="2400" dirty="0" smtClean="0"/>
+              <a:t>Step2</a:t>
+            </a:r>
+            <a:r>
+              <a:rPr kumimoji="1" lang="en-US" altLang="ja-JP" sz="2400" dirty="0" smtClean="0"/>
+              <a:t>-5.</a:t>
+            </a:r>
+            <a:r>
+              <a:rPr lang="ja-JP" altLang="en-US" sz="2400" dirty="0"/>
+              <a:t>画面のサイズを変えよう</a:t>
+            </a:r>
+            <a:endParaRPr lang="ja-JP" altLang="en-US" sz="2400" dirty="0"/>
+          </a:p>
+        </p:txBody>
+      </p:sp>
+      <p:sp>
+        <p:nvSpPr>
+          <p:cNvPr id="9" name="テキスト ボックス 8"/>
           <p:cNvSpPr txBox="1"/>
           <p:nvPr/>
         </p:nvSpPr>
         <p:spPr>
           <a:xfrm>
-            <a:off x="564410" y="1047590"/>
-            <a:ext cx="5727104" cy="2554545"/>
+            <a:off x="564410" y="755730"/>
+            <a:ext cx="5727104" cy="1200329"/>
           </a:xfrm>
           <a:prstGeom prst="rect">
             <a:avLst/>
@@ -8551,193 +11015,89 @@
           <a:lstStyle/>
           <a:p>
             <a:r>
-              <a:rPr lang="en-US" altLang="ja-JP" sz="1600" dirty="0" err="1"/>
+              <a:rPr lang="en-US" altLang="ja-JP" dirty="0" err="1"/>
+              <a:t>PImage</a:t>
+            </a:r>
+            <a:r>
+              <a:rPr lang="en-US" altLang="ja-JP" dirty="0"/>
+              <a:t> </a:t>
+            </a:r>
+            <a:r>
+              <a:rPr lang="en-US" altLang="ja-JP" dirty="0" err="1"/>
+              <a:t>shipImg</a:t>
+            </a:r>
+            <a:r>
+              <a:rPr lang="en-US" altLang="ja-JP" dirty="0"/>
+              <a:t>;</a:t>
+            </a:r>
+          </a:p>
+          <a:p>
+            <a:r>
+              <a:rPr lang="en-US" altLang="ja-JP" dirty="0" err="1"/>
               <a:t>imageMode</a:t>
             </a:r>
             <a:r>
-              <a:rPr lang="en-US" altLang="ja-JP" sz="1600" dirty="0"/>
-              <a:t>(CENTER); // </a:t>
-            </a:r>
-            <a:r>
-              <a:rPr lang="ja-JP" altLang="en-US" sz="1600" dirty="0"/>
-              <a:t>画像座標の指定を中心に</a:t>
-            </a:r>
-            <a:r>
-              <a:rPr lang="ja-JP" altLang="en-US" sz="1600" dirty="0" smtClean="0"/>
-              <a:t>する</a:t>
-            </a:r>
-            <a:endParaRPr lang="en-US" altLang="ja-JP" sz="1600" dirty="0" smtClean="0"/>
-          </a:p>
-          <a:p>
-            <a:r>
-              <a:rPr lang="en-US" altLang="ja-JP" sz="1600" dirty="0" err="1" smtClean="0"/>
-              <a:t>PImage</a:t>
-            </a:r>
-            <a:r>
-              <a:rPr lang="en-US" altLang="ja-JP" sz="1600" dirty="0" smtClean="0"/>
-              <a:t> </a:t>
-            </a:r>
-            <a:r>
-              <a:rPr lang="en-US" altLang="ja-JP" sz="1600" dirty="0" err="1"/>
+              <a:rPr lang="en-US" altLang="ja-JP" dirty="0"/>
+              <a:t>(CENTER);</a:t>
+            </a:r>
+          </a:p>
+          <a:p>
+            <a:r>
+              <a:rPr lang="en-US" altLang="ja-JP" dirty="0" err="1"/>
               <a:t>shipImg</a:t>
             </a:r>
             <a:r>
-              <a:rPr lang="en-US" altLang="ja-JP" sz="1600" dirty="0"/>
-              <a:t>; // </a:t>
-            </a:r>
-            <a:r>
-              <a:rPr lang="ja-JP" altLang="en-US" sz="1600" dirty="0"/>
-              <a:t>自機の画像の宣言</a:t>
-            </a:r>
-          </a:p>
-          <a:p>
-            <a:r>
-              <a:rPr lang="en-US" altLang="ja-JP" sz="1600" dirty="0" err="1"/>
-              <a:t>int</a:t>
-            </a:r>
-            <a:r>
-              <a:rPr lang="en-US" altLang="ja-JP" sz="1600" dirty="0"/>
-              <a:t> </a:t>
-            </a:r>
-            <a:r>
-              <a:rPr lang="en-US" altLang="ja-JP" sz="1600" dirty="0" err="1"/>
-              <a:t>shipX</a:t>
-            </a:r>
-            <a:r>
-              <a:rPr lang="en-US" altLang="ja-JP" sz="1600" dirty="0"/>
+              <a:rPr lang="en-US" altLang="ja-JP" dirty="0"/>
+              <a:t> = </a:t>
+            </a:r>
+            <a:r>
+              <a:rPr lang="en-US" altLang="ja-JP" dirty="0" err="1"/>
+              <a:t>loadImage</a:t>
+            </a:r>
+            <a:r>
+              <a:rPr lang="en-US" altLang="ja-JP" dirty="0"/>
+              <a:t>("</a:t>
+            </a:r>
+            <a:r>
+              <a:rPr lang="en-US" altLang="ja-JP" dirty="0" err="1"/>
+              <a:t>ship.png</a:t>
+            </a:r>
+            <a:r>
+              <a:rPr lang="en-US" altLang="ja-JP" dirty="0"/>
+              <a:t>");</a:t>
+            </a:r>
+          </a:p>
+          <a:p>
+            <a:r>
+              <a:rPr lang="en-US" altLang="ja-JP" dirty="0"/>
+              <a:t>image(</a:t>
+            </a:r>
+            <a:r>
+              <a:rPr lang="en-US" altLang="ja-JP" dirty="0" err="1"/>
+              <a:t>shipImg</a:t>
+            </a:r>
+            <a:r>
+              <a:rPr lang="en-US" altLang="ja-JP" dirty="0"/>
+              <a:t>, 90, 80)</a:t>
+            </a:r>
+            <a:r>
+              <a:rPr lang="en-US" altLang="ja-JP" dirty="0" smtClean="0"/>
               <a:t>;</a:t>
             </a:r>
-          </a:p>
-          <a:p>
-            <a:r>
-              <a:rPr lang="en-US" altLang="ja-JP" sz="1600" dirty="0" err="1"/>
-              <a:t>int</a:t>
-            </a:r>
-            <a:r>
-              <a:rPr lang="en-US" altLang="ja-JP" sz="1600" dirty="0"/>
-              <a:t> </a:t>
-            </a:r>
-            <a:r>
-              <a:rPr lang="en-US" altLang="ja-JP" sz="1600" dirty="0" err="1"/>
-              <a:t>shipY</a:t>
-            </a:r>
-            <a:r>
-              <a:rPr lang="en-US" altLang="ja-JP" sz="1600" dirty="0"/>
-              <a:t>;</a:t>
-            </a:r>
-          </a:p>
-          <a:p>
-            <a:r>
-              <a:rPr lang="en-US" altLang="ja-JP" sz="1600" dirty="0"/>
-              <a:t>size(480, 640);</a:t>
-            </a:r>
-          </a:p>
-          <a:p>
-            <a:r>
-              <a:rPr lang="en-US" altLang="ja-JP" sz="1600" dirty="0" err="1"/>
-              <a:t>rect</a:t>
-            </a:r>
-            <a:r>
-              <a:rPr lang="en-US" altLang="ja-JP" sz="1600" dirty="0"/>
-              <a:t>(350, 120, 70, 100);</a:t>
-            </a:r>
-          </a:p>
-          <a:p>
-            <a:r>
-              <a:rPr lang="en-US" altLang="ja-JP" sz="1600" dirty="0" err="1"/>
-              <a:t>shipImg</a:t>
-            </a:r>
-            <a:r>
-              <a:rPr lang="en-US" altLang="ja-JP" sz="1600" dirty="0"/>
-              <a:t> = </a:t>
-            </a:r>
-            <a:r>
-              <a:rPr lang="en-US" altLang="ja-JP" sz="1600" dirty="0" err="1"/>
-              <a:t>loadImage</a:t>
-            </a:r>
-            <a:r>
-              <a:rPr lang="en-US" altLang="ja-JP" sz="1600" dirty="0"/>
-              <a:t>("</a:t>
-            </a:r>
-            <a:r>
-              <a:rPr lang="en-US" altLang="ja-JP" sz="1600" dirty="0" err="1"/>
-              <a:t>ship.png</a:t>
-            </a:r>
-            <a:r>
-              <a:rPr lang="en-US" altLang="ja-JP" sz="1600" dirty="0"/>
-              <a:t>"); // </a:t>
-            </a:r>
-            <a:r>
-              <a:rPr lang="ja-JP" altLang="en-US" sz="1600" dirty="0"/>
-              <a:t>自機の画像を読み込む</a:t>
-            </a:r>
-          </a:p>
-          <a:p>
-            <a:r>
-              <a:rPr lang="en-US" altLang="ja-JP" sz="1600" dirty="0" err="1"/>
-              <a:t>shipX</a:t>
-            </a:r>
-            <a:r>
-              <a:rPr lang="en-US" altLang="ja-JP" sz="1600" dirty="0"/>
-              <a:t> = 215;</a:t>
-            </a:r>
-          </a:p>
-          <a:p>
-            <a:r>
-              <a:rPr lang="en-US" altLang="ja-JP" sz="1600" dirty="0" err="1"/>
-              <a:t>shipY</a:t>
-            </a:r>
-            <a:r>
-              <a:rPr lang="en-US" altLang="ja-JP" sz="1600" dirty="0"/>
-              <a:t> = 500;</a:t>
-            </a:r>
-          </a:p>
-          <a:p>
-            <a:r>
-              <a:rPr lang="en-US" altLang="ja-JP" sz="1600" dirty="0"/>
-              <a:t>image(</a:t>
-            </a:r>
-            <a:r>
-              <a:rPr lang="en-US" altLang="ja-JP" sz="1600" dirty="0" err="1"/>
-              <a:t>shipImg</a:t>
-            </a:r>
-            <a:r>
-              <a:rPr lang="en-US" altLang="ja-JP" sz="1600" dirty="0"/>
-              <a:t>, </a:t>
-            </a:r>
-            <a:r>
-              <a:rPr lang="en-US" altLang="ja-JP" sz="1600" dirty="0" err="1"/>
-              <a:t>shipX</a:t>
-            </a:r>
-            <a:r>
-              <a:rPr lang="en-US" altLang="ja-JP" sz="1600" dirty="0"/>
-              <a:t>, </a:t>
-            </a:r>
-            <a:r>
-              <a:rPr lang="en-US" altLang="ja-JP" sz="1600" dirty="0" err="1"/>
-              <a:t>shipY</a:t>
-            </a:r>
-            <a:r>
-              <a:rPr lang="en-US" altLang="ja-JP" sz="1600" dirty="0"/>
-              <a:t>); // </a:t>
-            </a:r>
-            <a:r>
-              <a:rPr lang="ja-JP" altLang="en-US" sz="1600" dirty="0"/>
-              <a:t>画像を表示</a:t>
-            </a:r>
-          </a:p>
-        </p:txBody>
-      </p:sp>
-      <p:sp>
-        <p:nvSpPr>
-          <p:cNvPr id="9" name="正方形/長方形 8"/>
+            <a:endParaRPr lang="en-US" altLang="ja-JP" dirty="0"/>
+          </a:p>
+        </p:txBody>
+      </p:sp>
+      <p:sp>
+        <p:nvSpPr>
+          <p:cNvPr id="12" name="正方形/長方形 11"/>
           <p:cNvSpPr/>
           <p:nvPr/>
         </p:nvSpPr>
         <p:spPr>
           <a:xfrm>
-            <a:off x="564410" y="3602135"/>
-            <a:ext cx="5727104" cy="5021165"/>
+            <a:off x="564410" y="1956059"/>
+            <a:ext cx="5727104" cy="5790941"/>
           </a:xfrm>
           <a:prstGeom prst="rect">
             <a:avLst/>
@@ -8774,7 +11134,7 @@
       </p:sp>
       <p:pic>
         <p:nvPicPr>
-          <p:cNvPr id="22" name="図 21" descr="ship.png"/>
+          <p:cNvPr id="2" name="図 1" descr="スクリーンショット 2015-07-23 17.48.31.png"/>
           <p:cNvPicPr>
             <a:picLocks noChangeAspect="1"/>
           </p:cNvPicPr>
@@ -8794,48 +11154,111 @@
         </p:blipFill>
         <p:spPr>
           <a:xfrm>
-            <a:off x="1581150" y="4889500"/>
-            <a:ext cx="762000" cy="762000"/>
+            <a:off x="3657600" y="2159000"/>
+            <a:ext cx="2482850" cy="2909590"/>
           </a:xfrm>
           <a:prstGeom prst="rect">
             <a:avLst/>
           </a:prstGeom>
         </p:spPr>
       </p:pic>
-      <p:pic>
-        <p:nvPicPr>
-          <p:cNvPr id="23" name="図 22" descr="スクリーンショット 2015-07-23 14.50.15.png"/>
-          <p:cNvPicPr>
-            <a:picLocks noChangeAspect="1"/>
-          </p:cNvPicPr>
+      <p:sp>
+        <p:nvSpPr>
+          <p:cNvPr id="10" name="テキスト ボックス 9"/>
+          <p:cNvSpPr txBox="1"/>
           <p:nvPr/>
-        </p:nvPicPr>
-        <p:blipFill>
-          <a:blip r:embed="rId3">
-            <a:extLst>
-              <a:ext uri="{28A0092B-C50C-407E-A947-70E740481C1C}">
-                <a14:useLocalDpi xmlns:a14="http://schemas.microsoft.com/office/drawing/2010/main" val="0"/>
-              </a:ext>
-            </a:extLst>
-          </a:blip>
-          <a:stretch>
-            <a:fillRect/>
-          </a:stretch>
-        </p:blipFill>
-        <p:spPr>
-          <a:xfrm>
-            <a:off x="3989450" y="4248150"/>
-            <a:ext cx="1850900" cy="2552700"/>
+        </p:nvSpPr>
+        <p:spPr>
+          <a:xfrm>
+            <a:off x="207630" y="8213646"/>
+            <a:ext cx="6191394" cy="369332"/>
           </a:xfrm>
           <a:prstGeom prst="rect">
             <a:avLst/>
           </a:prstGeom>
-        </p:spPr>
-      </p:pic>
+          <a:noFill/>
+          <a:ln w="38100" cmpd="sng">
+            <a:solidFill>
+              <a:schemeClr val="tx1"/>
+            </a:solidFill>
+            <a:prstDash val="sysDash"/>
+          </a:ln>
+        </p:spPr>
+        <p:txBody>
+          <a:bodyPr wrap="square" rtlCol="0">
+            <a:spAutoFit/>
+          </a:bodyPr>
+          <a:lstStyle/>
+          <a:p>
+            <a:r>
+              <a:rPr lang="ja-JP" altLang="en-US" dirty="0" smtClean="0"/>
+              <a:t>問題</a:t>
+            </a:r>
+            <a:r>
+              <a:rPr lang="en-US" altLang="ja-JP" dirty="0" smtClean="0"/>
+              <a:t>2-3</a:t>
+            </a:r>
+            <a:r>
+              <a:rPr lang="ja-JP" altLang="en-US" dirty="0" smtClean="0"/>
+              <a:t>　座標</a:t>
+            </a:r>
+            <a:r>
+              <a:rPr lang="en-US" altLang="ja-JP" dirty="0" smtClean="0"/>
+              <a:t>(10, </a:t>
+            </a:r>
+            <a:r>
+              <a:rPr lang="en-US" altLang="ja-JP" dirty="0"/>
+              <a:t>2</a:t>
+            </a:r>
+            <a:r>
+              <a:rPr lang="en-US" altLang="ja-JP" dirty="0" smtClean="0"/>
+              <a:t>0)</a:t>
+            </a:r>
+            <a:r>
+              <a:rPr lang="ja-JP" altLang="en-US" dirty="0" smtClean="0"/>
+              <a:t>に，自機を表示してみよう</a:t>
+            </a:r>
+            <a:endParaRPr kumimoji="1" lang="ja-JP" altLang="en-US" dirty="0"/>
+          </a:p>
+        </p:txBody>
+      </p:sp>
+      <p:sp>
+        <p:nvSpPr>
+          <p:cNvPr id="11" name="正方形/長方形 10"/>
+          <p:cNvSpPr/>
+          <p:nvPr/>
+        </p:nvSpPr>
+        <p:spPr>
+          <a:xfrm>
+            <a:off x="207630" y="8598212"/>
+            <a:ext cx="1378227" cy="276999"/>
+          </a:xfrm>
+          <a:prstGeom prst="rect">
+            <a:avLst/>
+          </a:prstGeom>
+        </p:spPr>
+        <p:txBody>
+          <a:bodyPr wrap="none">
+            <a:spAutoFit/>
+          </a:bodyPr>
+          <a:lstStyle/>
+          <a:p>
+            <a:r>
+              <a:rPr lang="ja-JP" altLang="en-US" sz="1200" i="1" dirty="0" smtClean="0"/>
+              <a:t>解答は</a:t>
+            </a:r>
+            <a:r>
+              <a:rPr lang="en-US" altLang="ja-JP" sz="1200" i="1" dirty="0" smtClean="0"/>
+              <a:t>answer2_3</a:t>
+            </a:r>
+            <a:endParaRPr lang="ja-JP" altLang="en-US" sz="1200" i="1" dirty="0"/>
+          </a:p>
+        </p:txBody>
+      </p:sp>
     </p:spTree>
     <p:extLst>
       <p:ext uri="{BB962C8B-B14F-4D97-AF65-F5344CB8AC3E}">
-        <p14:creationId xmlns:p14="http://schemas.microsoft.com/office/powerpoint/2010/main" val="2272547961"/>
+        <p14:creationId xmlns:p14="http://schemas.microsoft.com/office/powerpoint/2010/main" val="4010085116"/>
       </p:ext>
     </p:extLst>
   </p:cSld>
@@ -8864,269 +11287,6 @@
       </p:grpSpPr>
       <p:sp>
         <p:nvSpPr>
-          <p:cNvPr id="2" name="タイトル 1"/>
-          <p:cNvSpPr>
-            <a:spLocks noGrp="1"/>
-          </p:cNvSpPr>
-          <p:nvPr>
-            <p:ph type="title"/>
-          </p:nvPr>
-        </p:nvSpPr>
-        <p:spPr>
-          <a:xfrm>
-            <a:off x="342900" y="366184"/>
-            <a:ext cx="6172200" cy="540959"/>
-          </a:xfrm>
-        </p:spPr>
-        <p:txBody>
-          <a:bodyPr>
-            <a:normAutofit fontScale="90000"/>
-          </a:bodyPr>
-          <a:lstStyle/>
-          <a:p>
-            <a:r>
-              <a:rPr kumimoji="1" lang="ja-JP" altLang="en-US" dirty="0" smtClean="0"/>
-              <a:t>細かい内容</a:t>
-            </a:r>
-            <a:endParaRPr kumimoji="1" lang="ja-JP" altLang="en-US" dirty="0"/>
-          </a:p>
-        </p:txBody>
-      </p:sp>
-      <p:sp>
-        <p:nvSpPr>
-          <p:cNvPr id="3" name="コンテンツ プレースホルダー 2"/>
-          <p:cNvSpPr>
-            <a:spLocks noGrp="1"/>
-          </p:cNvSpPr>
-          <p:nvPr>
-            <p:ph idx="1"/>
-          </p:nvPr>
-        </p:nvSpPr>
-        <p:spPr>
-          <a:xfrm>
-            <a:off x="342900" y="1048279"/>
-            <a:ext cx="6172200" cy="7426855"/>
-          </a:xfrm>
-        </p:spPr>
-        <p:txBody>
-          <a:bodyPr>
-            <a:normAutofit fontScale="70000" lnSpcReduction="20000"/>
-          </a:bodyPr>
-          <a:lstStyle/>
-          <a:p>
-            <a:pPr marL="514350" indent="-514350">
-              <a:buFont typeface="+mj-lt"/>
-              <a:buAutoNum type="arabicPeriod"/>
-            </a:pPr>
-            <a:r>
-              <a:rPr lang="ja-JP" altLang="en-US" dirty="0" smtClean="0"/>
-              <a:t>ゲームで遊んでみよう</a:t>
-            </a:r>
-            <a:endParaRPr lang="en-US" altLang="ja-JP" dirty="0" smtClean="0"/>
-          </a:p>
-          <a:p>
-            <a:pPr lvl="1">
-              <a:buFont typeface="Arial"/>
-              <a:buChar char="•"/>
-            </a:pPr>
-            <a:r>
-              <a:rPr kumimoji="1" lang="ja-JP" altLang="en-US" dirty="0" smtClean="0"/>
-              <a:t>最初に本格シューティングゲームで遊ぶ．ソースも見る．でも難しい．体験入学は１時間しかない．では，簡単なやつは？</a:t>
-            </a:r>
-            <a:endParaRPr kumimoji="1" lang="en-US" altLang="ja-JP" dirty="0" smtClean="0"/>
-          </a:p>
-          <a:p>
-            <a:pPr lvl="1">
-              <a:buFont typeface="Arial"/>
-              <a:buChar char="•"/>
-            </a:pPr>
-            <a:r>
-              <a:rPr kumimoji="1" lang="ja-JP" altLang="en-US" dirty="0" smtClean="0"/>
-              <a:t>最初にこれから作るゲームで遊ぶ．ソースをみる．これならできそう？では，１時間でここまでを理解してみよう！</a:t>
-            </a:r>
-            <a:endParaRPr kumimoji="1" lang="en-US" altLang="ja-JP" dirty="0" smtClean="0"/>
-          </a:p>
-          <a:p>
-            <a:pPr marL="514350" indent="-514350">
-              <a:buFont typeface="+mj-lt"/>
-              <a:buAutoNum type="arabicPeriod"/>
-            </a:pPr>
-            <a:r>
-              <a:rPr lang="ja-JP" altLang="en-US" dirty="0"/>
-              <a:t>プログラミングを体験</a:t>
-            </a:r>
-            <a:r>
-              <a:rPr lang="ja-JP" altLang="en-US" dirty="0" smtClean="0"/>
-              <a:t>しよう</a:t>
-            </a:r>
-            <a:endParaRPr kumimoji="1" lang="en-US" altLang="ja-JP" dirty="0" smtClean="0"/>
-          </a:p>
-          <a:p>
-            <a:pPr lvl="1">
-              <a:buFont typeface="Arial"/>
-              <a:buChar char="•"/>
-            </a:pPr>
-            <a:r>
-              <a:rPr kumimoji="1" lang="en-US" altLang="ja-JP" dirty="0" smtClean="0"/>
-              <a:t>Processing</a:t>
-            </a:r>
-            <a:r>
-              <a:rPr kumimoji="1" lang="ja-JP" altLang="en-US" dirty="0" smtClean="0"/>
-              <a:t>を起動してみよう</a:t>
-            </a:r>
-            <a:endParaRPr kumimoji="1" lang="en-US" altLang="ja-JP" dirty="0" smtClean="0"/>
-          </a:p>
-          <a:p>
-            <a:pPr lvl="1">
-              <a:buFont typeface="Arial"/>
-              <a:buChar char="•"/>
-            </a:pPr>
-            <a:r>
-              <a:rPr lang="ja-JP" altLang="en-US" dirty="0" smtClean="0"/>
-              <a:t>簡単な表示をしてみよう</a:t>
-            </a:r>
-            <a:endParaRPr lang="en-US" altLang="ja-JP" dirty="0" smtClean="0"/>
-          </a:p>
-          <a:p>
-            <a:pPr marL="514350" indent="-514350">
-              <a:buFont typeface="+mj-lt"/>
-              <a:buAutoNum type="arabicPeriod"/>
-            </a:pPr>
-            <a:r>
-              <a:rPr kumimoji="1" lang="ja-JP" altLang="en-US" dirty="0" smtClean="0"/>
-              <a:t>プログラミングに慣れてみよう</a:t>
-            </a:r>
-            <a:endParaRPr kumimoji="1" lang="en-US" altLang="ja-JP" dirty="0" smtClean="0"/>
-          </a:p>
-          <a:p>
-            <a:pPr lvl="1">
-              <a:buFont typeface="Arial"/>
-              <a:buChar char="•"/>
-            </a:pPr>
-            <a:r>
-              <a:rPr lang="ja-JP" altLang="en-US" dirty="0" smtClean="0"/>
-              <a:t>変数を理解しよう</a:t>
-            </a:r>
-            <a:endParaRPr lang="en-US" altLang="ja-JP" dirty="0" smtClean="0"/>
-          </a:p>
-          <a:p>
-            <a:pPr lvl="1">
-              <a:buFont typeface="Arial"/>
-              <a:buChar char="•"/>
-            </a:pPr>
-            <a:r>
-              <a:rPr lang="en-US" altLang="ja-JP" dirty="0" smtClean="0"/>
-              <a:t>if</a:t>
-            </a:r>
-            <a:r>
-              <a:rPr lang="ja-JP" altLang="en-US" dirty="0" smtClean="0"/>
-              <a:t>文を理解しよう</a:t>
-            </a:r>
-            <a:endParaRPr lang="en-US" altLang="ja-JP" dirty="0" smtClean="0"/>
-          </a:p>
-          <a:p>
-            <a:pPr lvl="1">
-              <a:buFont typeface="Arial"/>
-              <a:buChar char="•"/>
-            </a:pPr>
-            <a:r>
-              <a:rPr lang="ja-JP" altLang="en-US" dirty="0" smtClean="0"/>
-              <a:t>画像を表示しよう</a:t>
-            </a:r>
-            <a:endParaRPr lang="en-US" altLang="ja-JP" dirty="0" smtClean="0"/>
-          </a:p>
-          <a:p>
-            <a:pPr marL="514350" indent="-514350">
-              <a:buFont typeface="+mj-lt"/>
-              <a:buAutoNum type="arabicPeriod"/>
-            </a:pPr>
-            <a:r>
-              <a:rPr kumimoji="1" lang="ja-JP" altLang="en-US" dirty="0" smtClean="0"/>
-              <a:t>簡単シューティングゲームを作ってみよう</a:t>
-            </a:r>
-            <a:endParaRPr kumimoji="1" lang="en-US" altLang="ja-JP" dirty="0" smtClean="0"/>
-          </a:p>
-          <a:p>
-            <a:pPr lvl="1">
-              <a:buFont typeface="Arial"/>
-              <a:buChar char="•"/>
-            </a:pPr>
-            <a:r>
-              <a:rPr lang="ja-JP" altLang="en-US" dirty="0" smtClean="0"/>
-              <a:t>画像を動かしてみよう</a:t>
-            </a:r>
-            <a:endParaRPr lang="en-US" altLang="ja-JP" dirty="0" smtClean="0"/>
-          </a:p>
-          <a:p>
-            <a:pPr lvl="1">
-              <a:buFont typeface="Arial"/>
-              <a:buChar char="•"/>
-            </a:pPr>
-            <a:r>
-              <a:rPr kumimoji="1" lang="ja-JP" altLang="en-US" dirty="0" smtClean="0"/>
-              <a:t>弾を打ってみよう</a:t>
-            </a:r>
-            <a:endParaRPr kumimoji="1" lang="en-US" altLang="ja-JP" dirty="0" smtClean="0"/>
-          </a:p>
-          <a:p>
-            <a:pPr lvl="1">
-              <a:buFont typeface="Arial"/>
-              <a:buChar char="•"/>
-            </a:pPr>
-            <a:r>
-              <a:rPr lang="ja-JP" altLang="en-US" dirty="0" smtClean="0"/>
-              <a:t>敵を出現してみよう</a:t>
-            </a:r>
-            <a:endParaRPr lang="en-US" altLang="ja-JP" dirty="0" smtClean="0"/>
-          </a:p>
-          <a:p>
-            <a:pPr lvl="1">
-              <a:buFont typeface="Arial"/>
-              <a:buChar char="•"/>
-            </a:pPr>
-            <a:r>
-              <a:rPr kumimoji="1" lang="ja-JP" altLang="en-US" dirty="0" smtClean="0"/>
-              <a:t>敵と弾の当たり判定を作ろう</a:t>
-            </a:r>
-            <a:endParaRPr kumimoji="1" lang="en-US" altLang="ja-JP" dirty="0" smtClean="0"/>
-          </a:p>
-          <a:p>
-            <a:pPr marL="514350" indent="-514350">
-              <a:buFont typeface="+mj-lt"/>
-              <a:buAutoNum type="arabicPeriod"/>
-            </a:pPr>
-            <a:r>
-              <a:rPr lang="ja-JP" altLang="en-US" dirty="0" smtClean="0"/>
-              <a:t>本格シューティングゲームをいじってみよう</a:t>
-            </a:r>
-            <a:endParaRPr lang="en-US" altLang="ja-JP" dirty="0"/>
-          </a:p>
-          <a:p>
-            <a:r>
-              <a:rPr kumimoji="1" lang="en-US" altLang="ja-JP" dirty="0" smtClean="0"/>
-              <a:t>Processing</a:t>
-            </a:r>
-            <a:r>
-              <a:rPr kumimoji="1" lang="ja-JP" altLang="en-US" dirty="0" smtClean="0"/>
-              <a:t>のインストール</a:t>
-            </a:r>
-            <a:endParaRPr kumimoji="1" lang="en-US" altLang="ja-JP" dirty="0" smtClean="0"/>
-          </a:p>
-          <a:p>
-            <a:r>
-              <a:rPr lang="ja-JP" altLang="en-US" dirty="0" smtClean="0"/>
-              <a:t>サンプルプログラムの紹介</a:t>
-            </a:r>
-            <a:endParaRPr kumimoji="1" lang="en-US" altLang="ja-JP" dirty="0" smtClean="0"/>
-          </a:p>
-          <a:p>
-            <a:pPr lvl="1"/>
-            <a:endParaRPr kumimoji="1" lang="ja-JP" altLang="en-US" dirty="0"/>
-          </a:p>
-        </p:txBody>
-      </p:sp>
-      <p:sp>
-        <p:nvSpPr>
           <p:cNvPr id="4" name="フッター プレースホルダー 3"/>
           <p:cNvSpPr>
             <a:spLocks noGrp="1"/>
@@ -9179,10 +11339,895 @@
           </a:p>
         </p:txBody>
       </p:sp>
+      <p:sp>
+        <p:nvSpPr>
+          <p:cNvPr id="6" name="テキスト ボックス 5"/>
+          <p:cNvSpPr txBox="1"/>
+          <p:nvPr/>
+        </p:nvSpPr>
+        <p:spPr>
+          <a:xfrm>
+            <a:off x="323706" y="1373446"/>
+            <a:ext cx="2781531" cy="369332"/>
+          </a:xfrm>
+          <a:prstGeom prst="rect">
+            <a:avLst/>
+          </a:prstGeom>
+          <a:noFill/>
+        </p:spPr>
+        <p:txBody>
+          <a:bodyPr wrap="none" rtlCol="0">
+            <a:spAutoFit/>
+          </a:bodyPr>
+          <a:lstStyle/>
+          <a:p>
+            <a:r>
+              <a:rPr lang="ja-JP" altLang="en-US" dirty="0" smtClean="0"/>
+              <a:t>変数を使えるようになろう．</a:t>
+            </a:r>
+            <a:endParaRPr kumimoji="1" lang="ja-JP" altLang="en-US" dirty="0"/>
+          </a:p>
+        </p:txBody>
+      </p:sp>
+      <p:sp>
+        <p:nvSpPr>
+          <p:cNvPr id="7" name="テキスト ボックス 6"/>
+          <p:cNvSpPr txBox="1"/>
+          <p:nvPr/>
+        </p:nvSpPr>
+        <p:spPr>
+          <a:xfrm>
+            <a:off x="323706" y="1004114"/>
+            <a:ext cx="6191394" cy="369332"/>
+          </a:xfrm>
+          <a:prstGeom prst="rect">
+            <a:avLst/>
+          </a:prstGeom>
+          <a:noFill/>
+          <a:ln w="19050" cmpd="sng">
+            <a:solidFill>
+              <a:schemeClr val="tx1"/>
+            </a:solidFill>
+          </a:ln>
+        </p:spPr>
+        <p:txBody>
+          <a:bodyPr wrap="square" rtlCol="0">
+            <a:spAutoFit/>
+          </a:bodyPr>
+          <a:lstStyle/>
+          <a:p>
+            <a:r>
+              <a:rPr kumimoji="1" lang="en-US" altLang="ja-JP" dirty="0" smtClean="0"/>
+              <a:t>Step3-1. </a:t>
+            </a:r>
+            <a:r>
+              <a:rPr lang="ja-JP" altLang="en-US" dirty="0" smtClean="0"/>
+              <a:t>変数を使えるようになろう</a:t>
+            </a:r>
+            <a:endParaRPr kumimoji="1" lang="ja-JP" altLang="en-US" dirty="0"/>
+          </a:p>
+        </p:txBody>
+      </p:sp>
+      <p:sp>
+        <p:nvSpPr>
+          <p:cNvPr id="8" name="テキスト ボックス 7"/>
+          <p:cNvSpPr txBox="1"/>
+          <p:nvPr/>
+        </p:nvSpPr>
+        <p:spPr>
+          <a:xfrm>
+            <a:off x="323706" y="232413"/>
+            <a:ext cx="6191394" cy="584776"/>
+          </a:xfrm>
+          <a:prstGeom prst="rect">
+            <a:avLst/>
+          </a:prstGeom>
+          <a:solidFill>
+            <a:srgbClr val="000000"/>
+          </a:solidFill>
+          <a:ln w="57150" cmpd="thickThin">
+            <a:solidFill>
+              <a:srgbClr val="FFFFFF"/>
+            </a:solidFill>
+          </a:ln>
+        </p:spPr>
+        <p:txBody>
+          <a:bodyPr wrap="square" rtlCol="0">
+            <a:spAutoFit/>
+          </a:bodyPr>
+          <a:lstStyle/>
+          <a:p>
+            <a:r>
+              <a:rPr lang="ja-JP" altLang="en-US" sz="3200" dirty="0" smtClean="0">
+                <a:solidFill>
+                  <a:srgbClr val="FFFFFF"/>
+                </a:solidFill>
+              </a:rPr>
+              <a:t>３．プログラミングに慣れてみよう</a:t>
+            </a:r>
+            <a:endParaRPr kumimoji="1" lang="ja-JP" altLang="en-US" sz="3200" dirty="0">
+              <a:solidFill>
+                <a:srgbClr val="FFFFFF"/>
+              </a:solidFill>
+            </a:endParaRPr>
+          </a:p>
+        </p:txBody>
+      </p:sp>
+      <p:sp>
+        <p:nvSpPr>
+          <p:cNvPr id="10" name="テキスト ボックス 9"/>
+          <p:cNvSpPr txBox="1"/>
+          <p:nvPr/>
+        </p:nvSpPr>
+        <p:spPr>
+          <a:xfrm>
+            <a:off x="564410" y="1733390"/>
+            <a:ext cx="5727104" cy="1815882"/>
+          </a:xfrm>
+          <a:prstGeom prst="rect">
+            <a:avLst/>
+          </a:prstGeom>
+          <a:solidFill>
+            <a:schemeClr val="bg1">
+              <a:lumMod val="95000"/>
+            </a:schemeClr>
+          </a:solidFill>
+          <a:ln w="12700" cmpd="sng"/>
+        </p:spPr>
+        <p:style>
+          <a:lnRef idx="2">
+            <a:schemeClr val="dk1"/>
+          </a:lnRef>
+          <a:fillRef idx="1">
+            <a:schemeClr val="lt1"/>
+          </a:fillRef>
+          <a:effectRef idx="0">
+            <a:schemeClr val="dk1"/>
+          </a:effectRef>
+          <a:fontRef idx="minor">
+            <a:schemeClr val="dk1"/>
+          </a:fontRef>
+        </p:style>
+        <p:txBody>
+          <a:bodyPr wrap="square" rtlCol="0">
+            <a:spAutoFit/>
+          </a:bodyPr>
+          <a:lstStyle/>
+          <a:p>
+            <a:r>
+              <a:rPr lang="en-US" altLang="ja-JP" sz="1400" dirty="0" err="1"/>
+              <a:t>int</a:t>
+            </a:r>
+            <a:r>
+              <a:rPr lang="en-US" altLang="ja-JP" sz="1400" dirty="0"/>
+              <a:t> </a:t>
+            </a:r>
+            <a:r>
+              <a:rPr lang="en-US" altLang="ja-JP" sz="1400" dirty="0" err="1"/>
+              <a:t>shipX</a:t>
+            </a:r>
+            <a:r>
+              <a:rPr lang="en-US" altLang="ja-JP" sz="1400" dirty="0"/>
+              <a:t>; // </a:t>
+            </a:r>
+            <a:r>
+              <a:rPr lang="ja-JP" altLang="en-US" sz="1400" dirty="0"/>
+              <a:t>自機の</a:t>
+            </a:r>
+            <a:r>
+              <a:rPr lang="en-US" altLang="ja-JP" sz="1400" dirty="0"/>
+              <a:t>x</a:t>
+            </a:r>
+            <a:r>
+              <a:rPr lang="ja-JP" altLang="en-US" sz="1400" dirty="0"/>
+              <a:t>座標の変数を宣言</a:t>
+            </a:r>
+          </a:p>
+          <a:p>
+            <a:r>
+              <a:rPr lang="en-US" altLang="ja-JP" sz="1400" dirty="0" err="1"/>
+              <a:t>int</a:t>
+            </a:r>
+            <a:r>
+              <a:rPr lang="en-US" altLang="ja-JP" sz="1400" dirty="0"/>
+              <a:t> </a:t>
+            </a:r>
+            <a:r>
+              <a:rPr lang="en-US" altLang="ja-JP" sz="1400" dirty="0" err="1"/>
+              <a:t>shipY</a:t>
+            </a:r>
+            <a:r>
+              <a:rPr lang="en-US" altLang="ja-JP" sz="1400" dirty="0"/>
+              <a:t>; // </a:t>
+            </a:r>
+            <a:r>
+              <a:rPr lang="ja-JP" altLang="en-US" sz="1400" dirty="0"/>
+              <a:t>自機の</a:t>
+            </a:r>
+            <a:r>
+              <a:rPr lang="en-US" altLang="ja-JP" sz="1400" dirty="0"/>
+              <a:t>y</a:t>
+            </a:r>
+            <a:r>
+              <a:rPr lang="ja-JP" altLang="en-US" sz="1400" dirty="0"/>
+              <a:t>座標の変数を</a:t>
+            </a:r>
+            <a:r>
+              <a:rPr lang="ja-JP" altLang="en-US" sz="1400" dirty="0" smtClean="0"/>
+              <a:t>宣言</a:t>
+            </a:r>
+            <a:endParaRPr lang="ja-JP" altLang="en-US" sz="1400" dirty="0"/>
+          </a:p>
+          <a:p>
+            <a:r>
+              <a:rPr lang="en-US" altLang="ja-JP" sz="1400" dirty="0"/>
+              <a:t>size(480, 640)</a:t>
+            </a:r>
+            <a:r>
+              <a:rPr lang="en-US" altLang="ja-JP" sz="1400" dirty="0" smtClean="0"/>
+              <a:t>;</a:t>
+            </a:r>
+          </a:p>
+          <a:p>
+            <a:r>
+              <a:rPr lang="en-US" altLang="ja-JP" sz="1400" dirty="0" err="1" smtClean="0"/>
+              <a:t>rect</a:t>
+            </a:r>
+            <a:r>
+              <a:rPr lang="en-US" altLang="ja-JP" sz="1400" dirty="0"/>
+              <a:t>(350, 120, 70, 100); </a:t>
+            </a:r>
+            <a:endParaRPr lang="en-US" altLang="ja-JP" sz="1400" dirty="0" smtClean="0"/>
+          </a:p>
+          <a:p>
+            <a:r>
+              <a:rPr lang="en-US" altLang="ja-JP" sz="1400" dirty="0" err="1" smtClean="0"/>
+              <a:t>shipX</a:t>
+            </a:r>
+            <a:r>
+              <a:rPr lang="en-US" altLang="ja-JP" sz="1400" dirty="0" smtClean="0"/>
+              <a:t> </a:t>
+            </a:r>
+            <a:r>
+              <a:rPr lang="en-US" altLang="ja-JP" sz="1400" dirty="0"/>
+              <a:t>= 215; // </a:t>
+            </a:r>
+            <a:r>
+              <a:rPr lang="ja-JP" altLang="en-US" sz="1400" dirty="0"/>
+              <a:t>自機の</a:t>
+            </a:r>
+            <a:r>
+              <a:rPr lang="en-US" altLang="ja-JP" sz="1400" dirty="0"/>
+              <a:t>x</a:t>
+            </a:r>
+            <a:r>
+              <a:rPr lang="ja-JP" altLang="en-US" sz="1400" dirty="0"/>
+              <a:t>座標</a:t>
+            </a:r>
+          </a:p>
+          <a:p>
+            <a:r>
+              <a:rPr lang="en-US" altLang="ja-JP" sz="1400" dirty="0" err="1"/>
+              <a:t>shipY</a:t>
+            </a:r>
+            <a:r>
+              <a:rPr lang="en-US" altLang="ja-JP" sz="1400" dirty="0"/>
+              <a:t> = 500; // </a:t>
+            </a:r>
+            <a:r>
+              <a:rPr lang="ja-JP" altLang="en-US" sz="1400" dirty="0"/>
+              <a:t>自機の</a:t>
+            </a:r>
+            <a:r>
+              <a:rPr lang="en-US" altLang="ja-JP" sz="1400" dirty="0"/>
+              <a:t>y</a:t>
+            </a:r>
+            <a:r>
+              <a:rPr lang="ja-JP" altLang="en-US" sz="1400" dirty="0"/>
+              <a:t>座標</a:t>
+            </a:r>
+          </a:p>
+          <a:p>
+            <a:r>
+              <a:rPr lang="en-US" altLang="ja-JP" sz="1400" dirty="0" err="1"/>
+              <a:t>rect</a:t>
+            </a:r>
+            <a:r>
+              <a:rPr lang="en-US" altLang="ja-JP" sz="1400" dirty="0"/>
+              <a:t>(</a:t>
+            </a:r>
+            <a:r>
+              <a:rPr lang="en-US" altLang="ja-JP" sz="1400" dirty="0" err="1"/>
+              <a:t>shipX</a:t>
+            </a:r>
+            <a:r>
+              <a:rPr lang="en-US" altLang="ja-JP" sz="1400" dirty="0"/>
+              <a:t>, </a:t>
+            </a:r>
+            <a:r>
+              <a:rPr lang="en-US" altLang="ja-JP" sz="1400" dirty="0" err="1"/>
+              <a:t>shipY</a:t>
+            </a:r>
+            <a:r>
+              <a:rPr lang="en-US" altLang="ja-JP" sz="1400" dirty="0"/>
+              <a:t>, 50, 50); // </a:t>
+            </a:r>
+            <a:r>
+              <a:rPr lang="ja-JP" altLang="en-US" sz="1400" dirty="0"/>
+              <a:t>自機として座標</a:t>
+            </a:r>
+            <a:r>
+              <a:rPr lang="en-US" altLang="ja-JP" sz="1400" dirty="0"/>
+              <a:t>(215, 500)</a:t>
+            </a:r>
+            <a:r>
+              <a:rPr lang="ja-JP" altLang="en-US" sz="1400" dirty="0" smtClean="0"/>
+              <a:t>に大きさ</a:t>
+            </a:r>
+            <a:r>
+              <a:rPr lang="en-US" altLang="ja-JP" sz="1400" dirty="0"/>
+              <a:t>50x50</a:t>
+            </a:r>
+            <a:r>
+              <a:rPr lang="ja-JP" altLang="en-US" sz="1400" dirty="0"/>
+              <a:t>の正方形を</a:t>
+            </a:r>
+            <a:r>
+              <a:rPr lang="ja-JP" altLang="en-US" sz="1400" dirty="0" smtClean="0"/>
+              <a:t>表示</a:t>
+            </a:r>
+            <a:endParaRPr lang="ja-JP" altLang="en-US" sz="1400" dirty="0"/>
+          </a:p>
+        </p:txBody>
+      </p:sp>
+      <p:sp>
+        <p:nvSpPr>
+          <p:cNvPr id="11" name="正方形/長方形 10"/>
+          <p:cNvSpPr/>
+          <p:nvPr/>
+        </p:nvSpPr>
+        <p:spPr>
+          <a:xfrm>
+            <a:off x="564410" y="3549273"/>
+            <a:ext cx="5727104" cy="5074028"/>
+          </a:xfrm>
+          <a:prstGeom prst="rect">
+            <a:avLst/>
+          </a:prstGeom>
+          <a:noFill/>
+          <a:ln>
+            <a:solidFill>
+              <a:schemeClr val="tx1"/>
+            </a:solidFill>
+          </a:ln>
+        </p:spPr>
+        <p:style>
+          <a:lnRef idx="1">
+            <a:schemeClr val="accent1"/>
+          </a:lnRef>
+          <a:fillRef idx="3">
+            <a:schemeClr val="accent1"/>
+          </a:fillRef>
+          <a:effectRef idx="2">
+            <a:schemeClr val="accent1"/>
+          </a:effectRef>
+          <a:fontRef idx="minor">
+            <a:schemeClr val="lt1"/>
+          </a:fontRef>
+        </p:style>
+        <p:txBody>
+          <a:bodyPr rtlCol="0" anchor="ctr"/>
+          <a:lstStyle/>
+          <a:p>
+            <a:pPr algn="ctr"/>
+            <a:endParaRPr kumimoji="1" lang="ja-JP" altLang="en-US"/>
+          </a:p>
+        </p:txBody>
+      </p:sp>
+      <p:sp>
+        <p:nvSpPr>
+          <p:cNvPr id="24" name="テキスト ボックス 23"/>
+          <p:cNvSpPr txBox="1"/>
+          <p:nvPr/>
+        </p:nvSpPr>
+        <p:spPr>
+          <a:xfrm>
+            <a:off x="772040" y="3761490"/>
+            <a:ext cx="1055810" cy="369332"/>
+          </a:xfrm>
+          <a:prstGeom prst="rect">
+            <a:avLst/>
+          </a:prstGeom>
+          <a:noFill/>
+        </p:spPr>
+        <p:txBody>
+          <a:bodyPr wrap="none" rtlCol="0">
+            <a:spAutoFit/>
+          </a:bodyPr>
+          <a:lstStyle/>
+          <a:p>
+            <a:r>
+              <a:rPr lang="en-US" altLang="ja-JP" dirty="0" err="1" smtClean="0"/>
+              <a:t>int</a:t>
+            </a:r>
+            <a:r>
+              <a:rPr lang="en-US" altLang="ja-JP" dirty="0" smtClean="0"/>
+              <a:t> </a:t>
+            </a:r>
+            <a:r>
+              <a:rPr lang="en-US" altLang="ja-JP" dirty="0" err="1" smtClean="0"/>
+              <a:t>shipX</a:t>
+            </a:r>
+            <a:r>
+              <a:rPr lang="en-US" altLang="ja-JP" dirty="0" smtClean="0"/>
+              <a:t>;</a:t>
+            </a:r>
+            <a:endParaRPr lang="en-US" altLang="ja-JP" dirty="0"/>
+          </a:p>
+        </p:txBody>
+      </p:sp>
+      <p:sp>
+        <p:nvSpPr>
+          <p:cNvPr id="25" name="テキスト ボックス 24"/>
+          <p:cNvSpPr txBox="1"/>
+          <p:nvPr/>
+        </p:nvSpPr>
+        <p:spPr>
+          <a:xfrm>
+            <a:off x="2239615" y="3761490"/>
+            <a:ext cx="4051899" cy="646331"/>
+          </a:xfrm>
+          <a:prstGeom prst="rect">
+            <a:avLst/>
+          </a:prstGeom>
+          <a:noFill/>
+        </p:spPr>
+        <p:txBody>
+          <a:bodyPr wrap="square" rtlCol="0">
+            <a:spAutoFit/>
+          </a:bodyPr>
+          <a:lstStyle/>
+          <a:p>
+            <a:r>
+              <a:rPr lang="ja-JP" altLang="en-US" dirty="0" smtClean="0"/>
+              <a:t>この１行で，プログラム内部に数値を格納できる箱ができる．</a:t>
+            </a:r>
+            <a:endParaRPr lang="en-US" altLang="ja-JP" dirty="0"/>
+          </a:p>
+        </p:txBody>
+      </p:sp>
+      <p:sp>
+        <p:nvSpPr>
+          <p:cNvPr id="2" name="直方体 1"/>
+          <p:cNvSpPr/>
+          <p:nvPr/>
+        </p:nvSpPr>
+        <p:spPr>
+          <a:xfrm>
+            <a:off x="2667000" y="4445000"/>
+            <a:ext cx="1397000" cy="787400"/>
+          </a:xfrm>
+          <a:prstGeom prst="cube">
+            <a:avLst/>
+          </a:prstGeom>
+          <a:solidFill>
+            <a:schemeClr val="bg1">
+              <a:lumMod val="85000"/>
+            </a:schemeClr>
+          </a:solidFill>
+          <a:ln>
+            <a:solidFill>
+              <a:srgbClr val="000000"/>
+            </a:solidFill>
+          </a:ln>
+        </p:spPr>
+        <p:style>
+          <a:lnRef idx="1">
+            <a:schemeClr val="accent1"/>
+          </a:lnRef>
+          <a:fillRef idx="3">
+            <a:schemeClr val="accent1"/>
+          </a:fillRef>
+          <a:effectRef idx="2">
+            <a:schemeClr val="accent1"/>
+          </a:effectRef>
+          <a:fontRef idx="minor">
+            <a:schemeClr val="lt1"/>
+          </a:fontRef>
+        </p:style>
+        <p:txBody>
+          <a:bodyPr rtlCol="0" anchor="ctr"/>
+          <a:lstStyle/>
+          <a:p>
+            <a:pPr algn="ctr"/>
+            <a:r>
+              <a:rPr kumimoji="1" lang="en-US" altLang="ja-JP" dirty="0" err="1" smtClean="0">
+                <a:solidFill>
+                  <a:schemeClr val="tx1"/>
+                </a:solidFill>
+              </a:rPr>
+              <a:t>shipX</a:t>
+            </a:r>
+            <a:endParaRPr kumimoji="1" lang="ja-JP" altLang="en-US" dirty="0">
+              <a:solidFill>
+                <a:schemeClr val="tx1"/>
+              </a:solidFill>
+            </a:endParaRPr>
+          </a:p>
+        </p:txBody>
+      </p:sp>
+      <p:sp>
+        <p:nvSpPr>
+          <p:cNvPr id="27" name="テキスト ボックス 26"/>
+          <p:cNvSpPr txBox="1"/>
+          <p:nvPr/>
+        </p:nvSpPr>
+        <p:spPr>
+          <a:xfrm>
+            <a:off x="772040" y="5520956"/>
+            <a:ext cx="1322372" cy="369332"/>
+          </a:xfrm>
+          <a:prstGeom prst="rect">
+            <a:avLst/>
+          </a:prstGeom>
+          <a:noFill/>
+        </p:spPr>
+        <p:txBody>
+          <a:bodyPr wrap="none" rtlCol="0">
+            <a:spAutoFit/>
+          </a:bodyPr>
+          <a:lstStyle/>
+          <a:p>
+            <a:r>
+              <a:rPr lang="en-US" altLang="ja-JP" dirty="0" err="1" smtClean="0"/>
+              <a:t>shipX</a:t>
+            </a:r>
+            <a:r>
+              <a:rPr lang="en-US" altLang="ja-JP" dirty="0" smtClean="0"/>
+              <a:t> = 215;</a:t>
+            </a:r>
+            <a:endParaRPr lang="en-US" altLang="ja-JP" dirty="0"/>
+          </a:p>
+        </p:txBody>
+      </p:sp>
+      <p:sp>
+        <p:nvSpPr>
+          <p:cNvPr id="28" name="テキスト ボックス 27"/>
+          <p:cNvSpPr txBox="1"/>
+          <p:nvPr/>
+        </p:nvSpPr>
+        <p:spPr>
+          <a:xfrm>
+            <a:off x="2239615" y="5520956"/>
+            <a:ext cx="4051899" cy="369332"/>
+          </a:xfrm>
+          <a:prstGeom prst="rect">
+            <a:avLst/>
+          </a:prstGeom>
+          <a:noFill/>
+        </p:spPr>
+        <p:txBody>
+          <a:bodyPr wrap="square" rtlCol="0">
+            <a:spAutoFit/>
+          </a:bodyPr>
+          <a:lstStyle/>
+          <a:p>
+            <a:r>
+              <a:rPr lang="ja-JP" altLang="en-US" dirty="0" smtClean="0"/>
+              <a:t>この１行で，変数に数値を格納する．</a:t>
+            </a:r>
+            <a:endParaRPr lang="en-US" altLang="ja-JP" dirty="0"/>
+          </a:p>
+        </p:txBody>
+      </p:sp>
+      <p:sp>
+        <p:nvSpPr>
+          <p:cNvPr id="29" name="直方体 28"/>
+          <p:cNvSpPr/>
+          <p:nvPr/>
+        </p:nvSpPr>
+        <p:spPr>
+          <a:xfrm>
+            <a:off x="2667000" y="6435012"/>
+            <a:ext cx="1397000" cy="787400"/>
+          </a:xfrm>
+          <a:prstGeom prst="cube">
+            <a:avLst/>
+          </a:prstGeom>
+          <a:solidFill>
+            <a:schemeClr val="bg1">
+              <a:lumMod val="85000"/>
+            </a:schemeClr>
+          </a:solidFill>
+          <a:ln>
+            <a:solidFill>
+              <a:srgbClr val="000000"/>
+            </a:solidFill>
+          </a:ln>
+        </p:spPr>
+        <p:style>
+          <a:lnRef idx="1">
+            <a:schemeClr val="accent1"/>
+          </a:lnRef>
+          <a:fillRef idx="3">
+            <a:schemeClr val="accent1"/>
+          </a:fillRef>
+          <a:effectRef idx="2">
+            <a:schemeClr val="accent1"/>
+          </a:effectRef>
+          <a:fontRef idx="minor">
+            <a:schemeClr val="lt1"/>
+          </a:fontRef>
+        </p:style>
+        <p:txBody>
+          <a:bodyPr rtlCol="0" anchor="ctr"/>
+          <a:lstStyle/>
+          <a:p>
+            <a:pPr algn="ctr"/>
+            <a:r>
+              <a:rPr kumimoji="1" lang="en-US" altLang="ja-JP" dirty="0" err="1" smtClean="0">
+                <a:solidFill>
+                  <a:schemeClr val="tx1"/>
+                </a:solidFill>
+              </a:rPr>
+              <a:t>shipX</a:t>
+            </a:r>
+            <a:endParaRPr kumimoji="1" lang="ja-JP" altLang="en-US" dirty="0">
+              <a:solidFill>
+                <a:schemeClr val="tx1"/>
+              </a:solidFill>
+            </a:endParaRPr>
+          </a:p>
+        </p:txBody>
+      </p:sp>
+      <p:sp>
+        <p:nvSpPr>
+          <p:cNvPr id="30" name="テキスト ボックス 29"/>
+          <p:cNvSpPr txBox="1"/>
+          <p:nvPr/>
+        </p:nvSpPr>
+        <p:spPr>
+          <a:xfrm>
+            <a:off x="4293527" y="5957214"/>
+            <a:ext cx="730639" cy="523220"/>
+          </a:xfrm>
+          <a:prstGeom prst="rect">
+            <a:avLst/>
+          </a:prstGeom>
+          <a:noFill/>
+        </p:spPr>
+        <p:txBody>
+          <a:bodyPr wrap="none" rtlCol="0">
+            <a:spAutoFit/>
+          </a:bodyPr>
+          <a:lstStyle/>
+          <a:p>
+            <a:r>
+              <a:rPr lang="en-US" altLang="ja-JP" sz="2800" dirty="0" smtClean="0"/>
+              <a:t>215</a:t>
+            </a:r>
+            <a:endParaRPr lang="en-US" altLang="ja-JP" sz="2800" dirty="0"/>
+          </a:p>
+        </p:txBody>
+      </p:sp>
+      <p:sp>
+        <p:nvSpPr>
+          <p:cNvPr id="38" name="テキスト ボックス 37"/>
+          <p:cNvSpPr txBox="1"/>
+          <p:nvPr/>
+        </p:nvSpPr>
+        <p:spPr>
+          <a:xfrm>
+            <a:off x="772040" y="7513824"/>
+            <a:ext cx="2648193" cy="369332"/>
+          </a:xfrm>
+          <a:prstGeom prst="rect">
+            <a:avLst/>
+          </a:prstGeom>
+          <a:noFill/>
+        </p:spPr>
+        <p:txBody>
+          <a:bodyPr wrap="none" rtlCol="0">
+            <a:spAutoFit/>
+          </a:bodyPr>
+          <a:lstStyle/>
+          <a:p>
+            <a:r>
+              <a:rPr lang="en-US" altLang="ja-JP" dirty="0" err="1" smtClean="0"/>
+              <a:t>rect</a:t>
+            </a:r>
+            <a:r>
+              <a:rPr lang="en-US" altLang="ja-JP" dirty="0"/>
+              <a:t>(</a:t>
+            </a:r>
+            <a:r>
+              <a:rPr lang="en-US" altLang="ja-JP" dirty="0" err="1"/>
+              <a:t>shipX</a:t>
+            </a:r>
+            <a:r>
+              <a:rPr lang="en-US" altLang="ja-JP" dirty="0"/>
+              <a:t>, </a:t>
+            </a:r>
+            <a:r>
+              <a:rPr lang="en-US" altLang="ja-JP" dirty="0" err="1"/>
+              <a:t>shipY</a:t>
+            </a:r>
+            <a:r>
+              <a:rPr lang="en-US" altLang="ja-JP" dirty="0"/>
+              <a:t>, 50, 50)</a:t>
+            </a:r>
+            <a:r>
+              <a:rPr lang="en-US" altLang="ja-JP" dirty="0" smtClean="0"/>
+              <a:t>;</a:t>
+            </a:r>
+            <a:endParaRPr lang="en-US" altLang="ja-JP" dirty="0"/>
+          </a:p>
+        </p:txBody>
+      </p:sp>
+      <p:sp>
+        <p:nvSpPr>
+          <p:cNvPr id="39" name="テキスト ボックス 38"/>
+          <p:cNvSpPr txBox="1"/>
+          <p:nvPr/>
+        </p:nvSpPr>
+        <p:spPr>
+          <a:xfrm>
+            <a:off x="2239615" y="7883156"/>
+            <a:ext cx="4051899" cy="646331"/>
+          </a:xfrm>
+          <a:prstGeom prst="rect">
+            <a:avLst/>
+          </a:prstGeom>
+          <a:noFill/>
+        </p:spPr>
+        <p:txBody>
+          <a:bodyPr wrap="square" rtlCol="0">
+            <a:spAutoFit/>
+          </a:bodyPr>
+          <a:lstStyle/>
+          <a:p>
+            <a:r>
+              <a:rPr lang="ja-JP" altLang="en-US" dirty="0" smtClean="0"/>
+              <a:t>変数</a:t>
+            </a:r>
+            <a:r>
+              <a:rPr lang="en-US" altLang="ja-JP" dirty="0" err="1" smtClean="0"/>
+              <a:t>shipX</a:t>
+            </a:r>
+            <a:r>
+              <a:rPr lang="ja-JP" altLang="en-US" dirty="0" smtClean="0"/>
+              <a:t>には</a:t>
+            </a:r>
+            <a:r>
+              <a:rPr lang="en-US" altLang="ja-JP" dirty="0" smtClean="0"/>
+              <a:t>215</a:t>
+            </a:r>
+            <a:r>
+              <a:rPr lang="ja-JP" altLang="en-US" dirty="0" smtClean="0"/>
+              <a:t>が入っている．何度でも使うことができる．</a:t>
+            </a:r>
+            <a:endParaRPr lang="en-US" altLang="ja-JP" dirty="0"/>
+          </a:p>
+        </p:txBody>
+      </p:sp>
+      <p:sp>
+        <p:nvSpPr>
+          <p:cNvPr id="40" name="テキスト ボックス 39"/>
+          <p:cNvSpPr txBox="1"/>
+          <p:nvPr/>
+        </p:nvSpPr>
+        <p:spPr>
+          <a:xfrm>
+            <a:off x="1292202" y="8160155"/>
+            <a:ext cx="535648" cy="369332"/>
+          </a:xfrm>
+          <a:prstGeom prst="rect">
+            <a:avLst/>
+          </a:prstGeom>
+          <a:noFill/>
+        </p:spPr>
+        <p:txBody>
+          <a:bodyPr wrap="none" rtlCol="0">
+            <a:spAutoFit/>
+          </a:bodyPr>
+          <a:lstStyle/>
+          <a:p>
+            <a:r>
+              <a:rPr lang="en-US" altLang="ja-JP" dirty="0" smtClean="0"/>
+              <a:t>215</a:t>
+            </a:r>
+            <a:endParaRPr lang="en-US" altLang="ja-JP" dirty="0"/>
+          </a:p>
+        </p:txBody>
+      </p:sp>
+      <p:cxnSp>
+        <p:nvCxnSpPr>
+          <p:cNvPr id="42" name="直線矢印コネクタ 41"/>
+          <p:cNvCxnSpPr>
+            <a:stCxn id="40" idx="0"/>
+          </p:cNvCxnSpPr>
+          <p:nvPr/>
+        </p:nvCxnSpPr>
+        <p:spPr>
+          <a:xfrm flipV="1">
+            <a:off x="1560026" y="7883156"/>
+            <a:ext cx="0" cy="276999"/>
+          </a:xfrm>
+          <a:prstGeom prst="straightConnector1">
+            <a:avLst/>
+          </a:prstGeom>
+          <a:ln>
+            <a:solidFill>
+              <a:srgbClr val="000000"/>
+            </a:solidFill>
+            <a:tailEnd type="arrow"/>
+          </a:ln>
+        </p:spPr>
+        <p:style>
+          <a:lnRef idx="2">
+            <a:schemeClr val="accent1"/>
+          </a:lnRef>
+          <a:fillRef idx="0">
+            <a:schemeClr val="accent1"/>
+          </a:fillRef>
+          <a:effectRef idx="1">
+            <a:schemeClr val="accent1"/>
+          </a:effectRef>
+          <a:fontRef idx="minor">
+            <a:schemeClr val="tx1"/>
+          </a:fontRef>
+        </p:style>
+      </p:cxnSp>
+      <p:sp>
+        <p:nvSpPr>
+          <p:cNvPr id="44" name="左矢印 43"/>
+          <p:cNvSpPr/>
+          <p:nvPr/>
+        </p:nvSpPr>
+        <p:spPr>
+          <a:xfrm rot="19751953">
+            <a:off x="3351677" y="6194683"/>
+            <a:ext cx="965200" cy="571500"/>
+          </a:xfrm>
+          <a:prstGeom prst="leftArrow">
+            <a:avLst/>
+          </a:prstGeom>
+          <a:solidFill>
+            <a:srgbClr val="D9D9D9"/>
+          </a:solidFill>
+          <a:ln>
+            <a:solidFill>
+              <a:srgbClr val="000000"/>
+            </a:solidFill>
+          </a:ln>
+        </p:spPr>
+        <p:style>
+          <a:lnRef idx="1">
+            <a:schemeClr val="accent1"/>
+          </a:lnRef>
+          <a:fillRef idx="3">
+            <a:schemeClr val="accent1"/>
+          </a:fillRef>
+          <a:effectRef idx="2">
+            <a:schemeClr val="accent1"/>
+          </a:effectRef>
+          <a:fontRef idx="minor">
+            <a:schemeClr val="lt1"/>
+          </a:fontRef>
+        </p:style>
+        <p:txBody>
+          <a:bodyPr rtlCol="0" anchor="ctr"/>
+          <a:lstStyle/>
+          <a:p>
+            <a:pPr algn="ctr"/>
+            <a:endParaRPr kumimoji="1" lang="ja-JP" altLang="en-US"/>
+          </a:p>
+        </p:txBody>
+      </p:sp>
     </p:spTree>
     <p:extLst>
       <p:ext uri="{BB962C8B-B14F-4D97-AF65-F5344CB8AC3E}">
-        <p14:creationId xmlns:p14="http://schemas.microsoft.com/office/powerpoint/2010/main" val="277251700"/>
+        <p14:creationId xmlns:p14="http://schemas.microsoft.com/office/powerpoint/2010/main" val="1429873477"/>
       </p:ext>
     </p:extLst>
   </p:cSld>
